--- a/Resources/Build-On-2.pptx
+++ b/Resources/Build-On-2.pptx
@@ -4963,9 +4963,6 @@
               </a:rPr>
               <a:t>Structs</a:t>
             </a:r>
-            <a:endParaRPr lang="en-US" dirty="0">
-              <a:hlinkClick r:id="rId5" action="ppaction://hlinkfile"/>
-            </a:endParaRPr>
           </a:p>
           <a:p>
             <a:r>

--- a/Resources/Build-On-2.pptx
+++ b/Resources/Build-On-2.pptx
@@ -4432,6 +4432,47 @@
       </p:sp>
       <p:sp>
         <p:nvSpPr>
+          <p:cNvPr id="5" name="Text Placeholder 4">
+            <a:extLst>
+              <a:ext uri="{FF2B5EF4-FFF2-40B4-BE49-F238E27FC236}">
+                <a16:creationId xmlns:a16="http://schemas.microsoft.com/office/drawing/2014/main" id="{7CD5485A-FC54-43B5-927E-EE96AF0C3AD5}"/>
+              </a:ext>
+            </a:extLst>
+          </p:cNvPr>
+          <p:cNvSpPr>
+            <a:spLocks noGrp="1"/>
+          </p:cNvSpPr>
+          <p:nvPr>
+            <p:ph type="body" idx="1"/>
+          </p:nvPr>
+        </p:nvSpPr>
+        <p:spPr>
+          <a:xfrm>
+            <a:off x="839788" y="1681163"/>
+            <a:ext cx="5157787" cy="611981"/>
+          </a:xfrm>
+        </p:spPr>
+        <p:txBody>
+          <a:bodyPr/>
+          <a:lstStyle/>
+          <a:p>
+            <a:r>
+              <a:rPr lang="en-US" dirty="0"/>
+              <a:t>Focus: </a:t>
+            </a:r>
+            <a:r>
+              <a:rPr lang="en-US" dirty="0" err="1"/>
+              <a:t>TextSearch</a:t>
+            </a:r>
+            <a:r>
+              <a:rPr lang="en-US" dirty="0"/>
+              <a:t> Package</a:t>
+            </a:r>
+          </a:p>
+        </p:txBody>
+      </p:sp>
+      <p:sp>
+        <p:nvSpPr>
           <p:cNvPr id="3" name="Content Placeholder 2">
             <a:extLst>
               <a:ext uri="{FF2B5EF4-FFF2-40B4-BE49-F238E27FC236}">
@@ -4443,10 +4484,14 @@
             <a:spLocks noGrp="1"/>
           </p:cNvSpPr>
           <p:nvPr>
-            <p:ph sz="half" idx="1"/>
+            <p:ph sz="half" idx="2"/>
           </p:nvPr>
         </p:nvSpPr>
         <p:spPr>
+          <a:xfrm>
+            <a:off x="839788" y="2293144"/>
+            <a:ext cx="5157787" cy="4121944"/>
+          </a:xfrm>
           <a:ln/>
         </p:spPr>
         <p:style>
@@ -4482,14 +4527,15 @@
               </a:rPr>
               <a:t>Step #1</a:t>
             </a:r>
+            <a:r>
+              <a:rPr lang="en-US" dirty="0"/>
+              <a:t> - </a:t>
+            </a:r>
+            <a:r>
+              <a:rPr lang="en-US" dirty="0" err="1"/>
+              <a:t>TextSearch</a:t>
+            </a:r>
             <a:endParaRPr lang="en-US" dirty="0"/>
-          </a:p>
-          <a:p>
-            <a:pPr lvl="1"/>
-            <a:r>
-              <a:rPr lang="en-US" dirty="0"/>
-              <a:t>Starter Code</a:t>
-            </a:r>
           </a:p>
           <a:p>
             <a:pPr lvl="1"/>
@@ -4497,7 +4543,7 @@
               <a:rPr lang="en-US" dirty="0">
                 <a:hlinkClick r:id="rId4"/>
               </a:rPr>
-              <a:t>Functions</a:t>
+              <a:t>Starter Code</a:t>
             </a:r>
             <a:endParaRPr lang="en-US" dirty="0"/>
           </a:p>
@@ -4507,17 +4553,17 @@
               <a:rPr lang="en-US" dirty="0">
                 <a:hlinkClick r:id="rId5"/>
               </a:rPr>
-              <a:t>Structs</a:t>
+              <a:t>Functions</a:t>
             </a:r>
             <a:endParaRPr lang="en-US" dirty="0"/>
           </a:p>
           <a:p>
             <a:pPr lvl="1"/>
             <a:r>
-              <a:rPr lang="en-US" dirty="0" err="1">
+              <a:rPr lang="en-US" dirty="0">
                 <a:hlinkClick r:id="rId6"/>
               </a:rPr>
-              <a:t>RustStory_Libraries.html#fs</a:t>
+              <a:t>Structs</a:t>
             </a:r>
             <a:endParaRPr lang="en-US" dirty="0"/>
           </a:p>
@@ -4527,44 +4573,65 @@
               <a:rPr lang="en-US" dirty="0" err="1">
                 <a:hlinkClick r:id="rId7"/>
               </a:rPr>
-              <a:t>std:fs</a:t>
+              <a:t>RustStory_Libraries.html#fs</a:t>
             </a:r>
             <a:endParaRPr lang="en-US" dirty="0"/>
           </a:p>
           <a:p>
-            <a:r>
-              <a:rPr lang="en-US" dirty="0">
+            <a:pPr lvl="1"/>
+            <a:r>
+              <a:rPr lang="en-US" dirty="0" err="1">
                 <a:hlinkClick r:id="rId8"/>
               </a:rPr>
-              <a:t>Safety</a:t>
-            </a:r>
-            <a:endParaRPr lang="en-US" dirty="0">
-              <a:hlinkClick r:id="rId9" action="ppaction://hlinkfile"/>
-            </a:endParaRPr>
-          </a:p>
-          <a:p>
-            <a:r>
-              <a:rPr lang="en-US" dirty="0" err="1">
-                <a:hlinkClick r:id="rId10"/>
-              </a:rPr>
-              <a:t>RustBite_Data</a:t>
-            </a:r>
-            <a:endParaRPr lang="en-US" dirty="0">
-              <a:hlinkClick r:id="rId11"/>
-            </a:endParaRPr>
+              <a:t>std:fs</a:t>
+            </a:r>
+            <a:endParaRPr lang="en-US" dirty="0"/>
           </a:p>
           <a:p>
             <a:pPr marL="0" indent="0">
               <a:buNone/>
             </a:pPr>
             <a:endParaRPr lang="en-US" dirty="0">
-              <a:hlinkClick r:id="rId11"/>
+              <a:hlinkClick r:id="rId9"/>
             </a:endParaRPr>
           </a:p>
         </p:txBody>
       </p:sp>
       <p:sp>
         <p:nvSpPr>
+          <p:cNvPr id="6" name="Text Placeholder 5">
+            <a:extLst>
+              <a:ext uri="{FF2B5EF4-FFF2-40B4-BE49-F238E27FC236}">
+                <a16:creationId xmlns:a16="http://schemas.microsoft.com/office/drawing/2014/main" id="{87CA1F5E-B664-4BD5-9BEA-A9442889F3EE}"/>
+              </a:ext>
+            </a:extLst>
+          </p:cNvPr>
+          <p:cNvSpPr>
+            <a:spLocks noGrp="1"/>
+          </p:cNvSpPr>
+          <p:nvPr>
+            <p:ph type="body" sz="quarter" idx="3"/>
+          </p:nvPr>
+        </p:nvSpPr>
+        <p:spPr>
+          <a:xfrm>
+            <a:off x="6172200" y="1681163"/>
+            <a:ext cx="5183188" cy="611981"/>
+          </a:xfrm>
+        </p:spPr>
+        <p:txBody>
+          <a:bodyPr/>
+          <a:lstStyle/>
+          <a:p>
+            <a:r>
+              <a:rPr lang="en-US" dirty="0"/>
+              <a:t>Focus: Rust</a:t>
+            </a:r>
+          </a:p>
+        </p:txBody>
+      </p:sp>
+      <p:sp>
+        <p:nvSpPr>
           <p:cNvPr id="4" name="Content Placeholder 3">
             <a:extLst>
               <a:ext uri="{FF2B5EF4-FFF2-40B4-BE49-F238E27FC236}">
@@ -4576,10 +4643,14 @@
             <a:spLocks noGrp="1"/>
           </p:cNvSpPr>
           <p:nvPr>
-            <p:ph sz="half" idx="2"/>
+            <p:ph sz="quarter" idx="4"/>
           </p:nvPr>
         </p:nvSpPr>
         <p:spPr>
+          <a:xfrm>
+            <a:off x="6172200" y="2293144"/>
+            <a:ext cx="5183188" cy="4121944"/>
+          </a:xfrm>
           <a:ln/>
         </p:spPr>
         <p:style>
@@ -4602,12 +4673,23 @@
           <a:p>
             <a:r>
               <a:rPr lang="en-US" dirty="0">
+                <a:hlinkClick r:id="rId10"/>
+              </a:rPr>
+              <a:t>Safety</a:t>
+            </a:r>
+            <a:endParaRPr lang="en-US" dirty="0">
+              <a:hlinkClick r:id="rId11" action="ppaction://hlinkfile"/>
+            </a:endParaRPr>
+          </a:p>
+          <a:p>
+            <a:r>
+              <a:rPr lang="en-US" dirty="0" err="1">
                 <a:hlinkClick r:id="rId12"/>
               </a:rPr>
-              <a:t>Enumerations</a:t>
+              <a:t>RustBite_Data</a:t>
             </a:r>
             <a:endParaRPr lang="en-US" dirty="0">
-              <a:hlinkClick r:id="rId11"/>
+              <a:hlinkClick r:id="rId13"/>
             </a:endParaRPr>
           </a:p>
           <a:p>
@@ -4615,43 +4697,14 @@
               <a:rPr lang="en-US" dirty="0">
                 <a:hlinkClick r:id="rId13"/>
               </a:rPr>
-              <a:t>Error Handling</a:t>
-            </a:r>
-            <a:endParaRPr lang="en-US" dirty="0">
-              <a:hlinkClick r:id="rId14" action="ppaction://hlinkfile"/>
-            </a:endParaRPr>
+              <a:t>Rust Bites</a:t>
+            </a:r>
+            <a:endParaRPr lang="en-US" dirty="0"/>
           </a:p>
           <a:p>
             <a:r>
               <a:rPr lang="en-US" dirty="0">
-                <a:hlinkClick r:id="rId15"/>
-              </a:rPr>
-              <a:t>Conversions</a:t>
-            </a:r>
-            <a:endParaRPr lang="en-US" dirty="0"/>
-          </a:p>
-          <a:p>
-            <a:r>
-              <a:rPr lang="en-US" dirty="0">
-                <a:hlinkClick r:id="rId16"/>
-              </a:rPr>
-              <a:t>Generics &amp;Traits</a:t>
-            </a:r>
-            <a:endParaRPr lang="en-US" dirty="0"/>
-          </a:p>
-          <a:p>
-            <a:r>
-              <a:rPr lang="en-US" dirty="0">
-                <a:hlinkClick r:id="rId17"/>
-              </a:rPr>
-              <a:t>Rust Bites</a:t>
-            </a:r>
-            <a:endParaRPr lang="en-US" dirty="0"/>
-          </a:p>
-          <a:p>
-            <a:r>
-              <a:rPr lang="en-US" dirty="0">
-                <a:hlinkClick r:id="rId18"/>
+                <a:hlinkClick r:id="rId14"/>
               </a:rPr>
               <a:t>Rust Story</a:t>
             </a:r>
@@ -4660,7 +4713,7 @@
           <a:p>
             <a:r>
               <a:rPr lang="en-US" dirty="0" err="1">
-                <a:hlinkClick r:id="rId19"/>
+                <a:hlinkClick r:id="rId15"/>
               </a:rPr>
               <a:t>BuildOn</a:t>
             </a:r>
@@ -4784,7 +4837,7 @@
           <a:p>
             <a:r>
               <a:rPr lang="en-US" sz="2800" dirty="0"/>
-              <a:t>Project Review</a:t>
+              <a:t>Project Packages</a:t>
             </a:r>
           </a:p>
         </p:txBody>
@@ -4836,7 +4889,10 @@
               </a:rPr>
               <a:t>Step #1</a:t>
             </a:r>
-            <a:endParaRPr lang="en-US" dirty="0"/>
+            <a:r>
+              <a:rPr lang="en-US" dirty="0"/>
+              <a:t> – Quick Review</a:t>
+            </a:r>
           </a:p>
           <a:p>
             <a:pPr lvl="1"/>
@@ -4849,7 +4905,7 @@
             <a:pPr lvl="1"/>
             <a:r>
               <a:rPr lang="en-US" dirty="0"/>
-              <a:t>Look at Starter Code</a:t>
+              <a:t>Posted solution</a:t>
             </a:r>
           </a:p>
           <a:p>
@@ -4859,17 +4915,25 @@
               </a:rPr>
               <a:t>Step #2</a:t>
             </a:r>
-            <a:endParaRPr lang="en-US" dirty="0"/>
-          </a:p>
-          <a:p>
-            <a:pPr lvl="1"/>
+            <a:r>
+              <a:rPr lang="en-US" dirty="0"/>
+              <a:t> - </a:t>
+            </a:r>
             <a:r>
               <a:rPr lang="en-US" dirty="0" err="1"/>
               <a:t>DirNav</a:t>
             </a:r>
-            <a:r>
-              <a:rPr lang="en-US" dirty="0"/>
-              <a:t> package</a:t>
+            <a:endParaRPr lang="en-US" dirty="0"/>
+          </a:p>
+          <a:p>
+            <a:pPr lvl="1"/>
+            <a:r>
+              <a:rPr lang="en-US" dirty="0" err="1"/>
+              <a:t>DirNav</a:t>
+            </a:r>
+            <a:r>
+              <a:rPr lang="en-US" dirty="0"/>
+              <a:t> package spec</a:t>
             </a:r>
           </a:p>
           <a:p>
@@ -4950,24 +5014,38 @@
           <a:p>
             <a:r>
               <a:rPr lang="en-US" dirty="0">
-                <a:hlinkClick r:id="rId4" action="ppaction://hlinkfile"/>
+                <a:hlinkClick r:id="rId4"/>
               </a:rPr>
-              <a:t>Functions</a:t>
+              <a:t>Enumerations</a:t>
+            </a:r>
+            <a:endParaRPr lang="en-US" dirty="0">
+              <a:hlinkClick r:id="rId5"/>
+            </a:endParaRPr>
+          </a:p>
+          <a:p>
+            <a:r>
+              <a:rPr lang="en-US" dirty="0">
+                <a:hlinkClick r:id="rId6"/>
+              </a:rPr>
+              <a:t>Error Handling</a:t>
+            </a:r>
+            <a:endParaRPr lang="en-US" dirty="0">
+              <a:hlinkClick r:id="rId7" action="ppaction://hlinkfile"/>
+            </a:endParaRPr>
+          </a:p>
+          <a:p>
+            <a:r>
+              <a:rPr lang="en-US" dirty="0">
+                <a:hlinkClick r:id="rId8"/>
+              </a:rPr>
+              <a:t>Conversions</a:t>
             </a:r>
             <a:endParaRPr lang="en-US" dirty="0"/>
           </a:p>
           <a:p>
             <a:r>
               <a:rPr lang="en-US" dirty="0">
-                <a:hlinkClick r:id="rId5" action="ppaction://hlinkfile"/>
-              </a:rPr>
-              <a:t>Structs</a:t>
-            </a:r>
-          </a:p>
-          <a:p>
-            <a:r>
-              <a:rPr lang="en-US" dirty="0">
-                <a:hlinkClick r:id="rId6" action="ppaction://hlinkfile"/>
+                <a:hlinkClick r:id="rId9"/>
               </a:rPr>
               <a:t>Generics &amp;Traits</a:t>
             </a:r>

--- a/Resources/Build-On-2.pptx
+++ b/Resources/Build-On-2.pptx
@@ -268,7 +268,7 @@
           <a:p>
             <a:fld id="{62A8A12F-4B01-424F-AD07-F42ED760B84B}" type="datetimeFigureOut">
               <a:rPr lang="en-US" smtClean="0"/>
-              <a:t>2/19/2021</a:t>
+              <a:t>2/20/2021</a:t>
             </a:fld>
             <a:endParaRPr lang="en-US"/>
           </a:p>
@@ -466,7 +466,7 @@
           <a:p>
             <a:fld id="{62A8A12F-4B01-424F-AD07-F42ED760B84B}" type="datetimeFigureOut">
               <a:rPr lang="en-US" smtClean="0"/>
-              <a:t>2/19/2021</a:t>
+              <a:t>2/20/2021</a:t>
             </a:fld>
             <a:endParaRPr lang="en-US"/>
           </a:p>
@@ -674,7 +674,7 @@
           <a:p>
             <a:fld id="{62A8A12F-4B01-424F-AD07-F42ED760B84B}" type="datetimeFigureOut">
               <a:rPr lang="en-US" smtClean="0"/>
-              <a:t>2/19/2021</a:t>
+              <a:t>2/20/2021</a:t>
             </a:fld>
             <a:endParaRPr lang="en-US"/>
           </a:p>
@@ -872,7 +872,7 @@
           <a:p>
             <a:fld id="{62A8A12F-4B01-424F-AD07-F42ED760B84B}" type="datetimeFigureOut">
               <a:rPr lang="en-US" smtClean="0"/>
-              <a:t>2/19/2021</a:t>
+              <a:t>2/20/2021</a:t>
             </a:fld>
             <a:endParaRPr lang="en-US"/>
           </a:p>
@@ -1147,7 +1147,7 @@
           <a:p>
             <a:fld id="{62A8A12F-4B01-424F-AD07-F42ED760B84B}" type="datetimeFigureOut">
               <a:rPr lang="en-US" smtClean="0"/>
-              <a:t>2/19/2021</a:t>
+              <a:t>2/20/2021</a:t>
             </a:fld>
             <a:endParaRPr lang="en-US"/>
           </a:p>
@@ -1412,7 +1412,7 @@
           <a:p>
             <a:fld id="{62A8A12F-4B01-424F-AD07-F42ED760B84B}" type="datetimeFigureOut">
               <a:rPr lang="en-US" smtClean="0"/>
-              <a:t>2/19/2021</a:t>
+              <a:t>2/20/2021</a:t>
             </a:fld>
             <a:endParaRPr lang="en-US"/>
           </a:p>
@@ -1824,7 +1824,7 @@
           <a:p>
             <a:fld id="{62A8A12F-4B01-424F-AD07-F42ED760B84B}" type="datetimeFigureOut">
               <a:rPr lang="en-US" smtClean="0"/>
-              <a:t>2/19/2021</a:t>
+              <a:t>2/20/2021</a:t>
             </a:fld>
             <a:endParaRPr lang="en-US"/>
           </a:p>
@@ -1965,7 +1965,7 @@
           <a:p>
             <a:fld id="{62A8A12F-4B01-424F-AD07-F42ED760B84B}" type="datetimeFigureOut">
               <a:rPr lang="en-US" smtClean="0"/>
-              <a:t>2/19/2021</a:t>
+              <a:t>2/20/2021</a:t>
             </a:fld>
             <a:endParaRPr lang="en-US"/>
           </a:p>
@@ -2078,7 +2078,7 @@
           <a:p>
             <a:fld id="{62A8A12F-4B01-424F-AD07-F42ED760B84B}" type="datetimeFigureOut">
               <a:rPr lang="en-US" smtClean="0"/>
-              <a:t>2/19/2021</a:t>
+              <a:t>2/20/2021</a:t>
             </a:fld>
             <a:endParaRPr lang="en-US"/>
           </a:p>
@@ -2389,7 +2389,7 @@
           <a:p>
             <a:fld id="{62A8A12F-4B01-424F-AD07-F42ED760B84B}" type="datetimeFigureOut">
               <a:rPr lang="en-US" smtClean="0"/>
-              <a:t>2/19/2021</a:t>
+              <a:t>2/20/2021</a:t>
             </a:fld>
             <a:endParaRPr lang="en-US"/>
           </a:p>
@@ -2677,7 +2677,7 @@
           <a:p>
             <a:fld id="{62A8A12F-4B01-424F-AD07-F42ED760B84B}" type="datetimeFigureOut">
               <a:rPr lang="en-US" smtClean="0"/>
-              <a:t>2/19/2021</a:t>
+              <a:t>2/20/2021</a:t>
             </a:fld>
             <a:endParaRPr lang="en-US"/>
           </a:p>
@@ -2918,7 +2918,7 @@
           <a:p>
             <a:fld id="{62A8A12F-4B01-424F-AD07-F42ED760B84B}" type="datetimeFigureOut">
               <a:rPr lang="en-US" smtClean="0"/>
-              <a:t>2/19/2021</a:t>
+              <a:t>2/20/2021</a:t>
             </a:fld>
             <a:endParaRPr lang="en-US"/>
           </a:p>
@@ -4720,6 +4720,15 @@
             <a:endParaRPr lang="en-US" dirty="0"/>
           </a:p>
           <a:p>
+            <a:r>
+              <a:rPr lang="en-US">
+                <a:hlinkClick r:id="rId16"/>
+              </a:rPr>
+              <a:t>Code Experiments</a:t>
+            </a:r>
+            <a:endParaRPr lang="en-US" dirty="0"/>
+          </a:p>
+          <a:p>
             <a:pPr marL="0" indent="0">
               <a:buNone/>
             </a:pPr>

--- a/Resources/Build-On-2.pptx
+++ b/Resources/Build-On-2.pptx
@@ -268,7 +268,7 @@
           <a:p>
             <a:fld id="{62A8A12F-4B01-424F-AD07-F42ED760B84B}" type="datetimeFigureOut">
               <a:rPr lang="en-US" smtClean="0"/>
-              <a:t>2/20/2021</a:t>
+              <a:t>2/21/2021</a:t>
             </a:fld>
             <a:endParaRPr lang="en-US"/>
           </a:p>
@@ -466,7 +466,7 @@
           <a:p>
             <a:fld id="{62A8A12F-4B01-424F-AD07-F42ED760B84B}" type="datetimeFigureOut">
               <a:rPr lang="en-US" smtClean="0"/>
-              <a:t>2/20/2021</a:t>
+              <a:t>2/21/2021</a:t>
             </a:fld>
             <a:endParaRPr lang="en-US"/>
           </a:p>
@@ -674,7 +674,7 @@
           <a:p>
             <a:fld id="{62A8A12F-4B01-424F-AD07-F42ED760B84B}" type="datetimeFigureOut">
               <a:rPr lang="en-US" smtClean="0"/>
-              <a:t>2/20/2021</a:t>
+              <a:t>2/21/2021</a:t>
             </a:fld>
             <a:endParaRPr lang="en-US"/>
           </a:p>
@@ -872,7 +872,7 @@
           <a:p>
             <a:fld id="{62A8A12F-4B01-424F-AD07-F42ED760B84B}" type="datetimeFigureOut">
               <a:rPr lang="en-US" smtClean="0"/>
-              <a:t>2/20/2021</a:t>
+              <a:t>2/21/2021</a:t>
             </a:fld>
             <a:endParaRPr lang="en-US"/>
           </a:p>
@@ -1147,7 +1147,7 @@
           <a:p>
             <a:fld id="{62A8A12F-4B01-424F-AD07-F42ED760B84B}" type="datetimeFigureOut">
               <a:rPr lang="en-US" smtClean="0"/>
-              <a:t>2/20/2021</a:t>
+              <a:t>2/21/2021</a:t>
             </a:fld>
             <a:endParaRPr lang="en-US"/>
           </a:p>
@@ -1412,7 +1412,7 @@
           <a:p>
             <a:fld id="{62A8A12F-4B01-424F-AD07-F42ED760B84B}" type="datetimeFigureOut">
               <a:rPr lang="en-US" smtClean="0"/>
-              <a:t>2/20/2021</a:t>
+              <a:t>2/21/2021</a:t>
             </a:fld>
             <a:endParaRPr lang="en-US"/>
           </a:p>
@@ -1824,7 +1824,7 @@
           <a:p>
             <a:fld id="{62A8A12F-4B01-424F-AD07-F42ED760B84B}" type="datetimeFigureOut">
               <a:rPr lang="en-US" smtClean="0"/>
-              <a:t>2/20/2021</a:t>
+              <a:t>2/21/2021</a:t>
             </a:fld>
             <a:endParaRPr lang="en-US"/>
           </a:p>
@@ -1965,7 +1965,7 @@
           <a:p>
             <a:fld id="{62A8A12F-4B01-424F-AD07-F42ED760B84B}" type="datetimeFigureOut">
               <a:rPr lang="en-US" smtClean="0"/>
-              <a:t>2/20/2021</a:t>
+              <a:t>2/21/2021</a:t>
             </a:fld>
             <a:endParaRPr lang="en-US"/>
           </a:p>
@@ -2078,7 +2078,7 @@
           <a:p>
             <a:fld id="{62A8A12F-4B01-424F-AD07-F42ED760B84B}" type="datetimeFigureOut">
               <a:rPr lang="en-US" smtClean="0"/>
-              <a:t>2/20/2021</a:t>
+              <a:t>2/21/2021</a:t>
             </a:fld>
             <a:endParaRPr lang="en-US"/>
           </a:p>
@@ -2389,7 +2389,7 @@
           <a:p>
             <a:fld id="{62A8A12F-4B01-424F-AD07-F42ED760B84B}" type="datetimeFigureOut">
               <a:rPr lang="en-US" smtClean="0"/>
-              <a:t>2/20/2021</a:t>
+              <a:t>2/21/2021</a:t>
             </a:fld>
             <a:endParaRPr lang="en-US"/>
           </a:p>
@@ -2677,7 +2677,7 @@
           <a:p>
             <a:fld id="{62A8A12F-4B01-424F-AD07-F42ED760B84B}" type="datetimeFigureOut">
               <a:rPr lang="en-US" smtClean="0"/>
-              <a:t>2/20/2021</a:t>
+              <a:t>2/21/2021</a:t>
             </a:fld>
             <a:endParaRPr lang="en-US"/>
           </a:p>
@@ -2918,7 +2918,7 @@
           <a:p>
             <a:fld id="{62A8A12F-4B01-424F-AD07-F42ED760B84B}" type="datetimeFigureOut">
               <a:rPr lang="en-US" smtClean="0"/>
-              <a:t>2/20/2021</a:t>
+              <a:t>2/21/2021</a:t>
             </a:fld>
             <a:endParaRPr lang="en-US"/>
           </a:p>
@@ -4721,8 +4721,17 @@
           </a:p>
           <a:p>
             <a:r>
-              <a:rPr lang="en-US">
+              <a:rPr lang="en-US" dirty="0" err="1">
                 <a:hlinkClick r:id="rId16"/>
+              </a:rPr>
+              <a:t>Anim_Features</a:t>
+            </a:r>
+            <a:endParaRPr lang="en-US" dirty="0"/>
+          </a:p>
+          <a:p>
+            <a:r>
+              <a:rPr lang="en-US" dirty="0">
+                <a:hlinkClick r:id="rId17"/>
               </a:rPr>
               <a:t>Code Experiments</a:t>
             </a:r>

--- a/Resources/Build-On-2.pptx
+++ b/Resources/Build-On-2.pptx
@@ -4553,7 +4553,7 @@
               <a:rPr lang="en-US" dirty="0">
                 <a:hlinkClick r:id="rId5"/>
               </a:rPr>
-              <a:t>Functions</a:t>
+              <a:t>Tooling</a:t>
             </a:r>
             <a:endParaRPr lang="en-US" dirty="0"/>
           </a:p>
@@ -4563,17 +4563,17 @@
               <a:rPr lang="en-US" dirty="0">
                 <a:hlinkClick r:id="rId6"/>
               </a:rPr>
-              <a:t>Structs</a:t>
+              <a:t>Functions</a:t>
             </a:r>
             <a:endParaRPr lang="en-US" dirty="0"/>
           </a:p>
           <a:p>
             <a:pPr lvl="1"/>
             <a:r>
-              <a:rPr lang="en-US" dirty="0" err="1">
+              <a:rPr lang="en-US" dirty="0">
                 <a:hlinkClick r:id="rId7"/>
               </a:rPr>
-              <a:t>RustStory_Libraries.html#fs</a:t>
+              <a:t>Structs</a:t>
             </a:r>
             <a:endParaRPr lang="en-US" dirty="0"/>
           </a:p>
@@ -4583,6 +4583,16 @@
               <a:rPr lang="en-US" dirty="0" err="1">
                 <a:hlinkClick r:id="rId8"/>
               </a:rPr>
+              <a:t>RustStory_Libraries.html#fs</a:t>
+            </a:r>
+            <a:endParaRPr lang="en-US" dirty="0"/>
+          </a:p>
+          <a:p>
+            <a:pPr lvl="1"/>
+            <a:r>
+              <a:rPr lang="en-US" dirty="0" err="1">
+                <a:hlinkClick r:id="rId9"/>
+              </a:rPr>
               <a:t>std:fs</a:t>
             </a:r>
             <a:endParaRPr lang="en-US" dirty="0"/>
@@ -4592,7 +4602,7 @@
               <a:buNone/>
             </a:pPr>
             <a:endParaRPr lang="en-US" dirty="0">
-              <a:hlinkClick r:id="rId9"/>
+              <a:hlinkClick r:id="rId10"/>
             </a:endParaRPr>
           </a:p>
         </p:txBody>
@@ -4673,49 +4683,40 @@
           <a:p>
             <a:r>
               <a:rPr lang="en-US" dirty="0">
-                <a:hlinkClick r:id="rId10"/>
+                <a:hlinkClick r:id="rId11"/>
               </a:rPr>
               <a:t>Safety</a:t>
             </a:r>
             <a:endParaRPr lang="en-US" dirty="0">
-              <a:hlinkClick r:id="rId11" action="ppaction://hlinkfile"/>
+              <a:hlinkClick r:id="rId12" action="ppaction://hlinkfile"/>
             </a:endParaRPr>
           </a:p>
           <a:p>
             <a:r>
               <a:rPr lang="en-US" dirty="0" err="1">
-                <a:hlinkClick r:id="rId12"/>
+                <a:hlinkClick r:id="rId13"/>
               </a:rPr>
               <a:t>RustBite_Data</a:t>
             </a:r>
             <a:endParaRPr lang="en-US" dirty="0">
-              <a:hlinkClick r:id="rId13"/>
+              <a:hlinkClick r:id="rId14"/>
             </a:endParaRPr>
-          </a:p>
-          <a:p>
-            <a:r>
-              <a:rPr lang="en-US" dirty="0">
-                <a:hlinkClick r:id="rId13"/>
-              </a:rPr>
-              <a:t>Rust Bites</a:t>
-            </a:r>
-            <a:endParaRPr lang="en-US" dirty="0"/>
           </a:p>
           <a:p>
             <a:r>
               <a:rPr lang="en-US" dirty="0">
                 <a:hlinkClick r:id="rId14"/>
               </a:rPr>
-              <a:t>Rust Story</a:t>
+              <a:t>Rust Bites</a:t>
             </a:r>
             <a:endParaRPr lang="en-US" dirty="0"/>
           </a:p>
           <a:p>
             <a:r>
-              <a:rPr lang="en-US" dirty="0" err="1">
+              <a:rPr lang="en-US" dirty="0">
                 <a:hlinkClick r:id="rId15"/>
               </a:rPr>
-              <a:t>BuildOn</a:t>
+              <a:t>Rust Story</a:t>
             </a:r>
             <a:endParaRPr lang="en-US" dirty="0"/>
           </a:p>
@@ -4735,6 +4736,21 @@
               </a:rPr>
               <a:t>Code Experiments</a:t>
             </a:r>
+            <a:endParaRPr lang="en-US" dirty="0"/>
+          </a:p>
+          <a:p>
+            <a:r>
+              <a:rPr lang="en-US" dirty="0" err="1">
+                <a:hlinkClick r:id="rId18"/>
+              </a:rPr>
+              <a:t>BuildOn</a:t>
+            </a:r>
+            <a:endParaRPr lang="en-US"/>
+          </a:p>
+          <a:p>
+            <a:pPr marL="0" indent="0">
+              <a:buNone/>
+            </a:pPr>
             <a:endParaRPr lang="en-US" dirty="0"/>
           </a:p>
           <a:p>

--- a/Resources/Build-On-2.pptx
+++ b/Resources/Build-On-2.pptx
@@ -268,7 +268,7 @@
           <a:p>
             <a:fld id="{62A8A12F-4B01-424F-AD07-F42ED760B84B}" type="datetimeFigureOut">
               <a:rPr lang="en-US" smtClean="0"/>
-              <a:t>2/21/2021</a:t>
+              <a:t>2/24/2021</a:t>
             </a:fld>
             <a:endParaRPr lang="en-US"/>
           </a:p>
@@ -466,7 +466,7 @@
           <a:p>
             <a:fld id="{62A8A12F-4B01-424F-AD07-F42ED760B84B}" type="datetimeFigureOut">
               <a:rPr lang="en-US" smtClean="0"/>
-              <a:t>2/21/2021</a:t>
+              <a:t>2/24/2021</a:t>
             </a:fld>
             <a:endParaRPr lang="en-US"/>
           </a:p>
@@ -674,7 +674,7 @@
           <a:p>
             <a:fld id="{62A8A12F-4B01-424F-AD07-F42ED760B84B}" type="datetimeFigureOut">
               <a:rPr lang="en-US" smtClean="0"/>
-              <a:t>2/21/2021</a:t>
+              <a:t>2/24/2021</a:t>
             </a:fld>
             <a:endParaRPr lang="en-US"/>
           </a:p>
@@ -872,7 +872,7 @@
           <a:p>
             <a:fld id="{62A8A12F-4B01-424F-AD07-F42ED760B84B}" type="datetimeFigureOut">
               <a:rPr lang="en-US" smtClean="0"/>
-              <a:t>2/21/2021</a:t>
+              <a:t>2/24/2021</a:t>
             </a:fld>
             <a:endParaRPr lang="en-US"/>
           </a:p>
@@ -1147,7 +1147,7 @@
           <a:p>
             <a:fld id="{62A8A12F-4B01-424F-AD07-F42ED760B84B}" type="datetimeFigureOut">
               <a:rPr lang="en-US" smtClean="0"/>
-              <a:t>2/21/2021</a:t>
+              <a:t>2/24/2021</a:t>
             </a:fld>
             <a:endParaRPr lang="en-US"/>
           </a:p>
@@ -1412,7 +1412,7 @@
           <a:p>
             <a:fld id="{62A8A12F-4B01-424F-AD07-F42ED760B84B}" type="datetimeFigureOut">
               <a:rPr lang="en-US" smtClean="0"/>
-              <a:t>2/21/2021</a:t>
+              <a:t>2/24/2021</a:t>
             </a:fld>
             <a:endParaRPr lang="en-US"/>
           </a:p>
@@ -1824,7 +1824,7 @@
           <a:p>
             <a:fld id="{62A8A12F-4B01-424F-AD07-F42ED760B84B}" type="datetimeFigureOut">
               <a:rPr lang="en-US" smtClean="0"/>
-              <a:t>2/21/2021</a:t>
+              <a:t>2/24/2021</a:t>
             </a:fld>
             <a:endParaRPr lang="en-US"/>
           </a:p>
@@ -1965,7 +1965,7 @@
           <a:p>
             <a:fld id="{62A8A12F-4B01-424F-AD07-F42ED760B84B}" type="datetimeFigureOut">
               <a:rPr lang="en-US" smtClean="0"/>
-              <a:t>2/21/2021</a:t>
+              <a:t>2/24/2021</a:t>
             </a:fld>
             <a:endParaRPr lang="en-US"/>
           </a:p>
@@ -2078,7 +2078,7 @@
           <a:p>
             <a:fld id="{62A8A12F-4B01-424F-AD07-F42ED760B84B}" type="datetimeFigureOut">
               <a:rPr lang="en-US" smtClean="0"/>
-              <a:t>2/21/2021</a:t>
+              <a:t>2/24/2021</a:t>
             </a:fld>
             <a:endParaRPr lang="en-US"/>
           </a:p>
@@ -2389,7 +2389,7 @@
           <a:p>
             <a:fld id="{62A8A12F-4B01-424F-AD07-F42ED760B84B}" type="datetimeFigureOut">
               <a:rPr lang="en-US" smtClean="0"/>
-              <a:t>2/21/2021</a:t>
+              <a:t>2/24/2021</a:t>
             </a:fld>
             <a:endParaRPr lang="en-US"/>
           </a:p>
@@ -2677,7 +2677,7 @@
           <a:p>
             <a:fld id="{62A8A12F-4B01-424F-AD07-F42ED760B84B}" type="datetimeFigureOut">
               <a:rPr lang="en-US" smtClean="0"/>
-              <a:t>2/21/2021</a:t>
+              <a:t>2/24/2021</a:t>
             </a:fld>
             <a:endParaRPr lang="en-US"/>
           </a:p>
@@ -2918,7 +2918,7 @@
           <a:p>
             <a:fld id="{62A8A12F-4B01-424F-AD07-F42ED760B84B}" type="datetimeFigureOut">
               <a:rPr lang="en-US" smtClean="0"/>
-              <a:t>2/21/2021</a:t>
+              <a:t>2/24/2021</a:t>
             </a:fld>
             <a:endParaRPr lang="en-US"/>
           </a:p>
@@ -4598,11 +4598,23 @@
             <a:endParaRPr lang="en-US" dirty="0"/>
           </a:p>
           <a:p>
+            <a:r>
+              <a:rPr lang="en-US" dirty="0" err="1">
+                <a:hlinkClick r:id="rId10"/>
+              </a:rPr>
+              <a:t>BuildOn</a:t>
+            </a:r>
+            <a:endParaRPr lang="en-US" dirty="0"/>
+          </a:p>
+          <a:p>
+            <a:endParaRPr lang="en-US" dirty="0"/>
+          </a:p>
+          <a:p>
             <a:pPr marL="0" indent="0">
               <a:buNone/>
             </a:pPr>
             <a:endParaRPr lang="en-US" dirty="0">
-              <a:hlinkClick r:id="rId10"/>
+              <a:hlinkClick r:id="rId11"/>
             </a:endParaRPr>
           </a:p>
         </p:txBody>
@@ -4683,49 +4695,61 @@
           <a:p>
             <a:r>
               <a:rPr lang="en-US" dirty="0">
-                <a:hlinkClick r:id="rId11"/>
+                <a:hlinkClick r:id="rId12"/>
               </a:rPr>
               <a:t>Safety</a:t>
             </a:r>
-            <a:endParaRPr lang="en-US" dirty="0">
-              <a:hlinkClick r:id="rId12" action="ppaction://hlinkfile"/>
-            </a:endParaRPr>
+            <a:endParaRPr lang="en-US" dirty="0"/>
           </a:p>
           <a:p>
             <a:r>
               <a:rPr lang="en-US" dirty="0" err="1">
                 <a:hlinkClick r:id="rId13"/>
               </a:rPr>
+              <a:t>Anim_Features</a:t>
+            </a:r>
+            <a:endParaRPr lang="en-US" dirty="0"/>
+          </a:p>
+          <a:p>
+            <a:r>
+              <a:rPr lang="en-US" dirty="0" err="1">
+                <a:hlinkClick r:id="rId13"/>
+              </a:rPr>
+              <a:t>Anim</a:t>
+            </a:r>
+            <a:r>
+              <a:rPr lang="en-US" err="1">
+                <a:hlinkClick r:id="rId13"/>
+              </a:rPr>
+              <a:t>_</a:t>
+            </a:r>
+            <a:r>
+              <a:rPr lang="en-US">
+                <a:hlinkClick r:id="rId13"/>
+              </a:rPr>
+              <a:t>Features</a:t>
+            </a:r>
+            <a:endParaRPr lang="en-US" dirty="0">
+              <a:hlinkClick r:id="rId14" action="ppaction://hlinkfile"/>
+            </a:endParaRPr>
+          </a:p>
+          <a:p>
+            <a:r>
+              <a:rPr lang="en-US" dirty="0" err="1">
+                <a:hlinkClick r:id="rId15"/>
+              </a:rPr>
               <a:t>RustBite_Data</a:t>
             </a:r>
             <a:endParaRPr lang="en-US" dirty="0">
-              <a:hlinkClick r:id="rId14"/>
+              <a:hlinkClick r:id="rId16"/>
             </a:endParaRPr>
           </a:p>
           <a:p>
             <a:r>
               <a:rPr lang="en-US" dirty="0">
-                <a:hlinkClick r:id="rId14"/>
+                <a:hlinkClick r:id="rId16"/>
               </a:rPr>
               <a:t>Rust Bites</a:t>
-            </a:r>
-            <a:endParaRPr lang="en-US" dirty="0"/>
-          </a:p>
-          <a:p>
-            <a:r>
-              <a:rPr lang="en-US" dirty="0">
-                <a:hlinkClick r:id="rId15"/>
-              </a:rPr>
-              <a:t>Rust Story</a:t>
-            </a:r>
-            <a:endParaRPr lang="en-US" dirty="0"/>
-          </a:p>
-          <a:p>
-            <a:r>
-              <a:rPr lang="en-US" dirty="0" err="1">
-                <a:hlinkClick r:id="rId16"/>
-              </a:rPr>
-              <a:t>Anim_Features</a:t>
             </a:r>
             <a:endParaRPr lang="en-US" dirty="0"/>
           </a:p>
@@ -4734,18 +4758,24 @@
               <a:rPr lang="en-US" dirty="0">
                 <a:hlinkClick r:id="rId17"/>
               </a:rPr>
-              <a:t>Code Experiments</a:t>
+              <a:t>Rust Story</a:t>
             </a:r>
             <a:endParaRPr lang="en-US" dirty="0"/>
           </a:p>
           <a:p>
             <a:r>
-              <a:rPr lang="en-US" dirty="0" err="1">
+              <a:rPr lang="en-US" dirty="0">
                 <a:hlinkClick r:id="rId18"/>
               </a:rPr>
-              <a:t>BuildOn</a:t>
-            </a:r>
-            <a:endParaRPr lang="en-US"/>
+              <a:t>Code Experiments</a:t>
+            </a:r>
+            <a:endParaRPr lang="en-US" dirty="0"/>
+          </a:p>
+          <a:p>
+            <a:pPr marL="0" indent="0">
+              <a:buNone/>
+            </a:pPr>
+            <a:endParaRPr lang="en-US" dirty="0"/>
           </a:p>
           <a:p>
             <a:pPr marL="0" indent="0">

--- a/Resources/Build-On-2.pptx
+++ b/Resources/Build-On-2.pptx
@@ -3414,7 +3414,7 @@
           <a:p>
             <a:r>
               <a:rPr lang="en-US" dirty="0"/>
-              <a:t>February 19, 2021</a:t>
+              <a:t>February 26, 2021</a:t>
             </a:r>
           </a:p>
         </p:txBody>
@@ -4396,7 +4396,12 @@
             <p:ph type="title"/>
           </p:nvPr>
         </p:nvSpPr>
-        <p:spPr/>
+        <p:spPr>
+          <a:xfrm>
+            <a:off x="839788" y="365126"/>
+            <a:ext cx="10515600" cy="948770"/>
+          </a:xfrm>
+        </p:spPr>
         <p:style>
           <a:lnRef idx="2">
             <a:schemeClr val="accent3"/>
@@ -4448,8 +4453,8 @@
         </p:nvSpPr>
         <p:spPr>
           <a:xfrm>
-            <a:off x="839788" y="1681163"/>
-            <a:ext cx="5157787" cy="611981"/>
+            <a:off x="839788" y="1405950"/>
+            <a:ext cx="5157787" cy="484994"/>
           </a:xfrm>
         </p:spPr>
         <p:txBody>
@@ -4489,8 +4494,8 @@
         </p:nvSpPr>
         <p:spPr>
           <a:xfrm>
-            <a:off x="839788" y="2293144"/>
-            <a:ext cx="5157787" cy="4121944"/>
+            <a:off x="839788" y="1946906"/>
+            <a:ext cx="5157787" cy="4474943"/>
           </a:xfrm>
           <a:ln/>
         </p:spPr>
@@ -4607,6 +4612,17 @@
             <a:endParaRPr lang="en-US" dirty="0"/>
           </a:p>
           <a:p>
+            <a:r>
+              <a:rPr lang="en-US" dirty="0"/>
+              <a:t>Run </a:t>
+            </a:r>
+            <a:r>
+              <a:rPr lang="en-US" dirty="0" err="1"/>
+              <a:t>TextFinder</a:t>
+            </a:r>
+            <a:endParaRPr lang="en-US" dirty="0"/>
+          </a:p>
+          <a:p>
             <a:endParaRPr lang="en-US" dirty="0"/>
           </a:p>
           <a:p>
@@ -4637,8 +4653,8 @@
         </p:nvSpPr>
         <p:spPr>
           <a:xfrm>
-            <a:off x="6172200" y="1681163"/>
-            <a:ext cx="5183188" cy="611981"/>
+            <a:off x="6172200" y="1405950"/>
+            <a:ext cx="5183188" cy="484994"/>
           </a:xfrm>
         </p:spPr>
         <p:txBody>
@@ -4670,8 +4686,8 @@
         </p:nvSpPr>
         <p:spPr>
           <a:xfrm>
-            <a:off x="6172200" y="2293144"/>
-            <a:ext cx="5183188" cy="4121944"/>
+            <a:off x="6169024" y="1946907"/>
+            <a:ext cx="5183188" cy="4474943"/>
           </a:xfrm>
           <a:ln/>
         </p:spPr>
@@ -4708,27 +4724,6 @@
               </a:rPr>
               <a:t>Anim_Features</a:t>
             </a:r>
-            <a:endParaRPr lang="en-US" dirty="0"/>
-          </a:p>
-          <a:p>
-            <a:r>
-              <a:rPr lang="en-US" dirty="0" err="1">
-                <a:hlinkClick r:id="rId13"/>
-              </a:rPr>
-              <a:t>Anim</a:t>
-            </a:r>
-            <a:r>
-              <a:rPr lang="en-US" err="1">
-                <a:hlinkClick r:id="rId13"/>
-              </a:rPr>
-              <a:t>_</a:t>
-            </a:r>
-            <a:r>
-              <a:rPr lang="en-US">
-                <a:hlinkClick r:id="rId13"/>
-              </a:rPr>
-              <a:t>Features</a:t>
-            </a:r>
             <a:endParaRPr lang="en-US" dirty="0">
               <a:hlinkClick r:id="rId14" action="ppaction://hlinkfile"/>
             </a:endParaRPr>
@@ -4770,6 +4765,12 @@
               <a:t>Code Experiments</a:t>
             </a:r>
             <a:endParaRPr lang="en-US" dirty="0"/>
+          </a:p>
+          <a:p>
+            <a:r>
+              <a:rPr lang="en-US" b="1" dirty="0"/>
+              <a:t>Questions?</a:t>
+            </a:r>
           </a:p>
           <a:p>
             <a:pPr marL="0" indent="0">

--- a/Resources/Build-On-2.pptx
+++ b/Resources/Build-On-2.pptx
@@ -10,11 +10,12 @@
     <p:sldId id="257" r:id="rId4"/>
     <p:sldId id="265" r:id="rId5"/>
     <p:sldId id="258" r:id="rId6"/>
-    <p:sldId id="259" r:id="rId7"/>
-    <p:sldId id="260" r:id="rId8"/>
-    <p:sldId id="261" r:id="rId9"/>
-    <p:sldId id="262" r:id="rId10"/>
-    <p:sldId id="263" r:id="rId11"/>
+    <p:sldId id="266" r:id="rId7"/>
+    <p:sldId id="259" r:id="rId8"/>
+    <p:sldId id="260" r:id="rId9"/>
+    <p:sldId id="261" r:id="rId10"/>
+    <p:sldId id="262" r:id="rId11"/>
+    <p:sldId id="263" r:id="rId12"/>
   </p:sldIdLst>
   <p:sldSz cx="12192000" cy="6858000"/>
   <p:notesSz cx="6858000" cy="9144000"/>
@@ -3451,6 +3452,174 @@
       </p:grpSpPr>
       <p:sp>
         <p:nvSpPr>
+          <p:cNvPr id="8" name="Title 7">
+            <a:extLst>
+              <a:ext uri="{FF2B5EF4-FFF2-40B4-BE49-F238E27FC236}">
+                <a16:creationId xmlns:a16="http://schemas.microsoft.com/office/drawing/2014/main" id="{6AED2634-DADD-4809-95B9-F1BE61A1FF9E}"/>
+              </a:ext>
+            </a:extLst>
+          </p:cNvPr>
+          <p:cNvSpPr>
+            <a:spLocks noGrp="1"/>
+          </p:cNvSpPr>
+          <p:nvPr>
+            <p:ph type="title"/>
+          </p:nvPr>
+        </p:nvSpPr>
+        <p:spPr/>
+        <p:style>
+          <a:lnRef idx="2">
+            <a:schemeClr val="accent3"/>
+          </a:lnRef>
+          <a:fillRef idx="1">
+            <a:schemeClr val="lt1"/>
+          </a:fillRef>
+          <a:effectRef idx="0">
+            <a:schemeClr val="accent3"/>
+          </a:effectRef>
+          <a:fontRef idx="minor">
+            <a:schemeClr val="dk1"/>
+          </a:fontRef>
+        </p:style>
+        <p:txBody>
+          <a:bodyPr/>
+          <a:lstStyle/>
+          <a:p>
+            <a:r>
+              <a:rPr lang="en-US" dirty="0" err="1"/>
+              <a:t>BuildOn</a:t>
+            </a:r>
+            <a:endParaRPr lang="en-US" dirty="0"/>
+          </a:p>
+        </p:txBody>
+      </p:sp>
+      <p:sp>
+        <p:nvSpPr>
+          <p:cNvPr id="9" name="Content Placeholder 8">
+            <a:extLst>
+              <a:ext uri="{FF2B5EF4-FFF2-40B4-BE49-F238E27FC236}">
+                <a16:creationId xmlns:a16="http://schemas.microsoft.com/office/drawing/2014/main" id="{2C8FCC58-3F18-417F-873E-B7E9C6914DC8}"/>
+              </a:ext>
+            </a:extLst>
+          </p:cNvPr>
+          <p:cNvSpPr>
+            <a:spLocks noGrp="1"/>
+          </p:cNvSpPr>
+          <p:nvPr>
+            <p:ph idx="1"/>
+          </p:nvPr>
+        </p:nvSpPr>
+        <p:spPr/>
+        <p:txBody>
+          <a:bodyPr>
+            <a:normAutofit lnSpcReduction="10000"/>
+          </a:bodyPr>
+          <a:lstStyle/>
+          <a:p>
+            <a:r>
+              <a:rPr lang="en-US" dirty="0"/>
+              <a:t>Session #3</a:t>
+            </a:r>
+          </a:p>
+          <a:p>
+            <a:pPr lvl="1"/>
+            <a:r>
+              <a:rPr lang="en-US" dirty="0" err="1"/>
+              <a:t>DirNav</a:t>
+            </a:r>
+            <a:endParaRPr lang="en-US" dirty="0"/>
+          </a:p>
+          <a:p>
+            <a:r>
+              <a:rPr lang="en-US" dirty="0"/>
+              <a:t>Session #4</a:t>
+            </a:r>
+          </a:p>
+          <a:p>
+            <a:pPr lvl="1"/>
+            <a:r>
+              <a:rPr lang="en-US" dirty="0" err="1"/>
+              <a:t>CmdlnParser</a:t>
+            </a:r>
+            <a:endParaRPr lang="en-US" dirty="0"/>
+          </a:p>
+          <a:p>
+            <a:r>
+              <a:rPr lang="en-US" dirty="0"/>
+              <a:t>Session #5</a:t>
+            </a:r>
+          </a:p>
+          <a:p>
+            <a:pPr lvl="1"/>
+            <a:r>
+              <a:rPr lang="en-US" dirty="0"/>
+              <a:t>Executive &amp; Display</a:t>
+            </a:r>
+          </a:p>
+          <a:p>
+            <a:r>
+              <a:rPr lang="en-US" dirty="0"/>
+              <a:t>Session #6 ?</a:t>
+            </a:r>
+          </a:p>
+          <a:p>
+            <a:pPr lvl="1"/>
+            <a:r>
+              <a:rPr lang="en-US" dirty="0" err="1"/>
+              <a:t>RegEx</a:t>
+            </a:r>
+            <a:r>
+              <a:rPr lang="en-US" dirty="0"/>
+              <a:t> Search</a:t>
+            </a:r>
+          </a:p>
+          <a:p>
+            <a:r>
+              <a:rPr lang="en-US" dirty="0"/>
+              <a:t>Session #7 ?</a:t>
+            </a:r>
+          </a:p>
+          <a:p>
+            <a:pPr lvl="1"/>
+            <a:r>
+              <a:rPr lang="en-US" dirty="0"/>
+              <a:t>Parallel Text Search</a:t>
+            </a:r>
+          </a:p>
+        </p:txBody>
+      </p:sp>
+    </p:spTree>
+    <p:extLst>
+      <p:ext uri="{BB962C8B-B14F-4D97-AF65-F5344CB8AC3E}">
+        <p14:creationId xmlns:p14="http://schemas.microsoft.com/office/powerpoint/2010/main" val="450875661"/>
+      </p:ext>
+    </p:extLst>
+  </p:cSld>
+  <p:clrMapOvr>
+    <a:masterClrMapping/>
+  </p:clrMapOvr>
+</p:sld>
+</file>
+
+<file path=ppt/slides/slide11.xml><?xml version="1.0" encoding="utf-8"?>
+<p:sld xmlns:a="http://schemas.openxmlformats.org/drawingml/2006/main" xmlns:r="http://schemas.openxmlformats.org/officeDocument/2006/relationships" xmlns:p="http://schemas.openxmlformats.org/presentationml/2006/main">
+  <p:cSld>
+    <p:spTree>
+      <p:nvGrpSpPr>
+        <p:cNvPr id="1" name=""/>
+        <p:cNvGrpSpPr/>
+        <p:nvPr/>
+      </p:nvGrpSpPr>
+      <p:grpSpPr>
+        <a:xfrm>
+          <a:off x="0" y="0"/>
+          <a:ext cx="0" cy="0"/>
+          <a:chOff x="0" y="0"/>
+          <a:chExt cx="0" cy="0"/>
+        </a:xfrm>
+      </p:grpSpPr>
+      <p:sp>
+        <p:nvSpPr>
           <p:cNvPr id="4" name="Title 3">
             <a:extLst>
               <a:ext uri="{FF2B5EF4-FFF2-40B4-BE49-F238E27FC236}">
@@ -4385,7 +4554,7 @@
           <p:cNvPr id="2" name="Title 1">
             <a:extLst>
               <a:ext uri="{FF2B5EF4-FFF2-40B4-BE49-F238E27FC236}">
-                <a16:creationId xmlns:a16="http://schemas.microsoft.com/office/drawing/2014/main" id="{D3AE73BD-78AF-48CB-A9EC-9A86B7485967}"/>
+                <a16:creationId xmlns:a16="http://schemas.microsoft.com/office/drawing/2014/main" id="{C89EC088-9816-42BA-9B35-86D3F702E665}"/>
               </a:ext>
             </a:extLst>
           </p:cNvPr>
@@ -4396,398 +4565,113 @@
             <p:ph type="title"/>
           </p:nvPr>
         </p:nvSpPr>
-        <p:spPr>
-          <a:xfrm>
-            <a:off x="839788" y="365126"/>
-            <a:ext cx="10515600" cy="948770"/>
-          </a:xfrm>
-        </p:spPr>
-        <p:style>
-          <a:lnRef idx="2">
-            <a:schemeClr val="accent3"/>
-          </a:lnRef>
-          <a:fillRef idx="1">
-            <a:schemeClr val="lt1"/>
-          </a:fillRef>
-          <a:effectRef idx="0">
-            <a:schemeClr val="accent3"/>
-          </a:effectRef>
-          <a:fontRef idx="minor">
-            <a:schemeClr val="dk1"/>
-          </a:fontRef>
-        </p:style>
-        <p:txBody>
-          <a:bodyPr/>
-          <a:lstStyle/>
-          <a:p>
-            <a:r>
-              <a:rPr lang="en-US" dirty="0"/>
-              <a:t> </a:t>
+        <p:spPr/>
+        <p:txBody>
+          <a:bodyPr/>
+          <a:lstStyle/>
+          <a:p>
+            <a:r>
+              <a:rPr lang="en-US" dirty="0"/>
+              <a:t>How would I use Rust at work?</a:t>
+            </a:r>
+          </a:p>
+        </p:txBody>
+      </p:sp>
+      <p:sp>
+        <p:nvSpPr>
+          <p:cNvPr id="3" name="Content Placeholder 2">
+            <a:extLst>
+              <a:ext uri="{FF2B5EF4-FFF2-40B4-BE49-F238E27FC236}">
+                <a16:creationId xmlns:a16="http://schemas.microsoft.com/office/drawing/2014/main" id="{4FDD5838-DCD1-47D0-8889-4639DD3B4B3A}"/>
+              </a:ext>
+            </a:extLst>
+          </p:cNvPr>
+          <p:cNvSpPr>
+            <a:spLocks noGrp="1"/>
+          </p:cNvSpPr>
+          <p:nvPr>
+            <p:ph idx="1"/>
+          </p:nvPr>
+        </p:nvSpPr>
+        <p:spPr/>
+        <p:txBody>
+          <a:bodyPr/>
+          <a:lstStyle/>
+          <a:p>
+            <a:r>
+              <a:rPr lang="en-US" dirty="0"/>
+              <a:t>Migrate parts of a large project to Rust using its foreign function interface (</a:t>
             </a:r>
             <a:r>
               <a:rPr lang="en-US" dirty="0" err="1"/>
-              <a:t>BuildOn</a:t>
-            </a:r>
-            <a:r>
-              <a:rPr lang="en-US" dirty="0"/>
-              <a:t> Session #2 Topics</a:t>
-            </a:r>
-          </a:p>
-        </p:txBody>
-      </p:sp>
-      <p:sp>
-        <p:nvSpPr>
-          <p:cNvPr id="5" name="Text Placeholder 4">
-            <a:extLst>
-              <a:ext uri="{FF2B5EF4-FFF2-40B4-BE49-F238E27FC236}">
-                <a16:creationId xmlns:a16="http://schemas.microsoft.com/office/drawing/2014/main" id="{7CD5485A-FC54-43B5-927E-EE96AF0C3AD5}"/>
-              </a:ext>
-            </a:extLst>
-          </p:cNvPr>
-          <p:cNvSpPr>
-            <a:spLocks noGrp="1"/>
-          </p:cNvSpPr>
-          <p:nvPr>
-            <p:ph type="body" idx="1"/>
-          </p:nvPr>
-        </p:nvSpPr>
-        <p:spPr>
-          <a:xfrm>
-            <a:off x="839788" y="1405950"/>
-            <a:ext cx="5157787" cy="484994"/>
-          </a:xfrm>
-        </p:spPr>
-        <p:txBody>
-          <a:bodyPr/>
-          <a:lstStyle/>
-          <a:p>
-            <a:r>
-              <a:rPr lang="en-US" dirty="0"/>
-              <a:t>Focus: </a:t>
-            </a:r>
-            <a:r>
-              <a:rPr lang="en-US" dirty="0" err="1"/>
-              <a:t>TextSearch</a:t>
-            </a:r>
-            <a:r>
-              <a:rPr lang="en-US" dirty="0"/>
-              <a:t> Package</a:t>
-            </a:r>
-          </a:p>
-        </p:txBody>
-      </p:sp>
-      <p:sp>
-        <p:nvSpPr>
-          <p:cNvPr id="3" name="Content Placeholder 2">
-            <a:extLst>
-              <a:ext uri="{FF2B5EF4-FFF2-40B4-BE49-F238E27FC236}">
-                <a16:creationId xmlns:a16="http://schemas.microsoft.com/office/drawing/2014/main" id="{E570FE00-B106-44C2-BB68-B9DEC331C2A3}"/>
-              </a:ext>
-            </a:extLst>
-          </p:cNvPr>
-          <p:cNvSpPr>
-            <a:spLocks noGrp="1"/>
-          </p:cNvSpPr>
-          <p:nvPr>
-            <p:ph sz="half" idx="2"/>
-          </p:nvPr>
-        </p:nvSpPr>
-        <p:spPr>
-          <a:xfrm>
-            <a:off x="839788" y="1946906"/>
-            <a:ext cx="5157787" cy="4474943"/>
-          </a:xfrm>
-          <a:ln/>
-        </p:spPr>
-        <p:style>
-          <a:lnRef idx="2">
-            <a:schemeClr val="accent3"/>
-          </a:lnRef>
-          <a:fillRef idx="1">
-            <a:schemeClr val="lt1"/>
-          </a:fillRef>
-          <a:effectRef idx="0">
-            <a:schemeClr val="accent3"/>
-          </a:effectRef>
-          <a:fontRef idx="minor">
-            <a:schemeClr val="dk1"/>
-          </a:fontRef>
-        </p:style>
-        <p:txBody>
-          <a:bodyPr/>
-          <a:lstStyle/>
-          <a:p>
+              <a:t>ffi</a:t>
+            </a:r>
+            <a:r>
+              <a:rPr lang="en-US" dirty="0"/>
+              <a:t>)</a:t>
+            </a:r>
+          </a:p>
+          <a:p>
+            <a:pPr lvl="1"/>
             <a:r>
               <a:rPr lang="en-US" dirty="0">
                 <a:hlinkClick r:id="rId2"/>
               </a:rPr>
-              <a:t>Step #0</a:t>
+              <a:t>https://locka99.gitbooks.io/a-guide-to-porting-c-to-rust/content/</a:t>
+            </a:r>
+          </a:p>
+          <a:p>
+            <a:pPr lvl="1"/>
+            <a:r>
+              <a:rPr lang="en-US" dirty="0">
+                <a:hlinkClick r:id="rId2"/>
+              </a:rPr>
+              <a:t>std::</a:t>
+            </a:r>
+            <a:r>
+              <a:rPr lang="en-US" dirty="0" err="1">
+                <a:hlinkClick r:id="rId2"/>
+              </a:rPr>
+              <a:t>ffi</a:t>
             </a:r>
             <a:endParaRPr lang="en-US" dirty="0"/>
           </a:p>
           <a:p>
+            <a:r>
+              <a:rPr lang="en-US" dirty="0"/>
+              <a:t>Use Rust generated </a:t>
+            </a:r>
+            <a:r>
+              <a:rPr lang="en-US" dirty="0" err="1"/>
+              <a:t>WebAssembly</a:t>
+            </a:r>
+            <a:r>
+              <a:rPr lang="en-US" dirty="0"/>
+              <a:t> to speed JavaScript processing</a:t>
+            </a:r>
+          </a:p>
+          <a:p>
+            <a:pPr lvl="1"/>
             <a:r>
               <a:rPr lang="en-US" dirty="0">
                 <a:hlinkClick r:id="rId3"/>
               </a:rPr>
-              <a:t>Step #1</a:t>
-            </a:r>
-            <a:r>
-              <a:rPr lang="en-US" dirty="0"/>
-              <a:t> - </a:t>
-            </a:r>
-            <a:r>
-              <a:rPr lang="en-US" dirty="0" err="1"/>
-              <a:t>TextSearch</a:t>
+              <a:t>https://rustwasm.github.io/book/</a:t>
             </a:r>
             <a:endParaRPr lang="en-US" dirty="0"/>
           </a:p>
           <a:p>
+            <a:r>
+              <a:rPr lang="en-US" dirty="0"/>
+              <a:t>Start new projects in Rust</a:t>
+            </a:r>
+          </a:p>
+          <a:p>
             <a:pPr lvl="1"/>
             <a:r>
-              <a:rPr lang="en-US" dirty="0">
-                <a:hlinkClick r:id="rId4"/>
-              </a:rPr>
-              <a:t>Starter Code</a:t>
-            </a:r>
-            <a:endParaRPr lang="en-US" dirty="0"/>
-          </a:p>
-          <a:p>
-            <a:pPr lvl="1"/>
-            <a:r>
-              <a:rPr lang="en-US" dirty="0">
-                <a:hlinkClick r:id="rId5"/>
-              </a:rPr>
-              <a:t>Tooling</a:t>
-            </a:r>
-            <a:endParaRPr lang="en-US" dirty="0"/>
-          </a:p>
-          <a:p>
-            <a:pPr lvl="1"/>
-            <a:r>
-              <a:rPr lang="en-US" dirty="0">
-                <a:hlinkClick r:id="rId6"/>
-              </a:rPr>
-              <a:t>Functions</a:t>
-            </a:r>
-            <a:endParaRPr lang="en-US" dirty="0"/>
-          </a:p>
-          <a:p>
-            <a:pPr lvl="1"/>
-            <a:r>
-              <a:rPr lang="en-US" dirty="0">
-                <a:hlinkClick r:id="rId7"/>
-              </a:rPr>
-              <a:t>Structs</a:t>
-            </a:r>
-            <a:endParaRPr lang="en-US" dirty="0"/>
-          </a:p>
-          <a:p>
-            <a:pPr lvl="1"/>
-            <a:r>
-              <a:rPr lang="en-US" dirty="0" err="1">
-                <a:hlinkClick r:id="rId8"/>
-              </a:rPr>
-              <a:t>RustStory_Libraries.html#fs</a:t>
-            </a:r>
-            <a:endParaRPr lang="en-US" dirty="0"/>
-          </a:p>
-          <a:p>
-            <a:pPr lvl="1"/>
-            <a:r>
-              <a:rPr lang="en-US" dirty="0" err="1">
-                <a:hlinkClick r:id="rId9"/>
-              </a:rPr>
-              <a:t>std:fs</a:t>
-            </a:r>
-            <a:endParaRPr lang="en-US" dirty="0"/>
-          </a:p>
-          <a:p>
-            <a:r>
-              <a:rPr lang="en-US" dirty="0" err="1">
-                <a:hlinkClick r:id="rId10"/>
-              </a:rPr>
-              <a:t>BuildOn</a:t>
-            </a:r>
-            <a:endParaRPr lang="en-US" dirty="0"/>
-          </a:p>
-          <a:p>
-            <a:r>
-              <a:rPr lang="en-US" dirty="0"/>
-              <a:t>Run </a:t>
-            </a:r>
-            <a:r>
-              <a:rPr lang="en-US" dirty="0" err="1"/>
-              <a:t>TextFinder</a:t>
-            </a:r>
-            <a:endParaRPr lang="en-US" dirty="0"/>
-          </a:p>
-          <a:p>
-            <a:endParaRPr lang="en-US" dirty="0"/>
-          </a:p>
-          <a:p>
-            <a:pPr marL="0" indent="0">
-              <a:buNone/>
-            </a:pPr>
-            <a:endParaRPr lang="en-US" dirty="0">
-              <a:hlinkClick r:id="rId11"/>
-            </a:endParaRPr>
-          </a:p>
-        </p:txBody>
-      </p:sp>
-      <p:sp>
-        <p:nvSpPr>
-          <p:cNvPr id="6" name="Text Placeholder 5">
-            <a:extLst>
-              <a:ext uri="{FF2B5EF4-FFF2-40B4-BE49-F238E27FC236}">
-                <a16:creationId xmlns:a16="http://schemas.microsoft.com/office/drawing/2014/main" id="{87CA1F5E-B664-4BD5-9BEA-A9442889F3EE}"/>
-              </a:ext>
-            </a:extLst>
-          </p:cNvPr>
-          <p:cNvSpPr>
-            <a:spLocks noGrp="1"/>
-          </p:cNvSpPr>
-          <p:nvPr>
-            <p:ph type="body" sz="quarter" idx="3"/>
-          </p:nvPr>
-        </p:nvSpPr>
-        <p:spPr>
-          <a:xfrm>
-            <a:off x="6172200" y="1405950"/>
-            <a:ext cx="5183188" cy="484994"/>
-          </a:xfrm>
-        </p:spPr>
-        <p:txBody>
-          <a:bodyPr/>
-          <a:lstStyle/>
-          <a:p>
-            <a:r>
-              <a:rPr lang="en-US" dirty="0"/>
-              <a:t>Focus: Rust</a:t>
-            </a:r>
-          </a:p>
-        </p:txBody>
-      </p:sp>
-      <p:sp>
-        <p:nvSpPr>
-          <p:cNvPr id="4" name="Content Placeholder 3">
-            <a:extLst>
-              <a:ext uri="{FF2B5EF4-FFF2-40B4-BE49-F238E27FC236}">
-                <a16:creationId xmlns:a16="http://schemas.microsoft.com/office/drawing/2014/main" id="{218F4C6B-4B07-46DE-A44D-20A98F13D6B1}"/>
-              </a:ext>
-            </a:extLst>
-          </p:cNvPr>
-          <p:cNvSpPr>
-            <a:spLocks noGrp="1"/>
-          </p:cNvSpPr>
-          <p:nvPr>
-            <p:ph sz="quarter" idx="4"/>
-          </p:nvPr>
-        </p:nvSpPr>
-        <p:spPr>
-          <a:xfrm>
-            <a:off x="6169024" y="1946907"/>
-            <a:ext cx="5183188" cy="4474943"/>
-          </a:xfrm>
-          <a:ln/>
-        </p:spPr>
-        <p:style>
-          <a:lnRef idx="2">
-            <a:schemeClr val="accent3"/>
-          </a:lnRef>
-          <a:fillRef idx="1">
-            <a:schemeClr val="lt1"/>
-          </a:fillRef>
-          <a:effectRef idx="0">
-            <a:schemeClr val="accent3"/>
-          </a:effectRef>
-          <a:fontRef idx="minor">
-            <a:schemeClr val="dk1"/>
-          </a:fontRef>
-        </p:style>
-        <p:txBody>
-          <a:bodyPr/>
-          <a:lstStyle/>
-          <a:p>
-            <a:r>
-              <a:rPr lang="en-US" dirty="0">
-                <a:hlinkClick r:id="rId12"/>
-              </a:rPr>
-              <a:t>Safety</a:t>
-            </a:r>
-            <a:endParaRPr lang="en-US" dirty="0"/>
-          </a:p>
-          <a:p>
-            <a:r>
-              <a:rPr lang="en-US" dirty="0" err="1">
-                <a:hlinkClick r:id="rId13"/>
-              </a:rPr>
-              <a:t>Anim_Features</a:t>
-            </a:r>
-            <a:endParaRPr lang="en-US" dirty="0">
-              <a:hlinkClick r:id="rId14" action="ppaction://hlinkfile"/>
-            </a:endParaRPr>
-          </a:p>
-          <a:p>
-            <a:r>
-              <a:rPr lang="en-US" dirty="0" err="1">
-                <a:hlinkClick r:id="rId15"/>
-              </a:rPr>
-              <a:t>RustBite_Data</a:t>
-            </a:r>
-            <a:endParaRPr lang="en-US" dirty="0">
-              <a:hlinkClick r:id="rId16"/>
-            </a:endParaRPr>
-          </a:p>
-          <a:p>
-            <a:r>
-              <a:rPr lang="en-US" dirty="0">
-                <a:hlinkClick r:id="rId16"/>
-              </a:rPr>
-              <a:t>Rust Bites</a:t>
-            </a:r>
-            <a:endParaRPr lang="en-US" dirty="0"/>
-          </a:p>
-          <a:p>
-            <a:r>
-              <a:rPr lang="en-US" dirty="0">
-                <a:hlinkClick r:id="rId17"/>
-              </a:rPr>
-              <a:t>Rust Story</a:t>
-            </a:r>
-            <a:endParaRPr lang="en-US" dirty="0"/>
-          </a:p>
-          <a:p>
-            <a:r>
-              <a:rPr lang="en-US" dirty="0">
-                <a:hlinkClick r:id="rId18"/>
-              </a:rPr>
-              <a:t>Code Experiments</a:t>
-            </a:r>
-            <a:endParaRPr lang="en-US" dirty="0"/>
-          </a:p>
-          <a:p>
-            <a:r>
-              <a:rPr lang="en-US" b="1" dirty="0"/>
-              <a:t>Questions?</a:t>
-            </a:r>
-          </a:p>
-          <a:p>
-            <a:pPr marL="0" indent="0">
-              <a:buNone/>
-            </a:pPr>
-            <a:endParaRPr lang="en-US" dirty="0"/>
-          </a:p>
-          <a:p>
-            <a:pPr marL="0" indent="0">
-              <a:buNone/>
-            </a:pPr>
-            <a:endParaRPr lang="en-US" dirty="0"/>
-          </a:p>
-          <a:p>
-            <a:pPr marL="0" indent="0">
-              <a:buNone/>
-            </a:pPr>
+              <a:rPr lang="en-US"/>
+              <a:t>Great tooling: https://jimfawcett.github.io/Resources/RustBites/RustBites_Tooling.html</a:t>
+            </a:r>
             <a:endParaRPr lang="en-US" dirty="0"/>
           </a:p>
         </p:txBody>
@@ -4795,7 +4679,7 @@
     </p:spTree>
     <p:extLst>
       <p:ext uri="{BB962C8B-B14F-4D97-AF65-F5344CB8AC3E}">
-        <p14:creationId xmlns:p14="http://schemas.microsoft.com/office/powerpoint/2010/main" val="1363403664"/>
+        <p14:creationId xmlns:p14="http://schemas.microsoft.com/office/powerpoint/2010/main" val="2809018068"/>
       </p:ext>
     </p:extLst>
   </p:cSld>
@@ -4827,6 +4711,448 @@
           <p:cNvPr id="2" name="Title 1">
             <a:extLst>
               <a:ext uri="{FF2B5EF4-FFF2-40B4-BE49-F238E27FC236}">
+                <a16:creationId xmlns:a16="http://schemas.microsoft.com/office/drawing/2014/main" id="{D3AE73BD-78AF-48CB-A9EC-9A86B7485967}"/>
+              </a:ext>
+            </a:extLst>
+          </p:cNvPr>
+          <p:cNvSpPr>
+            <a:spLocks noGrp="1"/>
+          </p:cNvSpPr>
+          <p:nvPr>
+            <p:ph type="title"/>
+          </p:nvPr>
+        </p:nvSpPr>
+        <p:spPr>
+          <a:xfrm>
+            <a:off x="839788" y="365126"/>
+            <a:ext cx="10515600" cy="948770"/>
+          </a:xfrm>
+        </p:spPr>
+        <p:style>
+          <a:lnRef idx="2">
+            <a:schemeClr val="accent3"/>
+          </a:lnRef>
+          <a:fillRef idx="1">
+            <a:schemeClr val="lt1"/>
+          </a:fillRef>
+          <a:effectRef idx="0">
+            <a:schemeClr val="accent3"/>
+          </a:effectRef>
+          <a:fontRef idx="minor">
+            <a:schemeClr val="dk1"/>
+          </a:fontRef>
+        </p:style>
+        <p:txBody>
+          <a:bodyPr/>
+          <a:lstStyle/>
+          <a:p>
+            <a:r>
+              <a:rPr lang="en-US" dirty="0"/>
+              <a:t> </a:t>
+            </a:r>
+            <a:r>
+              <a:rPr lang="en-US" dirty="0" err="1"/>
+              <a:t>BuildOn</a:t>
+            </a:r>
+            <a:r>
+              <a:rPr lang="en-US" dirty="0"/>
+              <a:t> Session #2 Topics</a:t>
+            </a:r>
+          </a:p>
+        </p:txBody>
+      </p:sp>
+      <p:sp>
+        <p:nvSpPr>
+          <p:cNvPr id="5" name="Text Placeholder 4">
+            <a:extLst>
+              <a:ext uri="{FF2B5EF4-FFF2-40B4-BE49-F238E27FC236}">
+                <a16:creationId xmlns:a16="http://schemas.microsoft.com/office/drawing/2014/main" id="{7CD5485A-FC54-43B5-927E-EE96AF0C3AD5}"/>
+              </a:ext>
+            </a:extLst>
+          </p:cNvPr>
+          <p:cNvSpPr>
+            <a:spLocks noGrp="1"/>
+          </p:cNvSpPr>
+          <p:nvPr>
+            <p:ph type="body" idx="1"/>
+          </p:nvPr>
+        </p:nvSpPr>
+        <p:spPr>
+          <a:xfrm>
+            <a:off x="839788" y="1405950"/>
+            <a:ext cx="5157787" cy="484994"/>
+          </a:xfrm>
+        </p:spPr>
+        <p:txBody>
+          <a:bodyPr/>
+          <a:lstStyle/>
+          <a:p>
+            <a:r>
+              <a:rPr lang="en-US" dirty="0"/>
+              <a:t>Focus: </a:t>
+            </a:r>
+            <a:r>
+              <a:rPr lang="en-US" dirty="0" err="1"/>
+              <a:t>TextSearch</a:t>
+            </a:r>
+            <a:r>
+              <a:rPr lang="en-US" dirty="0"/>
+              <a:t> Package</a:t>
+            </a:r>
+          </a:p>
+        </p:txBody>
+      </p:sp>
+      <p:sp>
+        <p:nvSpPr>
+          <p:cNvPr id="3" name="Content Placeholder 2">
+            <a:extLst>
+              <a:ext uri="{FF2B5EF4-FFF2-40B4-BE49-F238E27FC236}">
+                <a16:creationId xmlns:a16="http://schemas.microsoft.com/office/drawing/2014/main" id="{E570FE00-B106-44C2-BB68-B9DEC331C2A3}"/>
+              </a:ext>
+            </a:extLst>
+          </p:cNvPr>
+          <p:cNvSpPr>
+            <a:spLocks noGrp="1"/>
+          </p:cNvSpPr>
+          <p:nvPr>
+            <p:ph sz="half" idx="2"/>
+          </p:nvPr>
+        </p:nvSpPr>
+        <p:spPr>
+          <a:xfrm>
+            <a:off x="839788" y="1946906"/>
+            <a:ext cx="5157787" cy="4474943"/>
+          </a:xfrm>
+          <a:ln/>
+        </p:spPr>
+        <p:style>
+          <a:lnRef idx="2">
+            <a:schemeClr val="accent3"/>
+          </a:lnRef>
+          <a:fillRef idx="1">
+            <a:schemeClr val="lt1"/>
+          </a:fillRef>
+          <a:effectRef idx="0">
+            <a:schemeClr val="accent3"/>
+          </a:effectRef>
+          <a:fontRef idx="minor">
+            <a:schemeClr val="dk1"/>
+          </a:fontRef>
+        </p:style>
+        <p:txBody>
+          <a:bodyPr/>
+          <a:lstStyle/>
+          <a:p>
+            <a:r>
+              <a:rPr lang="en-US" dirty="0">
+                <a:hlinkClick r:id="rId2"/>
+              </a:rPr>
+              <a:t>Step #0</a:t>
+            </a:r>
+            <a:endParaRPr lang="en-US" dirty="0"/>
+          </a:p>
+          <a:p>
+            <a:r>
+              <a:rPr lang="en-US" dirty="0">
+                <a:hlinkClick r:id="rId3"/>
+              </a:rPr>
+              <a:t>Step #1</a:t>
+            </a:r>
+            <a:r>
+              <a:rPr lang="en-US" dirty="0"/>
+              <a:t> - </a:t>
+            </a:r>
+            <a:r>
+              <a:rPr lang="en-US" dirty="0" err="1"/>
+              <a:t>TextSearch</a:t>
+            </a:r>
+            <a:endParaRPr lang="en-US" dirty="0"/>
+          </a:p>
+          <a:p>
+            <a:pPr lvl="1"/>
+            <a:r>
+              <a:rPr lang="en-US" dirty="0">
+                <a:hlinkClick r:id="rId4"/>
+              </a:rPr>
+              <a:t>Starter Code</a:t>
+            </a:r>
+            <a:endParaRPr lang="en-US" dirty="0"/>
+          </a:p>
+          <a:p>
+            <a:pPr lvl="1"/>
+            <a:r>
+              <a:rPr lang="en-US" dirty="0">
+                <a:hlinkClick r:id="rId5"/>
+              </a:rPr>
+              <a:t>Tooling</a:t>
+            </a:r>
+            <a:endParaRPr lang="en-US" dirty="0"/>
+          </a:p>
+          <a:p>
+            <a:pPr lvl="1"/>
+            <a:r>
+              <a:rPr lang="en-US" dirty="0">
+                <a:hlinkClick r:id="rId6"/>
+              </a:rPr>
+              <a:t>Functions</a:t>
+            </a:r>
+            <a:endParaRPr lang="en-US" dirty="0"/>
+          </a:p>
+          <a:p>
+            <a:pPr lvl="1"/>
+            <a:r>
+              <a:rPr lang="en-US" dirty="0">
+                <a:hlinkClick r:id="rId7"/>
+              </a:rPr>
+              <a:t>Structs</a:t>
+            </a:r>
+            <a:endParaRPr lang="en-US" dirty="0"/>
+          </a:p>
+          <a:p>
+            <a:pPr lvl="1"/>
+            <a:r>
+              <a:rPr lang="en-US" dirty="0" err="1">
+                <a:hlinkClick r:id="rId8"/>
+              </a:rPr>
+              <a:t>RustStory_Libraries.html#fs</a:t>
+            </a:r>
+            <a:endParaRPr lang="en-US" dirty="0"/>
+          </a:p>
+          <a:p>
+            <a:pPr lvl="1"/>
+            <a:r>
+              <a:rPr lang="en-US" dirty="0" err="1">
+                <a:hlinkClick r:id="rId9"/>
+              </a:rPr>
+              <a:t>std:fs</a:t>
+            </a:r>
+            <a:endParaRPr lang="en-US" dirty="0"/>
+          </a:p>
+          <a:p>
+            <a:r>
+              <a:rPr lang="en-US" dirty="0" err="1">
+                <a:hlinkClick r:id="rId10"/>
+              </a:rPr>
+              <a:t>BuildOn</a:t>
+            </a:r>
+            <a:endParaRPr lang="en-US" dirty="0"/>
+          </a:p>
+          <a:p>
+            <a:r>
+              <a:rPr lang="en-US" dirty="0"/>
+              <a:t>Run </a:t>
+            </a:r>
+            <a:r>
+              <a:rPr lang="en-US" dirty="0" err="1"/>
+              <a:t>TextFinder</a:t>
+            </a:r>
+            <a:endParaRPr lang="en-US" dirty="0"/>
+          </a:p>
+          <a:p>
+            <a:endParaRPr lang="en-US" dirty="0"/>
+          </a:p>
+          <a:p>
+            <a:pPr marL="0" indent="0">
+              <a:buNone/>
+            </a:pPr>
+            <a:endParaRPr lang="en-US" dirty="0">
+              <a:hlinkClick r:id="rId11"/>
+            </a:endParaRPr>
+          </a:p>
+        </p:txBody>
+      </p:sp>
+      <p:sp>
+        <p:nvSpPr>
+          <p:cNvPr id="6" name="Text Placeholder 5">
+            <a:extLst>
+              <a:ext uri="{FF2B5EF4-FFF2-40B4-BE49-F238E27FC236}">
+                <a16:creationId xmlns:a16="http://schemas.microsoft.com/office/drawing/2014/main" id="{87CA1F5E-B664-4BD5-9BEA-A9442889F3EE}"/>
+              </a:ext>
+            </a:extLst>
+          </p:cNvPr>
+          <p:cNvSpPr>
+            <a:spLocks noGrp="1"/>
+          </p:cNvSpPr>
+          <p:nvPr>
+            <p:ph type="body" sz="quarter" idx="3"/>
+          </p:nvPr>
+        </p:nvSpPr>
+        <p:spPr>
+          <a:xfrm>
+            <a:off x="6172200" y="1405950"/>
+            <a:ext cx="5183188" cy="484994"/>
+          </a:xfrm>
+        </p:spPr>
+        <p:txBody>
+          <a:bodyPr/>
+          <a:lstStyle/>
+          <a:p>
+            <a:r>
+              <a:rPr lang="en-US" dirty="0"/>
+              <a:t>Focus: Rust</a:t>
+            </a:r>
+          </a:p>
+        </p:txBody>
+      </p:sp>
+      <p:sp>
+        <p:nvSpPr>
+          <p:cNvPr id="4" name="Content Placeholder 3">
+            <a:extLst>
+              <a:ext uri="{FF2B5EF4-FFF2-40B4-BE49-F238E27FC236}">
+                <a16:creationId xmlns:a16="http://schemas.microsoft.com/office/drawing/2014/main" id="{218F4C6B-4B07-46DE-A44D-20A98F13D6B1}"/>
+              </a:ext>
+            </a:extLst>
+          </p:cNvPr>
+          <p:cNvSpPr>
+            <a:spLocks noGrp="1"/>
+          </p:cNvSpPr>
+          <p:nvPr>
+            <p:ph sz="quarter" idx="4"/>
+          </p:nvPr>
+        </p:nvSpPr>
+        <p:spPr>
+          <a:xfrm>
+            <a:off x="6169024" y="1946907"/>
+            <a:ext cx="5183188" cy="4474943"/>
+          </a:xfrm>
+          <a:ln/>
+        </p:spPr>
+        <p:style>
+          <a:lnRef idx="2">
+            <a:schemeClr val="accent3"/>
+          </a:lnRef>
+          <a:fillRef idx="1">
+            <a:schemeClr val="lt1"/>
+          </a:fillRef>
+          <a:effectRef idx="0">
+            <a:schemeClr val="accent3"/>
+          </a:effectRef>
+          <a:fontRef idx="minor">
+            <a:schemeClr val="dk1"/>
+          </a:fontRef>
+        </p:style>
+        <p:txBody>
+          <a:bodyPr/>
+          <a:lstStyle/>
+          <a:p>
+            <a:r>
+              <a:rPr lang="en-US" dirty="0">
+                <a:hlinkClick r:id="rId12"/>
+              </a:rPr>
+              <a:t>Safety</a:t>
+            </a:r>
+            <a:endParaRPr lang="en-US" dirty="0"/>
+          </a:p>
+          <a:p>
+            <a:r>
+              <a:rPr lang="en-US" dirty="0" err="1">
+                <a:hlinkClick r:id="rId13"/>
+              </a:rPr>
+              <a:t>Anim_Features</a:t>
+            </a:r>
+            <a:endParaRPr lang="en-US" dirty="0">
+              <a:hlinkClick r:id="rId14" action="ppaction://hlinkfile"/>
+            </a:endParaRPr>
+          </a:p>
+          <a:p>
+            <a:r>
+              <a:rPr lang="en-US" dirty="0" err="1">
+                <a:hlinkClick r:id="rId15"/>
+              </a:rPr>
+              <a:t>RustBite_Data</a:t>
+            </a:r>
+            <a:endParaRPr lang="en-US" dirty="0">
+              <a:hlinkClick r:id="rId16"/>
+            </a:endParaRPr>
+          </a:p>
+          <a:p>
+            <a:r>
+              <a:rPr lang="en-US" dirty="0">
+                <a:hlinkClick r:id="rId16"/>
+              </a:rPr>
+              <a:t>Rust Bites</a:t>
+            </a:r>
+            <a:endParaRPr lang="en-US" dirty="0"/>
+          </a:p>
+          <a:p>
+            <a:r>
+              <a:rPr lang="en-US" dirty="0">
+                <a:hlinkClick r:id="rId17"/>
+              </a:rPr>
+              <a:t>Rust Story</a:t>
+            </a:r>
+            <a:endParaRPr lang="en-US" dirty="0"/>
+          </a:p>
+          <a:p>
+            <a:r>
+              <a:rPr lang="en-US" dirty="0">
+                <a:hlinkClick r:id="rId18"/>
+              </a:rPr>
+              <a:t>Code Experiments</a:t>
+            </a:r>
+            <a:endParaRPr lang="en-US" dirty="0"/>
+          </a:p>
+          <a:p>
+            <a:r>
+              <a:rPr lang="en-US" b="1" dirty="0"/>
+              <a:t>Questions?</a:t>
+            </a:r>
+          </a:p>
+          <a:p>
+            <a:pPr marL="0" indent="0">
+              <a:buNone/>
+            </a:pPr>
+            <a:endParaRPr lang="en-US" dirty="0"/>
+          </a:p>
+          <a:p>
+            <a:pPr marL="0" indent="0">
+              <a:buNone/>
+            </a:pPr>
+            <a:endParaRPr lang="en-US" dirty="0"/>
+          </a:p>
+          <a:p>
+            <a:pPr marL="0" indent="0">
+              <a:buNone/>
+            </a:pPr>
+            <a:endParaRPr lang="en-US" dirty="0"/>
+          </a:p>
+        </p:txBody>
+      </p:sp>
+    </p:spTree>
+    <p:extLst>
+      <p:ext uri="{BB962C8B-B14F-4D97-AF65-F5344CB8AC3E}">
+        <p14:creationId xmlns:p14="http://schemas.microsoft.com/office/powerpoint/2010/main" val="1363403664"/>
+      </p:ext>
+    </p:extLst>
+  </p:cSld>
+  <p:clrMapOvr>
+    <a:masterClrMapping/>
+  </p:clrMapOvr>
+</p:sld>
+</file>
+
+<file path=ppt/slides/slide8.xml><?xml version="1.0" encoding="utf-8"?>
+<p:sld xmlns:a="http://schemas.openxmlformats.org/drawingml/2006/main" xmlns:r="http://schemas.openxmlformats.org/officeDocument/2006/relationships" xmlns:p="http://schemas.openxmlformats.org/presentationml/2006/main">
+  <p:cSld>
+    <p:spTree>
+      <p:nvGrpSpPr>
+        <p:cNvPr id="1" name=""/>
+        <p:cNvGrpSpPr/>
+        <p:nvPr/>
+      </p:nvGrpSpPr>
+      <p:grpSpPr>
+        <a:xfrm>
+          <a:off x="0" y="0"/>
+          <a:ext cx="0" cy="0"/>
+          <a:chOff x="0" y="0"/>
+          <a:chExt cx="0" cy="0"/>
+        </a:xfrm>
+      </p:grpSpPr>
+      <p:sp>
+        <p:nvSpPr>
+          <p:cNvPr id="2" name="Title 1">
+            <a:extLst>
+              <a:ext uri="{FF2B5EF4-FFF2-40B4-BE49-F238E27FC236}">
                 <a16:creationId xmlns:a16="http://schemas.microsoft.com/office/drawing/2014/main" id="{A4A1A110-42E1-4A35-92C4-A678FFE8A307}"/>
               </a:ext>
             </a:extLst>
@@ -5143,7 +5469,7 @@
 </p:sld>
 </file>
 
-<file path=ppt/slides/slide8.xml><?xml version="1.0" encoding="utf-8"?>
+<file path=ppt/slides/slide9.xml><?xml version="1.0" encoding="utf-8"?>
 <p:sld xmlns:a="http://schemas.openxmlformats.org/drawingml/2006/main" xmlns:r="http://schemas.openxmlformats.org/officeDocument/2006/relationships" xmlns:p="http://schemas.openxmlformats.org/presentationml/2006/main" show="0">
   <p:cSld>
     <p:spTree>
@@ -5443,172 +5769,6 @@
     <p:extLst>
       <p:ext uri="{BB962C8B-B14F-4D97-AF65-F5344CB8AC3E}">
         <p14:creationId xmlns:p14="http://schemas.microsoft.com/office/powerpoint/2010/main" val="2462287988"/>
-      </p:ext>
-    </p:extLst>
-  </p:cSld>
-  <p:clrMapOvr>
-    <a:masterClrMapping/>
-  </p:clrMapOvr>
-</p:sld>
-</file>
-
-<file path=ppt/slides/slide9.xml><?xml version="1.0" encoding="utf-8"?>
-<p:sld xmlns:a="http://schemas.openxmlformats.org/drawingml/2006/main" xmlns:r="http://schemas.openxmlformats.org/officeDocument/2006/relationships" xmlns:p="http://schemas.openxmlformats.org/presentationml/2006/main">
-  <p:cSld>
-    <p:spTree>
-      <p:nvGrpSpPr>
-        <p:cNvPr id="1" name=""/>
-        <p:cNvGrpSpPr/>
-        <p:nvPr/>
-      </p:nvGrpSpPr>
-      <p:grpSpPr>
-        <a:xfrm>
-          <a:off x="0" y="0"/>
-          <a:ext cx="0" cy="0"/>
-          <a:chOff x="0" y="0"/>
-          <a:chExt cx="0" cy="0"/>
-        </a:xfrm>
-      </p:grpSpPr>
-      <p:sp>
-        <p:nvSpPr>
-          <p:cNvPr id="8" name="Title 7">
-            <a:extLst>
-              <a:ext uri="{FF2B5EF4-FFF2-40B4-BE49-F238E27FC236}">
-                <a16:creationId xmlns:a16="http://schemas.microsoft.com/office/drawing/2014/main" id="{6AED2634-DADD-4809-95B9-F1BE61A1FF9E}"/>
-              </a:ext>
-            </a:extLst>
-          </p:cNvPr>
-          <p:cNvSpPr>
-            <a:spLocks noGrp="1"/>
-          </p:cNvSpPr>
-          <p:nvPr>
-            <p:ph type="title"/>
-          </p:nvPr>
-        </p:nvSpPr>
-        <p:spPr/>
-        <p:style>
-          <a:lnRef idx="2">
-            <a:schemeClr val="accent3"/>
-          </a:lnRef>
-          <a:fillRef idx="1">
-            <a:schemeClr val="lt1"/>
-          </a:fillRef>
-          <a:effectRef idx="0">
-            <a:schemeClr val="accent3"/>
-          </a:effectRef>
-          <a:fontRef idx="minor">
-            <a:schemeClr val="dk1"/>
-          </a:fontRef>
-        </p:style>
-        <p:txBody>
-          <a:bodyPr/>
-          <a:lstStyle/>
-          <a:p>
-            <a:r>
-              <a:rPr lang="en-US" dirty="0" err="1"/>
-              <a:t>BuildOn</a:t>
-            </a:r>
-            <a:endParaRPr lang="en-US" dirty="0"/>
-          </a:p>
-        </p:txBody>
-      </p:sp>
-      <p:sp>
-        <p:nvSpPr>
-          <p:cNvPr id="9" name="Content Placeholder 8">
-            <a:extLst>
-              <a:ext uri="{FF2B5EF4-FFF2-40B4-BE49-F238E27FC236}">
-                <a16:creationId xmlns:a16="http://schemas.microsoft.com/office/drawing/2014/main" id="{2C8FCC58-3F18-417F-873E-B7E9C6914DC8}"/>
-              </a:ext>
-            </a:extLst>
-          </p:cNvPr>
-          <p:cNvSpPr>
-            <a:spLocks noGrp="1"/>
-          </p:cNvSpPr>
-          <p:nvPr>
-            <p:ph idx="1"/>
-          </p:nvPr>
-        </p:nvSpPr>
-        <p:spPr/>
-        <p:txBody>
-          <a:bodyPr/>
-          <a:lstStyle/>
-          <a:p>
-            <a:r>
-              <a:rPr lang="en-US" dirty="0"/>
-              <a:t>Session #3</a:t>
-            </a:r>
-          </a:p>
-          <a:p>
-            <a:pPr lvl="1"/>
-            <a:r>
-              <a:rPr lang="en-US" dirty="0" err="1"/>
-              <a:t>DirNav</a:t>
-            </a:r>
-            <a:endParaRPr lang="en-US" dirty="0"/>
-          </a:p>
-          <a:p>
-            <a:r>
-              <a:rPr lang="en-US" dirty="0"/>
-              <a:t>Session #4</a:t>
-            </a:r>
-          </a:p>
-          <a:p>
-            <a:pPr lvl="1"/>
-            <a:r>
-              <a:rPr lang="en-US" dirty="0" err="1"/>
-              <a:t>CmdlnParser</a:t>
-            </a:r>
-            <a:endParaRPr lang="en-US" dirty="0"/>
-          </a:p>
-          <a:p>
-            <a:r>
-              <a:rPr lang="en-US" dirty="0"/>
-              <a:t>Session #5</a:t>
-            </a:r>
-          </a:p>
-          <a:p>
-            <a:pPr lvl="1"/>
-            <a:r>
-              <a:rPr lang="en-US" dirty="0"/>
-              <a:t>Executive &amp; Display</a:t>
-            </a:r>
-          </a:p>
-          <a:p>
-            <a:r>
-              <a:rPr lang="en-US" dirty="0"/>
-              <a:t>Session #6 ?</a:t>
-            </a:r>
-          </a:p>
-          <a:p>
-            <a:pPr lvl="1"/>
-            <a:r>
-              <a:rPr lang="en-US" dirty="0" err="1"/>
-              <a:t>RegEx</a:t>
-            </a:r>
-            <a:r>
-              <a:rPr lang="en-US" dirty="0"/>
-              <a:t> Search</a:t>
-            </a:r>
-          </a:p>
-          <a:p>
-            <a:r>
-              <a:rPr lang="en-US" dirty="0"/>
-              <a:t>Session #7 ?</a:t>
-            </a:r>
-          </a:p>
-          <a:p>
-            <a:pPr lvl="1"/>
-            <a:r>
-              <a:rPr lang="en-US" dirty="0"/>
-              <a:t>Parallel Text Search</a:t>
-            </a:r>
-          </a:p>
-        </p:txBody>
-      </p:sp>
-    </p:spTree>
-    <p:extLst>
-      <p:ext uri="{BB962C8B-B14F-4D97-AF65-F5344CB8AC3E}">
-        <p14:creationId xmlns:p14="http://schemas.microsoft.com/office/powerpoint/2010/main" val="450875661"/>
       </p:ext>
     </p:extLst>
   </p:cSld>

--- a/Resources/Build-On-2.pptx
+++ b/Resources/Build-On-2.pptx
@@ -1,21 +1,24 @@
 
 <file path=ppt/presentation.xml><?xml version="1.0" encoding="utf-8"?>
-<p:presentation xmlns:a="http://schemas.openxmlformats.org/drawingml/2006/main" xmlns:r="http://schemas.openxmlformats.org/officeDocument/2006/relationships" xmlns:p="http://schemas.openxmlformats.org/presentationml/2006/main" saveSubsetFonts="1">
+<p:presentation xmlns:a="http://schemas.openxmlformats.org/drawingml/2006/main" xmlns:r="http://schemas.openxmlformats.org/officeDocument/2006/relationships" xmlns:p="http://schemas.openxmlformats.org/presentationml/2006/main" showSpecialPlsOnTitleSld="0" saveSubsetFonts="1">
   <p:sldMasterIdLst>
     <p:sldMasterId id="2147483648" r:id="rId1"/>
   </p:sldMasterIdLst>
+  <p:notesMasterIdLst>
+    <p:notesMasterId r:id="rId13"/>
+  </p:notesMasterIdLst>
   <p:sldIdLst>
     <p:sldId id="264" r:id="rId2"/>
     <p:sldId id="256" r:id="rId3"/>
-    <p:sldId id="257" r:id="rId4"/>
+    <p:sldId id="266" r:id="rId4"/>
     <p:sldId id="265" r:id="rId5"/>
-    <p:sldId id="258" r:id="rId6"/>
-    <p:sldId id="266" r:id="rId7"/>
-    <p:sldId id="259" r:id="rId8"/>
-    <p:sldId id="260" r:id="rId9"/>
-    <p:sldId id="261" r:id="rId10"/>
-    <p:sldId id="262" r:id="rId11"/>
-    <p:sldId id="263" r:id="rId12"/>
+    <p:sldId id="259" r:id="rId6"/>
+    <p:sldId id="260" r:id="rId7"/>
+    <p:sldId id="261" r:id="rId8"/>
+    <p:sldId id="262" r:id="rId9"/>
+    <p:sldId id="263" r:id="rId10"/>
+    <p:sldId id="258" r:id="rId11"/>
+    <p:sldId id="257" r:id="rId12"/>
   </p:sldIdLst>
   <p:sldSz cx="12192000" cy="6858000"/>
   <p:notesSz cx="6858000" cy="9144000"/>
@@ -122,6 +125,355 @@
 </p:presentation>
 </file>
 
+<file path=ppt/notesMasters/notesMaster1.xml><?xml version="1.0" encoding="utf-8"?>
+<p:notesMaster xmlns:a="http://schemas.openxmlformats.org/drawingml/2006/main" xmlns:r="http://schemas.openxmlformats.org/officeDocument/2006/relationships" xmlns:p="http://schemas.openxmlformats.org/presentationml/2006/main">
+  <p:cSld>
+    <p:bg>
+      <p:bgRef idx="1001">
+        <a:schemeClr val="bg1"/>
+      </p:bgRef>
+    </p:bg>
+    <p:spTree>
+      <p:nvGrpSpPr>
+        <p:cNvPr id="1" name=""/>
+        <p:cNvGrpSpPr/>
+        <p:nvPr/>
+      </p:nvGrpSpPr>
+      <p:grpSpPr>
+        <a:xfrm>
+          <a:off x="0" y="0"/>
+          <a:ext cx="0" cy="0"/>
+          <a:chOff x="0" y="0"/>
+          <a:chExt cx="0" cy="0"/>
+        </a:xfrm>
+      </p:grpSpPr>
+      <p:sp>
+        <p:nvSpPr>
+          <p:cNvPr id="2" name="Header Placeholder 1"/>
+          <p:cNvSpPr>
+            <a:spLocks noGrp="1"/>
+          </p:cNvSpPr>
+          <p:nvPr>
+            <p:ph type="hdr" sz="quarter"/>
+          </p:nvPr>
+        </p:nvSpPr>
+        <p:spPr>
+          <a:xfrm>
+            <a:off x="0" y="0"/>
+            <a:ext cx="2971800" cy="458788"/>
+          </a:xfrm>
+          <a:prstGeom prst="rect">
+            <a:avLst/>
+          </a:prstGeom>
+        </p:spPr>
+        <p:txBody>
+          <a:bodyPr vert="horz" lIns="91440" tIns="45720" rIns="91440" bIns="45720" rtlCol="0"/>
+          <a:lstStyle>
+            <a:lvl1pPr algn="l">
+              <a:defRPr sz="1200"/>
+            </a:lvl1pPr>
+          </a:lstStyle>
+          <a:p>
+            <a:endParaRPr lang="en-US"/>
+          </a:p>
+        </p:txBody>
+      </p:sp>
+      <p:sp>
+        <p:nvSpPr>
+          <p:cNvPr id="3" name="Date Placeholder 2"/>
+          <p:cNvSpPr>
+            <a:spLocks noGrp="1"/>
+          </p:cNvSpPr>
+          <p:nvPr>
+            <p:ph type="dt" idx="1"/>
+          </p:nvPr>
+        </p:nvSpPr>
+        <p:spPr>
+          <a:xfrm>
+            <a:off x="3884613" y="0"/>
+            <a:ext cx="2971800" cy="458788"/>
+          </a:xfrm>
+          <a:prstGeom prst="rect">
+            <a:avLst/>
+          </a:prstGeom>
+        </p:spPr>
+        <p:txBody>
+          <a:bodyPr vert="horz" lIns="91440" tIns="45720" rIns="91440" bIns="45720" rtlCol="0"/>
+          <a:lstStyle>
+            <a:lvl1pPr algn="r">
+              <a:defRPr sz="1200"/>
+            </a:lvl1pPr>
+          </a:lstStyle>
+          <a:p>
+            <a:fld id="{0848BC6B-9879-4A5D-9ADD-7A7EC6F9DCFC}" type="datetimeFigureOut">
+              <a:rPr lang="en-US" smtClean="0"/>
+              <a:t>2/24/2021</a:t>
+            </a:fld>
+            <a:endParaRPr lang="en-US"/>
+          </a:p>
+        </p:txBody>
+      </p:sp>
+      <p:sp>
+        <p:nvSpPr>
+          <p:cNvPr id="4" name="Slide Image Placeholder 3"/>
+          <p:cNvSpPr>
+            <a:spLocks noGrp="1" noRot="1" noChangeAspect="1"/>
+          </p:cNvSpPr>
+          <p:nvPr>
+            <p:ph type="sldImg" idx="2"/>
+          </p:nvPr>
+        </p:nvSpPr>
+        <p:spPr>
+          <a:xfrm>
+            <a:off x="685800" y="1143000"/>
+            <a:ext cx="5486400" cy="3086100"/>
+          </a:xfrm>
+          <a:prstGeom prst="rect">
+            <a:avLst/>
+          </a:prstGeom>
+          <a:noFill/>
+          <a:ln w="12700">
+            <a:solidFill>
+              <a:prstClr val="black"/>
+            </a:solidFill>
+          </a:ln>
+        </p:spPr>
+        <p:txBody>
+          <a:bodyPr vert="horz" lIns="91440" tIns="45720" rIns="91440" bIns="45720" rtlCol="0" anchor="ctr"/>
+          <a:lstStyle/>
+          <a:p>
+            <a:endParaRPr lang="en-US"/>
+          </a:p>
+        </p:txBody>
+      </p:sp>
+      <p:sp>
+        <p:nvSpPr>
+          <p:cNvPr id="5" name="Notes Placeholder 4"/>
+          <p:cNvSpPr>
+            <a:spLocks noGrp="1"/>
+          </p:cNvSpPr>
+          <p:nvPr>
+            <p:ph type="body" sz="quarter" idx="3"/>
+          </p:nvPr>
+        </p:nvSpPr>
+        <p:spPr>
+          <a:xfrm>
+            <a:off x="685800" y="4400550"/>
+            <a:ext cx="5486400" cy="3600450"/>
+          </a:xfrm>
+          <a:prstGeom prst="rect">
+            <a:avLst/>
+          </a:prstGeom>
+        </p:spPr>
+        <p:txBody>
+          <a:bodyPr vert="horz" lIns="91440" tIns="45720" rIns="91440" bIns="45720" rtlCol="0"/>
+          <a:lstStyle/>
+          <a:p>
+            <a:pPr lvl="0"/>
+            <a:r>
+              <a:rPr lang="en-US"/>
+              <a:t>Click to edit Master text styles</a:t>
+            </a:r>
+          </a:p>
+          <a:p>
+            <a:pPr lvl="1"/>
+            <a:r>
+              <a:rPr lang="en-US"/>
+              <a:t>Second level</a:t>
+            </a:r>
+          </a:p>
+          <a:p>
+            <a:pPr lvl="2"/>
+            <a:r>
+              <a:rPr lang="en-US"/>
+              <a:t>Third level</a:t>
+            </a:r>
+          </a:p>
+          <a:p>
+            <a:pPr lvl="3"/>
+            <a:r>
+              <a:rPr lang="en-US"/>
+              <a:t>Fourth level</a:t>
+            </a:r>
+          </a:p>
+          <a:p>
+            <a:pPr lvl="4"/>
+            <a:r>
+              <a:rPr lang="en-US"/>
+              <a:t>Fifth level</a:t>
+            </a:r>
+          </a:p>
+        </p:txBody>
+      </p:sp>
+      <p:sp>
+        <p:nvSpPr>
+          <p:cNvPr id="6" name="Footer Placeholder 5"/>
+          <p:cNvSpPr>
+            <a:spLocks noGrp="1"/>
+          </p:cNvSpPr>
+          <p:nvPr>
+            <p:ph type="ftr" sz="quarter" idx="4"/>
+          </p:nvPr>
+        </p:nvSpPr>
+        <p:spPr>
+          <a:xfrm>
+            <a:off x="0" y="8685213"/>
+            <a:ext cx="2971800" cy="458787"/>
+          </a:xfrm>
+          <a:prstGeom prst="rect">
+            <a:avLst/>
+          </a:prstGeom>
+        </p:spPr>
+        <p:txBody>
+          <a:bodyPr vert="horz" lIns="91440" tIns="45720" rIns="91440" bIns="45720" rtlCol="0" anchor="b"/>
+          <a:lstStyle>
+            <a:lvl1pPr algn="l">
+              <a:defRPr sz="1200"/>
+            </a:lvl1pPr>
+          </a:lstStyle>
+          <a:p>
+            <a:endParaRPr lang="en-US"/>
+          </a:p>
+        </p:txBody>
+      </p:sp>
+      <p:sp>
+        <p:nvSpPr>
+          <p:cNvPr id="7" name="Slide Number Placeholder 6"/>
+          <p:cNvSpPr>
+            <a:spLocks noGrp="1"/>
+          </p:cNvSpPr>
+          <p:nvPr>
+            <p:ph type="sldNum" sz="quarter" idx="5"/>
+          </p:nvPr>
+        </p:nvSpPr>
+        <p:spPr>
+          <a:xfrm>
+            <a:off x="3884613" y="8685213"/>
+            <a:ext cx="2971800" cy="458787"/>
+          </a:xfrm>
+          <a:prstGeom prst="rect">
+            <a:avLst/>
+          </a:prstGeom>
+        </p:spPr>
+        <p:txBody>
+          <a:bodyPr vert="horz" lIns="91440" tIns="45720" rIns="91440" bIns="45720" rtlCol="0" anchor="b"/>
+          <a:lstStyle>
+            <a:lvl1pPr algn="r">
+              <a:defRPr sz="1200"/>
+            </a:lvl1pPr>
+          </a:lstStyle>
+          <a:p>
+            <a:fld id="{A35E6ABF-595E-46CD-BD7B-8A2635BC990F}" type="slidenum">
+              <a:rPr lang="en-US" smtClean="0"/>
+              <a:t>‹#›</a:t>
+            </a:fld>
+            <a:endParaRPr lang="en-US"/>
+          </a:p>
+        </p:txBody>
+      </p:sp>
+    </p:spTree>
+    <p:extLst>
+      <p:ext uri="{BB962C8B-B14F-4D97-AF65-F5344CB8AC3E}">
+        <p14:creationId xmlns:p14="http://schemas.microsoft.com/office/powerpoint/2010/main" val="3134559942"/>
+      </p:ext>
+    </p:extLst>
+  </p:cSld>
+  <p:clrMap bg1="lt1" tx1="dk1" bg2="lt2" tx2="dk2" accent1="accent1" accent2="accent2" accent3="accent3" accent4="accent4" accent5="accent5" accent6="accent6" hlink="hlink" folHlink="folHlink"/>
+  <p:notesStyle>
+    <a:lvl1pPr marL="0" algn="l" defTabSz="914400" rtl="0" eaLnBrk="1" latinLnBrk="0" hangingPunct="1">
+      <a:defRPr sz="1200" kern="1200">
+        <a:solidFill>
+          <a:schemeClr val="tx1"/>
+        </a:solidFill>
+        <a:latin typeface="+mn-lt"/>
+        <a:ea typeface="+mn-ea"/>
+        <a:cs typeface="+mn-cs"/>
+      </a:defRPr>
+    </a:lvl1pPr>
+    <a:lvl2pPr marL="457200" algn="l" defTabSz="914400" rtl="0" eaLnBrk="1" latinLnBrk="0" hangingPunct="1">
+      <a:defRPr sz="1200" kern="1200">
+        <a:solidFill>
+          <a:schemeClr val="tx1"/>
+        </a:solidFill>
+        <a:latin typeface="+mn-lt"/>
+        <a:ea typeface="+mn-ea"/>
+        <a:cs typeface="+mn-cs"/>
+      </a:defRPr>
+    </a:lvl2pPr>
+    <a:lvl3pPr marL="914400" algn="l" defTabSz="914400" rtl="0" eaLnBrk="1" latinLnBrk="0" hangingPunct="1">
+      <a:defRPr sz="1200" kern="1200">
+        <a:solidFill>
+          <a:schemeClr val="tx1"/>
+        </a:solidFill>
+        <a:latin typeface="+mn-lt"/>
+        <a:ea typeface="+mn-ea"/>
+        <a:cs typeface="+mn-cs"/>
+      </a:defRPr>
+    </a:lvl3pPr>
+    <a:lvl4pPr marL="1371600" algn="l" defTabSz="914400" rtl="0" eaLnBrk="1" latinLnBrk="0" hangingPunct="1">
+      <a:defRPr sz="1200" kern="1200">
+        <a:solidFill>
+          <a:schemeClr val="tx1"/>
+        </a:solidFill>
+        <a:latin typeface="+mn-lt"/>
+        <a:ea typeface="+mn-ea"/>
+        <a:cs typeface="+mn-cs"/>
+      </a:defRPr>
+    </a:lvl4pPr>
+    <a:lvl5pPr marL="1828800" algn="l" defTabSz="914400" rtl="0" eaLnBrk="1" latinLnBrk="0" hangingPunct="1">
+      <a:defRPr sz="1200" kern="1200">
+        <a:solidFill>
+          <a:schemeClr val="tx1"/>
+        </a:solidFill>
+        <a:latin typeface="+mn-lt"/>
+        <a:ea typeface="+mn-ea"/>
+        <a:cs typeface="+mn-cs"/>
+      </a:defRPr>
+    </a:lvl5pPr>
+    <a:lvl6pPr marL="2286000" algn="l" defTabSz="914400" rtl="0" eaLnBrk="1" latinLnBrk="0" hangingPunct="1">
+      <a:defRPr sz="1200" kern="1200">
+        <a:solidFill>
+          <a:schemeClr val="tx1"/>
+        </a:solidFill>
+        <a:latin typeface="+mn-lt"/>
+        <a:ea typeface="+mn-ea"/>
+        <a:cs typeface="+mn-cs"/>
+      </a:defRPr>
+    </a:lvl6pPr>
+    <a:lvl7pPr marL="2743200" algn="l" defTabSz="914400" rtl="0" eaLnBrk="1" latinLnBrk="0" hangingPunct="1">
+      <a:defRPr sz="1200" kern="1200">
+        <a:solidFill>
+          <a:schemeClr val="tx1"/>
+        </a:solidFill>
+        <a:latin typeface="+mn-lt"/>
+        <a:ea typeface="+mn-ea"/>
+        <a:cs typeface="+mn-cs"/>
+      </a:defRPr>
+    </a:lvl7pPr>
+    <a:lvl8pPr marL="3200400" algn="l" defTabSz="914400" rtl="0" eaLnBrk="1" latinLnBrk="0" hangingPunct="1">
+      <a:defRPr sz="1200" kern="1200">
+        <a:solidFill>
+          <a:schemeClr val="tx1"/>
+        </a:solidFill>
+        <a:latin typeface="+mn-lt"/>
+        <a:ea typeface="+mn-ea"/>
+        <a:cs typeface="+mn-cs"/>
+      </a:defRPr>
+    </a:lvl8pPr>
+    <a:lvl9pPr marL="3657600" algn="l" defTabSz="914400" rtl="0" eaLnBrk="1" latinLnBrk="0" hangingPunct="1">
+      <a:defRPr sz="1200" kern="1200">
+        <a:solidFill>
+          <a:schemeClr val="tx1"/>
+        </a:solidFill>
+        <a:latin typeface="+mn-lt"/>
+        <a:ea typeface="+mn-ea"/>
+        <a:cs typeface="+mn-cs"/>
+      </a:defRPr>
+    </a:lvl9pPr>
+  </p:notesStyle>
+</p:notesMaster>
+</file>
+
 <file path=ppt/slideLayouts/slideLayout1.xml><?xml version="1.0" encoding="utf-8"?>
 <p:sldLayout xmlns:a="http://schemas.openxmlformats.org/drawingml/2006/main" xmlns:r="http://schemas.openxmlformats.org/officeDocument/2006/relationships" xmlns:p="http://schemas.openxmlformats.org/presentationml/2006/main" type="title" preserve="1">
   <p:cSld name="Title Slide">
@@ -267,7 +619,7 @@
           <a:bodyPr/>
           <a:lstStyle/>
           <a:p>
-            <a:fld id="{62A8A12F-4B01-424F-AD07-F42ED760B84B}" type="datetimeFigureOut">
+            <a:fld id="{743C5819-F2F0-4635-8846-E0D7F1235C4A}" type="datetime1">
               <a:rPr lang="en-US" smtClean="0"/>
               <a:t>2/24/2021</a:t>
             </a:fld>
@@ -465,7 +817,7 @@
           <a:bodyPr/>
           <a:lstStyle/>
           <a:p>
-            <a:fld id="{62A8A12F-4B01-424F-AD07-F42ED760B84B}" type="datetimeFigureOut">
+            <a:fld id="{F9B384AA-5F95-4C33-968F-4281EE1C5D31}" type="datetime1">
               <a:rPr lang="en-US" smtClean="0"/>
               <a:t>2/24/2021</a:t>
             </a:fld>
@@ -673,7 +1025,7 @@
           <a:bodyPr/>
           <a:lstStyle/>
           <a:p>
-            <a:fld id="{62A8A12F-4B01-424F-AD07-F42ED760B84B}" type="datetimeFigureOut">
+            <a:fld id="{598AD886-C01A-47D5-80DD-8DE49FB67408}" type="datetime1">
               <a:rPr lang="en-US" smtClean="0"/>
               <a:t>2/24/2021</a:t>
             </a:fld>
@@ -871,7 +1223,7 @@
           <a:bodyPr/>
           <a:lstStyle/>
           <a:p>
-            <a:fld id="{62A8A12F-4B01-424F-AD07-F42ED760B84B}" type="datetimeFigureOut">
+            <a:fld id="{8D903533-41AC-45E1-9689-7E372F906C46}" type="datetime1">
               <a:rPr lang="en-US" smtClean="0"/>
               <a:t>2/24/2021</a:t>
             </a:fld>
@@ -923,13 +1275,18 @@
         <p:spPr/>
         <p:txBody>
           <a:bodyPr/>
-          <a:lstStyle/>
+          <a:lstStyle>
+            <a:lvl1pPr>
+              <a:defRPr sz="1600"/>
+            </a:lvl1pPr>
+          </a:lstStyle>
           <a:p>
             <a:fld id="{9BDD3687-D8FB-4AFD-9AD8-D913B777D7F7}" type="slidenum">
               <a:rPr lang="en-US" smtClean="0"/>
+              <a:pPr/>
               <a:t>‹#›</a:t>
             </a:fld>
-            <a:endParaRPr lang="en-US"/>
+            <a:endParaRPr lang="en-US" dirty="0"/>
           </a:p>
         </p:txBody>
       </p:sp>
@@ -1146,7 +1503,7 @@
           <a:bodyPr/>
           <a:lstStyle/>
           <a:p>
-            <a:fld id="{62A8A12F-4B01-424F-AD07-F42ED760B84B}" type="datetimeFigureOut">
+            <a:fld id="{D64A9379-CA54-45F7-9973-2CA70E9FE0DA}" type="datetime1">
               <a:rPr lang="en-US" smtClean="0"/>
               <a:t>2/24/2021</a:t>
             </a:fld>
@@ -1411,7 +1768,7 @@
           <a:bodyPr/>
           <a:lstStyle/>
           <a:p>
-            <a:fld id="{62A8A12F-4B01-424F-AD07-F42ED760B84B}" type="datetimeFigureOut">
+            <a:fld id="{F20E10C4-1FFF-436D-9146-BCABA5CCABDC}" type="datetime1">
               <a:rPr lang="en-US" smtClean="0"/>
               <a:t>2/24/2021</a:t>
             </a:fld>
@@ -1823,7 +2180,7 @@
           <a:bodyPr/>
           <a:lstStyle/>
           <a:p>
-            <a:fld id="{62A8A12F-4B01-424F-AD07-F42ED760B84B}" type="datetimeFigureOut">
+            <a:fld id="{870AAD3C-0B7E-40D5-B7E8-235ABB682731}" type="datetime1">
               <a:rPr lang="en-US" smtClean="0"/>
               <a:t>2/24/2021</a:t>
             </a:fld>
@@ -1964,7 +2321,7 @@
           <a:bodyPr/>
           <a:lstStyle/>
           <a:p>
-            <a:fld id="{62A8A12F-4B01-424F-AD07-F42ED760B84B}" type="datetimeFigureOut">
+            <a:fld id="{715EE6D3-C8C1-4419-90ED-DDD01668DDC0}" type="datetime1">
               <a:rPr lang="en-US" smtClean="0"/>
               <a:t>2/24/2021</a:t>
             </a:fld>
@@ -2077,7 +2434,7 @@
           <a:bodyPr/>
           <a:lstStyle/>
           <a:p>
-            <a:fld id="{62A8A12F-4B01-424F-AD07-F42ED760B84B}" type="datetimeFigureOut">
+            <a:fld id="{38FB8FDC-B18A-4FED-99B0-72D3BD16FACD}" type="datetime1">
               <a:rPr lang="en-US" smtClean="0"/>
               <a:t>2/24/2021</a:t>
             </a:fld>
@@ -2388,7 +2745,7 @@
           <a:bodyPr/>
           <a:lstStyle/>
           <a:p>
-            <a:fld id="{62A8A12F-4B01-424F-AD07-F42ED760B84B}" type="datetimeFigureOut">
+            <a:fld id="{CE06BDA3-8907-4DB2-BA4F-01F17DDA4A7B}" type="datetime1">
               <a:rPr lang="en-US" smtClean="0"/>
               <a:t>2/24/2021</a:t>
             </a:fld>
@@ -2676,7 +3033,7 @@
           <a:bodyPr/>
           <a:lstStyle/>
           <a:p>
-            <a:fld id="{62A8A12F-4B01-424F-AD07-F42ED760B84B}" type="datetimeFigureOut">
+            <a:fld id="{E0CFAD89-B4BD-4F37-9D8A-960352BCDA8C}" type="datetime1">
               <a:rPr lang="en-US" smtClean="0"/>
               <a:t>2/24/2021</a:t>
             </a:fld>
@@ -2917,7 +3274,7 @@
             </a:lvl1pPr>
           </a:lstStyle>
           <a:p>
-            <a:fld id="{62A8A12F-4B01-424F-AD07-F42ED760B84B}" type="datetimeFigureOut">
+            <a:fld id="{216CC113-4E9F-451A-BC11-83685A596D60}" type="datetime1">
               <a:rPr lang="en-US" smtClean="0"/>
               <a:t>2/24/2021</a:t>
             </a:fld>
@@ -3036,6 +3393,7 @@
     <p:sldLayoutId id="2147483658" r:id="rId10"/>
     <p:sldLayoutId id="2147483659" r:id="rId11"/>
   </p:sldLayoutIdLst>
+  <p:hf hdr="0" ftr="0" dt="0"/>
   <p:txStyles>
     <p:titleStyle>
       <a:lvl1pPr algn="l" defTabSz="914400" rtl="0" eaLnBrk="1" latinLnBrk="0" hangingPunct="1">
@@ -3434,6 +3792,386 @@
 </file>
 
 <file path=ppt/slides/slide10.xml><?xml version="1.0" encoding="utf-8"?>
+<p:sld xmlns:a="http://schemas.openxmlformats.org/drawingml/2006/main" xmlns:r="http://schemas.openxmlformats.org/officeDocument/2006/relationships" xmlns:p="http://schemas.openxmlformats.org/presentationml/2006/main" show="0">
+  <p:cSld>
+    <p:spTree>
+      <p:nvGrpSpPr>
+        <p:cNvPr id="1" name=""/>
+        <p:cNvGrpSpPr/>
+        <p:nvPr/>
+      </p:nvGrpSpPr>
+      <p:grpSpPr>
+        <a:xfrm>
+          <a:off x="0" y="0"/>
+          <a:ext cx="0" cy="0"/>
+          <a:chOff x="0" y="0"/>
+          <a:chExt cx="0" cy="0"/>
+        </a:xfrm>
+      </p:grpSpPr>
+      <p:sp>
+        <p:nvSpPr>
+          <p:cNvPr id="2" name="Title 1">
+            <a:extLst>
+              <a:ext uri="{FF2B5EF4-FFF2-40B4-BE49-F238E27FC236}">
+                <a16:creationId xmlns:a16="http://schemas.microsoft.com/office/drawing/2014/main" id="{3A1D5CF7-0D4F-4BAE-BA2C-566B721B4B29}"/>
+              </a:ext>
+            </a:extLst>
+          </p:cNvPr>
+          <p:cNvSpPr>
+            <a:spLocks noGrp="1"/>
+          </p:cNvSpPr>
+          <p:nvPr>
+            <p:ph type="title"/>
+          </p:nvPr>
+        </p:nvSpPr>
+        <p:spPr/>
+        <p:style>
+          <a:lnRef idx="2">
+            <a:schemeClr val="accent3"/>
+          </a:lnRef>
+          <a:fillRef idx="1">
+            <a:schemeClr val="lt1"/>
+          </a:fillRef>
+          <a:effectRef idx="0">
+            <a:schemeClr val="accent3"/>
+          </a:effectRef>
+          <a:fontRef idx="minor">
+            <a:schemeClr val="dk1"/>
+          </a:fontRef>
+        </p:style>
+        <p:txBody>
+          <a:bodyPr/>
+          <a:lstStyle/>
+          <a:p>
+            <a:r>
+              <a:rPr lang="en-US" dirty="0"/>
+              <a:t>Build-On Motivation</a:t>
+            </a:r>
+          </a:p>
+        </p:txBody>
+      </p:sp>
+      <p:sp>
+        <p:nvSpPr>
+          <p:cNvPr id="3" name="Content Placeholder 2">
+            <a:extLst>
+              <a:ext uri="{FF2B5EF4-FFF2-40B4-BE49-F238E27FC236}">
+                <a16:creationId xmlns:a16="http://schemas.microsoft.com/office/drawing/2014/main" id="{0E456118-B98A-4F38-8E30-CD16C343A8CA}"/>
+              </a:ext>
+            </a:extLst>
+          </p:cNvPr>
+          <p:cNvSpPr>
+            <a:spLocks noGrp="1"/>
+          </p:cNvSpPr>
+          <p:nvPr>
+            <p:ph idx="1"/>
+          </p:nvPr>
+        </p:nvSpPr>
+        <p:spPr/>
+        <p:txBody>
+          <a:bodyPr/>
+          <a:lstStyle/>
+          <a:p>
+            <a:r>
+              <a:rPr lang="en-US" dirty="0"/>
+              <a:t>Participate in a developer community interested in learning Rust</a:t>
+            </a:r>
+          </a:p>
+          <a:p>
+            <a:r>
+              <a:rPr lang="en-US" dirty="0"/>
+              <a:t>Stay in contact with SU Computer Engineering and Computer Science alumni</a:t>
+            </a:r>
+          </a:p>
+          <a:p>
+            <a:r>
+              <a:rPr lang="en-US" dirty="0"/>
+              <a:t>Support conversations about Rust and other interesting tech topics</a:t>
+            </a:r>
+          </a:p>
+          <a:p>
+            <a:pPr lvl="1"/>
+            <a:r>
+              <a:rPr lang="en-US" dirty="0"/>
+              <a:t>Encourage both active learners and curious browsers</a:t>
+            </a:r>
+          </a:p>
+          <a:p>
+            <a:r>
+              <a:rPr lang="en-US" dirty="0"/>
+              <a:t>Rust is a very clever language supporting development of secure, high performance code (same ballpark as C++ without </a:t>
+            </a:r>
+            <a:r>
+              <a:rPr lang="en-US"/>
+              <a:t>undefined behavior)</a:t>
+            </a:r>
+            <a:endParaRPr lang="en-US" dirty="0"/>
+          </a:p>
+          <a:p>
+            <a:pPr lvl="1"/>
+            <a:r>
+              <a:rPr lang="en-US" dirty="0"/>
+              <a:t>Rust website lists 138 companies using Rust in production</a:t>
+            </a:r>
+          </a:p>
+          <a:p>
+            <a:pPr lvl="1"/>
+            <a:r>
+              <a:rPr lang="en-US" dirty="0" err="1"/>
+              <a:t>Tiobe</a:t>
+            </a:r>
+            <a:r>
+              <a:rPr lang="en-US" dirty="0"/>
+              <a:t> lists rust as 25</a:t>
+            </a:r>
+            <a:r>
+              <a:rPr lang="en-US" baseline="30000" dirty="0"/>
+              <a:t>th</a:t>
+            </a:r>
+            <a:r>
+              <a:rPr lang="en-US" dirty="0"/>
+              <a:t> in their language popularity index (Oct 2020).  </a:t>
+            </a:r>
+          </a:p>
+        </p:txBody>
+      </p:sp>
+      <p:sp>
+        <p:nvSpPr>
+          <p:cNvPr id="4" name="Slide Number Placeholder 3">
+            <a:extLst>
+              <a:ext uri="{FF2B5EF4-FFF2-40B4-BE49-F238E27FC236}">
+                <a16:creationId xmlns:a16="http://schemas.microsoft.com/office/drawing/2014/main" id="{BF83AA05-66BB-431F-BE9C-9A286F190FEF}"/>
+              </a:ext>
+            </a:extLst>
+          </p:cNvPr>
+          <p:cNvSpPr>
+            <a:spLocks noGrp="1"/>
+          </p:cNvSpPr>
+          <p:nvPr>
+            <p:ph type="sldNum" sz="quarter" idx="12"/>
+          </p:nvPr>
+        </p:nvSpPr>
+        <p:spPr/>
+        <p:txBody>
+          <a:bodyPr/>
+          <a:lstStyle/>
+          <a:p>
+            <a:fld id="{9BDD3687-D8FB-4AFD-9AD8-D913B777D7F7}" type="slidenum">
+              <a:rPr lang="en-US" smtClean="0"/>
+              <a:t>10</a:t>
+            </a:fld>
+            <a:endParaRPr lang="en-US" dirty="0"/>
+          </a:p>
+        </p:txBody>
+      </p:sp>
+    </p:spTree>
+    <p:extLst>
+      <p:ext uri="{BB962C8B-B14F-4D97-AF65-F5344CB8AC3E}">
+        <p14:creationId xmlns:p14="http://schemas.microsoft.com/office/powerpoint/2010/main" val="664003782"/>
+      </p:ext>
+    </p:extLst>
+  </p:cSld>
+  <p:clrMapOvr>
+    <a:masterClrMapping/>
+  </p:clrMapOvr>
+</p:sld>
+</file>
+
+<file path=ppt/slides/slide11.xml><?xml version="1.0" encoding="utf-8"?>
+<p:sld xmlns:a="http://schemas.openxmlformats.org/drawingml/2006/main" xmlns:r="http://schemas.openxmlformats.org/officeDocument/2006/relationships" xmlns:p="http://schemas.openxmlformats.org/presentationml/2006/main" show="0">
+  <p:cSld>
+    <p:spTree>
+      <p:nvGrpSpPr>
+        <p:cNvPr id="1" name=""/>
+        <p:cNvGrpSpPr/>
+        <p:nvPr/>
+      </p:nvGrpSpPr>
+      <p:grpSpPr>
+        <a:xfrm>
+          <a:off x="0" y="0"/>
+          <a:ext cx="0" cy="0"/>
+          <a:chOff x="0" y="0"/>
+          <a:chExt cx="0" cy="0"/>
+        </a:xfrm>
+      </p:grpSpPr>
+      <p:sp>
+        <p:nvSpPr>
+          <p:cNvPr id="2" name="Title 1">
+            <a:extLst>
+              <a:ext uri="{FF2B5EF4-FFF2-40B4-BE49-F238E27FC236}">
+                <a16:creationId xmlns:a16="http://schemas.microsoft.com/office/drawing/2014/main" id="{3B51CB06-20F9-4D5D-9E36-87C19142DB53}"/>
+              </a:ext>
+            </a:extLst>
+          </p:cNvPr>
+          <p:cNvSpPr>
+            <a:spLocks noGrp="1"/>
+          </p:cNvSpPr>
+          <p:nvPr>
+            <p:ph type="title"/>
+          </p:nvPr>
+        </p:nvSpPr>
+        <p:spPr/>
+        <p:style>
+          <a:lnRef idx="2">
+            <a:schemeClr val="accent3"/>
+          </a:lnRef>
+          <a:fillRef idx="1">
+            <a:schemeClr val="lt1"/>
+          </a:fillRef>
+          <a:effectRef idx="0">
+            <a:schemeClr val="accent3"/>
+          </a:effectRef>
+          <a:fontRef idx="minor">
+            <a:schemeClr val="dk1"/>
+          </a:fontRef>
+        </p:style>
+        <p:txBody>
+          <a:bodyPr/>
+          <a:lstStyle/>
+          <a:p>
+            <a:r>
+              <a:rPr lang="en-US" dirty="0"/>
+              <a:t>Build-On Process</a:t>
+            </a:r>
+          </a:p>
+        </p:txBody>
+      </p:sp>
+      <p:sp>
+        <p:nvSpPr>
+          <p:cNvPr id="3" name="Content Placeholder 2">
+            <a:extLst>
+              <a:ext uri="{FF2B5EF4-FFF2-40B4-BE49-F238E27FC236}">
+                <a16:creationId xmlns:a16="http://schemas.microsoft.com/office/drawing/2014/main" id="{62CE037D-55B8-4B3B-A046-34952BCB0114}"/>
+              </a:ext>
+            </a:extLst>
+          </p:cNvPr>
+          <p:cNvSpPr>
+            <a:spLocks noGrp="1"/>
+          </p:cNvSpPr>
+          <p:nvPr>
+            <p:ph idx="1"/>
+          </p:nvPr>
+        </p:nvSpPr>
+        <p:spPr/>
+        <p:txBody>
+          <a:bodyPr/>
+          <a:lstStyle/>
+          <a:p>
+            <a:r>
+              <a:rPr lang="en-US" dirty="0"/>
+              <a:t>Zoom meeting that:</a:t>
+            </a:r>
+          </a:p>
+          <a:p>
+            <a:pPr lvl="1"/>
+            <a:r>
+              <a:rPr lang="en-US" dirty="0"/>
+              <a:t>Briefly describes motives for using Rust and Rust basic ideas</a:t>
+            </a:r>
+          </a:p>
+          <a:p>
+            <a:pPr lvl="1"/>
+            <a:r>
+              <a:rPr lang="en-US" dirty="0"/>
+              <a:t>Provides two or three references</a:t>
+            </a:r>
+          </a:p>
+          <a:p>
+            <a:pPr lvl="1"/>
+            <a:r>
+              <a:rPr lang="en-US" dirty="0"/>
+              <a:t>identifies a problem and refers to starter code</a:t>
+            </a:r>
+          </a:p>
+          <a:p>
+            <a:pPr lvl="1"/>
+            <a:r>
+              <a:rPr lang="en-US" dirty="0"/>
+              <a:t>Q&amp;A</a:t>
+            </a:r>
+          </a:p>
+          <a:p>
+            <a:r>
+              <a:rPr lang="en-US" dirty="0"/>
+              <a:t>Subsequent meetings </a:t>
+            </a:r>
+          </a:p>
+          <a:p>
+            <a:pPr lvl="1"/>
+            <a:r>
+              <a:rPr lang="en-US" dirty="0"/>
+              <a:t>Briefly describes my solution</a:t>
+            </a:r>
+          </a:p>
+          <a:p>
+            <a:pPr lvl="1"/>
+            <a:r>
+              <a:rPr lang="en-US" dirty="0"/>
+              <a:t>Others may discuss their solutions and/or problems</a:t>
+            </a:r>
+          </a:p>
+          <a:p>
+            <a:pPr lvl="1"/>
+            <a:r>
+              <a:rPr lang="en-US" dirty="0"/>
+              <a:t>Pose next extension </a:t>
+            </a:r>
+            <a:r>
+              <a:rPr lang="en-US"/>
+              <a:t>to problem</a:t>
+            </a:r>
+          </a:p>
+          <a:p>
+            <a:pPr lvl="1"/>
+            <a:r>
+              <a:rPr lang="en-US" dirty="0"/>
+              <a:t>Q&amp;A</a:t>
+            </a:r>
+          </a:p>
+        </p:txBody>
+      </p:sp>
+      <p:sp>
+        <p:nvSpPr>
+          <p:cNvPr id="4" name="Slide Number Placeholder 3">
+            <a:extLst>
+              <a:ext uri="{FF2B5EF4-FFF2-40B4-BE49-F238E27FC236}">
+                <a16:creationId xmlns:a16="http://schemas.microsoft.com/office/drawing/2014/main" id="{93B6B58E-E41D-4C01-893D-302C6BD53B2F}"/>
+              </a:ext>
+            </a:extLst>
+          </p:cNvPr>
+          <p:cNvSpPr>
+            <a:spLocks noGrp="1"/>
+          </p:cNvSpPr>
+          <p:nvPr>
+            <p:ph type="sldNum" sz="quarter" idx="12"/>
+          </p:nvPr>
+        </p:nvSpPr>
+        <p:spPr/>
+        <p:txBody>
+          <a:bodyPr/>
+          <a:lstStyle/>
+          <a:p>
+            <a:fld id="{9BDD3687-D8FB-4AFD-9AD8-D913B777D7F7}" type="slidenum">
+              <a:rPr lang="en-US" smtClean="0"/>
+              <a:t>11</a:t>
+            </a:fld>
+            <a:endParaRPr lang="en-US" dirty="0"/>
+          </a:p>
+        </p:txBody>
+      </p:sp>
+    </p:spTree>
+    <p:extLst>
+      <p:ext uri="{BB962C8B-B14F-4D97-AF65-F5344CB8AC3E}">
+        <p14:creationId xmlns:p14="http://schemas.microsoft.com/office/powerpoint/2010/main" val="288098898"/>
+      </p:ext>
+    </p:extLst>
+  </p:cSld>
+  <p:clrMapOvr>
+    <a:masterClrMapping/>
+  </p:clrMapOvr>
+</p:sld>
+</file>
+
+<file path=ppt/slides/slide2.xml><?xml version="1.0" encoding="utf-8"?>
 <p:sld xmlns:a="http://schemas.openxmlformats.org/drawingml/2006/main" xmlns:r="http://schemas.openxmlformats.org/officeDocument/2006/relationships" xmlns:p="http://schemas.openxmlformats.org/presentationml/2006/main">
   <p:cSld>
     <p:spTree>
@@ -3452,10 +4190,10 @@
       </p:grpSpPr>
       <p:sp>
         <p:nvSpPr>
-          <p:cNvPr id="8" name="Title 7">
-            <a:extLst>
-              <a:ext uri="{FF2B5EF4-FFF2-40B4-BE49-F238E27FC236}">
-                <a16:creationId xmlns:a16="http://schemas.microsoft.com/office/drawing/2014/main" id="{6AED2634-DADD-4809-95B9-F1BE61A1FF9E}"/>
+          <p:cNvPr id="2" name="Title 1">
+            <a:extLst>
+              <a:ext uri="{FF2B5EF4-FFF2-40B4-BE49-F238E27FC236}">
+                <a16:creationId xmlns:a16="http://schemas.microsoft.com/office/drawing/2014/main" id="{07781AE0-3723-46E6-8CBD-2ABF958F5379}"/>
               </a:ext>
             </a:extLst>
           </p:cNvPr>
@@ -3466,7 +4204,18 @@
             <p:ph type="title"/>
           </p:nvPr>
         </p:nvSpPr>
-        <p:spPr/>
+        <p:spPr>
+          <a:xfrm>
+            <a:off x="838200" y="307975"/>
+            <a:ext cx="10515600" cy="720725"/>
+          </a:xfrm>
+          <a:solidFill>
+            <a:schemeClr val="accent3">
+              <a:lumMod val="20000"/>
+              <a:lumOff val="80000"/>
+            </a:schemeClr>
+          </a:solidFill>
+        </p:spPr>
         <p:style>
           <a:lnRef idx="2">
             <a:schemeClr val="accent3"/>
@@ -3486,112 +4235,192 @@
           <a:lstStyle/>
           <a:p>
             <a:r>
+              <a:rPr lang="en-US" dirty="0"/>
+              <a:t>Build-On</a:t>
+            </a:r>
+          </a:p>
+        </p:txBody>
+      </p:sp>
+      <p:sp>
+        <p:nvSpPr>
+          <p:cNvPr id="3" name="Subtitle 2">
+            <a:extLst>
+              <a:ext uri="{FF2B5EF4-FFF2-40B4-BE49-F238E27FC236}">
+                <a16:creationId xmlns:a16="http://schemas.microsoft.com/office/drawing/2014/main" id="{B823DA6E-9A71-447E-BF72-6F7B225D1AAE}"/>
+              </a:ext>
+            </a:extLst>
+          </p:cNvPr>
+          <p:cNvSpPr>
+            <a:spLocks noGrp="1"/>
+          </p:cNvSpPr>
+          <p:nvPr>
+            <p:ph idx="1"/>
+          </p:nvPr>
+        </p:nvSpPr>
+        <p:spPr>
+          <a:xfrm>
+            <a:off x="838200" y="1335881"/>
+            <a:ext cx="10515600" cy="4841082"/>
+          </a:xfrm>
+        </p:spPr>
+        <p:txBody>
+          <a:bodyPr/>
+          <a:lstStyle/>
+          <a:p>
+            <a:pPr algn="l"/>
+            <a:r>
+              <a:rPr lang="en-US" dirty="0"/>
+              <a:t>Learn Rust in small steps</a:t>
+            </a:r>
+          </a:p>
+          <a:p>
+            <a:pPr marL="342900" indent="-342900" algn="l">
+              <a:buFont typeface="Arial" panose="020B0604020202020204" pitchFamily="34" charset="0"/>
+              <a:buChar char="•"/>
+            </a:pPr>
+            <a:r>
+              <a:rPr lang="en-US" dirty="0"/>
+              <a:t>Start with a simple Rust demo</a:t>
+            </a:r>
+          </a:p>
+          <a:p>
+            <a:pPr marL="800100" lvl="1" indent="-342900" algn="l">
+              <a:buFont typeface="Arial" panose="020B0604020202020204" pitchFamily="34" charset="0"/>
+              <a:buChar char="•"/>
+            </a:pPr>
+            <a:r>
+              <a:rPr lang="en-US" dirty="0"/>
+              <a:t>Text Finder</a:t>
+            </a:r>
+          </a:p>
+          <a:p>
+            <a:pPr marL="342900" indent="-342900" algn="l">
+              <a:buFont typeface="Arial" panose="020B0604020202020204" pitchFamily="34" charset="0"/>
+              <a:buChar char="•"/>
+            </a:pPr>
+            <a:r>
+              <a:rPr lang="en-US" dirty="0"/>
+              <a:t>Build on that in interesting ways, e.g., for Text Finder:</a:t>
+            </a:r>
+          </a:p>
+          <a:p>
+            <a:pPr marL="800100" lvl="1" indent="-342900" algn="l">
+              <a:buFont typeface="Arial" panose="020B0604020202020204" pitchFamily="34" charset="0"/>
+              <a:buChar char="•"/>
+            </a:pPr>
+            <a:r>
+              <a:rPr lang="en-US" dirty="0"/>
+              <a:t>Add capability – command line parsing, directory tree walking, …</a:t>
+            </a:r>
+          </a:p>
+          <a:p>
+            <a:pPr marL="800100" lvl="1" indent="-342900" algn="l">
+              <a:buFont typeface="Arial" panose="020B0604020202020204" pitchFamily="34" charset="0"/>
+              <a:buChar char="•"/>
+            </a:pPr>
+            <a:r>
+              <a:rPr lang="en-US" dirty="0"/>
+              <a:t>Use generics – plugin components</a:t>
+            </a:r>
+          </a:p>
+          <a:p>
+            <a:pPr marL="800100" lvl="1" indent="-342900" algn="l">
+              <a:buFont typeface="Arial" panose="020B0604020202020204" pitchFamily="34" charset="0"/>
+              <a:buChar char="•"/>
+            </a:pPr>
+            <a:r>
+              <a:rPr lang="en-US" dirty="0"/>
+              <a:t>Use threads – parallel text searches, thread pool based </a:t>
+            </a:r>
+            <a:r>
               <a:rPr lang="en-US" dirty="0" err="1"/>
-              <a:t>BuildOn</a:t>
-            </a:r>
+              <a:t>dir</a:t>
+            </a:r>
+            <a:r>
+              <a:rPr lang="en-US" dirty="0"/>
+              <a:t> traversal</a:t>
+            </a:r>
+          </a:p>
+          <a:p>
+            <a:pPr marL="800100" lvl="1" indent="-342900" algn="l">
+              <a:buFont typeface="Arial" panose="020B0604020202020204" pitchFamily="34" charset="0"/>
+              <a:buChar char="•"/>
+            </a:pPr>
+            <a:r>
+              <a:rPr lang="en-US" dirty="0"/>
+              <a:t>Use library components</a:t>
+            </a:r>
+          </a:p>
+          <a:p>
+            <a:pPr marL="342900" indent="-342900" algn="l">
+              <a:buFont typeface="Arial" panose="020B0604020202020204" pitchFamily="34" charset="0"/>
+              <a:buChar char="•"/>
+            </a:pPr>
+            <a:r>
+              <a:rPr lang="en-US" dirty="0"/>
+              <a:t>Discord server</a:t>
+            </a:r>
+          </a:p>
+          <a:p>
+            <a:pPr marL="800100" lvl="1" indent="-342900" algn="l">
+              <a:buFont typeface="Arial" panose="020B0604020202020204" pitchFamily="34" charset="0"/>
+              <a:buChar char="•"/>
+            </a:pPr>
+            <a:r>
+              <a:rPr lang="en-US" dirty="0"/>
+              <a:t>Q&amp;A</a:t>
+            </a:r>
+          </a:p>
+          <a:p>
+            <a:pPr marL="800100" lvl="1" indent="-342900" algn="l">
+              <a:buFont typeface="Arial" panose="020B0604020202020204" pitchFamily="34" charset="0"/>
+              <a:buChar char="•"/>
+            </a:pPr>
+            <a:r>
+              <a:rPr lang="en-US" dirty="0"/>
+              <a:t>Comments</a:t>
+            </a:r>
+          </a:p>
+          <a:p>
+            <a:pPr algn="l"/>
             <a:endParaRPr lang="en-US" dirty="0"/>
           </a:p>
         </p:txBody>
       </p:sp>
       <p:sp>
         <p:nvSpPr>
-          <p:cNvPr id="9" name="Content Placeholder 8">
-            <a:extLst>
-              <a:ext uri="{FF2B5EF4-FFF2-40B4-BE49-F238E27FC236}">
-                <a16:creationId xmlns:a16="http://schemas.microsoft.com/office/drawing/2014/main" id="{2C8FCC58-3F18-417F-873E-B7E9C6914DC8}"/>
-              </a:ext>
-            </a:extLst>
-          </p:cNvPr>
-          <p:cNvSpPr>
-            <a:spLocks noGrp="1"/>
-          </p:cNvSpPr>
-          <p:nvPr>
-            <p:ph idx="1"/>
+          <p:cNvPr id="4" name="Slide Number Placeholder 3">
+            <a:extLst>
+              <a:ext uri="{FF2B5EF4-FFF2-40B4-BE49-F238E27FC236}">
+                <a16:creationId xmlns:a16="http://schemas.microsoft.com/office/drawing/2014/main" id="{6F87E7F0-423E-4C7C-8755-49FBCC8A13D9}"/>
+              </a:ext>
+            </a:extLst>
+          </p:cNvPr>
+          <p:cNvSpPr>
+            <a:spLocks noGrp="1"/>
+          </p:cNvSpPr>
+          <p:nvPr>
+            <p:ph type="sldNum" sz="quarter" idx="12"/>
           </p:nvPr>
         </p:nvSpPr>
         <p:spPr/>
         <p:txBody>
-          <a:bodyPr>
-            <a:normAutofit lnSpcReduction="10000"/>
-          </a:bodyPr>
-          <a:lstStyle/>
-          <a:p>
-            <a:r>
-              <a:rPr lang="en-US" dirty="0"/>
-              <a:t>Session #3</a:t>
-            </a:r>
-          </a:p>
-          <a:p>
-            <a:pPr lvl="1"/>
-            <a:r>
-              <a:rPr lang="en-US" dirty="0" err="1"/>
-              <a:t>DirNav</a:t>
-            </a:r>
-            <a:endParaRPr lang="en-US" dirty="0"/>
-          </a:p>
-          <a:p>
-            <a:r>
-              <a:rPr lang="en-US" dirty="0"/>
-              <a:t>Session #4</a:t>
-            </a:r>
-          </a:p>
-          <a:p>
-            <a:pPr lvl="1"/>
-            <a:r>
-              <a:rPr lang="en-US" dirty="0" err="1"/>
-              <a:t>CmdlnParser</a:t>
-            </a:r>
-            <a:endParaRPr lang="en-US" dirty="0"/>
-          </a:p>
-          <a:p>
-            <a:r>
-              <a:rPr lang="en-US" dirty="0"/>
-              <a:t>Session #5</a:t>
-            </a:r>
-          </a:p>
-          <a:p>
-            <a:pPr lvl="1"/>
-            <a:r>
-              <a:rPr lang="en-US" dirty="0"/>
-              <a:t>Executive &amp; Display</a:t>
-            </a:r>
-          </a:p>
-          <a:p>
-            <a:r>
-              <a:rPr lang="en-US" dirty="0"/>
-              <a:t>Session #6 ?</a:t>
-            </a:r>
-          </a:p>
-          <a:p>
-            <a:pPr lvl="1"/>
-            <a:r>
-              <a:rPr lang="en-US" dirty="0" err="1"/>
-              <a:t>RegEx</a:t>
-            </a:r>
-            <a:r>
-              <a:rPr lang="en-US" dirty="0"/>
-              <a:t> Search</a:t>
-            </a:r>
-          </a:p>
-          <a:p>
-            <a:r>
-              <a:rPr lang="en-US" dirty="0"/>
-              <a:t>Session #7 ?</a:t>
-            </a:r>
-          </a:p>
-          <a:p>
-            <a:pPr lvl="1"/>
-            <a:r>
-              <a:rPr lang="en-US" dirty="0"/>
-              <a:t>Parallel Text Search</a:t>
-            </a:r>
+          <a:bodyPr/>
+          <a:lstStyle/>
+          <a:p>
+            <a:fld id="{9BDD3687-D8FB-4AFD-9AD8-D913B777D7F7}" type="slidenum">
+              <a:rPr lang="en-US" sz="1800" smtClean="0"/>
+              <a:pPr/>
+              <a:t>2</a:t>
+            </a:fld>
+            <a:endParaRPr lang="en-US" sz="1800" dirty="0"/>
           </a:p>
         </p:txBody>
       </p:sp>
     </p:spTree>
     <p:extLst>
       <p:ext uri="{BB962C8B-B14F-4D97-AF65-F5344CB8AC3E}">
-        <p14:creationId xmlns:p14="http://schemas.microsoft.com/office/powerpoint/2010/main" val="450875661"/>
+        <p14:creationId xmlns:p14="http://schemas.microsoft.com/office/powerpoint/2010/main" val="443749505"/>
       </p:ext>
     </p:extLst>
   </p:cSld>
@@ -3601,7 +4430,7 @@
 </p:sld>
 </file>
 
-<file path=ppt/slides/slide11.xml><?xml version="1.0" encoding="utf-8"?>
+<file path=ppt/slides/slide3.xml><?xml version="1.0" encoding="utf-8"?>
 <p:sld xmlns:a="http://schemas.openxmlformats.org/drawingml/2006/main" xmlns:r="http://schemas.openxmlformats.org/officeDocument/2006/relationships" xmlns:p="http://schemas.openxmlformats.org/presentationml/2006/main">
   <p:cSld>
     <p:spTree>
@@ -3620,10 +4449,10 @@
       </p:grpSpPr>
       <p:sp>
         <p:nvSpPr>
-          <p:cNvPr id="4" name="Title 3">
-            <a:extLst>
-              <a:ext uri="{FF2B5EF4-FFF2-40B4-BE49-F238E27FC236}">
-                <a16:creationId xmlns:a16="http://schemas.microsoft.com/office/drawing/2014/main" id="{E21D365E-E47D-40C4-B27C-EB8ECB058426}"/>
+          <p:cNvPr id="2" name="Title 1">
+            <a:extLst>
+              <a:ext uri="{FF2B5EF4-FFF2-40B4-BE49-F238E27FC236}">
+                <a16:creationId xmlns:a16="http://schemas.microsoft.com/office/drawing/2014/main" id="{C89EC088-9816-42BA-9B35-86D3F702E665}"/>
               </a:ext>
             </a:extLst>
           </p:cNvPr>
@@ -3634,463 +4463,210 @@
             <p:ph type="title"/>
           </p:nvPr>
         </p:nvSpPr>
+        <p:spPr>
+          <a:xfrm>
+            <a:off x="838200" y="336551"/>
+            <a:ext cx="10515600" cy="992188"/>
+          </a:xfrm>
+          <a:solidFill>
+            <a:schemeClr val="accent3">
+              <a:lumMod val="20000"/>
+              <a:lumOff val="80000"/>
+            </a:schemeClr>
+          </a:solidFill>
+          <a:ln>
+            <a:solidFill>
+              <a:schemeClr val="tx1"/>
+            </a:solidFill>
+          </a:ln>
+        </p:spPr>
+        <p:txBody>
+          <a:bodyPr/>
+          <a:lstStyle/>
+          <a:p>
+            <a:r>
+              <a:rPr lang="en-US" dirty="0"/>
+              <a:t>How would I use Rust at work?</a:t>
+            </a:r>
+          </a:p>
+        </p:txBody>
+      </p:sp>
+      <p:sp>
+        <p:nvSpPr>
+          <p:cNvPr id="3" name="Content Placeholder 2">
+            <a:extLst>
+              <a:ext uri="{FF2B5EF4-FFF2-40B4-BE49-F238E27FC236}">
+                <a16:creationId xmlns:a16="http://schemas.microsoft.com/office/drawing/2014/main" id="{4FDD5838-DCD1-47D0-8889-4639DD3B4B3A}"/>
+              </a:ext>
+            </a:extLst>
+          </p:cNvPr>
+          <p:cNvSpPr>
+            <a:spLocks noGrp="1"/>
+          </p:cNvSpPr>
+          <p:nvPr>
+            <p:ph idx="1"/>
+          </p:nvPr>
+        </p:nvSpPr>
+        <p:spPr>
+          <a:xfrm>
+            <a:off x="838200" y="1564480"/>
+            <a:ext cx="10515600" cy="4786313"/>
+          </a:xfrm>
+        </p:spPr>
+        <p:txBody>
+          <a:bodyPr/>
+          <a:lstStyle/>
+          <a:p>
+            <a:r>
+              <a:rPr lang="en-US" dirty="0"/>
+              <a:t>Migrate parts of a large project to Rust using its foreign function interface:</a:t>
+            </a:r>
+          </a:p>
+          <a:p>
+            <a:pPr lvl="1"/>
+            <a:r>
+              <a:rPr lang="en-US" dirty="0"/>
+              <a:t>Piece-meal improvement: performance, safety of existing code-base</a:t>
+            </a:r>
+          </a:p>
+          <a:p>
+            <a:pPr lvl="1"/>
+            <a:r>
+              <a:rPr lang="en-US" dirty="0">
+                <a:hlinkClick r:id="rId2"/>
+              </a:rPr>
+              <a:t>https://locka99.gitbooks.io/a-guide-to-porting-c-to-rust/content/</a:t>
+            </a:r>
+          </a:p>
+          <a:p>
+            <a:pPr lvl="1"/>
+            <a:r>
+              <a:rPr lang="en-US" dirty="0">
+                <a:hlinkClick r:id="rId2"/>
+              </a:rPr>
+              <a:t>std::</a:t>
+            </a:r>
+            <a:r>
+              <a:rPr lang="en-US" dirty="0" err="1">
+                <a:hlinkClick r:id="rId2"/>
+              </a:rPr>
+              <a:t>ffi</a:t>
+            </a:r>
+            <a:endParaRPr lang="en-US" dirty="0"/>
+          </a:p>
+          <a:p>
+            <a:r>
+              <a:rPr lang="en-US" dirty="0"/>
+              <a:t>Use Rust generated </a:t>
+            </a:r>
+            <a:r>
+              <a:rPr lang="en-US" dirty="0" err="1"/>
+              <a:t>WebAssembly</a:t>
+            </a:r>
+            <a:r>
+              <a:rPr lang="en-US" dirty="0"/>
+              <a:t> to speed JavaScript processing</a:t>
+            </a:r>
+          </a:p>
+          <a:p>
+            <a:pPr lvl="1"/>
+            <a:r>
+              <a:rPr lang="en-US" dirty="0">
+                <a:hlinkClick r:id="rId3"/>
+              </a:rPr>
+              <a:t>https://rustwasm.github.io/book/</a:t>
+            </a:r>
+            <a:endParaRPr lang="en-US" dirty="0"/>
+          </a:p>
+          <a:p>
+            <a:r>
+              <a:rPr lang="en-US" dirty="0"/>
+              <a:t>Start new projects in Rust</a:t>
+            </a:r>
+          </a:p>
+          <a:p>
+            <a:pPr lvl="1"/>
+            <a:r>
+              <a:rPr lang="en-US" dirty="0"/>
+              <a:t>Create fast, sound code with lots of help from compiler messages</a:t>
+            </a:r>
+          </a:p>
+          <a:p>
+            <a:pPr lvl="1"/>
+            <a:r>
+              <a:rPr lang="en-US" dirty="0"/>
+              <a:t>Great tooling: </a:t>
+            </a:r>
+            <a:r>
+              <a:rPr lang="en-US" dirty="0" err="1">
+                <a:hlinkClick r:id="rId4"/>
+              </a:rPr>
+              <a:t>RustBites_Tooling</a:t>
+            </a:r>
+            <a:r>
+              <a:rPr lang="en-US" dirty="0"/>
+              <a:t>, works on Windows, Linux, macOS</a:t>
+            </a:r>
+          </a:p>
+          <a:p>
+            <a:pPr lvl="1"/>
+            <a:r>
+              <a:rPr lang="en-US" dirty="0"/>
+              <a:t>Resources: e-books, active user forum, </a:t>
+            </a:r>
+            <a:r>
+              <a:rPr lang="en-US" dirty="0">
+                <a:hlinkClick r:id="rId5"/>
+              </a:rPr>
+              <a:t>https://crates.io</a:t>
+            </a:r>
+            <a:endParaRPr lang="en-US" dirty="0"/>
+          </a:p>
+          <a:p>
+            <a:pPr marL="457200" lvl="1" indent="0">
+              <a:buNone/>
+            </a:pPr>
+            <a:endParaRPr lang="en-US" dirty="0"/>
+          </a:p>
+          <a:p>
+            <a:pPr lvl="1"/>
+            <a:endParaRPr lang="en-US" dirty="0"/>
+          </a:p>
+        </p:txBody>
+      </p:sp>
+      <p:sp>
+        <p:nvSpPr>
+          <p:cNvPr id="4" name="Slide Number Placeholder 3">
+            <a:extLst>
+              <a:ext uri="{FF2B5EF4-FFF2-40B4-BE49-F238E27FC236}">
+                <a16:creationId xmlns:a16="http://schemas.microsoft.com/office/drawing/2014/main" id="{C1458565-BAB9-4E63-9E45-DD37D1BD1A4F}"/>
+              </a:ext>
+            </a:extLst>
+          </p:cNvPr>
+          <p:cNvSpPr>
+            <a:spLocks noGrp="1"/>
+          </p:cNvSpPr>
+          <p:nvPr>
+            <p:ph type="sldNum" sz="quarter" idx="12"/>
+          </p:nvPr>
+        </p:nvSpPr>
         <p:spPr/>
         <p:txBody>
           <a:bodyPr/>
           <a:lstStyle/>
           <a:p>
-            <a:r>
-              <a:rPr lang="en-US" dirty="0"/>
-              <a:t>That’s All Folks!</a:t>
-            </a:r>
+            <a:fld id="{9BDD3687-D8FB-4AFD-9AD8-D913B777D7F7}" type="slidenum">
+              <a:rPr lang="en-US" smtClean="0"/>
+              <a:t>3</a:t>
+            </a:fld>
+            <a:endParaRPr lang="en-US" dirty="0"/>
           </a:p>
         </p:txBody>
       </p:sp>
     </p:spTree>
     <p:extLst>
       <p:ext uri="{BB962C8B-B14F-4D97-AF65-F5344CB8AC3E}">
-        <p14:creationId xmlns:p14="http://schemas.microsoft.com/office/powerpoint/2010/main" val="702867322"/>
-      </p:ext>
-    </p:extLst>
-  </p:cSld>
-  <p:clrMapOvr>
-    <a:masterClrMapping/>
-  </p:clrMapOvr>
-</p:sld>
-</file>
-
-<file path=ppt/slides/slide2.xml><?xml version="1.0" encoding="utf-8"?>
-<p:sld xmlns:a="http://schemas.openxmlformats.org/drawingml/2006/main" xmlns:r="http://schemas.openxmlformats.org/officeDocument/2006/relationships" xmlns:p="http://schemas.openxmlformats.org/presentationml/2006/main" show="0">
-  <p:cSld>
-    <p:spTree>
-      <p:nvGrpSpPr>
-        <p:cNvPr id="1" name=""/>
-        <p:cNvGrpSpPr/>
-        <p:nvPr/>
-      </p:nvGrpSpPr>
-      <p:grpSpPr>
-        <a:xfrm>
-          <a:off x="0" y="0"/>
-          <a:ext cx="0" cy="0"/>
-          <a:chOff x="0" y="0"/>
-          <a:chExt cx="0" cy="0"/>
-        </a:xfrm>
-      </p:grpSpPr>
-      <p:sp>
-        <p:nvSpPr>
-          <p:cNvPr id="2" name="Title 1">
-            <a:extLst>
-              <a:ext uri="{FF2B5EF4-FFF2-40B4-BE49-F238E27FC236}">
-                <a16:creationId xmlns:a16="http://schemas.microsoft.com/office/drawing/2014/main" id="{07781AE0-3723-46E6-8CBD-2ABF958F5379}"/>
-              </a:ext>
-            </a:extLst>
-          </p:cNvPr>
-          <p:cNvSpPr>
-            <a:spLocks noGrp="1"/>
-          </p:cNvSpPr>
-          <p:nvPr>
-            <p:ph type="ctrTitle"/>
-          </p:nvPr>
-        </p:nvSpPr>
-        <p:spPr>
-          <a:xfrm>
-            <a:off x="1524000" y="450851"/>
-            <a:ext cx="9144000" cy="927893"/>
-          </a:xfrm>
-        </p:spPr>
-        <p:style>
-          <a:lnRef idx="2">
-            <a:schemeClr val="accent3"/>
-          </a:lnRef>
-          <a:fillRef idx="1">
-            <a:schemeClr val="lt1"/>
-          </a:fillRef>
-          <a:effectRef idx="0">
-            <a:schemeClr val="accent3"/>
-          </a:effectRef>
-          <a:fontRef idx="minor">
-            <a:schemeClr val="dk1"/>
-          </a:fontRef>
-        </p:style>
-        <p:txBody>
-          <a:bodyPr/>
-          <a:lstStyle/>
-          <a:p>
-            <a:r>
-              <a:rPr lang="en-US" dirty="0"/>
-              <a:t>Build-On</a:t>
-            </a:r>
-          </a:p>
-        </p:txBody>
-      </p:sp>
-      <p:sp>
-        <p:nvSpPr>
-          <p:cNvPr id="3" name="Subtitle 2">
-            <a:extLst>
-              <a:ext uri="{FF2B5EF4-FFF2-40B4-BE49-F238E27FC236}">
-                <a16:creationId xmlns:a16="http://schemas.microsoft.com/office/drawing/2014/main" id="{B823DA6E-9A71-447E-BF72-6F7B225D1AAE}"/>
-              </a:ext>
-            </a:extLst>
-          </p:cNvPr>
-          <p:cNvSpPr>
-            <a:spLocks noGrp="1"/>
-          </p:cNvSpPr>
-          <p:nvPr>
-            <p:ph type="subTitle" idx="1"/>
-          </p:nvPr>
-        </p:nvSpPr>
-        <p:spPr>
-          <a:xfrm>
-            <a:off x="1524000" y="1535907"/>
-            <a:ext cx="9144000" cy="4257674"/>
-          </a:xfrm>
-        </p:spPr>
-        <p:txBody>
-          <a:bodyPr/>
-          <a:lstStyle/>
-          <a:p>
-            <a:pPr algn="l"/>
-            <a:r>
-              <a:rPr lang="en-US" dirty="0"/>
-              <a:t>Learn Rust in small steps</a:t>
-            </a:r>
-          </a:p>
-          <a:p>
-            <a:pPr marL="342900" indent="-342900" algn="l">
-              <a:buFont typeface="Arial" panose="020B0604020202020204" pitchFamily="34" charset="0"/>
-              <a:buChar char="•"/>
-            </a:pPr>
-            <a:r>
-              <a:rPr lang="en-US" dirty="0"/>
-              <a:t>Start with a simple Rust demo</a:t>
-            </a:r>
-          </a:p>
-          <a:p>
-            <a:pPr marL="800100" lvl="1" indent="-342900" algn="l">
-              <a:buFont typeface="Arial" panose="020B0604020202020204" pitchFamily="34" charset="0"/>
-              <a:buChar char="•"/>
-            </a:pPr>
-            <a:r>
-              <a:rPr lang="en-US" dirty="0"/>
-              <a:t>Text Finder</a:t>
-            </a:r>
-          </a:p>
-          <a:p>
-            <a:pPr marL="342900" indent="-342900" algn="l">
-              <a:buFont typeface="Arial" panose="020B0604020202020204" pitchFamily="34" charset="0"/>
-              <a:buChar char="•"/>
-            </a:pPr>
-            <a:r>
-              <a:rPr lang="en-US" dirty="0"/>
-              <a:t>Build on that in interesting ways, e.g., for Text Finder:</a:t>
-            </a:r>
-          </a:p>
-          <a:p>
-            <a:pPr marL="800100" lvl="1" indent="-342900" algn="l">
-              <a:buFont typeface="Arial" panose="020B0604020202020204" pitchFamily="34" charset="0"/>
-              <a:buChar char="•"/>
-            </a:pPr>
-            <a:r>
-              <a:rPr lang="en-US" dirty="0"/>
-              <a:t>Add capability – command line parsing, directory tree walking, …</a:t>
-            </a:r>
-          </a:p>
-          <a:p>
-            <a:pPr marL="800100" lvl="1" indent="-342900" algn="l">
-              <a:buFont typeface="Arial" panose="020B0604020202020204" pitchFamily="34" charset="0"/>
-              <a:buChar char="•"/>
-            </a:pPr>
-            <a:r>
-              <a:rPr lang="en-US" dirty="0"/>
-              <a:t>Use generics – plugin components</a:t>
-            </a:r>
-          </a:p>
-          <a:p>
-            <a:pPr marL="800100" lvl="1" indent="-342900" algn="l">
-              <a:buFont typeface="Arial" panose="020B0604020202020204" pitchFamily="34" charset="0"/>
-              <a:buChar char="•"/>
-            </a:pPr>
-            <a:r>
-              <a:rPr lang="en-US" dirty="0"/>
-              <a:t>Use threads – parallel text searches, thread pool based </a:t>
-            </a:r>
-            <a:r>
-              <a:rPr lang="en-US" dirty="0" err="1"/>
-              <a:t>dir</a:t>
-            </a:r>
-            <a:r>
-              <a:rPr lang="en-US" dirty="0"/>
-              <a:t> traversal</a:t>
-            </a:r>
-          </a:p>
-          <a:p>
-            <a:pPr marL="800100" lvl="1" indent="-342900" algn="l">
-              <a:buFont typeface="Arial" panose="020B0604020202020204" pitchFamily="34" charset="0"/>
-              <a:buChar char="•"/>
-            </a:pPr>
-            <a:r>
-              <a:rPr lang="en-US" dirty="0"/>
-              <a:t>Use library components</a:t>
-            </a:r>
-          </a:p>
-          <a:p>
-            <a:pPr marL="342900" indent="-342900" algn="l">
-              <a:buFont typeface="Arial" panose="020B0604020202020204" pitchFamily="34" charset="0"/>
-              <a:buChar char="•"/>
-            </a:pPr>
-            <a:r>
-              <a:rPr lang="en-US" dirty="0"/>
-              <a:t>Discord server</a:t>
-            </a:r>
-          </a:p>
-          <a:p>
-            <a:pPr marL="800100" lvl="1" indent="-342900" algn="l">
-              <a:buFont typeface="Arial" panose="020B0604020202020204" pitchFamily="34" charset="0"/>
-              <a:buChar char="•"/>
-            </a:pPr>
-            <a:r>
-              <a:rPr lang="en-US" dirty="0"/>
-              <a:t>Q&amp;A</a:t>
-            </a:r>
-          </a:p>
-          <a:p>
-            <a:pPr marL="800100" lvl="1" indent="-342900" algn="l">
-              <a:buFont typeface="Arial" panose="020B0604020202020204" pitchFamily="34" charset="0"/>
-              <a:buChar char="•"/>
-            </a:pPr>
-            <a:r>
-              <a:rPr lang="en-US" dirty="0"/>
-              <a:t>Comments</a:t>
-            </a:r>
-          </a:p>
-          <a:p>
-            <a:pPr algn="l"/>
-            <a:endParaRPr lang="en-US" dirty="0"/>
-          </a:p>
-        </p:txBody>
-      </p:sp>
-      <p:sp>
-        <p:nvSpPr>
-          <p:cNvPr id="5" name="Rectangle 4">
-            <a:extLst>
-              <a:ext uri="{FF2B5EF4-FFF2-40B4-BE49-F238E27FC236}">
-                <a16:creationId xmlns:a16="http://schemas.microsoft.com/office/drawing/2014/main" id="{FA8A7CA4-81A6-4930-BD4E-CAA90C0F0265}"/>
-              </a:ext>
-            </a:extLst>
-          </p:cNvPr>
-          <p:cNvSpPr/>
-          <p:nvPr/>
-        </p:nvSpPr>
-        <p:spPr>
-          <a:xfrm>
-            <a:off x="1524000" y="5850731"/>
-            <a:ext cx="9144000" cy="492919"/>
-          </a:xfrm>
-          <a:prstGeom prst="rect">
-            <a:avLst/>
-          </a:prstGeom>
-          <a:ln>
-            <a:solidFill>
-              <a:schemeClr val="bg1"/>
-            </a:solidFill>
-          </a:ln>
-        </p:spPr>
-        <p:style>
-          <a:lnRef idx="2">
-            <a:schemeClr val="accent6"/>
-          </a:lnRef>
-          <a:fillRef idx="1">
-            <a:schemeClr val="lt1"/>
-          </a:fillRef>
-          <a:effectRef idx="0">
-            <a:schemeClr val="accent6"/>
-          </a:effectRef>
-          <a:fontRef idx="minor">
-            <a:schemeClr val="dk1"/>
-          </a:fontRef>
-        </p:style>
-        <p:txBody>
-          <a:bodyPr rtlCol="0" anchor="ctr"/>
-          <a:lstStyle/>
-          <a:p>
-            <a:pPr algn="ctr"/>
-            <a:r>
-              <a:rPr lang="en-US" dirty="0"/>
-              <a:t>Jim Fawcett, https://JimFawcett.github.io</a:t>
-            </a:r>
-          </a:p>
-        </p:txBody>
-      </p:sp>
-    </p:spTree>
-    <p:extLst>
-      <p:ext uri="{BB962C8B-B14F-4D97-AF65-F5344CB8AC3E}">
-        <p14:creationId xmlns:p14="http://schemas.microsoft.com/office/powerpoint/2010/main" val="443749505"/>
-      </p:ext>
-    </p:extLst>
-  </p:cSld>
-  <p:clrMapOvr>
-    <a:masterClrMapping/>
-  </p:clrMapOvr>
-</p:sld>
-</file>
-
-<file path=ppt/slides/slide3.xml><?xml version="1.0" encoding="utf-8"?>
-<p:sld xmlns:a="http://schemas.openxmlformats.org/drawingml/2006/main" xmlns:r="http://schemas.openxmlformats.org/officeDocument/2006/relationships" xmlns:p="http://schemas.openxmlformats.org/presentationml/2006/main" show="0">
-  <p:cSld>
-    <p:spTree>
-      <p:nvGrpSpPr>
-        <p:cNvPr id="1" name=""/>
-        <p:cNvGrpSpPr/>
-        <p:nvPr/>
-      </p:nvGrpSpPr>
-      <p:grpSpPr>
-        <a:xfrm>
-          <a:off x="0" y="0"/>
-          <a:ext cx="0" cy="0"/>
-          <a:chOff x="0" y="0"/>
-          <a:chExt cx="0" cy="0"/>
-        </a:xfrm>
-      </p:grpSpPr>
-      <p:sp>
-        <p:nvSpPr>
-          <p:cNvPr id="2" name="Title 1">
-            <a:extLst>
-              <a:ext uri="{FF2B5EF4-FFF2-40B4-BE49-F238E27FC236}">
-                <a16:creationId xmlns:a16="http://schemas.microsoft.com/office/drawing/2014/main" id="{3B51CB06-20F9-4D5D-9E36-87C19142DB53}"/>
-              </a:ext>
-            </a:extLst>
-          </p:cNvPr>
-          <p:cNvSpPr>
-            <a:spLocks noGrp="1"/>
-          </p:cNvSpPr>
-          <p:nvPr>
-            <p:ph type="title"/>
-          </p:nvPr>
-        </p:nvSpPr>
-        <p:spPr/>
-        <p:style>
-          <a:lnRef idx="2">
-            <a:schemeClr val="accent3"/>
-          </a:lnRef>
-          <a:fillRef idx="1">
-            <a:schemeClr val="lt1"/>
-          </a:fillRef>
-          <a:effectRef idx="0">
-            <a:schemeClr val="accent3"/>
-          </a:effectRef>
-          <a:fontRef idx="minor">
-            <a:schemeClr val="dk1"/>
-          </a:fontRef>
-        </p:style>
-        <p:txBody>
-          <a:bodyPr/>
-          <a:lstStyle/>
-          <a:p>
-            <a:r>
-              <a:rPr lang="en-US" dirty="0"/>
-              <a:t>Build-On Process</a:t>
-            </a:r>
-          </a:p>
-        </p:txBody>
-      </p:sp>
-      <p:sp>
-        <p:nvSpPr>
-          <p:cNvPr id="3" name="Content Placeholder 2">
-            <a:extLst>
-              <a:ext uri="{FF2B5EF4-FFF2-40B4-BE49-F238E27FC236}">
-                <a16:creationId xmlns:a16="http://schemas.microsoft.com/office/drawing/2014/main" id="{62CE037D-55B8-4B3B-A046-34952BCB0114}"/>
-              </a:ext>
-            </a:extLst>
-          </p:cNvPr>
-          <p:cNvSpPr>
-            <a:spLocks noGrp="1"/>
-          </p:cNvSpPr>
-          <p:nvPr>
-            <p:ph idx="1"/>
-          </p:nvPr>
-        </p:nvSpPr>
-        <p:spPr/>
-        <p:txBody>
-          <a:bodyPr/>
-          <a:lstStyle/>
-          <a:p>
-            <a:r>
-              <a:rPr lang="en-US" dirty="0"/>
-              <a:t>Zoom meeting that:</a:t>
-            </a:r>
-          </a:p>
-          <a:p>
-            <a:pPr lvl="1"/>
-            <a:r>
-              <a:rPr lang="en-US" dirty="0"/>
-              <a:t>Briefly describes motives for using Rust and Rust basic ideas</a:t>
-            </a:r>
-          </a:p>
-          <a:p>
-            <a:pPr lvl="1"/>
-            <a:r>
-              <a:rPr lang="en-US" dirty="0"/>
-              <a:t>Provides two or three references</a:t>
-            </a:r>
-          </a:p>
-          <a:p>
-            <a:pPr lvl="1"/>
-            <a:r>
-              <a:rPr lang="en-US" dirty="0"/>
-              <a:t>identifies a problem and refers to starter code</a:t>
-            </a:r>
-          </a:p>
-          <a:p>
-            <a:pPr lvl="1"/>
-            <a:r>
-              <a:rPr lang="en-US" dirty="0"/>
-              <a:t>Q&amp;A</a:t>
-            </a:r>
-          </a:p>
-          <a:p>
-            <a:r>
-              <a:rPr lang="en-US" dirty="0"/>
-              <a:t>Subsequent meetings </a:t>
-            </a:r>
-          </a:p>
-          <a:p>
-            <a:pPr lvl="1"/>
-            <a:r>
-              <a:rPr lang="en-US" dirty="0"/>
-              <a:t>Briefly describes my solution</a:t>
-            </a:r>
-          </a:p>
-          <a:p>
-            <a:pPr lvl="1"/>
-            <a:r>
-              <a:rPr lang="en-US" dirty="0"/>
-              <a:t>Others may discuss their solutions and/or problems</a:t>
-            </a:r>
-          </a:p>
-          <a:p>
-            <a:pPr lvl="1"/>
-            <a:r>
-              <a:rPr lang="en-US" dirty="0"/>
-              <a:t>Pose next extension </a:t>
-            </a:r>
-            <a:r>
-              <a:rPr lang="en-US"/>
-              <a:t>to problem</a:t>
-            </a:r>
-          </a:p>
-          <a:p>
-            <a:pPr lvl="1"/>
-            <a:r>
-              <a:rPr lang="en-US" dirty="0"/>
-              <a:t>Q&amp;A</a:t>
-            </a:r>
-          </a:p>
-        </p:txBody>
-      </p:sp>
-    </p:spTree>
-    <p:extLst>
-      <p:ext uri="{BB962C8B-B14F-4D97-AF65-F5344CB8AC3E}">
-        <p14:creationId xmlns:p14="http://schemas.microsoft.com/office/powerpoint/2010/main" val="288098898"/>
+        <p14:creationId xmlns:p14="http://schemas.microsoft.com/office/powerpoint/2010/main" val="2809018068"/>
       </p:ext>
     </p:extLst>
   </p:cSld>
@@ -4134,6 +4710,16 @@
           </p:nvPr>
         </p:nvSpPr>
         <p:spPr>
+          <a:xfrm>
+            <a:off x="838200" y="336551"/>
+            <a:ext cx="10515600" cy="970756"/>
+          </a:xfrm>
+          <a:solidFill>
+            <a:schemeClr val="accent3">
+              <a:lumMod val="20000"/>
+              <a:lumOff val="80000"/>
+            </a:schemeClr>
+          </a:solidFill>
           <a:ln/>
         </p:spPr>
         <p:style>
@@ -4182,6 +4768,10 @@
           </p:nvPr>
         </p:nvSpPr>
         <p:spPr>
+          <a:xfrm>
+            <a:off x="838200" y="1635919"/>
+            <a:ext cx="10515600" cy="4541044"/>
+          </a:xfrm>
           <a:ln>
             <a:solidFill>
               <a:schemeClr val="tx1"/>
@@ -4360,6 +4950,35 @@
               <a:rPr lang="en-US" dirty="0"/>
               <a:t> ?</a:t>
             </a:r>
+          </a:p>
+        </p:txBody>
+      </p:sp>
+      <p:sp>
+        <p:nvSpPr>
+          <p:cNvPr id="4" name="Slide Number Placeholder 3">
+            <a:extLst>
+              <a:ext uri="{FF2B5EF4-FFF2-40B4-BE49-F238E27FC236}">
+                <a16:creationId xmlns:a16="http://schemas.microsoft.com/office/drawing/2014/main" id="{666E6F15-C727-4320-A6A0-8EFF2F97C1B2}"/>
+              </a:ext>
+            </a:extLst>
+          </p:cNvPr>
+          <p:cNvSpPr>
+            <a:spLocks noGrp="1"/>
+          </p:cNvSpPr>
+          <p:nvPr>
+            <p:ph type="sldNum" sz="quarter" idx="12"/>
+          </p:nvPr>
+        </p:nvSpPr>
+        <p:spPr/>
+        <p:txBody>
+          <a:bodyPr/>
+          <a:lstStyle/>
+          <a:p>
+            <a:fld id="{9BDD3687-D8FB-4AFD-9AD8-D913B777D7F7}" type="slidenum">
+              <a:rPr lang="en-US" smtClean="0"/>
+              <a:t>4</a:t>
+            </a:fld>
+            <a:endParaRPr lang="en-US" dirty="0"/>
           </a:p>
         </p:txBody>
       </p:sp>
@@ -4377,7 +4996,7 @@
 </file>
 
 <file path=ppt/slides/slide5.xml><?xml version="1.0" encoding="utf-8"?>
-<p:sld xmlns:a="http://schemas.openxmlformats.org/drawingml/2006/main" xmlns:r="http://schemas.openxmlformats.org/officeDocument/2006/relationships" xmlns:p="http://schemas.openxmlformats.org/presentationml/2006/main" show="0">
+<p:sld xmlns:a="http://schemas.openxmlformats.org/drawingml/2006/main" xmlns:r="http://schemas.openxmlformats.org/officeDocument/2006/relationships" xmlns:p="http://schemas.openxmlformats.org/presentationml/2006/main">
   <p:cSld>
     <p:spTree>
       <p:nvGrpSpPr>
@@ -4398,7 +5017,7 @@
           <p:cNvPr id="2" name="Title 1">
             <a:extLst>
               <a:ext uri="{FF2B5EF4-FFF2-40B4-BE49-F238E27FC236}">
-                <a16:creationId xmlns:a16="http://schemas.microsoft.com/office/drawing/2014/main" id="{3A1D5CF7-0D4F-4BAE-BA2C-566B721B4B29}"/>
+                <a16:creationId xmlns:a16="http://schemas.microsoft.com/office/drawing/2014/main" id="{D3AE73BD-78AF-48CB-A9EC-9A86B7485967}"/>
               </a:ext>
             </a:extLst>
           </p:cNvPr>
@@ -4409,7 +5028,18 @@
             <p:ph type="title"/>
           </p:nvPr>
         </p:nvSpPr>
-        <p:spPr/>
+        <p:spPr>
+          <a:xfrm>
+            <a:off x="839788" y="336551"/>
+            <a:ext cx="10515600" cy="677862"/>
+          </a:xfrm>
+          <a:solidFill>
+            <a:schemeClr val="accent3">
+              <a:lumMod val="20000"/>
+              <a:lumOff val="80000"/>
+            </a:schemeClr>
+          </a:solidFill>
+        </p:spPr>
         <p:style>
           <a:lnRef idx="2">
             <a:schemeClr val="accent3"/>
@@ -4430,7 +5060,56 @@
           <a:p>
             <a:r>
               <a:rPr lang="en-US" dirty="0"/>
-              <a:t>Build-On Motivation</a:t>
+              <a:t> </a:t>
+            </a:r>
+            <a:r>
+              <a:rPr lang="en-US" dirty="0" err="1"/>
+              <a:t>BuildOn</a:t>
+            </a:r>
+            <a:r>
+              <a:rPr lang="en-US" dirty="0"/>
+              <a:t> Session #2 Topics</a:t>
+            </a:r>
+          </a:p>
+        </p:txBody>
+      </p:sp>
+      <p:sp>
+        <p:nvSpPr>
+          <p:cNvPr id="5" name="Text Placeholder 4">
+            <a:extLst>
+              <a:ext uri="{FF2B5EF4-FFF2-40B4-BE49-F238E27FC236}">
+                <a16:creationId xmlns:a16="http://schemas.microsoft.com/office/drawing/2014/main" id="{7CD5485A-FC54-43B5-927E-EE96AF0C3AD5}"/>
+              </a:ext>
+            </a:extLst>
+          </p:cNvPr>
+          <p:cNvSpPr>
+            <a:spLocks noGrp="1"/>
+          </p:cNvSpPr>
+          <p:nvPr>
+            <p:ph type="body" idx="1"/>
+          </p:nvPr>
+        </p:nvSpPr>
+        <p:spPr>
+          <a:xfrm>
+            <a:off x="839788" y="1155917"/>
+            <a:ext cx="5157787" cy="484994"/>
+          </a:xfrm>
+        </p:spPr>
+        <p:txBody>
+          <a:bodyPr/>
+          <a:lstStyle/>
+          <a:p>
+            <a:r>
+              <a:rPr lang="en-US" dirty="0"/>
+              <a:t>Focus: </a:t>
+            </a:r>
+            <a:r>
+              <a:rPr lang="en-US" dirty="0" err="1"/>
+              <a:t>TextSearch</a:t>
+            </a:r>
+            <a:r>
+              <a:rPr lang="en-US" dirty="0"/>
+              <a:t> Package</a:t>
             </a:r>
           </a:p>
         </p:txBody>
@@ -4440,15 +5119,331 @@
           <p:cNvPr id="3" name="Content Placeholder 2">
             <a:extLst>
               <a:ext uri="{FF2B5EF4-FFF2-40B4-BE49-F238E27FC236}">
-                <a16:creationId xmlns:a16="http://schemas.microsoft.com/office/drawing/2014/main" id="{0E456118-B98A-4F38-8E30-CD16C343A8CA}"/>
-              </a:ext>
-            </a:extLst>
-          </p:cNvPr>
-          <p:cNvSpPr>
-            <a:spLocks noGrp="1"/>
-          </p:cNvSpPr>
-          <p:nvPr>
-            <p:ph idx="1"/>
+                <a16:creationId xmlns:a16="http://schemas.microsoft.com/office/drawing/2014/main" id="{E570FE00-B106-44C2-BB68-B9DEC331C2A3}"/>
+              </a:ext>
+            </a:extLst>
+          </p:cNvPr>
+          <p:cNvSpPr>
+            <a:spLocks noGrp="1"/>
+          </p:cNvSpPr>
+          <p:nvPr>
+            <p:ph sz="half" idx="2"/>
+          </p:nvPr>
+        </p:nvSpPr>
+        <p:spPr>
+          <a:xfrm>
+            <a:off x="839788" y="1700214"/>
+            <a:ext cx="5157787" cy="4564855"/>
+          </a:xfrm>
+          <a:ln/>
+        </p:spPr>
+        <p:style>
+          <a:lnRef idx="2">
+            <a:schemeClr val="accent3"/>
+          </a:lnRef>
+          <a:fillRef idx="1">
+            <a:schemeClr val="lt1"/>
+          </a:fillRef>
+          <a:effectRef idx="0">
+            <a:schemeClr val="accent3"/>
+          </a:effectRef>
+          <a:fontRef idx="minor">
+            <a:schemeClr val="dk1"/>
+          </a:fontRef>
+        </p:style>
+        <p:txBody>
+          <a:bodyPr/>
+          <a:lstStyle/>
+          <a:p>
+            <a:r>
+              <a:rPr lang="en-US" dirty="0">
+                <a:hlinkClick r:id="rId2"/>
+              </a:rPr>
+              <a:t>Step #0</a:t>
+            </a:r>
+            <a:endParaRPr lang="en-US" dirty="0"/>
+          </a:p>
+          <a:p>
+            <a:r>
+              <a:rPr lang="en-US" dirty="0">
+                <a:hlinkClick r:id="rId3"/>
+              </a:rPr>
+              <a:t>Step #1</a:t>
+            </a:r>
+            <a:r>
+              <a:rPr lang="en-US" dirty="0"/>
+              <a:t> - </a:t>
+            </a:r>
+            <a:r>
+              <a:rPr lang="en-US" dirty="0" err="1"/>
+              <a:t>TextSearch</a:t>
+            </a:r>
+            <a:endParaRPr lang="en-US" dirty="0"/>
+          </a:p>
+          <a:p>
+            <a:pPr lvl="1"/>
+            <a:r>
+              <a:rPr lang="en-US" dirty="0">
+                <a:hlinkClick r:id="rId4"/>
+              </a:rPr>
+              <a:t>Starter Code</a:t>
+            </a:r>
+            <a:endParaRPr lang="en-US" dirty="0"/>
+          </a:p>
+          <a:p>
+            <a:pPr lvl="1"/>
+            <a:r>
+              <a:rPr lang="en-US" dirty="0">
+                <a:hlinkClick r:id="rId5"/>
+              </a:rPr>
+              <a:t>Tooling</a:t>
+            </a:r>
+            <a:endParaRPr lang="en-US" dirty="0"/>
+          </a:p>
+          <a:p>
+            <a:pPr lvl="1"/>
+            <a:r>
+              <a:rPr lang="en-US" dirty="0">
+                <a:hlinkClick r:id="rId6"/>
+              </a:rPr>
+              <a:t>Functions</a:t>
+            </a:r>
+            <a:endParaRPr lang="en-US" dirty="0"/>
+          </a:p>
+          <a:p>
+            <a:pPr lvl="1"/>
+            <a:r>
+              <a:rPr lang="en-US" dirty="0">
+                <a:hlinkClick r:id="rId7"/>
+              </a:rPr>
+              <a:t>Structs</a:t>
+            </a:r>
+            <a:endParaRPr lang="en-US" dirty="0"/>
+          </a:p>
+          <a:p>
+            <a:pPr lvl="1"/>
+            <a:r>
+              <a:rPr lang="en-US" dirty="0" err="1">
+                <a:hlinkClick r:id="rId8"/>
+              </a:rPr>
+              <a:t>RustStory_Libraries.html#fs</a:t>
+            </a:r>
+            <a:endParaRPr lang="en-US" dirty="0"/>
+          </a:p>
+          <a:p>
+            <a:pPr lvl="1"/>
+            <a:r>
+              <a:rPr lang="en-US" dirty="0" err="1">
+                <a:hlinkClick r:id="rId9"/>
+              </a:rPr>
+              <a:t>std:fs</a:t>
+            </a:r>
+            <a:endParaRPr lang="en-US" dirty="0"/>
+          </a:p>
+          <a:p>
+            <a:r>
+              <a:rPr lang="en-US" dirty="0" err="1">
+                <a:hlinkClick r:id="rId10"/>
+              </a:rPr>
+              <a:t>BuildOn</a:t>
+            </a:r>
+            <a:endParaRPr lang="en-US" dirty="0"/>
+          </a:p>
+          <a:p>
+            <a:r>
+              <a:rPr lang="en-US" dirty="0"/>
+              <a:t>Run </a:t>
+            </a:r>
+            <a:r>
+              <a:rPr lang="en-US" dirty="0" err="1"/>
+              <a:t>TextFinder</a:t>
+            </a:r>
+            <a:endParaRPr lang="en-US" dirty="0"/>
+          </a:p>
+          <a:p>
+            <a:endParaRPr lang="en-US" dirty="0"/>
+          </a:p>
+          <a:p>
+            <a:pPr marL="0" indent="0">
+              <a:buNone/>
+            </a:pPr>
+            <a:endParaRPr lang="en-US" dirty="0">
+              <a:hlinkClick r:id="rId11"/>
+            </a:endParaRPr>
+          </a:p>
+        </p:txBody>
+      </p:sp>
+      <p:sp>
+        <p:nvSpPr>
+          <p:cNvPr id="6" name="Text Placeholder 5">
+            <a:extLst>
+              <a:ext uri="{FF2B5EF4-FFF2-40B4-BE49-F238E27FC236}">
+                <a16:creationId xmlns:a16="http://schemas.microsoft.com/office/drawing/2014/main" id="{87CA1F5E-B664-4BD5-9BEA-A9442889F3EE}"/>
+              </a:ext>
+            </a:extLst>
+          </p:cNvPr>
+          <p:cNvSpPr>
+            <a:spLocks noGrp="1"/>
+          </p:cNvSpPr>
+          <p:nvPr>
+            <p:ph type="body" sz="quarter" idx="3"/>
+          </p:nvPr>
+        </p:nvSpPr>
+        <p:spPr>
+          <a:xfrm>
+            <a:off x="6169024" y="1155917"/>
+            <a:ext cx="5183188" cy="484994"/>
+          </a:xfrm>
+        </p:spPr>
+        <p:txBody>
+          <a:bodyPr/>
+          <a:lstStyle/>
+          <a:p>
+            <a:r>
+              <a:rPr lang="en-US" dirty="0"/>
+              <a:t>Focus: Rust</a:t>
+            </a:r>
+          </a:p>
+        </p:txBody>
+      </p:sp>
+      <p:sp>
+        <p:nvSpPr>
+          <p:cNvPr id="4" name="Content Placeholder 3">
+            <a:extLst>
+              <a:ext uri="{FF2B5EF4-FFF2-40B4-BE49-F238E27FC236}">
+                <a16:creationId xmlns:a16="http://schemas.microsoft.com/office/drawing/2014/main" id="{218F4C6B-4B07-46DE-A44D-20A98F13D6B1}"/>
+              </a:ext>
+            </a:extLst>
+          </p:cNvPr>
+          <p:cNvSpPr>
+            <a:spLocks noGrp="1"/>
+          </p:cNvSpPr>
+          <p:nvPr>
+            <p:ph sz="quarter" idx="4"/>
+          </p:nvPr>
+        </p:nvSpPr>
+        <p:spPr>
+          <a:xfrm>
+            <a:off x="6169024" y="1700213"/>
+            <a:ext cx="5183188" cy="4564855"/>
+          </a:xfrm>
+          <a:ln/>
+        </p:spPr>
+        <p:style>
+          <a:lnRef idx="2">
+            <a:schemeClr val="accent3"/>
+          </a:lnRef>
+          <a:fillRef idx="1">
+            <a:schemeClr val="lt1"/>
+          </a:fillRef>
+          <a:effectRef idx="0">
+            <a:schemeClr val="accent3"/>
+          </a:effectRef>
+          <a:fontRef idx="minor">
+            <a:schemeClr val="dk1"/>
+          </a:fontRef>
+        </p:style>
+        <p:txBody>
+          <a:bodyPr/>
+          <a:lstStyle/>
+          <a:p>
+            <a:r>
+              <a:rPr lang="en-US" dirty="0">
+                <a:hlinkClick r:id="rId12"/>
+              </a:rPr>
+              <a:t>Safety</a:t>
+            </a:r>
+            <a:endParaRPr lang="en-US" dirty="0"/>
+          </a:p>
+          <a:p>
+            <a:r>
+              <a:rPr lang="en-US" dirty="0" err="1">
+                <a:hlinkClick r:id="rId13"/>
+              </a:rPr>
+              <a:t>Anim_Features</a:t>
+            </a:r>
+            <a:endParaRPr lang="en-US" dirty="0">
+              <a:hlinkClick r:id="rId14" action="ppaction://hlinkfile"/>
+            </a:endParaRPr>
+          </a:p>
+          <a:p>
+            <a:r>
+              <a:rPr lang="en-US" dirty="0" err="1">
+                <a:hlinkClick r:id="rId15"/>
+              </a:rPr>
+              <a:t>RustBite_Data</a:t>
+            </a:r>
+            <a:endParaRPr lang="en-US" dirty="0">
+              <a:hlinkClick r:id="rId16"/>
+            </a:endParaRPr>
+          </a:p>
+          <a:p>
+            <a:r>
+              <a:rPr lang="en-US" dirty="0">
+                <a:hlinkClick r:id="rId16"/>
+              </a:rPr>
+              <a:t>Rust Bites</a:t>
+            </a:r>
+            <a:endParaRPr lang="en-US" dirty="0"/>
+          </a:p>
+          <a:p>
+            <a:r>
+              <a:rPr lang="en-US" dirty="0">
+                <a:hlinkClick r:id="rId17"/>
+              </a:rPr>
+              <a:t>Rust Story</a:t>
+            </a:r>
+            <a:endParaRPr lang="en-US" dirty="0"/>
+          </a:p>
+          <a:p>
+            <a:r>
+              <a:rPr lang="en-US" dirty="0">
+                <a:hlinkClick r:id="rId18"/>
+              </a:rPr>
+              <a:t>Code Experiments</a:t>
+            </a:r>
+            <a:endParaRPr lang="en-US" dirty="0"/>
+          </a:p>
+          <a:p>
+            <a:r>
+              <a:rPr lang="en-US" b="1" dirty="0"/>
+              <a:t>Questions?</a:t>
+            </a:r>
+          </a:p>
+          <a:p>
+            <a:pPr marL="0" indent="0">
+              <a:buNone/>
+            </a:pPr>
+            <a:endParaRPr lang="en-US" dirty="0"/>
+          </a:p>
+          <a:p>
+            <a:pPr marL="0" indent="0">
+              <a:buNone/>
+            </a:pPr>
+            <a:endParaRPr lang="en-US" dirty="0"/>
+          </a:p>
+          <a:p>
+            <a:pPr marL="0" indent="0">
+              <a:buNone/>
+            </a:pPr>
+            <a:endParaRPr lang="en-US" dirty="0"/>
+          </a:p>
+        </p:txBody>
+      </p:sp>
+      <p:sp>
+        <p:nvSpPr>
+          <p:cNvPr id="7" name="Slide Number Placeholder 6">
+            <a:extLst>
+              <a:ext uri="{FF2B5EF4-FFF2-40B4-BE49-F238E27FC236}">
+                <a16:creationId xmlns:a16="http://schemas.microsoft.com/office/drawing/2014/main" id="{597E6CA4-DD47-4D7E-B3E5-570014B5DF81}"/>
+              </a:ext>
+            </a:extLst>
+          </p:cNvPr>
+          <p:cNvSpPr>
+            <a:spLocks noGrp="1"/>
+          </p:cNvSpPr>
+          <p:nvPr>
+            <p:ph type="sldNum" sz="quarter" idx="12"/>
           </p:nvPr>
         </p:nvSpPr>
         <p:spPr/>
@@ -4456,73 +5451,18 @@
           <a:bodyPr/>
           <a:lstStyle/>
           <a:p>
-            <a:r>
-              <a:rPr lang="en-US" dirty="0"/>
-              <a:t>Participate in a developer community interested in learning Rust</a:t>
-            </a:r>
-          </a:p>
-          <a:p>
-            <a:r>
-              <a:rPr lang="en-US" dirty="0"/>
-              <a:t>Stay in contact with SU Computer Engineering and Computer Science alumni</a:t>
-            </a:r>
-          </a:p>
-          <a:p>
-            <a:r>
-              <a:rPr lang="en-US" dirty="0"/>
-              <a:t>Support conversations about Rust and other interesting tech topics</a:t>
-            </a:r>
-          </a:p>
-          <a:p>
-            <a:pPr lvl="1"/>
-            <a:r>
-              <a:rPr lang="en-US" dirty="0"/>
-              <a:t>Encourage both active learners and curious browsers</a:t>
-            </a:r>
-          </a:p>
-          <a:p>
-            <a:r>
-              <a:rPr lang="en-US" dirty="0"/>
-              <a:t>Rust is a very clever language supporting development of secure, high performance code (same ballpark as C++ without </a:t>
-            </a:r>
-            <a:r>
-              <a:rPr lang="en-US"/>
-              <a:t>undefined behavior)</a:t>
-            </a:r>
-            <a:endParaRPr lang="en-US" dirty="0"/>
-          </a:p>
-          <a:p>
-            <a:pPr lvl="1"/>
-            <a:r>
-              <a:rPr lang="en-US" dirty="0"/>
-              <a:t>Rust website lists 138 companies using Rust in production</a:t>
-            </a:r>
-          </a:p>
-          <a:p>
-            <a:pPr lvl="1"/>
-            <a:r>
-              <a:rPr lang="en-US" dirty="0" err="1"/>
-              <a:t>Tiobe</a:t>
-            </a:r>
-            <a:r>
-              <a:rPr lang="en-US" dirty="0"/>
-              <a:t> lists rust as 25</a:t>
-            </a:r>
-            <a:r>
-              <a:rPr lang="en-US" baseline="30000" dirty="0"/>
-              <a:t>th</a:t>
-            </a:r>
-            <a:r>
-              <a:rPr lang="en-US" dirty="0"/>
-              <a:t> in their language popularity index (Oct 2020).  </a:t>
-            </a:r>
+            <a:fld id="{9BDD3687-D8FB-4AFD-9AD8-D913B777D7F7}" type="slidenum">
+              <a:rPr lang="en-US" sz="1600" smtClean="0"/>
+              <a:t>5</a:t>
+            </a:fld>
+            <a:endParaRPr lang="en-US" sz="1600" dirty="0"/>
           </a:p>
         </p:txBody>
       </p:sp>
     </p:spTree>
     <p:extLst>
       <p:ext uri="{BB962C8B-B14F-4D97-AF65-F5344CB8AC3E}">
-        <p14:creationId xmlns:p14="http://schemas.microsoft.com/office/powerpoint/2010/main" val="664003782"/>
+        <p14:creationId xmlns:p14="http://schemas.microsoft.com/office/powerpoint/2010/main" val="1363403664"/>
       </p:ext>
     </p:extLst>
   </p:cSld>
@@ -4554,164 +5494,7 @@
           <p:cNvPr id="2" name="Title 1">
             <a:extLst>
               <a:ext uri="{FF2B5EF4-FFF2-40B4-BE49-F238E27FC236}">
-                <a16:creationId xmlns:a16="http://schemas.microsoft.com/office/drawing/2014/main" id="{C89EC088-9816-42BA-9B35-86D3F702E665}"/>
-              </a:ext>
-            </a:extLst>
-          </p:cNvPr>
-          <p:cNvSpPr>
-            <a:spLocks noGrp="1"/>
-          </p:cNvSpPr>
-          <p:nvPr>
-            <p:ph type="title"/>
-          </p:nvPr>
-        </p:nvSpPr>
-        <p:spPr/>
-        <p:txBody>
-          <a:bodyPr/>
-          <a:lstStyle/>
-          <a:p>
-            <a:r>
-              <a:rPr lang="en-US" dirty="0"/>
-              <a:t>How would I use Rust at work?</a:t>
-            </a:r>
-          </a:p>
-        </p:txBody>
-      </p:sp>
-      <p:sp>
-        <p:nvSpPr>
-          <p:cNvPr id="3" name="Content Placeholder 2">
-            <a:extLst>
-              <a:ext uri="{FF2B5EF4-FFF2-40B4-BE49-F238E27FC236}">
-                <a16:creationId xmlns:a16="http://schemas.microsoft.com/office/drawing/2014/main" id="{4FDD5838-DCD1-47D0-8889-4639DD3B4B3A}"/>
-              </a:ext>
-            </a:extLst>
-          </p:cNvPr>
-          <p:cNvSpPr>
-            <a:spLocks noGrp="1"/>
-          </p:cNvSpPr>
-          <p:nvPr>
-            <p:ph idx="1"/>
-          </p:nvPr>
-        </p:nvSpPr>
-        <p:spPr/>
-        <p:txBody>
-          <a:bodyPr/>
-          <a:lstStyle/>
-          <a:p>
-            <a:r>
-              <a:rPr lang="en-US" dirty="0"/>
-              <a:t>Migrate parts of a large project to Rust using its foreign function interface (</a:t>
-            </a:r>
-            <a:r>
-              <a:rPr lang="en-US" dirty="0" err="1"/>
-              <a:t>ffi</a:t>
-            </a:r>
-            <a:r>
-              <a:rPr lang="en-US" dirty="0"/>
-              <a:t>)</a:t>
-            </a:r>
-          </a:p>
-          <a:p>
-            <a:pPr lvl="1"/>
-            <a:r>
-              <a:rPr lang="en-US" dirty="0">
-                <a:hlinkClick r:id="rId2"/>
-              </a:rPr>
-              <a:t>https://locka99.gitbooks.io/a-guide-to-porting-c-to-rust/content/</a:t>
-            </a:r>
-          </a:p>
-          <a:p>
-            <a:pPr lvl="1"/>
-            <a:r>
-              <a:rPr lang="en-US" dirty="0">
-                <a:hlinkClick r:id="rId2"/>
-              </a:rPr>
-              <a:t>std::</a:t>
-            </a:r>
-            <a:r>
-              <a:rPr lang="en-US" dirty="0" err="1">
-                <a:hlinkClick r:id="rId2"/>
-              </a:rPr>
-              <a:t>ffi</a:t>
-            </a:r>
-            <a:endParaRPr lang="en-US" dirty="0"/>
-          </a:p>
-          <a:p>
-            <a:r>
-              <a:rPr lang="en-US" dirty="0"/>
-              <a:t>Use Rust generated </a:t>
-            </a:r>
-            <a:r>
-              <a:rPr lang="en-US" dirty="0" err="1"/>
-              <a:t>WebAssembly</a:t>
-            </a:r>
-            <a:r>
-              <a:rPr lang="en-US" dirty="0"/>
-              <a:t> to speed JavaScript processing</a:t>
-            </a:r>
-          </a:p>
-          <a:p>
-            <a:pPr lvl="1"/>
-            <a:r>
-              <a:rPr lang="en-US" dirty="0">
-                <a:hlinkClick r:id="rId3"/>
-              </a:rPr>
-              <a:t>https://rustwasm.github.io/book/</a:t>
-            </a:r>
-            <a:endParaRPr lang="en-US" dirty="0"/>
-          </a:p>
-          <a:p>
-            <a:r>
-              <a:rPr lang="en-US" dirty="0"/>
-              <a:t>Start new projects in Rust</a:t>
-            </a:r>
-          </a:p>
-          <a:p>
-            <a:pPr lvl="1"/>
-            <a:r>
-              <a:rPr lang="en-US"/>
-              <a:t>Great tooling: https://jimfawcett.github.io/Resources/RustBites/RustBites_Tooling.html</a:t>
-            </a:r>
-            <a:endParaRPr lang="en-US" dirty="0"/>
-          </a:p>
-        </p:txBody>
-      </p:sp>
-    </p:spTree>
-    <p:extLst>
-      <p:ext uri="{BB962C8B-B14F-4D97-AF65-F5344CB8AC3E}">
-        <p14:creationId xmlns:p14="http://schemas.microsoft.com/office/powerpoint/2010/main" val="2809018068"/>
-      </p:ext>
-    </p:extLst>
-  </p:cSld>
-  <p:clrMapOvr>
-    <a:masterClrMapping/>
-  </p:clrMapOvr>
-</p:sld>
-</file>
-
-<file path=ppt/slides/slide7.xml><?xml version="1.0" encoding="utf-8"?>
-<p:sld xmlns:a="http://schemas.openxmlformats.org/drawingml/2006/main" xmlns:r="http://schemas.openxmlformats.org/officeDocument/2006/relationships" xmlns:p="http://schemas.openxmlformats.org/presentationml/2006/main">
-  <p:cSld>
-    <p:spTree>
-      <p:nvGrpSpPr>
-        <p:cNvPr id="1" name=""/>
-        <p:cNvGrpSpPr/>
-        <p:nvPr/>
-      </p:nvGrpSpPr>
-      <p:grpSpPr>
-        <a:xfrm>
-          <a:off x="0" y="0"/>
-          <a:ext cx="0" cy="0"/>
-          <a:chOff x="0" y="0"/>
-          <a:chExt cx="0" cy="0"/>
-        </a:xfrm>
-      </p:grpSpPr>
-      <p:sp>
-        <p:nvSpPr>
-          <p:cNvPr id="2" name="Title 1">
-            <a:extLst>
-              <a:ext uri="{FF2B5EF4-FFF2-40B4-BE49-F238E27FC236}">
-                <a16:creationId xmlns:a16="http://schemas.microsoft.com/office/drawing/2014/main" id="{D3AE73BD-78AF-48CB-A9EC-9A86B7485967}"/>
+                <a16:creationId xmlns:a16="http://schemas.microsoft.com/office/drawing/2014/main" id="{A4A1A110-42E1-4A35-92C4-A678FFE8A307}"/>
               </a:ext>
             </a:extLst>
           </p:cNvPr>
@@ -4724,9 +5507,15 @@
         </p:nvSpPr>
         <p:spPr>
           <a:xfrm>
-            <a:off x="839788" y="365126"/>
-            <a:ext cx="10515600" cy="948770"/>
+            <a:off x="839788" y="336551"/>
+            <a:ext cx="10515600" cy="913606"/>
           </a:xfrm>
+          <a:solidFill>
+            <a:schemeClr val="accent3">
+              <a:lumMod val="20000"/>
+              <a:lumOff val="80000"/>
+            </a:schemeClr>
+          </a:solidFill>
         </p:spPr>
         <p:style>
           <a:lnRef idx="2">
@@ -4748,7 +5537,7 @@
           <a:p>
             <a:r>
               <a:rPr lang="en-US" dirty="0"/>
-              <a:t> </a:t>
+              <a:t>Next </a:t>
             </a:r>
             <a:r>
               <a:rPr lang="en-US" dirty="0" err="1"/>
@@ -4756,17 +5545,22 @@
             </a:r>
             <a:r>
               <a:rPr lang="en-US" dirty="0"/>
-              <a:t> Session #2 Topics</a:t>
-            </a:r>
-          </a:p>
-        </p:txBody>
-      </p:sp>
-      <p:sp>
-        <p:nvSpPr>
-          <p:cNvPr id="5" name="Text Placeholder 4">
-            <a:extLst>
-              <a:ext uri="{FF2B5EF4-FFF2-40B4-BE49-F238E27FC236}">
-                <a16:creationId xmlns:a16="http://schemas.microsoft.com/office/drawing/2014/main" id="{7CD5485A-FC54-43B5-927E-EE96AF0C3AD5}"/>
+              <a:t> – Session #3 – </a:t>
+            </a:r>
+            <a:r>
+              <a:rPr lang="en-US" dirty="0" err="1"/>
+              <a:t>DirNav</a:t>
+            </a:r>
+            <a:endParaRPr lang="en-US" dirty="0"/>
+          </a:p>
+        </p:txBody>
+      </p:sp>
+      <p:sp>
+        <p:nvSpPr>
+          <p:cNvPr id="4" name="Text Placeholder 3">
+            <a:extLst>
+              <a:ext uri="{FF2B5EF4-FFF2-40B4-BE49-F238E27FC236}">
+                <a16:creationId xmlns:a16="http://schemas.microsoft.com/office/drawing/2014/main" id="{72EBEF3F-5A6C-4669-B46A-2439E922063E}"/>
               </a:ext>
             </a:extLst>
           </p:cNvPr>
@@ -4779,25 +5573,19 @@
         </p:nvSpPr>
         <p:spPr>
           <a:xfrm>
-            <a:off x="839788" y="1405950"/>
-            <a:ext cx="5157787" cy="484994"/>
+            <a:off x="839788" y="1474034"/>
+            <a:ext cx="5157787" cy="773858"/>
           </a:xfrm>
         </p:spPr>
         <p:txBody>
-          <a:bodyPr/>
-          <a:lstStyle/>
-          <a:p>
-            <a:r>
-              <a:rPr lang="en-US" dirty="0"/>
-              <a:t>Focus: </a:t>
-            </a:r>
-            <a:r>
-              <a:rPr lang="en-US" dirty="0" err="1"/>
-              <a:t>TextSearch</a:t>
-            </a:r>
-            <a:r>
-              <a:rPr lang="en-US" dirty="0"/>
-              <a:t> Package</a:t>
+          <a:bodyPr>
+            <a:normAutofit/>
+          </a:bodyPr>
+          <a:lstStyle/>
+          <a:p>
+            <a:r>
+              <a:rPr lang="en-US" sz="2800" dirty="0"/>
+              <a:t>Project Packages</a:t>
             </a:r>
           </a:p>
         </p:txBody>
@@ -4807,7 +5595,7 @@
           <p:cNvPr id="3" name="Content Placeholder 2">
             <a:extLst>
               <a:ext uri="{FF2B5EF4-FFF2-40B4-BE49-F238E27FC236}">
-                <a16:creationId xmlns:a16="http://schemas.microsoft.com/office/drawing/2014/main" id="{E570FE00-B106-44C2-BB68-B9DEC331C2A3}"/>
+                <a16:creationId xmlns:a16="http://schemas.microsoft.com/office/drawing/2014/main" id="{0CAF5A3B-6F24-4AF6-9031-2F2B88373BE3}"/>
               </a:ext>
             </a:extLst>
           </p:cNvPr>
@@ -4820,8 +5608,8 @@
         </p:nvSpPr>
         <p:spPr>
           <a:xfrm>
-            <a:off x="839788" y="1946906"/>
-            <a:ext cx="5157787" cy="4474943"/>
+            <a:off x="839788" y="2500314"/>
+            <a:ext cx="5157787" cy="3460742"/>
           </a:xfrm>
           <a:ln/>
         </p:spPr>
@@ -4847,126 +5635,70 @@
               <a:rPr lang="en-US" dirty="0">
                 <a:hlinkClick r:id="rId2"/>
               </a:rPr>
-              <a:t>Step #0</a:t>
+              <a:t>Step #1</a:t>
+            </a:r>
+            <a:r>
+              <a:rPr lang="en-US" dirty="0"/>
+              <a:t> – Quick Review</a:t>
+            </a:r>
+          </a:p>
+          <a:p>
+            <a:pPr lvl="1"/>
+            <a:r>
+              <a:rPr lang="en-US" dirty="0"/>
+              <a:t>Text Search package</a:t>
+            </a:r>
+          </a:p>
+          <a:p>
+            <a:pPr lvl="1"/>
+            <a:r>
+              <a:rPr lang="en-US" dirty="0"/>
+              <a:t>Posted solution</a:t>
+            </a:r>
+          </a:p>
+          <a:p>
+            <a:r>
+              <a:rPr lang="en-US" dirty="0">
+                <a:hlinkClick r:id="rId3" action="ppaction://hlinkfile"/>
+              </a:rPr>
+              <a:t>Step #2</a:t>
+            </a:r>
+            <a:r>
+              <a:rPr lang="en-US" dirty="0"/>
+              <a:t> - </a:t>
+            </a:r>
+            <a:r>
+              <a:rPr lang="en-US" dirty="0" err="1"/>
+              <a:t>DirNav</a:t>
             </a:r>
             <a:endParaRPr lang="en-US" dirty="0"/>
           </a:p>
           <a:p>
-            <a:r>
-              <a:rPr lang="en-US" dirty="0">
-                <a:hlinkClick r:id="rId3"/>
-              </a:rPr>
-              <a:t>Step #1</a:t>
-            </a:r>
-            <a:r>
-              <a:rPr lang="en-US" dirty="0"/>
-              <a:t> - </a:t>
-            </a:r>
+            <a:pPr lvl="1"/>
             <a:r>
               <a:rPr lang="en-US" dirty="0" err="1"/>
-              <a:t>TextSearch</a:t>
-            </a:r>
-            <a:endParaRPr lang="en-US" dirty="0"/>
+              <a:t>DirNav</a:t>
+            </a:r>
+            <a:r>
+              <a:rPr lang="en-US" dirty="0"/>
+              <a:t> package spec</a:t>
+            </a:r>
           </a:p>
           <a:p>
             <a:pPr lvl="1"/>
             <a:r>
-              <a:rPr lang="en-US" dirty="0">
-                <a:hlinkClick r:id="rId4"/>
-              </a:rPr>
-              <a:t>Starter Code</a:t>
-            </a:r>
-            <a:endParaRPr lang="en-US" dirty="0"/>
-          </a:p>
-          <a:p>
-            <a:pPr lvl="1"/>
-            <a:r>
-              <a:rPr lang="en-US" dirty="0">
-                <a:hlinkClick r:id="rId5"/>
-              </a:rPr>
-              <a:t>Tooling</a:t>
-            </a:r>
-            <a:endParaRPr lang="en-US" dirty="0"/>
-          </a:p>
-          <a:p>
-            <a:pPr lvl="1"/>
-            <a:r>
-              <a:rPr lang="en-US" dirty="0">
-                <a:hlinkClick r:id="rId6"/>
-              </a:rPr>
-              <a:t>Functions</a:t>
-            </a:r>
-            <a:endParaRPr lang="en-US" dirty="0"/>
-          </a:p>
-          <a:p>
-            <a:pPr lvl="1"/>
-            <a:r>
-              <a:rPr lang="en-US" dirty="0">
-                <a:hlinkClick r:id="rId7"/>
-              </a:rPr>
-              <a:t>Structs</a:t>
-            </a:r>
-            <a:endParaRPr lang="en-US" dirty="0"/>
-          </a:p>
-          <a:p>
-            <a:pPr lvl="1"/>
-            <a:r>
-              <a:rPr lang="en-US" dirty="0" err="1">
-                <a:hlinkClick r:id="rId8"/>
-              </a:rPr>
-              <a:t>RustStory_Libraries.html#fs</a:t>
-            </a:r>
-            <a:endParaRPr lang="en-US" dirty="0"/>
-          </a:p>
-          <a:p>
-            <a:pPr lvl="1"/>
-            <a:r>
-              <a:rPr lang="en-US" dirty="0" err="1">
-                <a:hlinkClick r:id="rId9"/>
-              </a:rPr>
-              <a:t>std:fs</a:t>
-            </a:r>
-            <a:endParaRPr lang="en-US" dirty="0"/>
-          </a:p>
-          <a:p>
-            <a:r>
-              <a:rPr lang="en-US" dirty="0" err="1">
-                <a:hlinkClick r:id="rId10"/>
-              </a:rPr>
-              <a:t>BuildOn</a:t>
-            </a:r>
-            <a:endParaRPr lang="en-US" dirty="0"/>
-          </a:p>
-          <a:p>
-            <a:r>
-              <a:rPr lang="en-US" dirty="0"/>
-              <a:t>Run </a:t>
-            </a:r>
-            <a:r>
-              <a:rPr lang="en-US" dirty="0" err="1"/>
-              <a:t>TextFinder</a:t>
-            </a:r>
-            <a:endParaRPr lang="en-US" dirty="0"/>
-          </a:p>
-          <a:p>
-            <a:endParaRPr lang="en-US" dirty="0"/>
-          </a:p>
-          <a:p>
-            <a:pPr marL="0" indent="0">
-              <a:buNone/>
-            </a:pPr>
-            <a:endParaRPr lang="en-US" dirty="0">
-              <a:hlinkClick r:id="rId11"/>
-            </a:endParaRPr>
-          </a:p>
-        </p:txBody>
-      </p:sp>
-      <p:sp>
-        <p:nvSpPr>
-          <p:cNvPr id="6" name="Text Placeholder 5">
-            <a:extLst>
-              <a:ext uri="{FF2B5EF4-FFF2-40B4-BE49-F238E27FC236}">
-                <a16:creationId xmlns:a16="http://schemas.microsoft.com/office/drawing/2014/main" id="{87CA1F5E-B664-4BD5-9BEA-A9442889F3EE}"/>
+              <a:rPr lang="en-US" dirty="0"/>
+              <a:t>Look at Starter Code</a:t>
+            </a:r>
+          </a:p>
+        </p:txBody>
+      </p:sp>
+      <p:sp>
+        <p:nvSpPr>
+          <p:cNvPr id="5" name="Text Placeholder 4">
+            <a:extLst>
+              <a:ext uri="{FF2B5EF4-FFF2-40B4-BE49-F238E27FC236}">
+                <a16:creationId xmlns:a16="http://schemas.microsoft.com/office/drawing/2014/main" id="{A061DA82-BF3E-4C99-B8B8-8633F2569885}"/>
               </a:ext>
             </a:extLst>
           </p:cNvPr>
@@ -4979,27 +5711,29 @@
         </p:nvSpPr>
         <p:spPr>
           <a:xfrm>
-            <a:off x="6172200" y="1405950"/>
-            <a:ext cx="5183188" cy="484994"/>
+            <a:off x="6172200" y="1474034"/>
+            <a:ext cx="5183188" cy="773858"/>
           </a:xfrm>
         </p:spPr>
         <p:txBody>
-          <a:bodyPr/>
-          <a:lstStyle/>
-          <a:p>
-            <a:r>
-              <a:rPr lang="en-US" dirty="0"/>
-              <a:t>Focus: Rust</a:t>
-            </a:r>
-          </a:p>
-        </p:txBody>
-      </p:sp>
-      <p:sp>
-        <p:nvSpPr>
-          <p:cNvPr id="4" name="Content Placeholder 3">
-            <a:extLst>
-              <a:ext uri="{FF2B5EF4-FFF2-40B4-BE49-F238E27FC236}">
-                <a16:creationId xmlns:a16="http://schemas.microsoft.com/office/drawing/2014/main" id="{218F4C6B-4B07-46DE-A44D-20A98F13D6B1}"/>
+          <a:bodyPr>
+            <a:normAutofit/>
+          </a:bodyPr>
+          <a:lstStyle/>
+          <a:p>
+            <a:r>
+              <a:rPr lang="en-US" sz="2800" dirty="0"/>
+              <a:t>Rust</a:t>
+            </a:r>
+          </a:p>
+        </p:txBody>
+      </p:sp>
+      <p:sp>
+        <p:nvSpPr>
+          <p:cNvPr id="6" name="Content Placeholder 5">
+            <a:extLst>
+              <a:ext uri="{FF2B5EF4-FFF2-40B4-BE49-F238E27FC236}">
+                <a16:creationId xmlns:a16="http://schemas.microsoft.com/office/drawing/2014/main" id="{730A4F1F-A3A0-46E6-901D-EB9D60C3E169}"/>
               </a:ext>
             </a:extLst>
           </p:cNvPr>
@@ -5012,8 +5746,8 @@
         </p:nvSpPr>
         <p:spPr>
           <a:xfrm>
-            <a:off x="6169024" y="1946907"/>
-            <a:ext cx="5183188" cy="4474943"/>
+            <a:off x="6172200" y="2471739"/>
+            <a:ext cx="5183188" cy="3460742"/>
           </a:xfrm>
           <a:ln/>
         </p:spPr>
@@ -5037,65 +5771,47 @@
           <a:p>
             <a:r>
               <a:rPr lang="en-US" dirty="0">
-                <a:hlinkClick r:id="rId12"/>
+                <a:hlinkClick r:id="rId4"/>
               </a:rPr>
-              <a:t>Safety</a:t>
+              <a:t>Enumerations</a:t>
+            </a:r>
+            <a:endParaRPr lang="en-US" dirty="0">
+              <a:hlinkClick r:id="rId5"/>
+            </a:endParaRPr>
+          </a:p>
+          <a:p>
+            <a:r>
+              <a:rPr lang="en-US" dirty="0">
+                <a:hlinkClick r:id="rId6"/>
+              </a:rPr>
+              <a:t>Error Handling</a:t>
+            </a:r>
+            <a:endParaRPr lang="en-US" dirty="0">
+              <a:hlinkClick r:id="rId7" action="ppaction://hlinkfile"/>
+            </a:endParaRPr>
+          </a:p>
+          <a:p>
+            <a:r>
+              <a:rPr lang="en-US" dirty="0">
+                <a:hlinkClick r:id="rId8"/>
+              </a:rPr>
+              <a:t>Conversions</a:t>
             </a:r>
             <a:endParaRPr lang="en-US" dirty="0"/>
           </a:p>
           <a:p>
             <a:r>
-              <a:rPr lang="en-US" dirty="0" err="1">
-                <a:hlinkClick r:id="rId13"/>
+              <a:rPr lang="en-US" dirty="0">
+                <a:hlinkClick r:id="rId9"/>
               </a:rPr>
-              <a:t>Anim_Features</a:t>
-            </a:r>
-            <a:endParaRPr lang="en-US" dirty="0">
-              <a:hlinkClick r:id="rId14" action="ppaction://hlinkfile"/>
-            </a:endParaRPr>
-          </a:p>
-          <a:p>
-            <a:r>
-              <a:rPr lang="en-US" dirty="0" err="1">
-                <a:hlinkClick r:id="rId15"/>
-              </a:rPr>
-              <a:t>RustBite_Data</a:t>
-            </a:r>
-            <a:endParaRPr lang="en-US" dirty="0">
-              <a:hlinkClick r:id="rId16"/>
-            </a:endParaRPr>
-          </a:p>
-          <a:p>
-            <a:r>
-              <a:rPr lang="en-US" dirty="0">
-                <a:hlinkClick r:id="rId16"/>
-              </a:rPr>
-              <a:t>Rust Bites</a:t>
+              <a:t>Generics &amp;Traits</a:t>
             </a:r>
             <a:endParaRPr lang="en-US" dirty="0"/>
           </a:p>
           <a:p>
             <a:r>
-              <a:rPr lang="en-US" dirty="0">
-                <a:hlinkClick r:id="rId17"/>
-              </a:rPr>
-              <a:t>Rust Story</a:t>
-            </a:r>
-            <a:endParaRPr lang="en-US" dirty="0"/>
-          </a:p>
-          <a:p>
-            <a:r>
-              <a:rPr lang="en-US" dirty="0">
-                <a:hlinkClick r:id="rId18"/>
-              </a:rPr>
-              <a:t>Code Experiments</a:t>
-            </a:r>
-            <a:endParaRPr lang="en-US" dirty="0"/>
-          </a:p>
-          <a:p>
-            <a:r>
-              <a:rPr lang="en-US" b="1" dirty="0"/>
-              <a:t>Questions?</a:t>
+              <a:rPr lang="en-US" dirty="0"/>
+              <a:t>Answer Questions</a:t>
             </a:r>
           </a:p>
           <a:p>
@@ -5104,24 +5820,404 @@
             </a:pPr>
             <a:endParaRPr lang="en-US" dirty="0"/>
           </a:p>
-          <a:p>
-            <a:pPr marL="0" indent="0">
-              <a:buNone/>
-            </a:pPr>
-            <a:endParaRPr lang="en-US" dirty="0"/>
-          </a:p>
-          <a:p>
-            <a:pPr marL="0" indent="0">
-              <a:buNone/>
-            </a:pPr>
-            <a:endParaRPr lang="en-US" dirty="0"/>
+        </p:txBody>
+      </p:sp>
+      <p:sp>
+        <p:nvSpPr>
+          <p:cNvPr id="7" name="Slide Number Placeholder 6">
+            <a:extLst>
+              <a:ext uri="{FF2B5EF4-FFF2-40B4-BE49-F238E27FC236}">
+                <a16:creationId xmlns:a16="http://schemas.microsoft.com/office/drawing/2014/main" id="{7BE766EE-57BC-4C75-975A-F51860811B5A}"/>
+              </a:ext>
+            </a:extLst>
+          </p:cNvPr>
+          <p:cNvSpPr>
+            <a:spLocks noGrp="1"/>
+          </p:cNvSpPr>
+          <p:nvPr>
+            <p:ph type="sldNum" sz="quarter" idx="12"/>
+          </p:nvPr>
+        </p:nvSpPr>
+        <p:spPr/>
+        <p:txBody>
+          <a:bodyPr/>
+          <a:lstStyle/>
+          <a:p>
+            <a:fld id="{9BDD3687-D8FB-4AFD-9AD8-D913B777D7F7}" type="slidenum">
+              <a:rPr lang="en-US" sz="1600" smtClean="0"/>
+              <a:t>6</a:t>
+            </a:fld>
+            <a:endParaRPr lang="en-US" sz="1600" dirty="0"/>
           </a:p>
         </p:txBody>
       </p:sp>
     </p:spTree>
     <p:extLst>
       <p:ext uri="{BB962C8B-B14F-4D97-AF65-F5344CB8AC3E}">
-        <p14:creationId xmlns:p14="http://schemas.microsoft.com/office/powerpoint/2010/main" val="1363403664"/>
+        <p14:creationId xmlns:p14="http://schemas.microsoft.com/office/powerpoint/2010/main" val="3150932224"/>
+      </p:ext>
+    </p:extLst>
+  </p:cSld>
+  <p:clrMapOvr>
+    <a:masterClrMapping/>
+  </p:clrMapOvr>
+</p:sld>
+</file>
+
+<file path=ppt/slides/slide7.xml><?xml version="1.0" encoding="utf-8"?>
+<p:sld xmlns:a="http://schemas.openxmlformats.org/drawingml/2006/main" xmlns:r="http://schemas.openxmlformats.org/officeDocument/2006/relationships" xmlns:p="http://schemas.openxmlformats.org/presentationml/2006/main" show="0">
+  <p:cSld>
+    <p:spTree>
+      <p:nvGrpSpPr>
+        <p:cNvPr id="1" name=""/>
+        <p:cNvGrpSpPr/>
+        <p:nvPr/>
+      </p:nvGrpSpPr>
+      <p:grpSpPr>
+        <a:xfrm>
+          <a:off x="0" y="0"/>
+          <a:ext cx="0" cy="0"/>
+          <a:chOff x="0" y="0"/>
+          <a:chExt cx="0" cy="0"/>
+        </a:xfrm>
+      </p:grpSpPr>
+      <p:sp>
+        <p:nvSpPr>
+          <p:cNvPr id="2" name="Title 1">
+            <a:extLst>
+              <a:ext uri="{FF2B5EF4-FFF2-40B4-BE49-F238E27FC236}">
+                <a16:creationId xmlns:a16="http://schemas.microsoft.com/office/drawing/2014/main" id="{4CEB71DD-6811-467E-B7F1-32D177C96097}"/>
+              </a:ext>
+            </a:extLst>
+          </p:cNvPr>
+          <p:cNvSpPr>
+            <a:spLocks noGrp="1"/>
+          </p:cNvSpPr>
+          <p:nvPr>
+            <p:ph type="title"/>
+          </p:nvPr>
+        </p:nvSpPr>
+        <p:spPr>
+          <a:xfrm>
+            <a:off x="839788" y="336550"/>
+            <a:ext cx="10515600" cy="1070769"/>
+          </a:xfrm>
+          <a:solidFill>
+            <a:schemeClr val="accent3">
+              <a:lumMod val="20000"/>
+              <a:lumOff val="80000"/>
+            </a:schemeClr>
+          </a:solidFill>
+        </p:spPr>
+        <p:style>
+          <a:lnRef idx="2">
+            <a:schemeClr val="accent3"/>
+          </a:lnRef>
+          <a:fillRef idx="1">
+            <a:schemeClr val="lt1"/>
+          </a:fillRef>
+          <a:effectRef idx="0">
+            <a:schemeClr val="accent3"/>
+          </a:effectRef>
+          <a:fontRef idx="minor">
+            <a:schemeClr val="dk1"/>
+          </a:fontRef>
+        </p:style>
+        <p:txBody>
+          <a:bodyPr/>
+          <a:lstStyle/>
+          <a:p>
+            <a:r>
+              <a:rPr lang="en-US" dirty="0" err="1"/>
+              <a:t>BuildOn</a:t>
+            </a:r>
+            <a:r>
+              <a:rPr lang="en-US" dirty="0"/>
+              <a:t> – Session #3 – </a:t>
+            </a:r>
+            <a:r>
+              <a:rPr lang="en-US" dirty="0" err="1"/>
+              <a:t>DirNav</a:t>
+            </a:r>
+            <a:endParaRPr lang="en-US" dirty="0"/>
+          </a:p>
+        </p:txBody>
+      </p:sp>
+      <p:sp>
+        <p:nvSpPr>
+          <p:cNvPr id="3" name="Text Placeholder 2">
+            <a:extLst>
+              <a:ext uri="{FF2B5EF4-FFF2-40B4-BE49-F238E27FC236}">
+                <a16:creationId xmlns:a16="http://schemas.microsoft.com/office/drawing/2014/main" id="{F267BC7A-4285-49F9-9A3B-482D3EA4A94F}"/>
+              </a:ext>
+            </a:extLst>
+          </p:cNvPr>
+          <p:cNvSpPr>
+            <a:spLocks noGrp="1"/>
+          </p:cNvSpPr>
+          <p:nvPr>
+            <p:ph type="body" idx="1"/>
+          </p:nvPr>
+        </p:nvSpPr>
+        <p:spPr>
+          <a:xfrm>
+            <a:off x="839788" y="1673886"/>
+            <a:ext cx="5157787" cy="802613"/>
+          </a:xfrm>
+        </p:spPr>
+        <p:txBody>
+          <a:bodyPr>
+            <a:normAutofit/>
+          </a:bodyPr>
+          <a:lstStyle/>
+          <a:p>
+            <a:r>
+              <a:rPr lang="en-US" sz="2800" dirty="0"/>
+              <a:t>Project</a:t>
+            </a:r>
+          </a:p>
+        </p:txBody>
+      </p:sp>
+      <p:sp>
+        <p:nvSpPr>
+          <p:cNvPr id="4" name="Content Placeholder 3">
+            <a:extLst>
+              <a:ext uri="{FF2B5EF4-FFF2-40B4-BE49-F238E27FC236}">
+                <a16:creationId xmlns:a16="http://schemas.microsoft.com/office/drawing/2014/main" id="{28C11C67-A00E-460D-B922-E4BF7788FF04}"/>
+              </a:ext>
+            </a:extLst>
+          </p:cNvPr>
+          <p:cNvSpPr>
+            <a:spLocks noGrp="1"/>
+          </p:cNvSpPr>
+          <p:nvPr>
+            <p:ph sz="half" idx="2"/>
+          </p:nvPr>
+        </p:nvSpPr>
+        <p:spPr>
+          <a:xfrm>
+            <a:off x="839788" y="2600326"/>
+            <a:ext cx="5157787" cy="3589336"/>
+          </a:xfrm>
+          <a:ln/>
+        </p:spPr>
+        <p:style>
+          <a:lnRef idx="2">
+            <a:schemeClr val="accent3"/>
+          </a:lnRef>
+          <a:fillRef idx="1">
+            <a:schemeClr val="lt1"/>
+          </a:fillRef>
+          <a:effectRef idx="0">
+            <a:schemeClr val="accent3"/>
+          </a:effectRef>
+          <a:fontRef idx="minor">
+            <a:schemeClr val="dk1"/>
+          </a:fontRef>
+        </p:style>
+        <p:txBody>
+          <a:bodyPr/>
+          <a:lstStyle/>
+          <a:p>
+            <a:r>
+              <a:rPr lang="en-US" dirty="0"/>
+              <a:t>Code review: </a:t>
+            </a:r>
+            <a:r>
+              <a:rPr lang="en-US" dirty="0">
+                <a:hlinkClick r:id="rId2"/>
+              </a:rPr>
+              <a:t>Step #1 - </a:t>
+            </a:r>
+            <a:r>
+              <a:rPr lang="en-US" dirty="0" err="1">
+                <a:hlinkClick r:id="rId2"/>
+              </a:rPr>
+              <a:t>TxtSrch</a:t>
+            </a:r>
+            <a:endParaRPr lang="en-US" dirty="0"/>
+          </a:p>
+          <a:p>
+            <a:pPr lvl="1"/>
+            <a:r>
+              <a:rPr lang="en-US" dirty="0"/>
+              <a:t>Code will be posted</a:t>
+            </a:r>
+          </a:p>
+          <a:p>
+            <a:r>
+              <a:rPr lang="en-US" dirty="0">
+                <a:hlinkClick r:id="rId3"/>
+              </a:rPr>
+              <a:t>Step #2 – </a:t>
+            </a:r>
+            <a:r>
+              <a:rPr lang="en-US" dirty="0" err="1">
+                <a:hlinkClick r:id="rId3"/>
+              </a:rPr>
+              <a:t>DirNav</a:t>
+            </a:r>
+            <a:endParaRPr lang="en-US" dirty="0"/>
+          </a:p>
+          <a:p>
+            <a:pPr lvl="1"/>
+            <a:r>
+              <a:rPr lang="en-US" dirty="0"/>
+              <a:t>Specification</a:t>
+            </a:r>
+          </a:p>
+          <a:p>
+            <a:pPr lvl="1"/>
+            <a:r>
+              <a:rPr lang="en-US" dirty="0"/>
+              <a:t>Starter code</a:t>
+            </a:r>
+          </a:p>
+        </p:txBody>
+      </p:sp>
+      <p:sp>
+        <p:nvSpPr>
+          <p:cNvPr id="5" name="Text Placeholder 4">
+            <a:extLst>
+              <a:ext uri="{FF2B5EF4-FFF2-40B4-BE49-F238E27FC236}">
+                <a16:creationId xmlns:a16="http://schemas.microsoft.com/office/drawing/2014/main" id="{20959C9D-A673-4B22-A614-0FC3F88A2C12}"/>
+              </a:ext>
+            </a:extLst>
+          </p:cNvPr>
+          <p:cNvSpPr>
+            <a:spLocks noGrp="1"/>
+          </p:cNvSpPr>
+          <p:nvPr>
+            <p:ph type="body" sz="quarter" idx="3"/>
+          </p:nvPr>
+        </p:nvSpPr>
+        <p:spPr>
+          <a:xfrm>
+            <a:off x="6172200" y="1673886"/>
+            <a:ext cx="5183188" cy="802613"/>
+          </a:xfrm>
+        </p:spPr>
+        <p:txBody>
+          <a:bodyPr>
+            <a:normAutofit/>
+          </a:bodyPr>
+          <a:lstStyle/>
+          <a:p>
+            <a:r>
+              <a:rPr lang="en-US" sz="2800" dirty="0"/>
+              <a:t>Rust</a:t>
+            </a:r>
+          </a:p>
+        </p:txBody>
+      </p:sp>
+      <p:sp>
+        <p:nvSpPr>
+          <p:cNvPr id="6" name="Content Placeholder 5">
+            <a:extLst>
+              <a:ext uri="{FF2B5EF4-FFF2-40B4-BE49-F238E27FC236}">
+                <a16:creationId xmlns:a16="http://schemas.microsoft.com/office/drawing/2014/main" id="{617CD398-5F2A-4F58-ABA5-74BFCD22B1C2}"/>
+              </a:ext>
+            </a:extLst>
+          </p:cNvPr>
+          <p:cNvSpPr>
+            <a:spLocks noGrp="1"/>
+          </p:cNvSpPr>
+          <p:nvPr>
+            <p:ph sz="quarter" idx="4"/>
+          </p:nvPr>
+        </p:nvSpPr>
+        <p:spPr>
+          <a:xfrm>
+            <a:off x="6172200" y="2571751"/>
+            <a:ext cx="5183188" cy="3589336"/>
+          </a:xfrm>
+          <a:ln/>
+        </p:spPr>
+        <p:style>
+          <a:lnRef idx="2">
+            <a:schemeClr val="accent3"/>
+          </a:lnRef>
+          <a:fillRef idx="1">
+            <a:schemeClr val="lt1"/>
+          </a:fillRef>
+          <a:effectRef idx="0">
+            <a:schemeClr val="accent3"/>
+          </a:effectRef>
+          <a:fontRef idx="minor">
+            <a:schemeClr val="dk1"/>
+          </a:fontRef>
+        </p:style>
+        <p:txBody>
+          <a:bodyPr/>
+          <a:lstStyle/>
+          <a:p>
+            <a:r>
+              <a:rPr lang="en-US" dirty="0">
+                <a:hlinkClick r:id="rId4"/>
+              </a:rPr>
+              <a:t>Structs</a:t>
+            </a:r>
+            <a:endParaRPr lang="en-US" dirty="0"/>
+          </a:p>
+          <a:p>
+            <a:r>
+              <a:rPr lang="en-US" dirty="0">
+                <a:hlinkClick r:id="rId5"/>
+              </a:rPr>
+              <a:t>Rust Libs</a:t>
+            </a:r>
+            <a:endParaRPr lang="en-US" dirty="0"/>
+          </a:p>
+          <a:p>
+            <a:r>
+              <a:rPr lang="en-US" dirty="0">
+                <a:hlinkClick r:id="rId6"/>
+              </a:rPr>
+              <a:t>Rust std::fs</a:t>
+            </a:r>
+            <a:endParaRPr lang="en-US" dirty="0"/>
+          </a:p>
+          <a:p>
+            <a:r>
+              <a:rPr lang="en-US" dirty="0"/>
+              <a:t>Answer Questions</a:t>
+            </a:r>
+          </a:p>
+        </p:txBody>
+      </p:sp>
+      <p:sp>
+        <p:nvSpPr>
+          <p:cNvPr id="7" name="Slide Number Placeholder 6">
+            <a:extLst>
+              <a:ext uri="{FF2B5EF4-FFF2-40B4-BE49-F238E27FC236}">
+                <a16:creationId xmlns:a16="http://schemas.microsoft.com/office/drawing/2014/main" id="{1E39B402-CD40-4CC5-AD5F-F53CE648A43E}"/>
+              </a:ext>
+            </a:extLst>
+          </p:cNvPr>
+          <p:cNvSpPr>
+            <a:spLocks noGrp="1"/>
+          </p:cNvSpPr>
+          <p:nvPr>
+            <p:ph type="sldNum" sz="quarter" idx="12"/>
+          </p:nvPr>
+        </p:nvSpPr>
+        <p:spPr/>
+        <p:txBody>
+          <a:bodyPr/>
+          <a:lstStyle/>
+          <a:p>
+            <a:fld id="{9BDD3687-D8FB-4AFD-9AD8-D913B777D7F7}" type="slidenum">
+              <a:rPr lang="en-US" sz="1600" smtClean="0"/>
+              <a:t>7</a:t>
+            </a:fld>
+            <a:endParaRPr lang="en-US" sz="1600" dirty="0"/>
+          </a:p>
+        </p:txBody>
+      </p:sp>
+    </p:spTree>
+    <p:extLst>
+      <p:ext uri="{BB962C8B-B14F-4D97-AF65-F5344CB8AC3E}">
+        <p14:creationId xmlns:p14="http://schemas.microsoft.com/office/powerpoint/2010/main" val="2462287988"/>
       </p:ext>
     </p:extLst>
   </p:cSld>
@@ -5150,10 +6246,10 @@
       </p:grpSpPr>
       <p:sp>
         <p:nvSpPr>
-          <p:cNvPr id="2" name="Title 1">
-            <a:extLst>
-              <a:ext uri="{FF2B5EF4-FFF2-40B4-BE49-F238E27FC236}">
-                <a16:creationId xmlns:a16="http://schemas.microsoft.com/office/drawing/2014/main" id="{A4A1A110-42E1-4A35-92C4-A678FFE8A307}"/>
+          <p:cNvPr id="8" name="Title 7">
+            <a:extLst>
+              <a:ext uri="{FF2B5EF4-FFF2-40B4-BE49-F238E27FC236}">
+                <a16:creationId xmlns:a16="http://schemas.microsoft.com/office/drawing/2014/main" id="{6AED2634-DADD-4809-95B9-F1BE61A1FF9E}"/>
               </a:ext>
             </a:extLst>
           </p:cNvPr>
@@ -5162,99 +6258,19 @@
           </p:cNvSpPr>
           <p:nvPr>
             <p:ph type="title"/>
-          </p:nvPr>
-        </p:nvSpPr>
-        <p:spPr/>
-        <p:style>
-          <a:lnRef idx="2">
-            <a:schemeClr val="accent3"/>
-          </a:lnRef>
-          <a:fillRef idx="1">
-            <a:schemeClr val="lt1"/>
-          </a:fillRef>
-          <a:effectRef idx="0">
-            <a:schemeClr val="accent3"/>
-          </a:effectRef>
-          <a:fontRef idx="minor">
-            <a:schemeClr val="dk1"/>
-          </a:fontRef>
-        </p:style>
-        <p:txBody>
-          <a:bodyPr/>
-          <a:lstStyle/>
-          <a:p>
-            <a:r>
-              <a:rPr lang="en-US" dirty="0"/>
-              <a:t>Next </a:t>
-            </a:r>
-            <a:r>
-              <a:rPr lang="en-US" dirty="0" err="1"/>
-              <a:t>BuildOn</a:t>
-            </a:r>
-            <a:r>
-              <a:rPr lang="en-US" dirty="0"/>
-              <a:t> – Session #3 – </a:t>
-            </a:r>
-            <a:r>
-              <a:rPr lang="en-US" dirty="0" err="1"/>
-              <a:t>DirNav</a:t>
-            </a:r>
-            <a:endParaRPr lang="en-US" dirty="0"/>
-          </a:p>
-        </p:txBody>
-      </p:sp>
-      <p:sp>
-        <p:nvSpPr>
-          <p:cNvPr id="4" name="Text Placeholder 3">
-            <a:extLst>
-              <a:ext uri="{FF2B5EF4-FFF2-40B4-BE49-F238E27FC236}">
-                <a16:creationId xmlns:a16="http://schemas.microsoft.com/office/drawing/2014/main" id="{72EBEF3F-5A6C-4669-B46A-2439E922063E}"/>
-              </a:ext>
-            </a:extLst>
-          </p:cNvPr>
-          <p:cNvSpPr>
-            <a:spLocks noGrp="1"/>
-          </p:cNvSpPr>
-          <p:nvPr>
-            <p:ph type="body" idx="1"/>
-          </p:nvPr>
-        </p:nvSpPr>
-        <p:spPr/>
-        <p:txBody>
-          <a:bodyPr>
-            <a:normAutofit/>
-          </a:bodyPr>
-          <a:lstStyle/>
-          <a:p>
-            <a:r>
-              <a:rPr lang="en-US" sz="2800" dirty="0"/>
-              <a:t>Project Packages</a:t>
-            </a:r>
-          </a:p>
-        </p:txBody>
-      </p:sp>
-      <p:sp>
-        <p:nvSpPr>
-          <p:cNvPr id="3" name="Content Placeholder 2">
-            <a:extLst>
-              <a:ext uri="{FF2B5EF4-FFF2-40B4-BE49-F238E27FC236}">
-                <a16:creationId xmlns:a16="http://schemas.microsoft.com/office/drawing/2014/main" id="{0CAF5A3B-6F24-4AF6-9031-2F2B88373BE3}"/>
-              </a:ext>
-            </a:extLst>
-          </p:cNvPr>
-          <p:cNvSpPr>
-            <a:spLocks noGrp="1"/>
-          </p:cNvSpPr>
-          <p:nvPr>
-            <p:ph sz="half" idx="2"/>
           </p:nvPr>
         </p:nvSpPr>
         <p:spPr>
           <a:xfrm>
-            <a:off x="839788" y="2533650"/>
-            <a:ext cx="5157787" cy="3684588"/>
+            <a:off x="838200" y="365125"/>
+            <a:ext cx="10515600" cy="956469"/>
           </a:xfrm>
-          <a:ln/>
+          <a:solidFill>
+            <a:schemeClr val="accent3">
+              <a:lumMod val="20000"/>
+              <a:lumOff val="80000"/>
+            </a:schemeClr>
+          </a:solidFill>
         </p:spPr>
         <p:style>
           <a:lnRef idx="2">
@@ -5275,41 +6291,43 @@
           <a:lstStyle/>
           <a:p>
             <a:r>
-              <a:rPr lang="en-US" dirty="0">
-                <a:hlinkClick r:id="rId2"/>
-              </a:rPr>
-              <a:t>Step #1</a:t>
-            </a:r>
-            <a:r>
-              <a:rPr lang="en-US" dirty="0"/>
-              <a:t> – Quick Review</a:t>
+              <a:rPr lang="en-US" dirty="0" err="1"/>
+              <a:t>BuildOn</a:t>
+            </a:r>
+            <a:endParaRPr lang="en-US" dirty="0"/>
+          </a:p>
+        </p:txBody>
+      </p:sp>
+      <p:sp>
+        <p:nvSpPr>
+          <p:cNvPr id="9" name="Content Placeholder 8">
+            <a:extLst>
+              <a:ext uri="{FF2B5EF4-FFF2-40B4-BE49-F238E27FC236}">
+                <a16:creationId xmlns:a16="http://schemas.microsoft.com/office/drawing/2014/main" id="{2C8FCC58-3F18-417F-873E-B7E9C6914DC8}"/>
+              </a:ext>
+            </a:extLst>
+          </p:cNvPr>
+          <p:cNvSpPr>
+            <a:spLocks noGrp="1"/>
+          </p:cNvSpPr>
+          <p:nvPr>
+            <p:ph idx="1"/>
+          </p:nvPr>
+        </p:nvSpPr>
+        <p:spPr/>
+        <p:txBody>
+          <a:bodyPr>
+            <a:normAutofit lnSpcReduction="10000"/>
+          </a:bodyPr>
+          <a:lstStyle/>
+          <a:p>
+            <a:r>
+              <a:rPr lang="en-US" dirty="0"/>
+              <a:t>Session #3</a:t>
             </a:r>
           </a:p>
           <a:p>
             <a:pPr lvl="1"/>
-            <a:r>
-              <a:rPr lang="en-US" dirty="0"/>
-              <a:t>Text Search package</a:t>
-            </a:r>
-          </a:p>
-          <a:p>
-            <a:pPr lvl="1"/>
-            <a:r>
-              <a:rPr lang="en-US" dirty="0"/>
-              <a:t>Posted solution</a:t>
-            </a:r>
-          </a:p>
-          <a:p>
-            <a:r>
-              <a:rPr lang="en-US" dirty="0">
-                <a:hlinkClick r:id="rId3" action="ppaction://hlinkfile"/>
-              </a:rPr>
-              <a:t>Step #2</a:t>
-            </a:r>
-            <a:r>
-              <a:rPr lang="en-US" dirty="0"/>
-              <a:t> - </a:t>
-            </a:r>
             <a:r>
               <a:rPr lang="en-US" dirty="0" err="1"/>
               <a:t>DirNav</a:t>
@@ -5317,141 +6335,89 @@
             <a:endParaRPr lang="en-US" dirty="0"/>
           </a:p>
           <a:p>
+            <a:r>
+              <a:rPr lang="en-US" dirty="0"/>
+              <a:t>Session #4</a:t>
+            </a:r>
+          </a:p>
+          <a:p>
             <a:pPr lvl="1"/>
             <a:r>
               <a:rPr lang="en-US" dirty="0" err="1"/>
-              <a:t>DirNav</a:t>
-            </a:r>
-            <a:r>
-              <a:rPr lang="en-US" dirty="0"/>
-              <a:t> package spec</a:t>
+              <a:t>CmdlnParser</a:t>
+            </a:r>
+            <a:endParaRPr lang="en-US" dirty="0"/>
+          </a:p>
+          <a:p>
+            <a:r>
+              <a:rPr lang="en-US" dirty="0"/>
+              <a:t>Session #5</a:t>
             </a:r>
           </a:p>
           <a:p>
             <a:pPr lvl="1"/>
             <a:r>
               <a:rPr lang="en-US" dirty="0"/>
-              <a:t>Look at Starter Code</a:t>
-            </a:r>
-          </a:p>
-        </p:txBody>
-      </p:sp>
-      <p:sp>
-        <p:nvSpPr>
-          <p:cNvPr id="5" name="Text Placeholder 4">
-            <a:extLst>
-              <a:ext uri="{FF2B5EF4-FFF2-40B4-BE49-F238E27FC236}">
-                <a16:creationId xmlns:a16="http://schemas.microsoft.com/office/drawing/2014/main" id="{A061DA82-BF3E-4C99-B8B8-8633F2569885}"/>
-              </a:ext>
-            </a:extLst>
-          </p:cNvPr>
-          <p:cNvSpPr>
-            <a:spLocks noGrp="1"/>
-          </p:cNvSpPr>
-          <p:nvPr>
-            <p:ph type="body" sz="quarter" idx="3"/>
+              <a:t>Executive &amp; Display</a:t>
+            </a:r>
+          </a:p>
+          <a:p>
+            <a:r>
+              <a:rPr lang="en-US" dirty="0"/>
+              <a:t>Session #6 ?</a:t>
+            </a:r>
+          </a:p>
+          <a:p>
+            <a:pPr lvl="1"/>
+            <a:r>
+              <a:rPr lang="en-US" dirty="0" err="1"/>
+              <a:t>RegEx</a:t>
+            </a:r>
+            <a:r>
+              <a:rPr lang="en-US" dirty="0"/>
+              <a:t> Search</a:t>
+            </a:r>
+          </a:p>
+          <a:p>
+            <a:r>
+              <a:rPr lang="en-US" dirty="0"/>
+              <a:t>Session #7 ?</a:t>
+            </a:r>
+          </a:p>
+          <a:p>
+            <a:pPr lvl="1"/>
+            <a:r>
+              <a:rPr lang="en-US" dirty="0"/>
+              <a:t>Parallel Text Search</a:t>
+            </a:r>
+          </a:p>
+        </p:txBody>
+      </p:sp>
+      <p:sp>
+        <p:nvSpPr>
+          <p:cNvPr id="2" name="Slide Number Placeholder 1">
+            <a:extLst>
+              <a:ext uri="{FF2B5EF4-FFF2-40B4-BE49-F238E27FC236}">
+                <a16:creationId xmlns:a16="http://schemas.microsoft.com/office/drawing/2014/main" id="{E37473D5-026A-4DEB-BE20-F955B3040004}"/>
+              </a:ext>
+            </a:extLst>
+          </p:cNvPr>
+          <p:cNvSpPr>
+            <a:spLocks noGrp="1"/>
+          </p:cNvSpPr>
+          <p:nvPr>
+            <p:ph type="sldNum" sz="quarter" idx="12"/>
           </p:nvPr>
         </p:nvSpPr>
         <p:spPr/>
         <p:txBody>
-          <a:bodyPr>
-            <a:normAutofit/>
-          </a:bodyPr>
-          <a:lstStyle/>
-          <a:p>
-            <a:r>
-              <a:rPr lang="en-US" sz="2800" dirty="0"/>
-              <a:t>Rust</a:t>
-            </a:r>
-          </a:p>
-        </p:txBody>
-      </p:sp>
-      <p:sp>
-        <p:nvSpPr>
-          <p:cNvPr id="6" name="Content Placeholder 5">
-            <a:extLst>
-              <a:ext uri="{FF2B5EF4-FFF2-40B4-BE49-F238E27FC236}">
-                <a16:creationId xmlns:a16="http://schemas.microsoft.com/office/drawing/2014/main" id="{730A4F1F-A3A0-46E6-901D-EB9D60C3E169}"/>
-              </a:ext>
-            </a:extLst>
-          </p:cNvPr>
-          <p:cNvSpPr>
-            <a:spLocks noGrp="1"/>
-          </p:cNvSpPr>
-          <p:nvPr>
-            <p:ph sz="quarter" idx="4"/>
-          </p:nvPr>
-        </p:nvSpPr>
-        <p:spPr>
-          <a:ln/>
-        </p:spPr>
-        <p:style>
-          <a:lnRef idx="2">
-            <a:schemeClr val="accent3"/>
-          </a:lnRef>
-          <a:fillRef idx="1">
-            <a:schemeClr val="lt1"/>
-          </a:fillRef>
-          <a:effectRef idx="0">
-            <a:schemeClr val="accent3"/>
-          </a:effectRef>
-          <a:fontRef idx="minor">
-            <a:schemeClr val="dk1"/>
-          </a:fontRef>
-        </p:style>
-        <p:txBody>
-          <a:bodyPr/>
-          <a:lstStyle/>
-          <a:p>
-            <a:r>
-              <a:rPr lang="en-US" dirty="0">
-                <a:hlinkClick r:id="rId4"/>
-              </a:rPr>
-              <a:t>Enumerations</a:t>
-            </a:r>
-            <a:endParaRPr lang="en-US" dirty="0">
-              <a:hlinkClick r:id="rId5"/>
-            </a:endParaRPr>
-          </a:p>
-          <a:p>
-            <a:r>
-              <a:rPr lang="en-US" dirty="0">
-                <a:hlinkClick r:id="rId6"/>
-              </a:rPr>
-              <a:t>Error Handling</a:t>
-            </a:r>
-            <a:endParaRPr lang="en-US" dirty="0">
-              <a:hlinkClick r:id="rId7" action="ppaction://hlinkfile"/>
-            </a:endParaRPr>
-          </a:p>
-          <a:p>
-            <a:r>
-              <a:rPr lang="en-US" dirty="0">
-                <a:hlinkClick r:id="rId8"/>
-              </a:rPr>
-              <a:t>Conversions</a:t>
-            </a:r>
-            <a:endParaRPr lang="en-US" dirty="0"/>
-          </a:p>
-          <a:p>
-            <a:r>
-              <a:rPr lang="en-US" dirty="0">
-                <a:hlinkClick r:id="rId9"/>
-              </a:rPr>
-              <a:t>Generics &amp;Traits</a:t>
-            </a:r>
-            <a:endParaRPr lang="en-US" dirty="0"/>
-          </a:p>
-          <a:p>
-            <a:r>
-              <a:rPr lang="en-US" dirty="0"/>
-              <a:t>Answer Questions</a:t>
-            </a:r>
-          </a:p>
-          <a:p>
-            <a:pPr marL="0" indent="0">
-              <a:buNone/>
-            </a:pPr>
+          <a:bodyPr/>
+          <a:lstStyle/>
+          <a:p>
+            <a:fld id="{9BDD3687-D8FB-4AFD-9AD8-D913B777D7F7}" type="slidenum">
+              <a:rPr lang="en-US" smtClean="0"/>
+              <a:t>8</a:t>
+            </a:fld>
             <a:endParaRPr lang="en-US" dirty="0"/>
           </a:p>
         </p:txBody>
@@ -5459,7 +6425,7 @@
     </p:spTree>
     <p:extLst>
       <p:ext uri="{BB962C8B-B14F-4D97-AF65-F5344CB8AC3E}">
-        <p14:creationId xmlns:p14="http://schemas.microsoft.com/office/powerpoint/2010/main" val="3150932224"/>
+        <p14:creationId xmlns:p14="http://schemas.microsoft.com/office/powerpoint/2010/main" val="450875661"/>
       </p:ext>
     </p:extLst>
   </p:cSld>
@@ -5470,7 +6436,7 @@
 </file>
 
 <file path=ppt/slides/slide9.xml><?xml version="1.0" encoding="utf-8"?>
-<p:sld xmlns:a="http://schemas.openxmlformats.org/drawingml/2006/main" xmlns:r="http://schemas.openxmlformats.org/officeDocument/2006/relationships" xmlns:p="http://schemas.openxmlformats.org/presentationml/2006/main" show="0">
+<p:sld xmlns:a="http://schemas.openxmlformats.org/drawingml/2006/main" xmlns:r="http://schemas.openxmlformats.org/officeDocument/2006/relationships" xmlns:p="http://schemas.openxmlformats.org/presentationml/2006/main">
   <p:cSld>
     <p:spTree>
       <p:nvGrpSpPr>
@@ -5488,10 +6454,10 @@
       </p:grpSpPr>
       <p:sp>
         <p:nvSpPr>
-          <p:cNvPr id="2" name="Title 1">
-            <a:extLst>
-              <a:ext uri="{FF2B5EF4-FFF2-40B4-BE49-F238E27FC236}">
-                <a16:creationId xmlns:a16="http://schemas.microsoft.com/office/drawing/2014/main" id="{4CEB71DD-6811-467E-B7F1-32D177C96097}"/>
+          <p:cNvPr id="4" name="Title 3">
+            <a:extLst>
+              <a:ext uri="{FF2B5EF4-FFF2-40B4-BE49-F238E27FC236}">
+                <a16:creationId xmlns:a16="http://schemas.microsoft.com/office/drawing/2014/main" id="{E21D365E-E47D-40C4-B27C-EB8ECB058426}"/>
               </a:ext>
             </a:extLst>
           </p:cNvPr>
@@ -5503,272 +6469,50 @@
           </p:nvPr>
         </p:nvSpPr>
         <p:spPr/>
-        <p:style>
-          <a:lnRef idx="2">
-            <a:schemeClr val="accent3"/>
-          </a:lnRef>
-          <a:fillRef idx="1">
-            <a:schemeClr val="lt1"/>
-          </a:fillRef>
-          <a:effectRef idx="0">
-            <a:schemeClr val="accent3"/>
-          </a:effectRef>
-          <a:fontRef idx="minor">
-            <a:schemeClr val="dk1"/>
-          </a:fontRef>
-        </p:style>
-        <p:txBody>
-          <a:bodyPr/>
-          <a:lstStyle/>
-          <a:p>
-            <a:r>
-              <a:rPr lang="en-US" dirty="0" err="1"/>
-              <a:t>BuildOn</a:t>
-            </a:r>
-            <a:r>
-              <a:rPr lang="en-US" dirty="0"/>
-              <a:t> – Session #3 – </a:t>
-            </a:r>
-            <a:r>
-              <a:rPr lang="en-US" dirty="0" err="1"/>
-              <a:t>DirNav</a:t>
-            </a:r>
-            <a:endParaRPr lang="en-US" dirty="0"/>
-          </a:p>
-        </p:txBody>
-      </p:sp>
-      <p:sp>
-        <p:nvSpPr>
-          <p:cNvPr id="3" name="Text Placeholder 2">
-            <a:extLst>
-              <a:ext uri="{FF2B5EF4-FFF2-40B4-BE49-F238E27FC236}">
-                <a16:creationId xmlns:a16="http://schemas.microsoft.com/office/drawing/2014/main" id="{F267BC7A-4285-49F9-9A3B-482D3EA4A94F}"/>
-              </a:ext>
-            </a:extLst>
-          </p:cNvPr>
-          <p:cNvSpPr>
-            <a:spLocks noGrp="1"/>
-          </p:cNvSpPr>
-          <p:nvPr>
-            <p:ph type="body" idx="1"/>
+        <p:txBody>
+          <a:bodyPr/>
+          <a:lstStyle/>
+          <a:p>
+            <a:r>
+              <a:rPr lang="en-US" dirty="0"/>
+              <a:t>That’s All Folks!</a:t>
+            </a:r>
+          </a:p>
+        </p:txBody>
+      </p:sp>
+      <p:sp>
+        <p:nvSpPr>
+          <p:cNvPr id="2" name="Slide Number Placeholder 1">
+            <a:extLst>
+              <a:ext uri="{FF2B5EF4-FFF2-40B4-BE49-F238E27FC236}">
+                <a16:creationId xmlns:a16="http://schemas.microsoft.com/office/drawing/2014/main" id="{C6E519B8-ABD9-4F38-BDEC-D01F1E7668C9}"/>
+              </a:ext>
+            </a:extLst>
+          </p:cNvPr>
+          <p:cNvSpPr>
+            <a:spLocks noGrp="1"/>
+          </p:cNvSpPr>
+          <p:nvPr>
+            <p:ph type="sldNum" sz="quarter" idx="12"/>
           </p:nvPr>
         </p:nvSpPr>
         <p:spPr/>
         <p:txBody>
-          <a:bodyPr>
-            <a:normAutofit/>
-          </a:bodyPr>
-          <a:lstStyle/>
-          <a:p>
-            <a:r>
-              <a:rPr lang="en-US" sz="2800" dirty="0"/>
-              <a:t>Project</a:t>
-            </a:r>
-          </a:p>
-        </p:txBody>
-      </p:sp>
-      <p:sp>
-        <p:nvSpPr>
-          <p:cNvPr id="4" name="Content Placeholder 3">
-            <a:extLst>
-              <a:ext uri="{FF2B5EF4-FFF2-40B4-BE49-F238E27FC236}">
-                <a16:creationId xmlns:a16="http://schemas.microsoft.com/office/drawing/2014/main" id="{28C11C67-A00E-460D-B922-E4BF7788FF04}"/>
-              </a:ext>
-            </a:extLst>
-          </p:cNvPr>
-          <p:cNvSpPr>
-            <a:spLocks noGrp="1"/>
-          </p:cNvSpPr>
-          <p:nvPr>
-            <p:ph sz="half" idx="2"/>
-          </p:nvPr>
-        </p:nvSpPr>
-        <p:spPr>
-          <a:xfrm>
-            <a:off x="839788" y="2533650"/>
-            <a:ext cx="5157787" cy="3684588"/>
-          </a:xfrm>
-          <a:ln/>
-        </p:spPr>
-        <p:style>
-          <a:lnRef idx="2">
-            <a:schemeClr val="accent3"/>
-          </a:lnRef>
-          <a:fillRef idx="1">
-            <a:schemeClr val="lt1"/>
-          </a:fillRef>
-          <a:effectRef idx="0">
-            <a:schemeClr val="accent3"/>
-          </a:effectRef>
-          <a:fontRef idx="minor">
-            <a:schemeClr val="dk1"/>
-          </a:fontRef>
-        </p:style>
-        <p:txBody>
-          <a:bodyPr/>
-          <a:lstStyle/>
-          <a:p>
-            <a:r>
-              <a:rPr lang="en-US" dirty="0"/>
-              <a:t>Code review: </a:t>
-            </a:r>
-            <a:r>
-              <a:rPr lang="en-US" dirty="0">
-                <a:hlinkClick r:id="rId2"/>
-              </a:rPr>
-              <a:t>Step #1 - </a:t>
-            </a:r>
-            <a:r>
-              <a:rPr lang="en-US" dirty="0" err="1">
-                <a:hlinkClick r:id="rId2"/>
-              </a:rPr>
-              <a:t>TxtSrch</a:t>
-            </a:r>
-            <a:endParaRPr lang="en-US" dirty="0"/>
-          </a:p>
-          <a:p>
-            <a:pPr lvl="1"/>
-            <a:r>
-              <a:rPr lang="en-US" dirty="0"/>
-              <a:t>Code will be posted</a:t>
-            </a:r>
-          </a:p>
-          <a:p>
-            <a:r>
-              <a:rPr lang="en-US" dirty="0">
-                <a:hlinkClick r:id="rId3"/>
-              </a:rPr>
-              <a:t>Step #2 – </a:t>
-            </a:r>
-            <a:r>
-              <a:rPr lang="en-US" dirty="0" err="1">
-                <a:hlinkClick r:id="rId3"/>
-              </a:rPr>
-              <a:t>DirNav</a:t>
-            </a:r>
-            <a:endParaRPr lang="en-US" dirty="0"/>
-          </a:p>
-          <a:p>
-            <a:pPr lvl="1"/>
-            <a:r>
-              <a:rPr lang="en-US" dirty="0"/>
-              <a:t>Specification</a:t>
-            </a:r>
-          </a:p>
-          <a:p>
-            <a:pPr lvl="1"/>
-            <a:r>
-              <a:rPr lang="en-US" dirty="0"/>
-              <a:t>Starter code</a:t>
-            </a:r>
-          </a:p>
-        </p:txBody>
-      </p:sp>
-      <p:sp>
-        <p:nvSpPr>
-          <p:cNvPr id="5" name="Text Placeholder 4">
-            <a:extLst>
-              <a:ext uri="{FF2B5EF4-FFF2-40B4-BE49-F238E27FC236}">
-                <a16:creationId xmlns:a16="http://schemas.microsoft.com/office/drawing/2014/main" id="{20959C9D-A673-4B22-A614-0FC3F88A2C12}"/>
-              </a:ext>
-            </a:extLst>
-          </p:cNvPr>
-          <p:cNvSpPr>
-            <a:spLocks noGrp="1"/>
-          </p:cNvSpPr>
-          <p:nvPr>
-            <p:ph type="body" sz="quarter" idx="3"/>
-          </p:nvPr>
-        </p:nvSpPr>
-        <p:spPr/>
-        <p:txBody>
-          <a:bodyPr>
-            <a:normAutofit/>
-          </a:bodyPr>
-          <a:lstStyle/>
-          <a:p>
-            <a:r>
-              <a:rPr lang="en-US" sz="2800" dirty="0"/>
-              <a:t>Rust</a:t>
-            </a:r>
-          </a:p>
-        </p:txBody>
-      </p:sp>
-      <p:sp>
-        <p:nvSpPr>
-          <p:cNvPr id="6" name="Content Placeholder 5">
-            <a:extLst>
-              <a:ext uri="{FF2B5EF4-FFF2-40B4-BE49-F238E27FC236}">
-                <a16:creationId xmlns:a16="http://schemas.microsoft.com/office/drawing/2014/main" id="{617CD398-5F2A-4F58-ABA5-74BFCD22B1C2}"/>
-              </a:ext>
-            </a:extLst>
-          </p:cNvPr>
-          <p:cNvSpPr>
-            <a:spLocks noGrp="1"/>
-          </p:cNvSpPr>
-          <p:nvPr>
-            <p:ph sz="quarter" idx="4"/>
-          </p:nvPr>
-        </p:nvSpPr>
-        <p:spPr>
-          <a:ln/>
-        </p:spPr>
-        <p:style>
-          <a:lnRef idx="2">
-            <a:schemeClr val="accent3"/>
-          </a:lnRef>
-          <a:fillRef idx="1">
-            <a:schemeClr val="lt1"/>
-          </a:fillRef>
-          <a:effectRef idx="0">
-            <a:schemeClr val="accent3"/>
-          </a:effectRef>
-          <a:fontRef idx="minor">
-            <a:schemeClr val="dk1"/>
-          </a:fontRef>
-        </p:style>
-        <p:txBody>
-          <a:bodyPr/>
-          <a:lstStyle/>
-          <a:p>
-            <a:r>
-              <a:rPr lang="en-US" dirty="0">
-                <a:hlinkClick r:id="rId4"/>
-              </a:rPr>
-              <a:t>Structs</a:t>
-            </a:r>
-            <a:endParaRPr lang="en-US" dirty="0"/>
-          </a:p>
-          <a:p>
-            <a:r>
-              <a:rPr lang="en-US" dirty="0">
-                <a:hlinkClick r:id="rId5"/>
-              </a:rPr>
-              <a:t>Rust Libs</a:t>
-            </a:r>
-            <a:endParaRPr lang="en-US" dirty="0"/>
-          </a:p>
-          <a:p>
-            <a:r>
-              <a:rPr lang="en-US" dirty="0">
-                <a:hlinkClick r:id="rId6"/>
-              </a:rPr>
-              <a:t>Rust std::fs</a:t>
-            </a:r>
-            <a:endParaRPr lang="en-US" dirty="0"/>
-          </a:p>
-          <a:p>
-            <a:r>
-              <a:rPr lang="en-US" dirty="0"/>
-              <a:t>Answer Questions</a:t>
-            </a:r>
+          <a:bodyPr/>
+          <a:lstStyle/>
+          <a:p>
+            <a:fld id="{9BDD3687-D8FB-4AFD-9AD8-D913B777D7F7}" type="slidenum">
+              <a:rPr lang="en-US" sz="1600" smtClean="0"/>
+              <a:t>9</a:t>
+            </a:fld>
+            <a:endParaRPr lang="en-US" sz="1600" dirty="0"/>
           </a:p>
         </p:txBody>
       </p:sp>
     </p:spTree>
     <p:extLst>
       <p:ext uri="{BB962C8B-B14F-4D97-AF65-F5344CB8AC3E}">
-        <p14:creationId xmlns:p14="http://schemas.microsoft.com/office/powerpoint/2010/main" val="2462287988"/>
+        <p14:creationId xmlns:p14="http://schemas.microsoft.com/office/powerpoint/2010/main" val="702867322"/>
       </p:ext>
     </p:extLst>
   </p:cSld>
@@ -6071,4 +6815,299 @@
     </a:ext>
   </a:extLst>
 </a:theme>
+</file>
+
+<file path=ppt/theme/theme2.xml><?xml version="1.0" encoding="utf-8"?>
+<a:theme xmlns:a="http://schemas.openxmlformats.org/drawingml/2006/main" name="Office Theme">
+  <a:themeElements>
+    <a:clrScheme name="Office">
+      <a:dk1>
+        <a:sysClr val="windowText" lastClr="000000"/>
+      </a:dk1>
+      <a:lt1>
+        <a:sysClr val="window" lastClr="FFFFFF"/>
+      </a:lt1>
+      <a:dk2>
+        <a:srgbClr val="44546A"/>
+      </a:dk2>
+      <a:lt2>
+        <a:srgbClr val="E7E6E6"/>
+      </a:lt2>
+      <a:accent1>
+        <a:srgbClr val="4472C4"/>
+      </a:accent1>
+      <a:accent2>
+        <a:srgbClr val="ED7D31"/>
+      </a:accent2>
+      <a:accent3>
+        <a:srgbClr val="A5A5A5"/>
+      </a:accent3>
+      <a:accent4>
+        <a:srgbClr val="FFC000"/>
+      </a:accent4>
+      <a:accent5>
+        <a:srgbClr val="5B9BD5"/>
+      </a:accent5>
+      <a:accent6>
+        <a:srgbClr val="70AD47"/>
+      </a:accent6>
+      <a:hlink>
+        <a:srgbClr val="0563C1"/>
+      </a:hlink>
+      <a:folHlink>
+        <a:srgbClr val="954F72"/>
+      </a:folHlink>
+    </a:clrScheme>
+    <a:fontScheme name="Office">
+      <a:majorFont>
+        <a:latin typeface="Calibri Light" panose="020F0302020204030204"/>
+        <a:ea typeface=""/>
+        <a:cs typeface=""/>
+        <a:font script="Jpan" typeface="游ゴシック Light"/>
+        <a:font script="Hang" typeface="맑은 고딕"/>
+        <a:font script="Hans" typeface="等线 Light"/>
+        <a:font script="Hant" typeface="新細明體"/>
+        <a:font script="Arab" typeface="Times New Roman"/>
+        <a:font script="Hebr" typeface="Times New Roman"/>
+        <a:font script="Thai" typeface="Angsana New"/>
+        <a:font script="Ethi" typeface="Nyala"/>
+        <a:font script="Beng" typeface="Vrinda"/>
+        <a:font script="Gujr" typeface="Shruti"/>
+        <a:font script="Khmr" typeface="MoolBoran"/>
+        <a:font script="Knda" typeface="Tunga"/>
+        <a:font script="Guru" typeface="Raavi"/>
+        <a:font script="Cans" typeface="Euphemia"/>
+        <a:font script="Cher" typeface="Plantagenet Cherokee"/>
+        <a:font script="Yiii" typeface="Microsoft Yi Baiti"/>
+        <a:font script="Tibt" typeface="Microsoft Himalaya"/>
+        <a:font script="Thaa" typeface="MV Boli"/>
+        <a:font script="Deva" typeface="Mangal"/>
+        <a:font script="Telu" typeface="Gautami"/>
+        <a:font script="Taml" typeface="Latha"/>
+        <a:font script="Syrc" typeface="Estrangelo Edessa"/>
+        <a:font script="Orya" typeface="Kalinga"/>
+        <a:font script="Mlym" typeface="Kartika"/>
+        <a:font script="Laoo" typeface="DokChampa"/>
+        <a:font script="Sinh" typeface="Iskoola Pota"/>
+        <a:font script="Mong" typeface="Mongolian Baiti"/>
+        <a:font script="Viet" typeface="Times New Roman"/>
+        <a:font script="Uigh" typeface="Microsoft Uighur"/>
+        <a:font script="Geor" typeface="Sylfaen"/>
+        <a:font script="Armn" typeface="Arial"/>
+        <a:font script="Bugi" typeface="Leelawadee UI"/>
+        <a:font script="Bopo" typeface="Microsoft JhengHei"/>
+        <a:font script="Java" typeface="Javanese Text"/>
+        <a:font script="Lisu" typeface="Segoe UI"/>
+        <a:font script="Mymr" typeface="Myanmar Text"/>
+        <a:font script="Nkoo" typeface="Ebrima"/>
+        <a:font script="Olck" typeface="Nirmala UI"/>
+        <a:font script="Osma" typeface="Ebrima"/>
+        <a:font script="Phag" typeface="Phagspa"/>
+        <a:font script="Syrn" typeface="Estrangelo Edessa"/>
+        <a:font script="Syrj" typeface="Estrangelo Edessa"/>
+        <a:font script="Syre" typeface="Estrangelo Edessa"/>
+        <a:font script="Sora" typeface="Nirmala UI"/>
+        <a:font script="Tale" typeface="Microsoft Tai Le"/>
+        <a:font script="Talu" typeface="Microsoft New Tai Lue"/>
+        <a:font script="Tfng" typeface="Ebrima"/>
+      </a:majorFont>
+      <a:minorFont>
+        <a:latin typeface="Calibri" panose="020F0502020204030204"/>
+        <a:ea typeface=""/>
+        <a:cs typeface=""/>
+        <a:font script="Jpan" typeface="游ゴシック"/>
+        <a:font script="Hang" typeface="맑은 고딕"/>
+        <a:font script="Hans" typeface="等线"/>
+        <a:font script="Hant" typeface="新細明體"/>
+        <a:font script="Arab" typeface="Arial"/>
+        <a:font script="Hebr" typeface="Arial"/>
+        <a:font script="Thai" typeface="Cordia New"/>
+        <a:font script="Ethi" typeface="Nyala"/>
+        <a:font script="Beng" typeface="Vrinda"/>
+        <a:font script="Gujr" typeface="Shruti"/>
+        <a:font script="Khmr" typeface="DaunPenh"/>
+        <a:font script="Knda" typeface="Tunga"/>
+        <a:font script="Guru" typeface="Raavi"/>
+        <a:font script="Cans" typeface="Euphemia"/>
+        <a:font script="Cher" typeface="Plantagenet Cherokee"/>
+        <a:font script="Yiii" typeface="Microsoft Yi Baiti"/>
+        <a:font script="Tibt" typeface="Microsoft Himalaya"/>
+        <a:font script="Thaa" typeface="MV Boli"/>
+        <a:font script="Deva" typeface="Mangal"/>
+        <a:font script="Telu" typeface="Gautami"/>
+        <a:font script="Taml" typeface="Latha"/>
+        <a:font script="Syrc" typeface="Estrangelo Edessa"/>
+        <a:font script="Orya" typeface="Kalinga"/>
+        <a:font script="Mlym" typeface="Kartika"/>
+        <a:font script="Laoo" typeface="DokChampa"/>
+        <a:font script="Sinh" typeface="Iskoola Pota"/>
+        <a:font script="Mong" typeface="Mongolian Baiti"/>
+        <a:font script="Viet" typeface="Arial"/>
+        <a:font script="Uigh" typeface="Microsoft Uighur"/>
+        <a:font script="Geor" typeface="Sylfaen"/>
+        <a:font script="Armn" typeface="Arial"/>
+        <a:font script="Bugi" typeface="Leelawadee UI"/>
+        <a:font script="Bopo" typeface="Microsoft JhengHei"/>
+        <a:font script="Java" typeface="Javanese Text"/>
+        <a:font script="Lisu" typeface="Segoe UI"/>
+        <a:font script="Mymr" typeface="Myanmar Text"/>
+        <a:font script="Nkoo" typeface="Ebrima"/>
+        <a:font script="Olck" typeface="Nirmala UI"/>
+        <a:font script="Osma" typeface="Ebrima"/>
+        <a:font script="Phag" typeface="Phagspa"/>
+        <a:font script="Syrn" typeface="Estrangelo Edessa"/>
+        <a:font script="Syrj" typeface="Estrangelo Edessa"/>
+        <a:font script="Syre" typeface="Estrangelo Edessa"/>
+        <a:font script="Sora" typeface="Nirmala UI"/>
+        <a:font script="Tale" typeface="Microsoft Tai Le"/>
+        <a:font script="Talu" typeface="Microsoft New Tai Lue"/>
+        <a:font script="Tfng" typeface="Ebrima"/>
+      </a:minorFont>
+    </a:fontScheme>
+    <a:fmtScheme name="Office">
+      <a:fillStyleLst>
+        <a:solidFill>
+          <a:schemeClr val="phClr"/>
+        </a:solidFill>
+        <a:gradFill rotWithShape="1">
+          <a:gsLst>
+            <a:gs pos="0">
+              <a:schemeClr val="phClr">
+                <a:lumMod val="110000"/>
+                <a:satMod val="105000"/>
+                <a:tint val="67000"/>
+              </a:schemeClr>
+            </a:gs>
+            <a:gs pos="50000">
+              <a:schemeClr val="phClr">
+                <a:lumMod val="105000"/>
+                <a:satMod val="103000"/>
+                <a:tint val="73000"/>
+              </a:schemeClr>
+            </a:gs>
+            <a:gs pos="100000">
+              <a:schemeClr val="phClr">
+                <a:lumMod val="105000"/>
+                <a:satMod val="109000"/>
+                <a:tint val="81000"/>
+              </a:schemeClr>
+            </a:gs>
+          </a:gsLst>
+          <a:lin ang="5400000" scaled="0"/>
+        </a:gradFill>
+        <a:gradFill rotWithShape="1">
+          <a:gsLst>
+            <a:gs pos="0">
+              <a:schemeClr val="phClr">
+                <a:satMod val="103000"/>
+                <a:lumMod val="102000"/>
+                <a:tint val="94000"/>
+              </a:schemeClr>
+            </a:gs>
+            <a:gs pos="50000">
+              <a:schemeClr val="phClr">
+                <a:satMod val="110000"/>
+                <a:lumMod val="100000"/>
+                <a:shade val="100000"/>
+              </a:schemeClr>
+            </a:gs>
+            <a:gs pos="100000">
+              <a:schemeClr val="phClr">
+                <a:lumMod val="99000"/>
+                <a:satMod val="120000"/>
+                <a:shade val="78000"/>
+              </a:schemeClr>
+            </a:gs>
+          </a:gsLst>
+          <a:lin ang="5400000" scaled="0"/>
+        </a:gradFill>
+      </a:fillStyleLst>
+      <a:lnStyleLst>
+        <a:ln w="6350" cap="flat" cmpd="sng" algn="ctr">
+          <a:solidFill>
+            <a:schemeClr val="phClr"/>
+          </a:solidFill>
+          <a:prstDash val="solid"/>
+          <a:miter lim="800000"/>
+        </a:ln>
+        <a:ln w="12700" cap="flat" cmpd="sng" algn="ctr">
+          <a:solidFill>
+            <a:schemeClr val="phClr"/>
+          </a:solidFill>
+          <a:prstDash val="solid"/>
+          <a:miter lim="800000"/>
+        </a:ln>
+        <a:ln w="19050" cap="flat" cmpd="sng" algn="ctr">
+          <a:solidFill>
+            <a:schemeClr val="phClr"/>
+          </a:solidFill>
+          <a:prstDash val="solid"/>
+          <a:miter lim="800000"/>
+        </a:ln>
+      </a:lnStyleLst>
+      <a:effectStyleLst>
+        <a:effectStyle>
+          <a:effectLst/>
+        </a:effectStyle>
+        <a:effectStyle>
+          <a:effectLst/>
+        </a:effectStyle>
+        <a:effectStyle>
+          <a:effectLst>
+            <a:outerShdw blurRad="57150" dist="19050" dir="5400000" algn="ctr" rotWithShape="0">
+              <a:srgbClr val="000000">
+                <a:alpha val="63000"/>
+              </a:srgbClr>
+            </a:outerShdw>
+          </a:effectLst>
+        </a:effectStyle>
+      </a:effectStyleLst>
+      <a:bgFillStyleLst>
+        <a:solidFill>
+          <a:schemeClr val="phClr"/>
+        </a:solidFill>
+        <a:solidFill>
+          <a:schemeClr val="phClr">
+            <a:tint val="95000"/>
+            <a:satMod val="170000"/>
+          </a:schemeClr>
+        </a:solidFill>
+        <a:gradFill rotWithShape="1">
+          <a:gsLst>
+            <a:gs pos="0">
+              <a:schemeClr val="phClr">
+                <a:tint val="93000"/>
+                <a:satMod val="150000"/>
+                <a:shade val="98000"/>
+                <a:lumMod val="102000"/>
+              </a:schemeClr>
+            </a:gs>
+            <a:gs pos="50000">
+              <a:schemeClr val="phClr">
+                <a:tint val="98000"/>
+                <a:satMod val="130000"/>
+                <a:shade val="90000"/>
+                <a:lumMod val="103000"/>
+              </a:schemeClr>
+            </a:gs>
+            <a:gs pos="100000">
+              <a:schemeClr val="phClr">
+                <a:shade val="63000"/>
+                <a:satMod val="120000"/>
+              </a:schemeClr>
+            </a:gs>
+          </a:gsLst>
+          <a:lin ang="5400000" scaled="0"/>
+        </a:gradFill>
+      </a:bgFillStyleLst>
+    </a:fmtScheme>
+  </a:themeElements>
+  <a:objectDefaults/>
+  <a:extraClrSchemeLst/>
+  <a:extLst>
+    <a:ext uri="{05A4C25C-085E-4340-85A3-A5531E510DB2}">
+      <thm15:themeFamily xmlns:thm15="http://schemas.microsoft.com/office/thememl/2012/main" name="Office Theme" id="{62F939B6-93AF-4DB8-9C6B-D6C7DFDC589F}" vid="{4A3C46E8-61CC-4603-A589-7422A47A8E4A}"/>
+    </a:ext>
+  </a:extLst>
+</a:theme>
 </file>
--- a/Resources/Build-On-2.pptx
+++ b/Resources/Build-On-2.pptx
@@ -207,7 +207,7 @@
           <a:p>
             <a:fld id="{0848BC6B-9879-4A5D-9ADD-7A7EC6F9DCFC}" type="datetimeFigureOut">
               <a:rPr lang="en-US" smtClean="0"/>
-              <a:t>2/24/2021</a:t>
+              <a:t>2/25/2021</a:t>
             </a:fld>
             <a:endParaRPr lang="en-US"/>
           </a:p>
@@ -621,7 +621,7 @@
           <a:p>
             <a:fld id="{743C5819-F2F0-4635-8846-E0D7F1235C4A}" type="datetime1">
               <a:rPr lang="en-US" smtClean="0"/>
-              <a:t>2/24/2021</a:t>
+              <a:t>2/25/2021</a:t>
             </a:fld>
             <a:endParaRPr lang="en-US"/>
           </a:p>
@@ -819,7 +819,7 @@
           <a:p>
             <a:fld id="{F9B384AA-5F95-4C33-968F-4281EE1C5D31}" type="datetime1">
               <a:rPr lang="en-US" smtClean="0"/>
-              <a:t>2/24/2021</a:t>
+              <a:t>2/25/2021</a:t>
             </a:fld>
             <a:endParaRPr lang="en-US"/>
           </a:p>
@@ -1027,7 +1027,7 @@
           <a:p>
             <a:fld id="{598AD886-C01A-47D5-80DD-8DE49FB67408}" type="datetime1">
               <a:rPr lang="en-US" smtClean="0"/>
-              <a:t>2/24/2021</a:t>
+              <a:t>2/25/2021</a:t>
             </a:fld>
             <a:endParaRPr lang="en-US"/>
           </a:p>
@@ -1225,7 +1225,7 @@
           <a:p>
             <a:fld id="{8D903533-41AC-45E1-9689-7E372F906C46}" type="datetime1">
               <a:rPr lang="en-US" smtClean="0"/>
-              <a:t>2/24/2021</a:t>
+              <a:t>2/25/2021</a:t>
             </a:fld>
             <a:endParaRPr lang="en-US"/>
           </a:p>
@@ -1505,7 +1505,7 @@
           <a:p>
             <a:fld id="{D64A9379-CA54-45F7-9973-2CA70E9FE0DA}" type="datetime1">
               <a:rPr lang="en-US" smtClean="0"/>
-              <a:t>2/24/2021</a:t>
+              <a:t>2/25/2021</a:t>
             </a:fld>
             <a:endParaRPr lang="en-US"/>
           </a:p>
@@ -1770,7 +1770,7 @@
           <a:p>
             <a:fld id="{F20E10C4-1FFF-436D-9146-BCABA5CCABDC}" type="datetime1">
               <a:rPr lang="en-US" smtClean="0"/>
-              <a:t>2/24/2021</a:t>
+              <a:t>2/25/2021</a:t>
             </a:fld>
             <a:endParaRPr lang="en-US"/>
           </a:p>
@@ -2182,7 +2182,7 @@
           <a:p>
             <a:fld id="{870AAD3C-0B7E-40D5-B7E8-235ABB682731}" type="datetime1">
               <a:rPr lang="en-US" smtClean="0"/>
-              <a:t>2/24/2021</a:t>
+              <a:t>2/25/2021</a:t>
             </a:fld>
             <a:endParaRPr lang="en-US"/>
           </a:p>
@@ -2323,7 +2323,7 @@
           <a:p>
             <a:fld id="{715EE6D3-C8C1-4419-90ED-DDD01668DDC0}" type="datetime1">
               <a:rPr lang="en-US" smtClean="0"/>
-              <a:t>2/24/2021</a:t>
+              <a:t>2/25/2021</a:t>
             </a:fld>
             <a:endParaRPr lang="en-US"/>
           </a:p>
@@ -2436,7 +2436,7 @@
           <a:p>
             <a:fld id="{38FB8FDC-B18A-4FED-99B0-72D3BD16FACD}" type="datetime1">
               <a:rPr lang="en-US" smtClean="0"/>
-              <a:t>2/24/2021</a:t>
+              <a:t>2/25/2021</a:t>
             </a:fld>
             <a:endParaRPr lang="en-US"/>
           </a:p>
@@ -2747,7 +2747,7 @@
           <a:p>
             <a:fld id="{CE06BDA3-8907-4DB2-BA4F-01F17DDA4A7B}" type="datetime1">
               <a:rPr lang="en-US" smtClean="0"/>
-              <a:t>2/24/2021</a:t>
+              <a:t>2/25/2021</a:t>
             </a:fld>
             <a:endParaRPr lang="en-US"/>
           </a:p>
@@ -3035,7 +3035,7 @@
           <a:p>
             <a:fld id="{E0CFAD89-B4BD-4F37-9D8A-960352BCDA8C}" type="datetime1">
               <a:rPr lang="en-US" smtClean="0"/>
-              <a:t>2/24/2021</a:t>
+              <a:t>2/25/2021</a:t>
             </a:fld>
             <a:endParaRPr lang="en-US"/>
           </a:p>
@@ -3276,7 +3276,7 @@
           <a:p>
             <a:fld id="{216CC113-4E9F-451A-BC11-83685A596D60}" type="datetime1">
               <a:rPr lang="en-US" smtClean="0"/>
-              <a:t>2/24/2021</a:t>
+              <a:t>2/25/2021</a:t>
             </a:fld>
             <a:endParaRPr lang="en-US"/>
           </a:p>
@@ -5348,33 +5348,33 @@
           <a:lstStyle/>
           <a:p>
             <a:r>
-              <a:rPr lang="en-US" dirty="0">
+              <a:rPr lang="en-US" dirty="0" err="1">
                 <a:hlinkClick r:id="rId12"/>
               </a:rPr>
-              <a:t>Safety</a:t>
-            </a:r>
-            <a:endParaRPr lang="en-US" dirty="0"/>
-          </a:p>
-          <a:p>
-            <a:r>
-              <a:rPr lang="en-US" dirty="0" err="1">
+              <a:t>RustBite_Data</a:t>
+            </a:r>
+            <a:endParaRPr lang="en-US" dirty="0">
+              <a:hlinkClick r:id="rId13"/>
+            </a:endParaRPr>
+          </a:p>
+          <a:p>
+            <a:r>
+              <a:rPr lang="en-US" dirty="0">
                 <a:hlinkClick r:id="rId13"/>
               </a:rPr>
+              <a:t>Safety</a:t>
+            </a:r>
+            <a:endParaRPr lang="en-US" dirty="0"/>
+          </a:p>
+          <a:p>
+            <a:r>
+              <a:rPr lang="en-US" dirty="0" err="1">
+                <a:hlinkClick r:id="rId14"/>
+              </a:rPr>
               <a:t>Anim_Features</a:t>
             </a:r>
             <a:endParaRPr lang="en-US" dirty="0">
-              <a:hlinkClick r:id="rId14" action="ppaction://hlinkfile"/>
-            </a:endParaRPr>
-          </a:p>
-          <a:p>
-            <a:r>
-              <a:rPr lang="en-US" dirty="0" err="1">
-                <a:hlinkClick r:id="rId15"/>
-              </a:rPr>
-              <a:t>RustBite_Data</a:t>
-            </a:r>
-            <a:endParaRPr lang="en-US" dirty="0">
-              <a:hlinkClick r:id="rId16"/>
+              <a:hlinkClick r:id="rId15" action="ppaction://hlinkfile"/>
             </a:endParaRPr>
           </a:p>
           <a:p>

--- a/Resources/Build-On-2.pptx
+++ b/Resources/Build-On-2.pptx
@@ -5164,29 +5164,41 @@
             <a:endParaRPr lang="en-US" dirty="0"/>
           </a:p>
           <a:p>
-            <a:r>
-              <a:rPr lang="en-US" dirty="0">
+            <a:pPr lvl="1"/>
+            <a:r>
+              <a:rPr lang="en-US" dirty="0" err="1">
                 <a:hlinkClick r:id="rId3"/>
               </a:rPr>
-              <a:t>Step #1</a:t>
-            </a:r>
-            <a:r>
-              <a:rPr lang="en-US" dirty="0"/>
-              <a:t> - </a:t>
-            </a:r>
-            <a:r>
-              <a:rPr lang="en-US" dirty="0" err="1"/>
-              <a:t>TextSearch</a:t>
+              <a:t>DesignBites</a:t>
+            </a:r>
+            <a:r>
+              <a:rPr lang="en-US" err="1">
+                <a:hlinkClick r:id="rId3"/>
+              </a:rPr>
+              <a:t>_</a:t>
+            </a:r>
+            <a:r>
+              <a:rPr lang="en-US">
+                <a:hlinkClick r:id="rId3"/>
+              </a:rPr>
+              <a:t>Intro</a:t>
             </a:r>
             <a:endParaRPr lang="en-US" dirty="0"/>
           </a:p>
           <a:p>
-            <a:pPr lvl="1"/>
             <a:r>
               <a:rPr lang="en-US" dirty="0">
                 <a:hlinkClick r:id="rId4"/>
               </a:rPr>
-              <a:t>Starter Code</a:t>
+              <a:t>Step #1</a:t>
+            </a:r>
+            <a:r>
+              <a:rPr lang="en-US" dirty="0"/>
+              <a:t> - </a:t>
+            </a:r>
+            <a:r>
+              <a:rPr lang="en-US" dirty="0" err="1"/>
+              <a:t>TextSearch</a:t>
             </a:r>
             <a:endParaRPr lang="en-US" dirty="0"/>
           </a:p>
@@ -5196,7 +5208,7 @@
               <a:rPr lang="en-US" dirty="0">
                 <a:hlinkClick r:id="rId5"/>
               </a:rPr>
-              <a:t>Tooling</a:t>
+              <a:t>Starter Code</a:t>
             </a:r>
             <a:endParaRPr lang="en-US" dirty="0"/>
           </a:p>
@@ -5206,7 +5218,7 @@
               <a:rPr lang="en-US" dirty="0">
                 <a:hlinkClick r:id="rId6"/>
               </a:rPr>
-              <a:t>Functions</a:t>
+              <a:t>Tooling</a:t>
             </a:r>
             <a:endParaRPr lang="en-US" dirty="0"/>
           </a:p>
@@ -5216,17 +5228,17 @@
               <a:rPr lang="en-US" dirty="0">
                 <a:hlinkClick r:id="rId7"/>
               </a:rPr>
-              <a:t>Structs</a:t>
-            </a:r>
-            <a:endParaRPr lang="en-US" dirty="0"/>
-          </a:p>
-          <a:p>
-            <a:pPr lvl="1"/>
-            <a:r>
-              <a:rPr lang="en-US" dirty="0" err="1">
+              <a:t>Functions</a:t>
+            </a:r>
+            <a:r>
+              <a:rPr lang="en-US" dirty="0"/>
+              <a:t>, </a:t>
+            </a:r>
+            <a:r>
+              <a:rPr lang="en-US" dirty="0">
                 <a:hlinkClick r:id="rId8"/>
               </a:rPr>
-              <a:t>RustStory_Libraries.html#fs</a:t>
+              <a:t>Structs</a:t>
             </a:r>
             <a:endParaRPr lang="en-US" dirty="0"/>
           </a:p>
@@ -5236,15 +5248,25 @@
               <a:rPr lang="en-US" dirty="0" err="1">
                 <a:hlinkClick r:id="rId9"/>
               </a:rPr>
-              <a:t>std:fs</a:t>
+              <a:t>RustStory_Libraries.html#fs</a:t>
             </a:r>
             <a:endParaRPr lang="en-US" dirty="0"/>
           </a:p>
           <a:p>
+            <a:pPr lvl="1"/>
             <a:r>
               <a:rPr lang="en-US" dirty="0" err="1">
                 <a:hlinkClick r:id="rId10"/>
               </a:rPr>
+              <a:t>std:fs</a:t>
+            </a:r>
+            <a:endParaRPr lang="en-US" dirty="0"/>
+          </a:p>
+          <a:p>
+            <a:r>
+              <a:rPr lang="en-US" dirty="0" err="1">
+                <a:hlinkClick r:id="rId11"/>
+              </a:rPr>
               <a:t>BuildOn</a:t>
             </a:r>
             <a:endParaRPr lang="en-US" dirty="0"/>
@@ -5258,9 +5280,6 @@
               <a:rPr lang="en-US" dirty="0" err="1"/>
               <a:t>TextFinder</a:t>
             </a:r>
-            <a:endParaRPr lang="en-US" dirty="0"/>
-          </a:p>
-          <a:p>
             <a:endParaRPr lang="en-US" dirty="0"/>
           </a:p>
           <a:p>
@@ -5268,7 +5287,7 @@
               <a:buNone/>
             </a:pPr>
             <a:endParaRPr lang="en-US" dirty="0">
-              <a:hlinkClick r:id="rId11"/>
+              <a:hlinkClick r:id="rId12"/>
             </a:endParaRPr>
           </a:p>
         </p:txBody>
@@ -5349,18 +5368,18 @@
           <a:p>
             <a:r>
               <a:rPr lang="en-US" dirty="0" err="1">
-                <a:hlinkClick r:id="rId12"/>
+                <a:hlinkClick r:id="rId13"/>
               </a:rPr>
               <a:t>RustBite_Data</a:t>
             </a:r>
             <a:endParaRPr lang="en-US" dirty="0">
-              <a:hlinkClick r:id="rId13"/>
+              <a:hlinkClick r:id="rId14"/>
             </a:endParaRPr>
           </a:p>
           <a:p>
             <a:r>
               <a:rPr lang="en-US" dirty="0">
-                <a:hlinkClick r:id="rId13"/>
+                <a:hlinkClick r:id="rId14"/>
               </a:rPr>
               <a:t>Safety</a:t>
             </a:r>
@@ -5369,29 +5388,20 @@
           <a:p>
             <a:r>
               <a:rPr lang="en-US" dirty="0" err="1">
-                <a:hlinkClick r:id="rId14"/>
+                <a:hlinkClick r:id="rId15"/>
               </a:rPr>
               <a:t>Anim_Features</a:t>
             </a:r>
             <a:endParaRPr lang="en-US" dirty="0">
-              <a:hlinkClick r:id="rId15" action="ppaction://hlinkfile"/>
+              <a:hlinkClick r:id="rId16" action="ppaction://hlinkfile"/>
             </a:endParaRPr>
-          </a:p>
-          <a:p>
-            <a:r>
-              <a:rPr lang="en-US" dirty="0">
-                <a:hlinkClick r:id="rId16"/>
-              </a:rPr>
-              <a:t>Rust Bites</a:t>
-            </a:r>
-            <a:endParaRPr lang="en-US" dirty="0"/>
           </a:p>
           <a:p>
             <a:r>
               <a:rPr lang="en-US" dirty="0">
                 <a:hlinkClick r:id="rId17"/>
               </a:rPr>
-              <a:t>Rust Story</a:t>
+              <a:t>Rust Bites</a:t>
             </a:r>
             <a:endParaRPr lang="en-US" dirty="0"/>
           </a:p>
@@ -5399,6 +5409,15 @@
             <a:r>
               <a:rPr lang="en-US" dirty="0">
                 <a:hlinkClick r:id="rId18"/>
+              </a:rPr>
+              <a:t>Rust Story</a:t>
+            </a:r>
+            <a:endParaRPr lang="en-US" dirty="0"/>
+          </a:p>
+          <a:p>
+            <a:r>
+              <a:rPr lang="en-US" dirty="0">
+                <a:hlinkClick r:id="rId19"/>
               </a:rPr>
               <a:t>Code Experiments</a:t>
             </a:r>

--- a/Resources/Build-On-2.pptx
+++ b/Resources/Build-On-2.pptx
@@ -5166,22 +5166,22 @@
           <a:p>
             <a:pPr lvl="1"/>
             <a:r>
+              <a:rPr lang="en-US" dirty="0"/>
+              <a:t>Run </a:t>
+            </a:r>
+            <a:r>
+              <a:rPr lang="en-US" dirty="0" err="1"/>
+              <a:t>TextFinder</a:t>
+            </a:r>
+            <a:endParaRPr lang="en-US" dirty="0"/>
+          </a:p>
+          <a:p>
+            <a:pPr lvl="1"/>
+            <a:r>
               <a:rPr lang="en-US" dirty="0" err="1">
                 <a:hlinkClick r:id="rId3"/>
               </a:rPr>
-              <a:t>DesignBites</a:t>
-            </a:r>
-            <a:r>
-              <a:rPr lang="en-US" err="1">
-                <a:hlinkClick r:id="rId3"/>
-              </a:rPr>
-              <a:t>_</a:t>
-            </a:r>
-            <a:r>
-              <a:rPr lang="en-US">
-                <a:hlinkClick r:id="rId3"/>
-              </a:rPr>
-              <a:t>Intro</a:t>
+              <a:t>DesignBites_Intro</a:t>
             </a:r>
             <a:endParaRPr lang="en-US" dirty="0"/>
           </a:p>
@@ -5268,17 +5268,6 @@
                 <a:hlinkClick r:id="rId11"/>
               </a:rPr>
               <a:t>BuildOn</a:t>
-            </a:r>
-            <a:endParaRPr lang="en-US" dirty="0"/>
-          </a:p>
-          <a:p>
-            <a:r>
-              <a:rPr lang="en-US" dirty="0"/>
-              <a:t>Run </a:t>
-            </a:r>
-            <a:r>
-              <a:rPr lang="en-US" dirty="0" err="1"/>
-              <a:t>TextFinder</a:t>
             </a:r>
             <a:endParaRPr lang="en-US" dirty="0"/>
           </a:p>

--- a/Resources/Build-On-2.pptx
+++ b/Resources/Build-On-2.pptx
@@ -5,20 +5,23 @@
     <p:sldMasterId id="2147483648" r:id="rId1"/>
   </p:sldMasterIdLst>
   <p:notesMasterIdLst>
-    <p:notesMasterId r:id="rId13"/>
+    <p:notesMasterId r:id="rId16"/>
   </p:notesMasterIdLst>
   <p:sldIdLst>
     <p:sldId id="264" r:id="rId2"/>
     <p:sldId id="256" r:id="rId3"/>
     <p:sldId id="266" r:id="rId4"/>
     <p:sldId id="265" r:id="rId5"/>
-    <p:sldId id="259" r:id="rId6"/>
-    <p:sldId id="260" r:id="rId7"/>
-    <p:sldId id="261" r:id="rId8"/>
-    <p:sldId id="262" r:id="rId9"/>
-    <p:sldId id="263" r:id="rId10"/>
-    <p:sldId id="258" r:id="rId11"/>
-    <p:sldId id="257" r:id="rId12"/>
+    <p:sldId id="267" r:id="rId6"/>
+    <p:sldId id="268" r:id="rId7"/>
+    <p:sldId id="269" r:id="rId8"/>
+    <p:sldId id="259" r:id="rId9"/>
+    <p:sldId id="260" r:id="rId10"/>
+    <p:sldId id="261" r:id="rId11"/>
+    <p:sldId id="262" r:id="rId12"/>
+    <p:sldId id="263" r:id="rId13"/>
+    <p:sldId id="258" r:id="rId14"/>
+    <p:sldId id="257" r:id="rId15"/>
   </p:sldIdLst>
   <p:sldSz cx="12192000" cy="6858000"/>
   <p:notesSz cx="6858000" cy="9144000"/>
@@ -207,7 +210,7 @@
           <a:p>
             <a:fld id="{0848BC6B-9879-4A5D-9ADD-7A7EC6F9DCFC}" type="datetimeFigureOut">
               <a:rPr lang="en-US" smtClean="0"/>
-              <a:t>2/25/2021</a:t>
+              <a:t>2/26/2021</a:t>
             </a:fld>
             <a:endParaRPr lang="en-US"/>
           </a:p>
@@ -621,7 +624,7 @@
           <a:p>
             <a:fld id="{743C5819-F2F0-4635-8846-E0D7F1235C4A}" type="datetime1">
               <a:rPr lang="en-US" smtClean="0"/>
-              <a:t>2/25/2021</a:t>
+              <a:t>2/26/2021</a:t>
             </a:fld>
             <a:endParaRPr lang="en-US"/>
           </a:p>
@@ -819,7 +822,7 @@
           <a:p>
             <a:fld id="{F9B384AA-5F95-4C33-968F-4281EE1C5D31}" type="datetime1">
               <a:rPr lang="en-US" smtClean="0"/>
-              <a:t>2/25/2021</a:t>
+              <a:t>2/26/2021</a:t>
             </a:fld>
             <a:endParaRPr lang="en-US"/>
           </a:p>
@@ -1027,7 +1030,7 @@
           <a:p>
             <a:fld id="{598AD886-C01A-47D5-80DD-8DE49FB67408}" type="datetime1">
               <a:rPr lang="en-US" smtClean="0"/>
-              <a:t>2/25/2021</a:t>
+              <a:t>2/26/2021</a:t>
             </a:fld>
             <a:endParaRPr lang="en-US"/>
           </a:p>
@@ -1225,7 +1228,7 @@
           <a:p>
             <a:fld id="{8D903533-41AC-45E1-9689-7E372F906C46}" type="datetime1">
               <a:rPr lang="en-US" smtClean="0"/>
-              <a:t>2/25/2021</a:t>
+              <a:t>2/26/2021</a:t>
             </a:fld>
             <a:endParaRPr lang="en-US"/>
           </a:p>
@@ -1505,7 +1508,7 @@
           <a:p>
             <a:fld id="{D64A9379-CA54-45F7-9973-2CA70E9FE0DA}" type="datetime1">
               <a:rPr lang="en-US" smtClean="0"/>
-              <a:t>2/25/2021</a:t>
+              <a:t>2/26/2021</a:t>
             </a:fld>
             <a:endParaRPr lang="en-US"/>
           </a:p>
@@ -1770,7 +1773,7 @@
           <a:p>
             <a:fld id="{F20E10C4-1FFF-436D-9146-BCABA5CCABDC}" type="datetime1">
               <a:rPr lang="en-US" smtClean="0"/>
-              <a:t>2/25/2021</a:t>
+              <a:t>2/26/2021</a:t>
             </a:fld>
             <a:endParaRPr lang="en-US"/>
           </a:p>
@@ -2182,7 +2185,7 @@
           <a:p>
             <a:fld id="{870AAD3C-0B7E-40D5-B7E8-235ABB682731}" type="datetime1">
               <a:rPr lang="en-US" smtClean="0"/>
-              <a:t>2/25/2021</a:t>
+              <a:t>2/26/2021</a:t>
             </a:fld>
             <a:endParaRPr lang="en-US"/>
           </a:p>
@@ -2323,7 +2326,7 @@
           <a:p>
             <a:fld id="{715EE6D3-C8C1-4419-90ED-DDD01668DDC0}" type="datetime1">
               <a:rPr lang="en-US" smtClean="0"/>
-              <a:t>2/25/2021</a:t>
+              <a:t>2/26/2021</a:t>
             </a:fld>
             <a:endParaRPr lang="en-US"/>
           </a:p>
@@ -2436,7 +2439,7 @@
           <a:p>
             <a:fld id="{38FB8FDC-B18A-4FED-99B0-72D3BD16FACD}" type="datetime1">
               <a:rPr lang="en-US" smtClean="0"/>
-              <a:t>2/25/2021</a:t>
+              <a:t>2/26/2021</a:t>
             </a:fld>
             <a:endParaRPr lang="en-US"/>
           </a:p>
@@ -2747,7 +2750,7 @@
           <a:p>
             <a:fld id="{CE06BDA3-8907-4DB2-BA4F-01F17DDA4A7B}" type="datetime1">
               <a:rPr lang="en-US" smtClean="0"/>
-              <a:t>2/25/2021</a:t>
+              <a:t>2/26/2021</a:t>
             </a:fld>
             <a:endParaRPr lang="en-US"/>
           </a:p>
@@ -3035,7 +3038,7 @@
           <a:p>
             <a:fld id="{E0CFAD89-B4BD-4F37-9D8A-960352BCDA8C}" type="datetime1">
               <a:rPr lang="en-US" smtClean="0"/>
-              <a:t>2/25/2021</a:t>
+              <a:t>2/26/2021</a:t>
             </a:fld>
             <a:endParaRPr lang="en-US"/>
           </a:p>
@@ -3276,7 +3279,7 @@
           <a:p>
             <a:fld id="{216CC113-4E9F-451A-BC11-83685A596D60}" type="datetime1">
               <a:rPr lang="en-US" smtClean="0"/>
-              <a:t>2/25/2021</a:t>
+              <a:t>2/26/2021</a:t>
             </a:fld>
             <a:endParaRPr lang="en-US"/>
           </a:p>
@@ -3813,7 +3816,7 @@
           <p:cNvPr id="2" name="Title 1">
             <a:extLst>
               <a:ext uri="{FF2B5EF4-FFF2-40B4-BE49-F238E27FC236}">
-                <a16:creationId xmlns:a16="http://schemas.microsoft.com/office/drawing/2014/main" id="{3A1D5CF7-0D4F-4BAE-BA2C-566B721B4B29}"/>
+                <a16:creationId xmlns:a16="http://schemas.microsoft.com/office/drawing/2014/main" id="{4CEB71DD-6811-467E-B7F1-32D177C96097}"/>
               </a:ext>
             </a:extLst>
           </p:cNvPr>
@@ -3824,7 +3827,18 @@
             <p:ph type="title"/>
           </p:nvPr>
         </p:nvSpPr>
-        <p:spPr/>
+        <p:spPr>
+          <a:xfrm>
+            <a:off x="839788" y="336550"/>
+            <a:ext cx="10515600" cy="1070769"/>
+          </a:xfrm>
+          <a:solidFill>
+            <a:schemeClr val="accent3">
+              <a:lumMod val="20000"/>
+              <a:lumOff val="80000"/>
+            </a:schemeClr>
+          </a:solidFill>
+        </p:spPr>
         <p:style>
           <a:lnRef idx="2">
             <a:schemeClr val="accent3"/>
@@ -3844,26 +3858,277 @@
           <a:lstStyle/>
           <a:p>
             <a:r>
-              <a:rPr lang="en-US" dirty="0"/>
-              <a:t>Build-On Motivation</a:t>
-            </a:r>
-          </a:p>
-        </p:txBody>
-      </p:sp>
-      <p:sp>
-        <p:nvSpPr>
-          <p:cNvPr id="3" name="Content Placeholder 2">
-            <a:extLst>
-              <a:ext uri="{FF2B5EF4-FFF2-40B4-BE49-F238E27FC236}">
-                <a16:creationId xmlns:a16="http://schemas.microsoft.com/office/drawing/2014/main" id="{0E456118-B98A-4F38-8E30-CD16C343A8CA}"/>
-              </a:ext>
-            </a:extLst>
-          </p:cNvPr>
-          <p:cNvSpPr>
-            <a:spLocks noGrp="1"/>
-          </p:cNvSpPr>
-          <p:nvPr>
-            <p:ph idx="1"/>
+              <a:rPr lang="en-US" dirty="0" err="1"/>
+              <a:t>BuildOn</a:t>
+            </a:r>
+            <a:r>
+              <a:rPr lang="en-US" dirty="0"/>
+              <a:t> – Session #3 – </a:t>
+            </a:r>
+            <a:r>
+              <a:rPr lang="en-US" dirty="0" err="1"/>
+              <a:t>DirNav</a:t>
+            </a:r>
+            <a:endParaRPr lang="en-US" dirty="0"/>
+          </a:p>
+        </p:txBody>
+      </p:sp>
+      <p:sp>
+        <p:nvSpPr>
+          <p:cNvPr id="3" name="Text Placeholder 2">
+            <a:extLst>
+              <a:ext uri="{FF2B5EF4-FFF2-40B4-BE49-F238E27FC236}">
+                <a16:creationId xmlns:a16="http://schemas.microsoft.com/office/drawing/2014/main" id="{F267BC7A-4285-49F9-9A3B-482D3EA4A94F}"/>
+              </a:ext>
+            </a:extLst>
+          </p:cNvPr>
+          <p:cNvSpPr>
+            <a:spLocks noGrp="1"/>
+          </p:cNvSpPr>
+          <p:nvPr>
+            <p:ph type="body" idx="1"/>
+          </p:nvPr>
+        </p:nvSpPr>
+        <p:spPr>
+          <a:xfrm>
+            <a:off x="839788" y="1673886"/>
+            <a:ext cx="5157787" cy="802613"/>
+          </a:xfrm>
+        </p:spPr>
+        <p:txBody>
+          <a:bodyPr>
+            <a:normAutofit/>
+          </a:bodyPr>
+          <a:lstStyle/>
+          <a:p>
+            <a:r>
+              <a:rPr lang="en-US" sz="2800" dirty="0"/>
+              <a:t>Project</a:t>
+            </a:r>
+          </a:p>
+        </p:txBody>
+      </p:sp>
+      <p:sp>
+        <p:nvSpPr>
+          <p:cNvPr id="4" name="Content Placeholder 3">
+            <a:extLst>
+              <a:ext uri="{FF2B5EF4-FFF2-40B4-BE49-F238E27FC236}">
+                <a16:creationId xmlns:a16="http://schemas.microsoft.com/office/drawing/2014/main" id="{28C11C67-A00E-460D-B922-E4BF7788FF04}"/>
+              </a:ext>
+            </a:extLst>
+          </p:cNvPr>
+          <p:cNvSpPr>
+            <a:spLocks noGrp="1"/>
+          </p:cNvSpPr>
+          <p:nvPr>
+            <p:ph sz="half" idx="2"/>
+          </p:nvPr>
+        </p:nvSpPr>
+        <p:spPr>
+          <a:xfrm>
+            <a:off x="839788" y="2600326"/>
+            <a:ext cx="5157787" cy="3589336"/>
+          </a:xfrm>
+          <a:ln/>
+        </p:spPr>
+        <p:style>
+          <a:lnRef idx="2">
+            <a:schemeClr val="accent3"/>
+          </a:lnRef>
+          <a:fillRef idx="1">
+            <a:schemeClr val="lt1"/>
+          </a:fillRef>
+          <a:effectRef idx="0">
+            <a:schemeClr val="accent3"/>
+          </a:effectRef>
+          <a:fontRef idx="minor">
+            <a:schemeClr val="dk1"/>
+          </a:fontRef>
+        </p:style>
+        <p:txBody>
+          <a:bodyPr/>
+          <a:lstStyle/>
+          <a:p>
+            <a:r>
+              <a:rPr lang="en-US" dirty="0"/>
+              <a:t>Code review: </a:t>
+            </a:r>
+            <a:r>
+              <a:rPr lang="en-US" dirty="0">
+                <a:hlinkClick r:id="rId2"/>
+              </a:rPr>
+              <a:t>Step #1 - </a:t>
+            </a:r>
+            <a:r>
+              <a:rPr lang="en-US" dirty="0" err="1">
+                <a:hlinkClick r:id="rId2"/>
+              </a:rPr>
+              <a:t>TxtSrch</a:t>
+            </a:r>
+            <a:endParaRPr lang="en-US" dirty="0"/>
+          </a:p>
+          <a:p>
+            <a:pPr lvl="1"/>
+            <a:r>
+              <a:rPr lang="en-US" dirty="0"/>
+              <a:t>Code will be posted</a:t>
+            </a:r>
+          </a:p>
+          <a:p>
+            <a:r>
+              <a:rPr lang="en-US" dirty="0">
+                <a:hlinkClick r:id="rId3"/>
+              </a:rPr>
+              <a:t>Step #2 – </a:t>
+            </a:r>
+            <a:r>
+              <a:rPr lang="en-US" dirty="0" err="1">
+                <a:hlinkClick r:id="rId3"/>
+              </a:rPr>
+              <a:t>DirNav</a:t>
+            </a:r>
+            <a:endParaRPr lang="en-US" dirty="0"/>
+          </a:p>
+          <a:p>
+            <a:pPr lvl="1"/>
+            <a:r>
+              <a:rPr lang="en-US" dirty="0"/>
+              <a:t>Specification</a:t>
+            </a:r>
+          </a:p>
+          <a:p>
+            <a:pPr lvl="1"/>
+            <a:r>
+              <a:rPr lang="en-US" dirty="0"/>
+              <a:t>Starter code</a:t>
+            </a:r>
+          </a:p>
+        </p:txBody>
+      </p:sp>
+      <p:sp>
+        <p:nvSpPr>
+          <p:cNvPr id="5" name="Text Placeholder 4">
+            <a:extLst>
+              <a:ext uri="{FF2B5EF4-FFF2-40B4-BE49-F238E27FC236}">
+                <a16:creationId xmlns:a16="http://schemas.microsoft.com/office/drawing/2014/main" id="{20959C9D-A673-4B22-A614-0FC3F88A2C12}"/>
+              </a:ext>
+            </a:extLst>
+          </p:cNvPr>
+          <p:cNvSpPr>
+            <a:spLocks noGrp="1"/>
+          </p:cNvSpPr>
+          <p:nvPr>
+            <p:ph type="body" sz="quarter" idx="3"/>
+          </p:nvPr>
+        </p:nvSpPr>
+        <p:spPr>
+          <a:xfrm>
+            <a:off x="6172200" y="1673886"/>
+            <a:ext cx="5183188" cy="802613"/>
+          </a:xfrm>
+        </p:spPr>
+        <p:txBody>
+          <a:bodyPr>
+            <a:normAutofit/>
+          </a:bodyPr>
+          <a:lstStyle/>
+          <a:p>
+            <a:r>
+              <a:rPr lang="en-US" sz="2800" dirty="0"/>
+              <a:t>Rust</a:t>
+            </a:r>
+          </a:p>
+        </p:txBody>
+      </p:sp>
+      <p:sp>
+        <p:nvSpPr>
+          <p:cNvPr id="6" name="Content Placeholder 5">
+            <a:extLst>
+              <a:ext uri="{FF2B5EF4-FFF2-40B4-BE49-F238E27FC236}">
+                <a16:creationId xmlns:a16="http://schemas.microsoft.com/office/drawing/2014/main" id="{617CD398-5F2A-4F58-ABA5-74BFCD22B1C2}"/>
+              </a:ext>
+            </a:extLst>
+          </p:cNvPr>
+          <p:cNvSpPr>
+            <a:spLocks noGrp="1"/>
+          </p:cNvSpPr>
+          <p:nvPr>
+            <p:ph sz="quarter" idx="4"/>
+          </p:nvPr>
+        </p:nvSpPr>
+        <p:spPr>
+          <a:xfrm>
+            <a:off x="6172200" y="2571751"/>
+            <a:ext cx="5183188" cy="3589336"/>
+          </a:xfrm>
+          <a:ln/>
+        </p:spPr>
+        <p:style>
+          <a:lnRef idx="2">
+            <a:schemeClr val="accent3"/>
+          </a:lnRef>
+          <a:fillRef idx="1">
+            <a:schemeClr val="lt1"/>
+          </a:fillRef>
+          <a:effectRef idx="0">
+            <a:schemeClr val="accent3"/>
+          </a:effectRef>
+          <a:fontRef idx="minor">
+            <a:schemeClr val="dk1"/>
+          </a:fontRef>
+        </p:style>
+        <p:txBody>
+          <a:bodyPr/>
+          <a:lstStyle/>
+          <a:p>
+            <a:r>
+              <a:rPr lang="en-US" dirty="0">
+                <a:hlinkClick r:id="rId4"/>
+              </a:rPr>
+              <a:t>Structs</a:t>
+            </a:r>
+            <a:endParaRPr lang="en-US" dirty="0"/>
+          </a:p>
+          <a:p>
+            <a:r>
+              <a:rPr lang="en-US" dirty="0">
+                <a:hlinkClick r:id="rId5"/>
+              </a:rPr>
+              <a:t>Rust Libs</a:t>
+            </a:r>
+            <a:endParaRPr lang="en-US" dirty="0"/>
+          </a:p>
+          <a:p>
+            <a:r>
+              <a:rPr lang="en-US" dirty="0">
+                <a:hlinkClick r:id="rId6"/>
+              </a:rPr>
+              <a:t>Rust std::fs</a:t>
+            </a:r>
+            <a:endParaRPr lang="en-US" dirty="0"/>
+          </a:p>
+          <a:p>
+            <a:r>
+              <a:rPr lang="en-US" dirty="0"/>
+              <a:t>Answer Questions</a:t>
+            </a:r>
+          </a:p>
+        </p:txBody>
+      </p:sp>
+      <p:sp>
+        <p:nvSpPr>
+          <p:cNvPr id="7" name="Slide Number Placeholder 6">
+            <a:extLst>
+              <a:ext uri="{FF2B5EF4-FFF2-40B4-BE49-F238E27FC236}">
+                <a16:creationId xmlns:a16="http://schemas.microsoft.com/office/drawing/2014/main" id="{1E39B402-CD40-4CC5-AD5F-F53CE648A43E}"/>
+              </a:ext>
+            </a:extLst>
+          </p:cNvPr>
+          <p:cNvSpPr>
+            <a:spLocks noGrp="1"/>
+          </p:cNvSpPr>
+          <p:nvPr>
+            <p:ph type="sldNum" sz="quarter" idx="12"/>
           </p:nvPr>
         </p:nvSpPr>
         <p:spPr/>
@@ -3871,102 +4136,18 @@
           <a:bodyPr/>
           <a:lstStyle/>
           <a:p>
-            <a:r>
-              <a:rPr lang="en-US" dirty="0"/>
-              <a:t>Participate in a developer community interested in learning Rust</a:t>
-            </a:r>
-          </a:p>
-          <a:p>
-            <a:r>
-              <a:rPr lang="en-US" dirty="0"/>
-              <a:t>Stay in contact with SU Computer Engineering and Computer Science alumni</a:t>
-            </a:r>
-          </a:p>
-          <a:p>
-            <a:r>
-              <a:rPr lang="en-US" dirty="0"/>
-              <a:t>Support conversations about Rust and other interesting tech topics</a:t>
-            </a:r>
-          </a:p>
-          <a:p>
-            <a:pPr lvl="1"/>
-            <a:r>
-              <a:rPr lang="en-US" dirty="0"/>
-              <a:t>Encourage both active learners and curious browsers</a:t>
-            </a:r>
-          </a:p>
-          <a:p>
-            <a:r>
-              <a:rPr lang="en-US" dirty="0"/>
-              <a:t>Rust is a very clever language supporting development of secure, high performance code (same ballpark as C++ without </a:t>
-            </a:r>
-            <a:r>
-              <a:rPr lang="en-US"/>
-              <a:t>undefined behavior)</a:t>
-            </a:r>
-            <a:endParaRPr lang="en-US" dirty="0"/>
-          </a:p>
-          <a:p>
-            <a:pPr lvl="1"/>
-            <a:r>
-              <a:rPr lang="en-US" dirty="0"/>
-              <a:t>Rust website lists 138 companies using Rust in production</a:t>
-            </a:r>
-          </a:p>
-          <a:p>
-            <a:pPr lvl="1"/>
-            <a:r>
-              <a:rPr lang="en-US" dirty="0" err="1"/>
-              <a:t>Tiobe</a:t>
-            </a:r>
-            <a:r>
-              <a:rPr lang="en-US" dirty="0"/>
-              <a:t> lists rust as 25</a:t>
-            </a:r>
-            <a:r>
-              <a:rPr lang="en-US" baseline="30000" dirty="0"/>
-              <a:t>th</a:t>
-            </a:r>
-            <a:r>
-              <a:rPr lang="en-US" dirty="0"/>
-              <a:t> in their language popularity index (Oct 2020).  </a:t>
-            </a:r>
-          </a:p>
-        </p:txBody>
-      </p:sp>
-      <p:sp>
-        <p:nvSpPr>
-          <p:cNvPr id="4" name="Slide Number Placeholder 3">
-            <a:extLst>
-              <a:ext uri="{FF2B5EF4-FFF2-40B4-BE49-F238E27FC236}">
-                <a16:creationId xmlns:a16="http://schemas.microsoft.com/office/drawing/2014/main" id="{BF83AA05-66BB-431F-BE9C-9A286F190FEF}"/>
-              </a:ext>
-            </a:extLst>
-          </p:cNvPr>
-          <p:cNvSpPr>
-            <a:spLocks noGrp="1"/>
-          </p:cNvSpPr>
-          <p:nvPr>
-            <p:ph type="sldNum" sz="quarter" idx="12"/>
-          </p:nvPr>
-        </p:nvSpPr>
-        <p:spPr/>
-        <p:txBody>
-          <a:bodyPr/>
-          <a:lstStyle/>
-          <a:p>
             <a:fld id="{9BDD3687-D8FB-4AFD-9AD8-D913B777D7F7}" type="slidenum">
-              <a:rPr lang="en-US" smtClean="0"/>
+              <a:rPr lang="en-US" sz="1600" smtClean="0"/>
               <a:t>10</a:t>
             </a:fld>
-            <a:endParaRPr lang="en-US" dirty="0"/>
+            <a:endParaRPr lang="en-US" sz="1600" dirty="0"/>
           </a:p>
         </p:txBody>
       </p:sp>
     </p:spTree>
     <p:extLst>
       <p:ext uri="{BB962C8B-B14F-4D97-AF65-F5344CB8AC3E}">
-        <p14:creationId xmlns:p14="http://schemas.microsoft.com/office/powerpoint/2010/main" val="664003782"/>
+        <p14:creationId xmlns:p14="http://schemas.microsoft.com/office/powerpoint/2010/main" val="2462287988"/>
       </p:ext>
     </p:extLst>
   </p:cSld>
@@ -3977,6 +4158,301 @@
 </file>
 
 <file path=ppt/slides/slide11.xml><?xml version="1.0" encoding="utf-8"?>
+<p:sld xmlns:a="http://schemas.openxmlformats.org/drawingml/2006/main" xmlns:r="http://schemas.openxmlformats.org/officeDocument/2006/relationships" xmlns:p="http://schemas.openxmlformats.org/presentationml/2006/main">
+  <p:cSld>
+    <p:spTree>
+      <p:nvGrpSpPr>
+        <p:cNvPr id="1" name=""/>
+        <p:cNvGrpSpPr/>
+        <p:nvPr/>
+      </p:nvGrpSpPr>
+      <p:grpSpPr>
+        <a:xfrm>
+          <a:off x="0" y="0"/>
+          <a:ext cx="0" cy="0"/>
+          <a:chOff x="0" y="0"/>
+          <a:chExt cx="0" cy="0"/>
+        </a:xfrm>
+      </p:grpSpPr>
+      <p:sp>
+        <p:nvSpPr>
+          <p:cNvPr id="8" name="Title 7">
+            <a:extLst>
+              <a:ext uri="{FF2B5EF4-FFF2-40B4-BE49-F238E27FC236}">
+                <a16:creationId xmlns:a16="http://schemas.microsoft.com/office/drawing/2014/main" id="{6AED2634-DADD-4809-95B9-F1BE61A1FF9E}"/>
+              </a:ext>
+            </a:extLst>
+          </p:cNvPr>
+          <p:cNvSpPr>
+            <a:spLocks noGrp="1"/>
+          </p:cNvSpPr>
+          <p:nvPr>
+            <p:ph type="title"/>
+          </p:nvPr>
+        </p:nvSpPr>
+        <p:spPr>
+          <a:xfrm>
+            <a:off x="838200" y="365125"/>
+            <a:ext cx="10515600" cy="956469"/>
+          </a:xfrm>
+          <a:solidFill>
+            <a:schemeClr val="accent3">
+              <a:lumMod val="20000"/>
+              <a:lumOff val="80000"/>
+            </a:schemeClr>
+          </a:solidFill>
+        </p:spPr>
+        <p:style>
+          <a:lnRef idx="2">
+            <a:schemeClr val="accent3"/>
+          </a:lnRef>
+          <a:fillRef idx="1">
+            <a:schemeClr val="lt1"/>
+          </a:fillRef>
+          <a:effectRef idx="0">
+            <a:schemeClr val="accent3"/>
+          </a:effectRef>
+          <a:fontRef idx="minor">
+            <a:schemeClr val="dk1"/>
+          </a:fontRef>
+        </p:style>
+        <p:txBody>
+          <a:bodyPr/>
+          <a:lstStyle/>
+          <a:p>
+            <a:r>
+              <a:rPr lang="en-US" dirty="0" err="1"/>
+              <a:t>BuildOn</a:t>
+            </a:r>
+            <a:endParaRPr lang="en-US" dirty="0"/>
+          </a:p>
+        </p:txBody>
+      </p:sp>
+      <p:sp>
+        <p:nvSpPr>
+          <p:cNvPr id="9" name="Content Placeholder 8">
+            <a:extLst>
+              <a:ext uri="{FF2B5EF4-FFF2-40B4-BE49-F238E27FC236}">
+                <a16:creationId xmlns:a16="http://schemas.microsoft.com/office/drawing/2014/main" id="{2C8FCC58-3F18-417F-873E-B7E9C6914DC8}"/>
+              </a:ext>
+            </a:extLst>
+          </p:cNvPr>
+          <p:cNvSpPr>
+            <a:spLocks noGrp="1"/>
+          </p:cNvSpPr>
+          <p:nvPr>
+            <p:ph idx="1"/>
+          </p:nvPr>
+        </p:nvSpPr>
+        <p:spPr/>
+        <p:txBody>
+          <a:bodyPr>
+            <a:normAutofit lnSpcReduction="10000"/>
+          </a:bodyPr>
+          <a:lstStyle/>
+          <a:p>
+            <a:r>
+              <a:rPr lang="en-US" dirty="0"/>
+              <a:t>Session #3</a:t>
+            </a:r>
+          </a:p>
+          <a:p>
+            <a:pPr lvl="1"/>
+            <a:r>
+              <a:rPr lang="en-US" dirty="0" err="1"/>
+              <a:t>DirNav</a:t>
+            </a:r>
+            <a:endParaRPr lang="en-US" dirty="0"/>
+          </a:p>
+          <a:p>
+            <a:r>
+              <a:rPr lang="en-US" dirty="0"/>
+              <a:t>Session #4</a:t>
+            </a:r>
+          </a:p>
+          <a:p>
+            <a:pPr lvl="1"/>
+            <a:r>
+              <a:rPr lang="en-US" dirty="0" err="1"/>
+              <a:t>CmdlnParser</a:t>
+            </a:r>
+            <a:endParaRPr lang="en-US" dirty="0"/>
+          </a:p>
+          <a:p>
+            <a:r>
+              <a:rPr lang="en-US" dirty="0"/>
+              <a:t>Session #5</a:t>
+            </a:r>
+          </a:p>
+          <a:p>
+            <a:pPr lvl="1"/>
+            <a:r>
+              <a:rPr lang="en-US" dirty="0"/>
+              <a:t>Executive &amp; Display</a:t>
+            </a:r>
+          </a:p>
+          <a:p>
+            <a:r>
+              <a:rPr lang="en-US" dirty="0"/>
+              <a:t>Session #6 ?</a:t>
+            </a:r>
+          </a:p>
+          <a:p>
+            <a:pPr lvl="1"/>
+            <a:r>
+              <a:rPr lang="en-US" dirty="0" err="1"/>
+              <a:t>RegEx</a:t>
+            </a:r>
+            <a:r>
+              <a:rPr lang="en-US" dirty="0"/>
+              <a:t> Search</a:t>
+            </a:r>
+          </a:p>
+          <a:p>
+            <a:r>
+              <a:rPr lang="en-US" dirty="0"/>
+              <a:t>Session #7 ?</a:t>
+            </a:r>
+          </a:p>
+          <a:p>
+            <a:pPr lvl="1"/>
+            <a:r>
+              <a:rPr lang="en-US" dirty="0"/>
+              <a:t>Parallel Text Search</a:t>
+            </a:r>
+          </a:p>
+        </p:txBody>
+      </p:sp>
+      <p:sp>
+        <p:nvSpPr>
+          <p:cNvPr id="2" name="Slide Number Placeholder 1">
+            <a:extLst>
+              <a:ext uri="{FF2B5EF4-FFF2-40B4-BE49-F238E27FC236}">
+                <a16:creationId xmlns:a16="http://schemas.microsoft.com/office/drawing/2014/main" id="{E37473D5-026A-4DEB-BE20-F955B3040004}"/>
+              </a:ext>
+            </a:extLst>
+          </p:cNvPr>
+          <p:cNvSpPr>
+            <a:spLocks noGrp="1"/>
+          </p:cNvSpPr>
+          <p:nvPr>
+            <p:ph type="sldNum" sz="quarter" idx="12"/>
+          </p:nvPr>
+        </p:nvSpPr>
+        <p:spPr/>
+        <p:txBody>
+          <a:bodyPr/>
+          <a:lstStyle/>
+          <a:p>
+            <a:fld id="{9BDD3687-D8FB-4AFD-9AD8-D913B777D7F7}" type="slidenum">
+              <a:rPr lang="en-US" smtClean="0"/>
+              <a:t>11</a:t>
+            </a:fld>
+            <a:endParaRPr lang="en-US" dirty="0"/>
+          </a:p>
+        </p:txBody>
+      </p:sp>
+    </p:spTree>
+    <p:extLst>
+      <p:ext uri="{BB962C8B-B14F-4D97-AF65-F5344CB8AC3E}">
+        <p14:creationId xmlns:p14="http://schemas.microsoft.com/office/powerpoint/2010/main" val="450875661"/>
+      </p:ext>
+    </p:extLst>
+  </p:cSld>
+  <p:clrMapOvr>
+    <a:masterClrMapping/>
+  </p:clrMapOvr>
+</p:sld>
+</file>
+
+<file path=ppt/slides/slide12.xml><?xml version="1.0" encoding="utf-8"?>
+<p:sld xmlns:a="http://schemas.openxmlformats.org/drawingml/2006/main" xmlns:r="http://schemas.openxmlformats.org/officeDocument/2006/relationships" xmlns:p="http://schemas.openxmlformats.org/presentationml/2006/main">
+  <p:cSld>
+    <p:spTree>
+      <p:nvGrpSpPr>
+        <p:cNvPr id="1" name=""/>
+        <p:cNvGrpSpPr/>
+        <p:nvPr/>
+      </p:nvGrpSpPr>
+      <p:grpSpPr>
+        <a:xfrm>
+          <a:off x="0" y="0"/>
+          <a:ext cx="0" cy="0"/>
+          <a:chOff x="0" y="0"/>
+          <a:chExt cx="0" cy="0"/>
+        </a:xfrm>
+      </p:grpSpPr>
+      <p:sp>
+        <p:nvSpPr>
+          <p:cNvPr id="4" name="Title 3">
+            <a:extLst>
+              <a:ext uri="{FF2B5EF4-FFF2-40B4-BE49-F238E27FC236}">
+                <a16:creationId xmlns:a16="http://schemas.microsoft.com/office/drawing/2014/main" id="{E21D365E-E47D-40C4-B27C-EB8ECB058426}"/>
+              </a:ext>
+            </a:extLst>
+          </p:cNvPr>
+          <p:cNvSpPr>
+            <a:spLocks noGrp="1"/>
+          </p:cNvSpPr>
+          <p:nvPr>
+            <p:ph type="title"/>
+          </p:nvPr>
+        </p:nvSpPr>
+        <p:spPr/>
+        <p:txBody>
+          <a:bodyPr/>
+          <a:lstStyle/>
+          <a:p>
+            <a:r>
+              <a:rPr lang="en-US" dirty="0"/>
+              <a:t>That’s All Folks!</a:t>
+            </a:r>
+          </a:p>
+        </p:txBody>
+      </p:sp>
+      <p:sp>
+        <p:nvSpPr>
+          <p:cNvPr id="2" name="Slide Number Placeholder 1">
+            <a:extLst>
+              <a:ext uri="{FF2B5EF4-FFF2-40B4-BE49-F238E27FC236}">
+                <a16:creationId xmlns:a16="http://schemas.microsoft.com/office/drawing/2014/main" id="{C6E519B8-ABD9-4F38-BDEC-D01F1E7668C9}"/>
+              </a:ext>
+            </a:extLst>
+          </p:cNvPr>
+          <p:cNvSpPr>
+            <a:spLocks noGrp="1"/>
+          </p:cNvSpPr>
+          <p:nvPr>
+            <p:ph type="sldNum" sz="quarter" idx="12"/>
+          </p:nvPr>
+        </p:nvSpPr>
+        <p:spPr/>
+        <p:txBody>
+          <a:bodyPr/>
+          <a:lstStyle/>
+          <a:p>
+            <a:fld id="{9BDD3687-D8FB-4AFD-9AD8-D913B777D7F7}" type="slidenum">
+              <a:rPr lang="en-US" sz="1600" smtClean="0"/>
+              <a:t>12</a:t>
+            </a:fld>
+            <a:endParaRPr lang="en-US" sz="1600" dirty="0"/>
+          </a:p>
+        </p:txBody>
+      </p:sp>
+    </p:spTree>
+    <p:extLst>
+      <p:ext uri="{BB962C8B-B14F-4D97-AF65-F5344CB8AC3E}">
+        <p14:creationId xmlns:p14="http://schemas.microsoft.com/office/powerpoint/2010/main" val="702867322"/>
+      </p:ext>
+    </p:extLst>
+  </p:cSld>
+  <p:clrMapOvr>
+    <a:masterClrMapping/>
+  </p:clrMapOvr>
+</p:sld>
+</file>
+
+<file path=ppt/slides/slide13.xml><?xml version="1.0" encoding="utf-8"?>
 <p:sld xmlns:a="http://schemas.openxmlformats.org/drawingml/2006/main" xmlns:r="http://schemas.openxmlformats.org/officeDocument/2006/relationships" xmlns:p="http://schemas.openxmlformats.org/presentationml/2006/main" show="0">
   <p:cSld>
     <p:spTree>
@@ -3998,7 +4474,7 @@
           <p:cNvPr id="2" name="Title 1">
             <a:extLst>
               <a:ext uri="{FF2B5EF4-FFF2-40B4-BE49-F238E27FC236}">
-                <a16:creationId xmlns:a16="http://schemas.microsoft.com/office/drawing/2014/main" id="{3B51CB06-20F9-4D5D-9E36-87C19142DB53}"/>
+                <a16:creationId xmlns:a16="http://schemas.microsoft.com/office/drawing/2014/main" id="{3A1D5CF7-0D4F-4BAE-BA2C-566B721B4B29}"/>
               </a:ext>
             </a:extLst>
           </p:cNvPr>
@@ -4030,6 +4506,191 @@
           <a:p>
             <a:r>
               <a:rPr lang="en-US" dirty="0"/>
+              <a:t>Build-On Motivation</a:t>
+            </a:r>
+          </a:p>
+        </p:txBody>
+      </p:sp>
+      <p:sp>
+        <p:nvSpPr>
+          <p:cNvPr id="3" name="Content Placeholder 2">
+            <a:extLst>
+              <a:ext uri="{FF2B5EF4-FFF2-40B4-BE49-F238E27FC236}">
+                <a16:creationId xmlns:a16="http://schemas.microsoft.com/office/drawing/2014/main" id="{0E456118-B98A-4F38-8E30-CD16C343A8CA}"/>
+              </a:ext>
+            </a:extLst>
+          </p:cNvPr>
+          <p:cNvSpPr>
+            <a:spLocks noGrp="1"/>
+          </p:cNvSpPr>
+          <p:nvPr>
+            <p:ph idx="1"/>
+          </p:nvPr>
+        </p:nvSpPr>
+        <p:spPr/>
+        <p:txBody>
+          <a:bodyPr/>
+          <a:lstStyle/>
+          <a:p>
+            <a:r>
+              <a:rPr lang="en-US" dirty="0"/>
+              <a:t>Participate in a developer community interested in learning Rust</a:t>
+            </a:r>
+          </a:p>
+          <a:p>
+            <a:r>
+              <a:rPr lang="en-US" dirty="0"/>
+              <a:t>Stay in contact with SU Computer Engineering and Computer Science alumni</a:t>
+            </a:r>
+          </a:p>
+          <a:p>
+            <a:r>
+              <a:rPr lang="en-US" dirty="0"/>
+              <a:t>Support conversations about Rust and other interesting tech topics</a:t>
+            </a:r>
+          </a:p>
+          <a:p>
+            <a:pPr lvl="1"/>
+            <a:r>
+              <a:rPr lang="en-US" dirty="0"/>
+              <a:t>Encourage both active learners and curious browsers</a:t>
+            </a:r>
+          </a:p>
+          <a:p>
+            <a:r>
+              <a:rPr lang="en-US" dirty="0"/>
+              <a:t>Rust is a very clever language supporting development of secure, high performance code (same ballpark as C++ without </a:t>
+            </a:r>
+            <a:r>
+              <a:rPr lang="en-US"/>
+              <a:t>undefined behavior)</a:t>
+            </a:r>
+            <a:endParaRPr lang="en-US" dirty="0"/>
+          </a:p>
+          <a:p>
+            <a:pPr lvl="1"/>
+            <a:r>
+              <a:rPr lang="en-US" dirty="0"/>
+              <a:t>Rust website lists 138 companies using Rust in production</a:t>
+            </a:r>
+          </a:p>
+          <a:p>
+            <a:pPr lvl="1"/>
+            <a:r>
+              <a:rPr lang="en-US" dirty="0" err="1"/>
+              <a:t>Tiobe</a:t>
+            </a:r>
+            <a:r>
+              <a:rPr lang="en-US" dirty="0"/>
+              <a:t> lists rust as 25</a:t>
+            </a:r>
+            <a:r>
+              <a:rPr lang="en-US" baseline="30000" dirty="0"/>
+              <a:t>th</a:t>
+            </a:r>
+            <a:r>
+              <a:rPr lang="en-US" dirty="0"/>
+              <a:t> in their language popularity index (Oct 2020).  </a:t>
+            </a:r>
+          </a:p>
+        </p:txBody>
+      </p:sp>
+      <p:sp>
+        <p:nvSpPr>
+          <p:cNvPr id="4" name="Slide Number Placeholder 3">
+            <a:extLst>
+              <a:ext uri="{FF2B5EF4-FFF2-40B4-BE49-F238E27FC236}">
+                <a16:creationId xmlns:a16="http://schemas.microsoft.com/office/drawing/2014/main" id="{BF83AA05-66BB-431F-BE9C-9A286F190FEF}"/>
+              </a:ext>
+            </a:extLst>
+          </p:cNvPr>
+          <p:cNvSpPr>
+            <a:spLocks noGrp="1"/>
+          </p:cNvSpPr>
+          <p:nvPr>
+            <p:ph type="sldNum" sz="quarter" idx="12"/>
+          </p:nvPr>
+        </p:nvSpPr>
+        <p:spPr/>
+        <p:txBody>
+          <a:bodyPr/>
+          <a:lstStyle/>
+          <a:p>
+            <a:fld id="{9BDD3687-D8FB-4AFD-9AD8-D913B777D7F7}" type="slidenum">
+              <a:rPr lang="en-US" smtClean="0"/>
+              <a:t>13</a:t>
+            </a:fld>
+            <a:endParaRPr lang="en-US" dirty="0"/>
+          </a:p>
+        </p:txBody>
+      </p:sp>
+    </p:spTree>
+    <p:extLst>
+      <p:ext uri="{BB962C8B-B14F-4D97-AF65-F5344CB8AC3E}">
+        <p14:creationId xmlns:p14="http://schemas.microsoft.com/office/powerpoint/2010/main" val="664003782"/>
+      </p:ext>
+    </p:extLst>
+  </p:cSld>
+  <p:clrMapOvr>
+    <a:masterClrMapping/>
+  </p:clrMapOvr>
+</p:sld>
+</file>
+
+<file path=ppt/slides/slide14.xml><?xml version="1.0" encoding="utf-8"?>
+<p:sld xmlns:a="http://schemas.openxmlformats.org/drawingml/2006/main" xmlns:r="http://schemas.openxmlformats.org/officeDocument/2006/relationships" xmlns:p="http://schemas.openxmlformats.org/presentationml/2006/main" show="0">
+  <p:cSld>
+    <p:spTree>
+      <p:nvGrpSpPr>
+        <p:cNvPr id="1" name=""/>
+        <p:cNvGrpSpPr/>
+        <p:nvPr/>
+      </p:nvGrpSpPr>
+      <p:grpSpPr>
+        <a:xfrm>
+          <a:off x="0" y="0"/>
+          <a:ext cx="0" cy="0"/>
+          <a:chOff x="0" y="0"/>
+          <a:chExt cx="0" cy="0"/>
+        </a:xfrm>
+      </p:grpSpPr>
+      <p:sp>
+        <p:nvSpPr>
+          <p:cNvPr id="2" name="Title 1">
+            <a:extLst>
+              <a:ext uri="{FF2B5EF4-FFF2-40B4-BE49-F238E27FC236}">
+                <a16:creationId xmlns:a16="http://schemas.microsoft.com/office/drawing/2014/main" id="{3B51CB06-20F9-4D5D-9E36-87C19142DB53}"/>
+              </a:ext>
+            </a:extLst>
+          </p:cNvPr>
+          <p:cNvSpPr>
+            <a:spLocks noGrp="1"/>
+          </p:cNvSpPr>
+          <p:nvPr>
+            <p:ph type="title"/>
+          </p:nvPr>
+        </p:nvSpPr>
+        <p:spPr/>
+        <p:style>
+          <a:lnRef idx="2">
+            <a:schemeClr val="accent3"/>
+          </a:lnRef>
+          <a:fillRef idx="1">
+            <a:schemeClr val="lt1"/>
+          </a:fillRef>
+          <a:effectRef idx="0">
+            <a:schemeClr val="accent3"/>
+          </a:effectRef>
+          <a:fontRef idx="minor">
+            <a:schemeClr val="dk1"/>
+          </a:fontRef>
+        </p:style>
+        <p:txBody>
+          <a:bodyPr/>
+          <a:lstStyle/>
+          <a:p>
+            <a:r>
+              <a:rPr lang="en-US" dirty="0"/>
               <a:t>Build-On Process</a:t>
             </a:r>
           </a:p>
@@ -4152,7 +4813,7 @@
           <a:p>
             <a:fld id="{9BDD3687-D8FB-4AFD-9AD8-D913B777D7F7}" type="slidenum">
               <a:rPr lang="en-US" smtClean="0"/>
-              <a:t>11</a:t>
+              <a:t>14</a:t>
             </a:fld>
             <a:endParaRPr lang="en-US" dirty="0"/>
           </a:p>
@@ -5014,6 +5675,580 @@
       </p:grpSpPr>
       <p:sp>
         <p:nvSpPr>
+          <p:cNvPr id="5" name="Title 4">
+            <a:extLst>
+              <a:ext uri="{FF2B5EF4-FFF2-40B4-BE49-F238E27FC236}">
+                <a16:creationId xmlns:a16="http://schemas.microsoft.com/office/drawing/2014/main" id="{3E15900C-AFAF-4AC5-8015-66565970BB18}"/>
+              </a:ext>
+            </a:extLst>
+          </p:cNvPr>
+          <p:cNvSpPr>
+            <a:spLocks noGrp="1"/>
+          </p:cNvSpPr>
+          <p:nvPr>
+            <p:ph type="title"/>
+          </p:nvPr>
+        </p:nvSpPr>
+        <p:spPr/>
+        <p:txBody>
+          <a:bodyPr/>
+          <a:lstStyle/>
+          <a:p>
+            <a:r>
+              <a:rPr lang="en-US" dirty="0"/>
+              <a:t>Building Rust Library Package (Crate)</a:t>
+            </a:r>
+          </a:p>
+        </p:txBody>
+      </p:sp>
+      <p:pic>
+        <p:nvPicPr>
+          <p:cNvPr id="9" name="Content Placeholder 8" descr="Text&#10;&#10;Description automatically generated">
+            <a:extLst>
+              <a:ext uri="{FF2B5EF4-FFF2-40B4-BE49-F238E27FC236}">
+                <a16:creationId xmlns:a16="http://schemas.microsoft.com/office/drawing/2014/main" id="{FD94FBFF-33D4-497D-A2C5-F5106D33EF52}"/>
+              </a:ext>
+            </a:extLst>
+          </p:cNvPr>
+          <p:cNvPicPr>
+            <a:picLocks noGrp="1" noChangeAspect="1"/>
+          </p:cNvPicPr>
+          <p:nvPr>
+            <p:ph sz="half" idx="1"/>
+          </p:nvPr>
+        </p:nvPicPr>
+        <p:blipFill>
+          <a:blip r:embed="rId2">
+            <a:extLst>
+              <a:ext uri="{28A0092B-C50C-407E-A947-70E740481C1C}">
+                <a14:useLocalDpi xmlns:a14="http://schemas.microsoft.com/office/drawing/2010/main" val="0"/>
+              </a:ext>
+            </a:extLst>
+          </a:blip>
+          <a:stretch>
+            <a:fillRect/>
+          </a:stretch>
+        </p:blipFill>
+        <p:spPr>
+          <a:xfrm>
+            <a:off x="838200" y="2551119"/>
+            <a:ext cx="4019550" cy="3448210"/>
+          </a:xfrm>
+        </p:spPr>
+      </p:pic>
+      <p:pic>
+        <p:nvPicPr>
+          <p:cNvPr id="11" name="Content Placeholder 10" descr="Graphical user interface, application&#10;&#10;Description automatically generated">
+            <a:extLst>
+              <a:ext uri="{FF2B5EF4-FFF2-40B4-BE49-F238E27FC236}">
+                <a16:creationId xmlns:a16="http://schemas.microsoft.com/office/drawing/2014/main" id="{ECDEB7C2-8C15-43CB-877D-B68B97D18754}"/>
+              </a:ext>
+            </a:extLst>
+          </p:cNvPr>
+          <p:cNvPicPr>
+            <a:picLocks noGrp="1" noChangeAspect="1"/>
+          </p:cNvPicPr>
+          <p:nvPr>
+            <p:ph sz="half" idx="2"/>
+          </p:nvPr>
+        </p:nvPicPr>
+        <p:blipFill>
+          <a:blip r:embed="rId3">
+            <a:extLst>
+              <a:ext uri="{28A0092B-C50C-407E-A947-70E740481C1C}">
+                <a14:useLocalDpi xmlns:a14="http://schemas.microsoft.com/office/drawing/2010/main" val="0"/>
+              </a:ext>
+            </a:extLst>
+          </a:blip>
+          <a:stretch>
+            <a:fillRect/>
+          </a:stretch>
+        </p:blipFill>
+        <p:spPr>
+          <a:xfrm>
+            <a:off x="5170492" y="2551119"/>
+            <a:ext cx="2408598" cy="2085181"/>
+          </a:xfrm>
+          <a:ln w="19050">
+            <a:solidFill>
+              <a:schemeClr val="tx1"/>
+            </a:solidFill>
+          </a:ln>
+        </p:spPr>
+      </p:pic>
+      <p:sp>
+        <p:nvSpPr>
+          <p:cNvPr id="4" name="Slide Number Placeholder 3">
+            <a:extLst>
+              <a:ext uri="{FF2B5EF4-FFF2-40B4-BE49-F238E27FC236}">
+                <a16:creationId xmlns:a16="http://schemas.microsoft.com/office/drawing/2014/main" id="{C0D897D3-CE7E-43B6-BF7C-BC5E150D3BDF}"/>
+              </a:ext>
+            </a:extLst>
+          </p:cNvPr>
+          <p:cNvSpPr>
+            <a:spLocks noGrp="1"/>
+          </p:cNvSpPr>
+          <p:nvPr>
+            <p:ph type="sldNum" sz="quarter" idx="12"/>
+          </p:nvPr>
+        </p:nvSpPr>
+        <p:spPr/>
+        <p:txBody>
+          <a:bodyPr/>
+          <a:lstStyle/>
+          <a:p>
+            <a:fld id="{9BDD3687-D8FB-4AFD-9AD8-D913B777D7F7}" type="slidenum">
+              <a:rPr lang="en-US" sz="1600" smtClean="0"/>
+              <a:pPr/>
+              <a:t>5</a:t>
+            </a:fld>
+            <a:endParaRPr lang="en-US" sz="1600" dirty="0"/>
+          </a:p>
+        </p:txBody>
+      </p:sp>
+      <p:pic>
+        <p:nvPicPr>
+          <p:cNvPr id="13" name="Picture 12" descr="Graphical user interface, text, application&#10;&#10;Description automatically generated">
+            <a:extLst>
+              <a:ext uri="{FF2B5EF4-FFF2-40B4-BE49-F238E27FC236}">
+                <a16:creationId xmlns:a16="http://schemas.microsoft.com/office/drawing/2014/main" id="{D6043136-17CE-4C4D-8AB7-6C1BC43FF4F8}"/>
+              </a:ext>
+            </a:extLst>
+          </p:cNvPr>
+          <p:cNvPicPr>
+            <a:picLocks noChangeAspect="1"/>
+          </p:cNvPicPr>
+          <p:nvPr/>
+        </p:nvPicPr>
+        <p:blipFill>
+          <a:blip r:embed="rId4">
+            <a:extLst>
+              <a:ext uri="{28A0092B-C50C-407E-A947-70E740481C1C}">
+                <a14:useLocalDpi xmlns:a14="http://schemas.microsoft.com/office/drawing/2010/main" val="0"/>
+              </a:ext>
+            </a:extLst>
+          </a:blip>
+          <a:stretch>
+            <a:fillRect/>
+          </a:stretch>
+        </p:blipFill>
+        <p:spPr>
+          <a:xfrm>
+            <a:off x="7891832" y="2551119"/>
+            <a:ext cx="3435350" cy="3016250"/>
+          </a:xfrm>
+          <a:prstGeom prst="rect">
+            <a:avLst/>
+          </a:prstGeom>
+          <a:ln w="19050">
+            <a:solidFill>
+              <a:schemeClr val="tx1"/>
+            </a:solidFill>
+          </a:ln>
+        </p:spPr>
+      </p:pic>
+      <p:sp>
+        <p:nvSpPr>
+          <p:cNvPr id="14" name="TextBox 13">
+            <a:extLst>
+              <a:ext uri="{FF2B5EF4-FFF2-40B4-BE49-F238E27FC236}">
+                <a16:creationId xmlns:a16="http://schemas.microsoft.com/office/drawing/2014/main" id="{149724CE-46B0-43A2-8D0F-D5161D68F455}"/>
+              </a:ext>
+            </a:extLst>
+          </p:cNvPr>
+          <p:cNvSpPr txBox="1"/>
+          <p:nvPr/>
+        </p:nvSpPr>
+        <p:spPr>
+          <a:xfrm>
+            <a:off x="1371600" y="1935956"/>
+            <a:ext cx="2907506" cy="400110"/>
+          </a:xfrm>
+          <a:prstGeom prst="rect">
+            <a:avLst/>
+          </a:prstGeom>
+          <a:noFill/>
+        </p:spPr>
+        <p:txBody>
+          <a:bodyPr wrap="square" rtlCol="0">
+            <a:spAutoFit/>
+          </a:bodyPr>
+          <a:lstStyle/>
+          <a:p>
+            <a:r>
+              <a:rPr lang="en-US" sz="2000" b="1" dirty="0"/>
+              <a:t>Windows </a:t>
+            </a:r>
+            <a:r>
+              <a:rPr lang="en-US" sz="2000" b="1" dirty="0" err="1"/>
+              <a:t>cmd</a:t>
+            </a:r>
+            <a:r>
+              <a:rPr lang="en-US" sz="2000" b="1" dirty="0"/>
+              <a:t> (terminal)</a:t>
+            </a:r>
+          </a:p>
+        </p:txBody>
+      </p:sp>
+      <p:sp>
+        <p:nvSpPr>
+          <p:cNvPr id="15" name="TextBox 14">
+            <a:extLst>
+              <a:ext uri="{FF2B5EF4-FFF2-40B4-BE49-F238E27FC236}">
+                <a16:creationId xmlns:a16="http://schemas.microsoft.com/office/drawing/2014/main" id="{3B1F6633-E474-4589-B469-84CA97A680CA}"/>
+              </a:ext>
+            </a:extLst>
+          </p:cNvPr>
+          <p:cNvSpPr txBox="1"/>
+          <p:nvPr/>
+        </p:nvSpPr>
+        <p:spPr>
+          <a:xfrm>
+            <a:off x="6095999" y="1935956"/>
+            <a:ext cx="3719513" cy="400110"/>
+          </a:xfrm>
+          <a:prstGeom prst="rect">
+            <a:avLst/>
+          </a:prstGeom>
+          <a:noFill/>
+        </p:spPr>
+        <p:txBody>
+          <a:bodyPr wrap="square" rtlCol="0">
+            <a:spAutoFit/>
+          </a:bodyPr>
+          <a:lstStyle/>
+          <a:p>
+            <a:r>
+              <a:rPr lang="en-US" sz="2000" b="1" dirty="0"/>
+              <a:t>Windows Explorer File Manager</a:t>
+            </a:r>
+          </a:p>
+        </p:txBody>
+      </p:sp>
+      <p:cxnSp>
+        <p:nvCxnSpPr>
+          <p:cNvPr id="17" name="Straight Arrow Connector 16">
+            <a:extLst>
+              <a:ext uri="{FF2B5EF4-FFF2-40B4-BE49-F238E27FC236}">
+                <a16:creationId xmlns:a16="http://schemas.microsoft.com/office/drawing/2014/main" id="{02F34F52-8917-4B6E-88C9-5BF8966ED747}"/>
+              </a:ext>
+            </a:extLst>
+          </p:cNvPr>
+          <p:cNvCxnSpPr>
+            <a:cxnSpLocks/>
+          </p:cNvCxnSpPr>
+          <p:nvPr/>
+        </p:nvCxnSpPr>
+        <p:spPr>
+          <a:xfrm flipH="1" flipV="1">
+            <a:off x="7208044" y="3700463"/>
+            <a:ext cx="935831" cy="121443"/>
+          </a:xfrm>
+          <a:prstGeom prst="straightConnector1">
+            <a:avLst/>
+          </a:prstGeom>
+          <a:ln w="57150">
+            <a:solidFill>
+              <a:schemeClr val="tx1"/>
+            </a:solidFill>
+            <a:tailEnd type="triangle"/>
+          </a:ln>
+        </p:spPr>
+        <p:style>
+          <a:lnRef idx="1">
+            <a:schemeClr val="accent1"/>
+          </a:lnRef>
+          <a:fillRef idx="0">
+            <a:schemeClr val="accent1"/>
+          </a:fillRef>
+          <a:effectRef idx="0">
+            <a:schemeClr val="accent1"/>
+          </a:effectRef>
+          <a:fontRef idx="minor">
+            <a:schemeClr val="tx1"/>
+          </a:fontRef>
+        </p:style>
+      </p:cxnSp>
+    </p:spTree>
+    <p:extLst>
+      <p:ext uri="{BB962C8B-B14F-4D97-AF65-F5344CB8AC3E}">
+        <p14:creationId xmlns:p14="http://schemas.microsoft.com/office/powerpoint/2010/main" val="2108615762"/>
+      </p:ext>
+    </p:extLst>
+  </p:cSld>
+  <p:clrMapOvr>
+    <a:masterClrMapping/>
+  </p:clrMapOvr>
+</p:sld>
+</file>
+
+<file path=ppt/slides/slide6.xml><?xml version="1.0" encoding="utf-8"?>
+<p:sld xmlns:a="http://schemas.openxmlformats.org/drawingml/2006/main" xmlns:r="http://schemas.openxmlformats.org/officeDocument/2006/relationships" xmlns:p="http://schemas.openxmlformats.org/presentationml/2006/main">
+  <p:cSld>
+    <p:spTree>
+      <p:nvGrpSpPr>
+        <p:cNvPr id="1" name=""/>
+        <p:cNvGrpSpPr/>
+        <p:nvPr/>
+      </p:nvGrpSpPr>
+      <p:grpSpPr>
+        <a:xfrm>
+          <a:off x="0" y="0"/>
+          <a:ext cx="0" cy="0"/>
+          <a:chOff x="0" y="0"/>
+          <a:chExt cx="0" cy="0"/>
+        </a:xfrm>
+      </p:grpSpPr>
+      <p:sp>
+        <p:nvSpPr>
+          <p:cNvPr id="6" name="Title 5">
+            <a:extLst>
+              <a:ext uri="{FF2B5EF4-FFF2-40B4-BE49-F238E27FC236}">
+                <a16:creationId xmlns:a16="http://schemas.microsoft.com/office/drawing/2014/main" id="{016B22EA-8754-40DE-8352-F8CD3840C4CE}"/>
+              </a:ext>
+            </a:extLst>
+          </p:cNvPr>
+          <p:cNvSpPr>
+            <a:spLocks noGrp="1"/>
+          </p:cNvSpPr>
+          <p:nvPr>
+            <p:ph type="title"/>
+          </p:nvPr>
+        </p:nvSpPr>
+        <p:spPr/>
+        <p:txBody>
+          <a:bodyPr/>
+          <a:lstStyle/>
+          <a:p>
+            <a:endParaRPr lang="en-US"/>
+          </a:p>
+        </p:txBody>
+      </p:sp>
+      <p:sp>
+        <p:nvSpPr>
+          <p:cNvPr id="5" name="Slide Number Placeholder 4">
+            <a:extLst>
+              <a:ext uri="{FF2B5EF4-FFF2-40B4-BE49-F238E27FC236}">
+                <a16:creationId xmlns:a16="http://schemas.microsoft.com/office/drawing/2014/main" id="{06F1D7FA-9D75-4499-9E0F-85952ECDE993}"/>
+              </a:ext>
+            </a:extLst>
+          </p:cNvPr>
+          <p:cNvSpPr>
+            <a:spLocks noGrp="1"/>
+          </p:cNvSpPr>
+          <p:nvPr>
+            <p:ph type="sldNum" sz="quarter" idx="12"/>
+          </p:nvPr>
+        </p:nvSpPr>
+        <p:spPr/>
+        <p:txBody>
+          <a:bodyPr/>
+          <a:lstStyle/>
+          <a:p>
+            <a:fld id="{9BDD3687-D8FB-4AFD-9AD8-D913B777D7F7}" type="slidenum">
+              <a:rPr lang="en-US" smtClean="0"/>
+              <a:t>6</a:t>
+            </a:fld>
+            <a:endParaRPr lang="en-US"/>
+          </a:p>
+        </p:txBody>
+      </p:sp>
+      <p:pic>
+        <p:nvPicPr>
+          <p:cNvPr id="8" name="Picture 7" descr="Text&#10;&#10;Description automatically generated">
+            <a:extLst>
+              <a:ext uri="{FF2B5EF4-FFF2-40B4-BE49-F238E27FC236}">
+                <a16:creationId xmlns:a16="http://schemas.microsoft.com/office/drawing/2014/main" id="{1E04C856-02CD-40B9-8ED7-25E6C6BDC7E8}"/>
+              </a:ext>
+            </a:extLst>
+          </p:cNvPr>
+          <p:cNvPicPr>
+            <a:picLocks noChangeAspect="1"/>
+          </p:cNvPicPr>
+          <p:nvPr/>
+        </p:nvPicPr>
+        <p:blipFill>
+          <a:blip r:embed="rId2">
+            <a:extLst>
+              <a:ext uri="{28A0092B-C50C-407E-A947-70E740481C1C}">
+                <a14:useLocalDpi xmlns:a14="http://schemas.microsoft.com/office/drawing/2010/main" val="0"/>
+              </a:ext>
+            </a:extLst>
+          </a:blip>
+          <a:stretch>
+            <a:fillRect/>
+          </a:stretch>
+        </p:blipFill>
+        <p:spPr>
+          <a:xfrm>
+            <a:off x="497250" y="196831"/>
+            <a:ext cx="11197499" cy="6464338"/>
+          </a:xfrm>
+          <a:prstGeom prst="rect">
+            <a:avLst/>
+          </a:prstGeom>
+        </p:spPr>
+      </p:pic>
+    </p:spTree>
+    <p:extLst>
+      <p:ext uri="{BB962C8B-B14F-4D97-AF65-F5344CB8AC3E}">
+        <p14:creationId xmlns:p14="http://schemas.microsoft.com/office/powerpoint/2010/main" val="1780744226"/>
+      </p:ext>
+    </p:extLst>
+  </p:cSld>
+  <p:clrMapOvr>
+    <a:masterClrMapping/>
+  </p:clrMapOvr>
+</p:sld>
+</file>
+
+<file path=ppt/slides/slide7.xml><?xml version="1.0" encoding="utf-8"?>
+<p:sld xmlns:a="http://schemas.openxmlformats.org/drawingml/2006/main" xmlns:r="http://schemas.openxmlformats.org/officeDocument/2006/relationships" xmlns:p="http://schemas.openxmlformats.org/presentationml/2006/main">
+  <p:cSld>
+    <p:spTree>
+      <p:nvGrpSpPr>
+        <p:cNvPr id="1" name=""/>
+        <p:cNvGrpSpPr/>
+        <p:nvPr/>
+      </p:nvGrpSpPr>
+      <p:grpSpPr>
+        <a:xfrm>
+          <a:off x="0" y="0"/>
+          <a:ext cx="0" cy="0"/>
+          <a:chOff x="0" y="0"/>
+          <a:chExt cx="0" cy="0"/>
+        </a:xfrm>
+      </p:grpSpPr>
+      <p:sp>
+        <p:nvSpPr>
+          <p:cNvPr id="2" name="Title 1">
+            <a:extLst>
+              <a:ext uri="{FF2B5EF4-FFF2-40B4-BE49-F238E27FC236}">
+                <a16:creationId xmlns:a16="http://schemas.microsoft.com/office/drawing/2014/main" id="{7D195621-7729-40DE-867B-7BF5B4EF3D9C}"/>
+              </a:ext>
+            </a:extLst>
+          </p:cNvPr>
+          <p:cNvSpPr>
+            <a:spLocks noGrp="1"/>
+          </p:cNvSpPr>
+          <p:nvPr>
+            <p:ph type="title"/>
+          </p:nvPr>
+        </p:nvSpPr>
+        <p:spPr/>
+        <p:txBody>
+          <a:bodyPr/>
+          <a:lstStyle/>
+          <a:p>
+            <a:r>
+              <a:rPr lang="en-US" dirty="0"/>
+              <a:t>Rust Project Structure for </a:t>
+            </a:r>
+            <a:r>
+              <a:rPr lang="en-US" dirty="0" err="1"/>
+              <a:t>TextSearch</a:t>
+            </a:r>
+            <a:endParaRPr lang="en-US" dirty="0"/>
+          </a:p>
+        </p:txBody>
+      </p:sp>
+      <p:sp>
+        <p:nvSpPr>
+          <p:cNvPr id="3" name="Slide Number Placeholder 2">
+            <a:extLst>
+              <a:ext uri="{FF2B5EF4-FFF2-40B4-BE49-F238E27FC236}">
+                <a16:creationId xmlns:a16="http://schemas.microsoft.com/office/drawing/2014/main" id="{D5ABE09C-273A-4E5C-B8FC-E2A813904BA4}"/>
+              </a:ext>
+            </a:extLst>
+          </p:cNvPr>
+          <p:cNvSpPr>
+            <a:spLocks noGrp="1"/>
+          </p:cNvSpPr>
+          <p:nvPr>
+            <p:ph type="sldNum" sz="quarter" idx="12"/>
+          </p:nvPr>
+        </p:nvSpPr>
+        <p:spPr/>
+        <p:txBody>
+          <a:bodyPr/>
+          <a:lstStyle/>
+          <a:p>
+            <a:fld id="{9BDD3687-D8FB-4AFD-9AD8-D913B777D7F7}" type="slidenum">
+              <a:rPr lang="en-US" sz="1600" smtClean="0"/>
+              <a:t>7</a:t>
+            </a:fld>
+            <a:endParaRPr lang="en-US" sz="1600" dirty="0"/>
+          </a:p>
+        </p:txBody>
+      </p:sp>
+      <p:pic>
+        <p:nvPicPr>
+          <p:cNvPr id="5" name="Picture 4" descr="Diagram&#10;&#10;Description automatically generated">
+            <a:extLst>
+              <a:ext uri="{FF2B5EF4-FFF2-40B4-BE49-F238E27FC236}">
+                <a16:creationId xmlns:a16="http://schemas.microsoft.com/office/drawing/2014/main" id="{6D6B83FC-6A40-4CF0-B44C-A441C57DDFF7}"/>
+              </a:ext>
+            </a:extLst>
+          </p:cNvPr>
+          <p:cNvPicPr>
+            <a:picLocks noChangeAspect="1"/>
+          </p:cNvPicPr>
+          <p:nvPr/>
+        </p:nvPicPr>
+        <p:blipFill>
+          <a:blip r:embed="rId2">
+            <a:extLst>
+              <a:ext uri="{28A0092B-C50C-407E-A947-70E740481C1C}">
+                <a14:useLocalDpi xmlns:a14="http://schemas.microsoft.com/office/drawing/2010/main" val="0"/>
+              </a:ext>
+            </a:extLst>
+          </a:blip>
+          <a:stretch>
+            <a:fillRect/>
+          </a:stretch>
+        </p:blipFill>
+        <p:spPr>
+          <a:xfrm>
+            <a:off x="2714625" y="2133600"/>
+            <a:ext cx="6762750" cy="3619500"/>
+          </a:xfrm>
+          <a:prstGeom prst="rect">
+            <a:avLst/>
+          </a:prstGeom>
+        </p:spPr>
+      </p:pic>
+    </p:spTree>
+    <p:extLst>
+      <p:ext uri="{BB962C8B-B14F-4D97-AF65-F5344CB8AC3E}">
+        <p14:creationId xmlns:p14="http://schemas.microsoft.com/office/powerpoint/2010/main" val="1113200506"/>
+      </p:ext>
+    </p:extLst>
+  </p:cSld>
+  <p:clrMapOvr>
+    <a:masterClrMapping/>
+  </p:clrMapOvr>
+</p:sld>
+</file>
+
+<file path=ppt/slides/slide8.xml><?xml version="1.0" encoding="utf-8"?>
+<p:sld xmlns:a="http://schemas.openxmlformats.org/drawingml/2006/main" xmlns:r="http://schemas.openxmlformats.org/officeDocument/2006/relationships" xmlns:p="http://schemas.openxmlformats.org/presentationml/2006/main">
+  <p:cSld>
+    <p:spTree>
+      <p:nvGrpSpPr>
+        <p:cNvPr id="1" name=""/>
+        <p:cNvGrpSpPr/>
+        <p:nvPr/>
+      </p:nvGrpSpPr>
+      <p:grpSpPr>
+        <a:xfrm>
+          <a:off x="0" y="0"/>
+          <a:ext cx="0" cy="0"/>
+          <a:chOff x="0" y="0"/>
+          <a:chExt cx="0" cy="0"/>
+        </a:xfrm>
+      </p:grpSpPr>
+      <p:sp>
+        <p:nvSpPr>
           <p:cNvPr id="2" name="Title 1">
             <a:extLst>
               <a:ext uri="{FF2B5EF4-FFF2-40B4-BE49-F238E27FC236}">
@@ -5461,7 +6696,7 @@
           <a:p>
             <a:fld id="{9BDD3687-D8FB-4AFD-9AD8-D913B777D7F7}" type="slidenum">
               <a:rPr lang="en-US" sz="1600" smtClean="0"/>
-              <a:t>5</a:t>
+              <a:t>8</a:t>
             </a:fld>
             <a:endParaRPr lang="en-US" sz="1600" dirty="0"/>
           </a:p>
@@ -5480,7 +6715,7 @@
 </p:sld>
 </file>
 
-<file path=ppt/slides/slide6.xml><?xml version="1.0" encoding="utf-8"?>
+<file path=ppt/slides/slide9.xml><?xml version="1.0" encoding="utf-8"?>
 <p:sld xmlns:a="http://schemas.openxmlformats.org/drawingml/2006/main" xmlns:r="http://schemas.openxmlformats.org/officeDocument/2006/relationships" xmlns:p="http://schemas.openxmlformats.org/presentationml/2006/main">
   <p:cSld>
     <p:spTree>
@@ -5853,7 +7088,7 @@
           <a:p>
             <a:fld id="{9BDD3687-D8FB-4AFD-9AD8-D913B777D7F7}" type="slidenum">
               <a:rPr lang="en-US" sz="1600" smtClean="0"/>
-              <a:t>6</a:t>
+              <a:t>9</a:t>
             </a:fld>
             <a:endParaRPr lang="en-US" sz="1600" dirty="0"/>
           </a:p>
@@ -5863,664 +7098,6 @@
     <p:extLst>
       <p:ext uri="{BB962C8B-B14F-4D97-AF65-F5344CB8AC3E}">
         <p14:creationId xmlns:p14="http://schemas.microsoft.com/office/powerpoint/2010/main" val="3150932224"/>
-      </p:ext>
-    </p:extLst>
-  </p:cSld>
-  <p:clrMapOvr>
-    <a:masterClrMapping/>
-  </p:clrMapOvr>
-</p:sld>
-</file>
-
-<file path=ppt/slides/slide7.xml><?xml version="1.0" encoding="utf-8"?>
-<p:sld xmlns:a="http://schemas.openxmlformats.org/drawingml/2006/main" xmlns:r="http://schemas.openxmlformats.org/officeDocument/2006/relationships" xmlns:p="http://schemas.openxmlformats.org/presentationml/2006/main" show="0">
-  <p:cSld>
-    <p:spTree>
-      <p:nvGrpSpPr>
-        <p:cNvPr id="1" name=""/>
-        <p:cNvGrpSpPr/>
-        <p:nvPr/>
-      </p:nvGrpSpPr>
-      <p:grpSpPr>
-        <a:xfrm>
-          <a:off x="0" y="0"/>
-          <a:ext cx="0" cy="0"/>
-          <a:chOff x="0" y="0"/>
-          <a:chExt cx="0" cy="0"/>
-        </a:xfrm>
-      </p:grpSpPr>
-      <p:sp>
-        <p:nvSpPr>
-          <p:cNvPr id="2" name="Title 1">
-            <a:extLst>
-              <a:ext uri="{FF2B5EF4-FFF2-40B4-BE49-F238E27FC236}">
-                <a16:creationId xmlns:a16="http://schemas.microsoft.com/office/drawing/2014/main" id="{4CEB71DD-6811-467E-B7F1-32D177C96097}"/>
-              </a:ext>
-            </a:extLst>
-          </p:cNvPr>
-          <p:cNvSpPr>
-            <a:spLocks noGrp="1"/>
-          </p:cNvSpPr>
-          <p:nvPr>
-            <p:ph type="title"/>
-          </p:nvPr>
-        </p:nvSpPr>
-        <p:spPr>
-          <a:xfrm>
-            <a:off x="839788" y="336550"/>
-            <a:ext cx="10515600" cy="1070769"/>
-          </a:xfrm>
-          <a:solidFill>
-            <a:schemeClr val="accent3">
-              <a:lumMod val="20000"/>
-              <a:lumOff val="80000"/>
-            </a:schemeClr>
-          </a:solidFill>
-        </p:spPr>
-        <p:style>
-          <a:lnRef idx="2">
-            <a:schemeClr val="accent3"/>
-          </a:lnRef>
-          <a:fillRef idx="1">
-            <a:schemeClr val="lt1"/>
-          </a:fillRef>
-          <a:effectRef idx="0">
-            <a:schemeClr val="accent3"/>
-          </a:effectRef>
-          <a:fontRef idx="minor">
-            <a:schemeClr val="dk1"/>
-          </a:fontRef>
-        </p:style>
-        <p:txBody>
-          <a:bodyPr/>
-          <a:lstStyle/>
-          <a:p>
-            <a:r>
-              <a:rPr lang="en-US" dirty="0" err="1"/>
-              <a:t>BuildOn</a:t>
-            </a:r>
-            <a:r>
-              <a:rPr lang="en-US" dirty="0"/>
-              <a:t> – Session #3 – </a:t>
-            </a:r>
-            <a:r>
-              <a:rPr lang="en-US" dirty="0" err="1"/>
-              <a:t>DirNav</a:t>
-            </a:r>
-            <a:endParaRPr lang="en-US" dirty="0"/>
-          </a:p>
-        </p:txBody>
-      </p:sp>
-      <p:sp>
-        <p:nvSpPr>
-          <p:cNvPr id="3" name="Text Placeholder 2">
-            <a:extLst>
-              <a:ext uri="{FF2B5EF4-FFF2-40B4-BE49-F238E27FC236}">
-                <a16:creationId xmlns:a16="http://schemas.microsoft.com/office/drawing/2014/main" id="{F267BC7A-4285-49F9-9A3B-482D3EA4A94F}"/>
-              </a:ext>
-            </a:extLst>
-          </p:cNvPr>
-          <p:cNvSpPr>
-            <a:spLocks noGrp="1"/>
-          </p:cNvSpPr>
-          <p:nvPr>
-            <p:ph type="body" idx="1"/>
-          </p:nvPr>
-        </p:nvSpPr>
-        <p:spPr>
-          <a:xfrm>
-            <a:off x="839788" y="1673886"/>
-            <a:ext cx="5157787" cy="802613"/>
-          </a:xfrm>
-        </p:spPr>
-        <p:txBody>
-          <a:bodyPr>
-            <a:normAutofit/>
-          </a:bodyPr>
-          <a:lstStyle/>
-          <a:p>
-            <a:r>
-              <a:rPr lang="en-US" sz="2800" dirty="0"/>
-              <a:t>Project</a:t>
-            </a:r>
-          </a:p>
-        </p:txBody>
-      </p:sp>
-      <p:sp>
-        <p:nvSpPr>
-          <p:cNvPr id="4" name="Content Placeholder 3">
-            <a:extLst>
-              <a:ext uri="{FF2B5EF4-FFF2-40B4-BE49-F238E27FC236}">
-                <a16:creationId xmlns:a16="http://schemas.microsoft.com/office/drawing/2014/main" id="{28C11C67-A00E-460D-B922-E4BF7788FF04}"/>
-              </a:ext>
-            </a:extLst>
-          </p:cNvPr>
-          <p:cNvSpPr>
-            <a:spLocks noGrp="1"/>
-          </p:cNvSpPr>
-          <p:nvPr>
-            <p:ph sz="half" idx="2"/>
-          </p:nvPr>
-        </p:nvSpPr>
-        <p:spPr>
-          <a:xfrm>
-            <a:off x="839788" y="2600326"/>
-            <a:ext cx="5157787" cy="3589336"/>
-          </a:xfrm>
-          <a:ln/>
-        </p:spPr>
-        <p:style>
-          <a:lnRef idx="2">
-            <a:schemeClr val="accent3"/>
-          </a:lnRef>
-          <a:fillRef idx="1">
-            <a:schemeClr val="lt1"/>
-          </a:fillRef>
-          <a:effectRef idx="0">
-            <a:schemeClr val="accent3"/>
-          </a:effectRef>
-          <a:fontRef idx="minor">
-            <a:schemeClr val="dk1"/>
-          </a:fontRef>
-        </p:style>
-        <p:txBody>
-          <a:bodyPr/>
-          <a:lstStyle/>
-          <a:p>
-            <a:r>
-              <a:rPr lang="en-US" dirty="0"/>
-              <a:t>Code review: </a:t>
-            </a:r>
-            <a:r>
-              <a:rPr lang="en-US" dirty="0">
-                <a:hlinkClick r:id="rId2"/>
-              </a:rPr>
-              <a:t>Step #1 - </a:t>
-            </a:r>
-            <a:r>
-              <a:rPr lang="en-US" dirty="0" err="1">
-                <a:hlinkClick r:id="rId2"/>
-              </a:rPr>
-              <a:t>TxtSrch</a:t>
-            </a:r>
-            <a:endParaRPr lang="en-US" dirty="0"/>
-          </a:p>
-          <a:p>
-            <a:pPr lvl="1"/>
-            <a:r>
-              <a:rPr lang="en-US" dirty="0"/>
-              <a:t>Code will be posted</a:t>
-            </a:r>
-          </a:p>
-          <a:p>
-            <a:r>
-              <a:rPr lang="en-US" dirty="0">
-                <a:hlinkClick r:id="rId3"/>
-              </a:rPr>
-              <a:t>Step #2 – </a:t>
-            </a:r>
-            <a:r>
-              <a:rPr lang="en-US" dirty="0" err="1">
-                <a:hlinkClick r:id="rId3"/>
-              </a:rPr>
-              <a:t>DirNav</a:t>
-            </a:r>
-            <a:endParaRPr lang="en-US" dirty="0"/>
-          </a:p>
-          <a:p>
-            <a:pPr lvl="1"/>
-            <a:r>
-              <a:rPr lang="en-US" dirty="0"/>
-              <a:t>Specification</a:t>
-            </a:r>
-          </a:p>
-          <a:p>
-            <a:pPr lvl="1"/>
-            <a:r>
-              <a:rPr lang="en-US" dirty="0"/>
-              <a:t>Starter code</a:t>
-            </a:r>
-          </a:p>
-        </p:txBody>
-      </p:sp>
-      <p:sp>
-        <p:nvSpPr>
-          <p:cNvPr id="5" name="Text Placeholder 4">
-            <a:extLst>
-              <a:ext uri="{FF2B5EF4-FFF2-40B4-BE49-F238E27FC236}">
-                <a16:creationId xmlns:a16="http://schemas.microsoft.com/office/drawing/2014/main" id="{20959C9D-A673-4B22-A614-0FC3F88A2C12}"/>
-              </a:ext>
-            </a:extLst>
-          </p:cNvPr>
-          <p:cNvSpPr>
-            <a:spLocks noGrp="1"/>
-          </p:cNvSpPr>
-          <p:nvPr>
-            <p:ph type="body" sz="quarter" idx="3"/>
-          </p:nvPr>
-        </p:nvSpPr>
-        <p:spPr>
-          <a:xfrm>
-            <a:off x="6172200" y="1673886"/>
-            <a:ext cx="5183188" cy="802613"/>
-          </a:xfrm>
-        </p:spPr>
-        <p:txBody>
-          <a:bodyPr>
-            <a:normAutofit/>
-          </a:bodyPr>
-          <a:lstStyle/>
-          <a:p>
-            <a:r>
-              <a:rPr lang="en-US" sz="2800" dirty="0"/>
-              <a:t>Rust</a:t>
-            </a:r>
-          </a:p>
-        </p:txBody>
-      </p:sp>
-      <p:sp>
-        <p:nvSpPr>
-          <p:cNvPr id="6" name="Content Placeholder 5">
-            <a:extLst>
-              <a:ext uri="{FF2B5EF4-FFF2-40B4-BE49-F238E27FC236}">
-                <a16:creationId xmlns:a16="http://schemas.microsoft.com/office/drawing/2014/main" id="{617CD398-5F2A-4F58-ABA5-74BFCD22B1C2}"/>
-              </a:ext>
-            </a:extLst>
-          </p:cNvPr>
-          <p:cNvSpPr>
-            <a:spLocks noGrp="1"/>
-          </p:cNvSpPr>
-          <p:nvPr>
-            <p:ph sz="quarter" idx="4"/>
-          </p:nvPr>
-        </p:nvSpPr>
-        <p:spPr>
-          <a:xfrm>
-            <a:off x="6172200" y="2571751"/>
-            <a:ext cx="5183188" cy="3589336"/>
-          </a:xfrm>
-          <a:ln/>
-        </p:spPr>
-        <p:style>
-          <a:lnRef idx="2">
-            <a:schemeClr val="accent3"/>
-          </a:lnRef>
-          <a:fillRef idx="1">
-            <a:schemeClr val="lt1"/>
-          </a:fillRef>
-          <a:effectRef idx="0">
-            <a:schemeClr val="accent3"/>
-          </a:effectRef>
-          <a:fontRef idx="minor">
-            <a:schemeClr val="dk1"/>
-          </a:fontRef>
-        </p:style>
-        <p:txBody>
-          <a:bodyPr/>
-          <a:lstStyle/>
-          <a:p>
-            <a:r>
-              <a:rPr lang="en-US" dirty="0">
-                <a:hlinkClick r:id="rId4"/>
-              </a:rPr>
-              <a:t>Structs</a:t>
-            </a:r>
-            <a:endParaRPr lang="en-US" dirty="0"/>
-          </a:p>
-          <a:p>
-            <a:r>
-              <a:rPr lang="en-US" dirty="0">
-                <a:hlinkClick r:id="rId5"/>
-              </a:rPr>
-              <a:t>Rust Libs</a:t>
-            </a:r>
-            <a:endParaRPr lang="en-US" dirty="0"/>
-          </a:p>
-          <a:p>
-            <a:r>
-              <a:rPr lang="en-US" dirty="0">
-                <a:hlinkClick r:id="rId6"/>
-              </a:rPr>
-              <a:t>Rust std::fs</a:t>
-            </a:r>
-            <a:endParaRPr lang="en-US" dirty="0"/>
-          </a:p>
-          <a:p>
-            <a:r>
-              <a:rPr lang="en-US" dirty="0"/>
-              <a:t>Answer Questions</a:t>
-            </a:r>
-          </a:p>
-        </p:txBody>
-      </p:sp>
-      <p:sp>
-        <p:nvSpPr>
-          <p:cNvPr id="7" name="Slide Number Placeholder 6">
-            <a:extLst>
-              <a:ext uri="{FF2B5EF4-FFF2-40B4-BE49-F238E27FC236}">
-                <a16:creationId xmlns:a16="http://schemas.microsoft.com/office/drawing/2014/main" id="{1E39B402-CD40-4CC5-AD5F-F53CE648A43E}"/>
-              </a:ext>
-            </a:extLst>
-          </p:cNvPr>
-          <p:cNvSpPr>
-            <a:spLocks noGrp="1"/>
-          </p:cNvSpPr>
-          <p:nvPr>
-            <p:ph type="sldNum" sz="quarter" idx="12"/>
-          </p:nvPr>
-        </p:nvSpPr>
-        <p:spPr/>
-        <p:txBody>
-          <a:bodyPr/>
-          <a:lstStyle/>
-          <a:p>
-            <a:fld id="{9BDD3687-D8FB-4AFD-9AD8-D913B777D7F7}" type="slidenum">
-              <a:rPr lang="en-US" sz="1600" smtClean="0"/>
-              <a:t>7</a:t>
-            </a:fld>
-            <a:endParaRPr lang="en-US" sz="1600" dirty="0"/>
-          </a:p>
-        </p:txBody>
-      </p:sp>
-    </p:spTree>
-    <p:extLst>
-      <p:ext uri="{BB962C8B-B14F-4D97-AF65-F5344CB8AC3E}">
-        <p14:creationId xmlns:p14="http://schemas.microsoft.com/office/powerpoint/2010/main" val="2462287988"/>
-      </p:ext>
-    </p:extLst>
-  </p:cSld>
-  <p:clrMapOvr>
-    <a:masterClrMapping/>
-  </p:clrMapOvr>
-</p:sld>
-</file>
-
-<file path=ppt/slides/slide8.xml><?xml version="1.0" encoding="utf-8"?>
-<p:sld xmlns:a="http://schemas.openxmlformats.org/drawingml/2006/main" xmlns:r="http://schemas.openxmlformats.org/officeDocument/2006/relationships" xmlns:p="http://schemas.openxmlformats.org/presentationml/2006/main">
-  <p:cSld>
-    <p:spTree>
-      <p:nvGrpSpPr>
-        <p:cNvPr id="1" name=""/>
-        <p:cNvGrpSpPr/>
-        <p:nvPr/>
-      </p:nvGrpSpPr>
-      <p:grpSpPr>
-        <a:xfrm>
-          <a:off x="0" y="0"/>
-          <a:ext cx="0" cy="0"/>
-          <a:chOff x="0" y="0"/>
-          <a:chExt cx="0" cy="0"/>
-        </a:xfrm>
-      </p:grpSpPr>
-      <p:sp>
-        <p:nvSpPr>
-          <p:cNvPr id="8" name="Title 7">
-            <a:extLst>
-              <a:ext uri="{FF2B5EF4-FFF2-40B4-BE49-F238E27FC236}">
-                <a16:creationId xmlns:a16="http://schemas.microsoft.com/office/drawing/2014/main" id="{6AED2634-DADD-4809-95B9-F1BE61A1FF9E}"/>
-              </a:ext>
-            </a:extLst>
-          </p:cNvPr>
-          <p:cNvSpPr>
-            <a:spLocks noGrp="1"/>
-          </p:cNvSpPr>
-          <p:nvPr>
-            <p:ph type="title"/>
-          </p:nvPr>
-        </p:nvSpPr>
-        <p:spPr>
-          <a:xfrm>
-            <a:off x="838200" y="365125"/>
-            <a:ext cx="10515600" cy="956469"/>
-          </a:xfrm>
-          <a:solidFill>
-            <a:schemeClr val="accent3">
-              <a:lumMod val="20000"/>
-              <a:lumOff val="80000"/>
-            </a:schemeClr>
-          </a:solidFill>
-        </p:spPr>
-        <p:style>
-          <a:lnRef idx="2">
-            <a:schemeClr val="accent3"/>
-          </a:lnRef>
-          <a:fillRef idx="1">
-            <a:schemeClr val="lt1"/>
-          </a:fillRef>
-          <a:effectRef idx="0">
-            <a:schemeClr val="accent3"/>
-          </a:effectRef>
-          <a:fontRef idx="minor">
-            <a:schemeClr val="dk1"/>
-          </a:fontRef>
-        </p:style>
-        <p:txBody>
-          <a:bodyPr/>
-          <a:lstStyle/>
-          <a:p>
-            <a:r>
-              <a:rPr lang="en-US" dirty="0" err="1"/>
-              <a:t>BuildOn</a:t>
-            </a:r>
-            <a:endParaRPr lang="en-US" dirty="0"/>
-          </a:p>
-        </p:txBody>
-      </p:sp>
-      <p:sp>
-        <p:nvSpPr>
-          <p:cNvPr id="9" name="Content Placeholder 8">
-            <a:extLst>
-              <a:ext uri="{FF2B5EF4-FFF2-40B4-BE49-F238E27FC236}">
-                <a16:creationId xmlns:a16="http://schemas.microsoft.com/office/drawing/2014/main" id="{2C8FCC58-3F18-417F-873E-B7E9C6914DC8}"/>
-              </a:ext>
-            </a:extLst>
-          </p:cNvPr>
-          <p:cNvSpPr>
-            <a:spLocks noGrp="1"/>
-          </p:cNvSpPr>
-          <p:nvPr>
-            <p:ph idx="1"/>
-          </p:nvPr>
-        </p:nvSpPr>
-        <p:spPr/>
-        <p:txBody>
-          <a:bodyPr>
-            <a:normAutofit lnSpcReduction="10000"/>
-          </a:bodyPr>
-          <a:lstStyle/>
-          <a:p>
-            <a:r>
-              <a:rPr lang="en-US" dirty="0"/>
-              <a:t>Session #3</a:t>
-            </a:r>
-          </a:p>
-          <a:p>
-            <a:pPr lvl="1"/>
-            <a:r>
-              <a:rPr lang="en-US" dirty="0" err="1"/>
-              <a:t>DirNav</a:t>
-            </a:r>
-            <a:endParaRPr lang="en-US" dirty="0"/>
-          </a:p>
-          <a:p>
-            <a:r>
-              <a:rPr lang="en-US" dirty="0"/>
-              <a:t>Session #4</a:t>
-            </a:r>
-          </a:p>
-          <a:p>
-            <a:pPr lvl="1"/>
-            <a:r>
-              <a:rPr lang="en-US" dirty="0" err="1"/>
-              <a:t>CmdlnParser</a:t>
-            </a:r>
-            <a:endParaRPr lang="en-US" dirty="0"/>
-          </a:p>
-          <a:p>
-            <a:r>
-              <a:rPr lang="en-US" dirty="0"/>
-              <a:t>Session #5</a:t>
-            </a:r>
-          </a:p>
-          <a:p>
-            <a:pPr lvl="1"/>
-            <a:r>
-              <a:rPr lang="en-US" dirty="0"/>
-              <a:t>Executive &amp; Display</a:t>
-            </a:r>
-          </a:p>
-          <a:p>
-            <a:r>
-              <a:rPr lang="en-US" dirty="0"/>
-              <a:t>Session #6 ?</a:t>
-            </a:r>
-          </a:p>
-          <a:p>
-            <a:pPr lvl="1"/>
-            <a:r>
-              <a:rPr lang="en-US" dirty="0" err="1"/>
-              <a:t>RegEx</a:t>
-            </a:r>
-            <a:r>
-              <a:rPr lang="en-US" dirty="0"/>
-              <a:t> Search</a:t>
-            </a:r>
-          </a:p>
-          <a:p>
-            <a:r>
-              <a:rPr lang="en-US" dirty="0"/>
-              <a:t>Session #7 ?</a:t>
-            </a:r>
-          </a:p>
-          <a:p>
-            <a:pPr lvl="1"/>
-            <a:r>
-              <a:rPr lang="en-US" dirty="0"/>
-              <a:t>Parallel Text Search</a:t>
-            </a:r>
-          </a:p>
-        </p:txBody>
-      </p:sp>
-      <p:sp>
-        <p:nvSpPr>
-          <p:cNvPr id="2" name="Slide Number Placeholder 1">
-            <a:extLst>
-              <a:ext uri="{FF2B5EF4-FFF2-40B4-BE49-F238E27FC236}">
-                <a16:creationId xmlns:a16="http://schemas.microsoft.com/office/drawing/2014/main" id="{E37473D5-026A-4DEB-BE20-F955B3040004}"/>
-              </a:ext>
-            </a:extLst>
-          </p:cNvPr>
-          <p:cNvSpPr>
-            <a:spLocks noGrp="1"/>
-          </p:cNvSpPr>
-          <p:nvPr>
-            <p:ph type="sldNum" sz="quarter" idx="12"/>
-          </p:nvPr>
-        </p:nvSpPr>
-        <p:spPr/>
-        <p:txBody>
-          <a:bodyPr/>
-          <a:lstStyle/>
-          <a:p>
-            <a:fld id="{9BDD3687-D8FB-4AFD-9AD8-D913B777D7F7}" type="slidenum">
-              <a:rPr lang="en-US" smtClean="0"/>
-              <a:t>8</a:t>
-            </a:fld>
-            <a:endParaRPr lang="en-US" dirty="0"/>
-          </a:p>
-        </p:txBody>
-      </p:sp>
-    </p:spTree>
-    <p:extLst>
-      <p:ext uri="{BB962C8B-B14F-4D97-AF65-F5344CB8AC3E}">
-        <p14:creationId xmlns:p14="http://schemas.microsoft.com/office/powerpoint/2010/main" val="450875661"/>
-      </p:ext>
-    </p:extLst>
-  </p:cSld>
-  <p:clrMapOvr>
-    <a:masterClrMapping/>
-  </p:clrMapOvr>
-</p:sld>
-</file>
-
-<file path=ppt/slides/slide9.xml><?xml version="1.0" encoding="utf-8"?>
-<p:sld xmlns:a="http://schemas.openxmlformats.org/drawingml/2006/main" xmlns:r="http://schemas.openxmlformats.org/officeDocument/2006/relationships" xmlns:p="http://schemas.openxmlformats.org/presentationml/2006/main">
-  <p:cSld>
-    <p:spTree>
-      <p:nvGrpSpPr>
-        <p:cNvPr id="1" name=""/>
-        <p:cNvGrpSpPr/>
-        <p:nvPr/>
-      </p:nvGrpSpPr>
-      <p:grpSpPr>
-        <a:xfrm>
-          <a:off x="0" y="0"/>
-          <a:ext cx="0" cy="0"/>
-          <a:chOff x="0" y="0"/>
-          <a:chExt cx="0" cy="0"/>
-        </a:xfrm>
-      </p:grpSpPr>
-      <p:sp>
-        <p:nvSpPr>
-          <p:cNvPr id="4" name="Title 3">
-            <a:extLst>
-              <a:ext uri="{FF2B5EF4-FFF2-40B4-BE49-F238E27FC236}">
-                <a16:creationId xmlns:a16="http://schemas.microsoft.com/office/drawing/2014/main" id="{E21D365E-E47D-40C4-B27C-EB8ECB058426}"/>
-              </a:ext>
-            </a:extLst>
-          </p:cNvPr>
-          <p:cNvSpPr>
-            <a:spLocks noGrp="1"/>
-          </p:cNvSpPr>
-          <p:nvPr>
-            <p:ph type="title"/>
-          </p:nvPr>
-        </p:nvSpPr>
-        <p:spPr/>
-        <p:txBody>
-          <a:bodyPr/>
-          <a:lstStyle/>
-          <a:p>
-            <a:r>
-              <a:rPr lang="en-US" dirty="0"/>
-              <a:t>That’s All Folks!</a:t>
-            </a:r>
-          </a:p>
-        </p:txBody>
-      </p:sp>
-      <p:sp>
-        <p:nvSpPr>
-          <p:cNvPr id="2" name="Slide Number Placeholder 1">
-            <a:extLst>
-              <a:ext uri="{FF2B5EF4-FFF2-40B4-BE49-F238E27FC236}">
-                <a16:creationId xmlns:a16="http://schemas.microsoft.com/office/drawing/2014/main" id="{C6E519B8-ABD9-4F38-BDEC-D01F1E7668C9}"/>
-              </a:ext>
-            </a:extLst>
-          </p:cNvPr>
-          <p:cNvSpPr>
-            <a:spLocks noGrp="1"/>
-          </p:cNvSpPr>
-          <p:nvPr>
-            <p:ph type="sldNum" sz="quarter" idx="12"/>
-          </p:nvPr>
-        </p:nvSpPr>
-        <p:spPr/>
-        <p:txBody>
-          <a:bodyPr/>
-          <a:lstStyle/>
-          <a:p>
-            <a:fld id="{9BDD3687-D8FB-4AFD-9AD8-D913B777D7F7}" type="slidenum">
-              <a:rPr lang="en-US" sz="1600" smtClean="0"/>
-              <a:t>9</a:t>
-            </a:fld>
-            <a:endParaRPr lang="en-US" sz="1600" dirty="0"/>
-          </a:p>
-        </p:txBody>
-      </p:sp>
-    </p:spTree>
-    <p:extLst>
-      <p:ext uri="{BB962C8B-B14F-4D97-AF65-F5344CB8AC3E}">
-        <p14:creationId xmlns:p14="http://schemas.microsoft.com/office/powerpoint/2010/main" val="702867322"/>
       </p:ext>
     </p:extLst>
   </p:cSld>

--- a/Resources/Build-On-2.pptx
+++ b/Resources/Build-On-2.pptx
@@ -5,23 +5,24 @@
     <p:sldMasterId id="2147483648" r:id="rId1"/>
   </p:sldMasterIdLst>
   <p:notesMasterIdLst>
-    <p:notesMasterId r:id="rId16"/>
+    <p:notesMasterId r:id="rId17"/>
   </p:notesMasterIdLst>
   <p:sldIdLst>
     <p:sldId id="264" r:id="rId2"/>
     <p:sldId id="256" r:id="rId3"/>
     <p:sldId id="266" r:id="rId4"/>
     <p:sldId id="265" r:id="rId5"/>
-    <p:sldId id="267" r:id="rId6"/>
-    <p:sldId id="268" r:id="rId7"/>
-    <p:sldId id="269" r:id="rId8"/>
-    <p:sldId id="259" r:id="rId9"/>
-    <p:sldId id="260" r:id="rId10"/>
-    <p:sldId id="261" r:id="rId11"/>
-    <p:sldId id="262" r:id="rId12"/>
-    <p:sldId id="263" r:id="rId13"/>
-    <p:sldId id="258" r:id="rId14"/>
-    <p:sldId id="257" r:id="rId15"/>
+    <p:sldId id="270" r:id="rId6"/>
+    <p:sldId id="267" r:id="rId7"/>
+    <p:sldId id="268" r:id="rId8"/>
+    <p:sldId id="269" r:id="rId9"/>
+    <p:sldId id="271" r:id="rId10"/>
+    <p:sldId id="260" r:id="rId11"/>
+    <p:sldId id="261" r:id="rId12"/>
+    <p:sldId id="262" r:id="rId13"/>
+    <p:sldId id="263" r:id="rId14"/>
+    <p:sldId id="258" r:id="rId15"/>
+    <p:sldId id="257" r:id="rId16"/>
   </p:sldIdLst>
   <p:sldSz cx="12192000" cy="6858000"/>
   <p:notesSz cx="6858000" cy="9144000"/>
@@ -3795,6 +3796,398 @@
 </file>
 
 <file path=ppt/slides/slide10.xml><?xml version="1.0" encoding="utf-8"?>
+<p:sld xmlns:a="http://schemas.openxmlformats.org/drawingml/2006/main" xmlns:r="http://schemas.openxmlformats.org/officeDocument/2006/relationships" xmlns:p="http://schemas.openxmlformats.org/presentationml/2006/main">
+  <p:cSld>
+    <p:spTree>
+      <p:nvGrpSpPr>
+        <p:cNvPr id="1" name=""/>
+        <p:cNvGrpSpPr/>
+        <p:nvPr/>
+      </p:nvGrpSpPr>
+      <p:grpSpPr>
+        <a:xfrm>
+          <a:off x="0" y="0"/>
+          <a:ext cx="0" cy="0"/>
+          <a:chOff x="0" y="0"/>
+          <a:chExt cx="0" cy="0"/>
+        </a:xfrm>
+      </p:grpSpPr>
+      <p:sp>
+        <p:nvSpPr>
+          <p:cNvPr id="2" name="Title 1">
+            <a:extLst>
+              <a:ext uri="{FF2B5EF4-FFF2-40B4-BE49-F238E27FC236}">
+                <a16:creationId xmlns:a16="http://schemas.microsoft.com/office/drawing/2014/main" id="{A4A1A110-42E1-4A35-92C4-A678FFE8A307}"/>
+              </a:ext>
+            </a:extLst>
+          </p:cNvPr>
+          <p:cNvSpPr>
+            <a:spLocks noGrp="1"/>
+          </p:cNvSpPr>
+          <p:nvPr>
+            <p:ph type="title"/>
+          </p:nvPr>
+        </p:nvSpPr>
+        <p:spPr>
+          <a:xfrm>
+            <a:off x="839788" y="336551"/>
+            <a:ext cx="10515600" cy="913606"/>
+          </a:xfrm>
+          <a:solidFill>
+            <a:schemeClr val="accent3">
+              <a:lumMod val="20000"/>
+              <a:lumOff val="80000"/>
+            </a:schemeClr>
+          </a:solidFill>
+        </p:spPr>
+        <p:style>
+          <a:lnRef idx="2">
+            <a:schemeClr val="accent3"/>
+          </a:lnRef>
+          <a:fillRef idx="1">
+            <a:schemeClr val="lt1"/>
+          </a:fillRef>
+          <a:effectRef idx="0">
+            <a:schemeClr val="accent3"/>
+          </a:effectRef>
+          <a:fontRef idx="minor">
+            <a:schemeClr val="dk1"/>
+          </a:fontRef>
+        </p:style>
+        <p:txBody>
+          <a:bodyPr/>
+          <a:lstStyle/>
+          <a:p>
+            <a:r>
+              <a:rPr lang="en-US" dirty="0"/>
+              <a:t>Next </a:t>
+            </a:r>
+            <a:r>
+              <a:rPr lang="en-US" dirty="0" err="1"/>
+              <a:t>BuildOn</a:t>
+            </a:r>
+            <a:r>
+              <a:rPr lang="en-US" dirty="0"/>
+              <a:t> – Session #3 – </a:t>
+            </a:r>
+            <a:r>
+              <a:rPr lang="en-US" dirty="0" err="1"/>
+              <a:t>DirNav</a:t>
+            </a:r>
+            <a:endParaRPr lang="en-US" dirty="0"/>
+          </a:p>
+        </p:txBody>
+      </p:sp>
+      <p:sp>
+        <p:nvSpPr>
+          <p:cNvPr id="4" name="Text Placeholder 3">
+            <a:extLst>
+              <a:ext uri="{FF2B5EF4-FFF2-40B4-BE49-F238E27FC236}">
+                <a16:creationId xmlns:a16="http://schemas.microsoft.com/office/drawing/2014/main" id="{72EBEF3F-5A6C-4669-B46A-2439E922063E}"/>
+              </a:ext>
+            </a:extLst>
+          </p:cNvPr>
+          <p:cNvSpPr>
+            <a:spLocks noGrp="1"/>
+          </p:cNvSpPr>
+          <p:nvPr>
+            <p:ph type="body" idx="1"/>
+          </p:nvPr>
+        </p:nvSpPr>
+        <p:spPr>
+          <a:xfrm>
+            <a:off x="839788" y="1474034"/>
+            <a:ext cx="5157787" cy="773858"/>
+          </a:xfrm>
+        </p:spPr>
+        <p:txBody>
+          <a:bodyPr>
+            <a:normAutofit/>
+          </a:bodyPr>
+          <a:lstStyle/>
+          <a:p>
+            <a:r>
+              <a:rPr lang="en-US" sz="2800" dirty="0"/>
+              <a:t>Project Packages</a:t>
+            </a:r>
+          </a:p>
+        </p:txBody>
+      </p:sp>
+      <p:sp>
+        <p:nvSpPr>
+          <p:cNvPr id="3" name="Content Placeholder 2">
+            <a:extLst>
+              <a:ext uri="{FF2B5EF4-FFF2-40B4-BE49-F238E27FC236}">
+                <a16:creationId xmlns:a16="http://schemas.microsoft.com/office/drawing/2014/main" id="{0CAF5A3B-6F24-4AF6-9031-2F2B88373BE3}"/>
+              </a:ext>
+            </a:extLst>
+          </p:cNvPr>
+          <p:cNvSpPr>
+            <a:spLocks noGrp="1"/>
+          </p:cNvSpPr>
+          <p:nvPr>
+            <p:ph sz="half" idx="2"/>
+          </p:nvPr>
+        </p:nvSpPr>
+        <p:spPr>
+          <a:xfrm>
+            <a:off x="839788" y="2500314"/>
+            <a:ext cx="5157787" cy="3460742"/>
+          </a:xfrm>
+          <a:ln/>
+        </p:spPr>
+        <p:style>
+          <a:lnRef idx="2">
+            <a:schemeClr val="accent3"/>
+          </a:lnRef>
+          <a:fillRef idx="1">
+            <a:schemeClr val="lt1"/>
+          </a:fillRef>
+          <a:effectRef idx="0">
+            <a:schemeClr val="accent3"/>
+          </a:effectRef>
+          <a:fontRef idx="minor">
+            <a:schemeClr val="dk1"/>
+          </a:fontRef>
+        </p:style>
+        <p:txBody>
+          <a:bodyPr/>
+          <a:lstStyle/>
+          <a:p>
+            <a:r>
+              <a:rPr lang="en-US" dirty="0">
+                <a:hlinkClick r:id="rId2"/>
+              </a:rPr>
+              <a:t>Step #1</a:t>
+            </a:r>
+            <a:r>
+              <a:rPr lang="en-US" dirty="0"/>
+              <a:t> – Quick Review</a:t>
+            </a:r>
+          </a:p>
+          <a:p>
+            <a:pPr lvl="1"/>
+            <a:r>
+              <a:rPr lang="en-US" dirty="0"/>
+              <a:t>Text Search package</a:t>
+            </a:r>
+          </a:p>
+          <a:p>
+            <a:pPr lvl="1"/>
+            <a:r>
+              <a:rPr lang="en-US" dirty="0"/>
+              <a:t>Posted solution</a:t>
+            </a:r>
+          </a:p>
+          <a:p>
+            <a:r>
+              <a:rPr lang="en-US" dirty="0">
+                <a:hlinkClick r:id="rId3" action="ppaction://hlinkfile"/>
+              </a:rPr>
+              <a:t>Step #2</a:t>
+            </a:r>
+            <a:r>
+              <a:rPr lang="en-US" dirty="0"/>
+              <a:t> - </a:t>
+            </a:r>
+            <a:r>
+              <a:rPr lang="en-US" dirty="0" err="1"/>
+              <a:t>DirNav</a:t>
+            </a:r>
+            <a:endParaRPr lang="en-US" dirty="0"/>
+          </a:p>
+          <a:p>
+            <a:pPr lvl="1"/>
+            <a:r>
+              <a:rPr lang="en-US" dirty="0" err="1"/>
+              <a:t>DirNav</a:t>
+            </a:r>
+            <a:r>
+              <a:rPr lang="en-US" dirty="0"/>
+              <a:t> package spec</a:t>
+            </a:r>
+          </a:p>
+          <a:p>
+            <a:pPr lvl="1"/>
+            <a:r>
+              <a:rPr lang="en-US" dirty="0"/>
+              <a:t>Look at Starter Code</a:t>
+            </a:r>
+          </a:p>
+        </p:txBody>
+      </p:sp>
+      <p:sp>
+        <p:nvSpPr>
+          <p:cNvPr id="5" name="Text Placeholder 4">
+            <a:extLst>
+              <a:ext uri="{FF2B5EF4-FFF2-40B4-BE49-F238E27FC236}">
+                <a16:creationId xmlns:a16="http://schemas.microsoft.com/office/drawing/2014/main" id="{A061DA82-BF3E-4C99-B8B8-8633F2569885}"/>
+              </a:ext>
+            </a:extLst>
+          </p:cNvPr>
+          <p:cNvSpPr>
+            <a:spLocks noGrp="1"/>
+          </p:cNvSpPr>
+          <p:nvPr>
+            <p:ph type="body" sz="quarter" idx="3"/>
+          </p:nvPr>
+        </p:nvSpPr>
+        <p:spPr>
+          <a:xfrm>
+            <a:off x="6172200" y="1474034"/>
+            <a:ext cx="5183188" cy="773858"/>
+          </a:xfrm>
+        </p:spPr>
+        <p:txBody>
+          <a:bodyPr>
+            <a:normAutofit/>
+          </a:bodyPr>
+          <a:lstStyle/>
+          <a:p>
+            <a:r>
+              <a:rPr lang="en-US" sz="2800" dirty="0"/>
+              <a:t>Rust</a:t>
+            </a:r>
+          </a:p>
+        </p:txBody>
+      </p:sp>
+      <p:sp>
+        <p:nvSpPr>
+          <p:cNvPr id="6" name="Content Placeholder 5">
+            <a:extLst>
+              <a:ext uri="{FF2B5EF4-FFF2-40B4-BE49-F238E27FC236}">
+                <a16:creationId xmlns:a16="http://schemas.microsoft.com/office/drawing/2014/main" id="{730A4F1F-A3A0-46E6-901D-EB9D60C3E169}"/>
+              </a:ext>
+            </a:extLst>
+          </p:cNvPr>
+          <p:cNvSpPr>
+            <a:spLocks noGrp="1"/>
+          </p:cNvSpPr>
+          <p:nvPr>
+            <p:ph sz="quarter" idx="4"/>
+          </p:nvPr>
+        </p:nvSpPr>
+        <p:spPr>
+          <a:xfrm>
+            <a:off x="6172200" y="2471739"/>
+            <a:ext cx="5183188" cy="3460742"/>
+          </a:xfrm>
+          <a:ln/>
+        </p:spPr>
+        <p:style>
+          <a:lnRef idx="2">
+            <a:schemeClr val="accent3"/>
+          </a:lnRef>
+          <a:fillRef idx="1">
+            <a:schemeClr val="lt1"/>
+          </a:fillRef>
+          <a:effectRef idx="0">
+            <a:schemeClr val="accent3"/>
+          </a:effectRef>
+          <a:fontRef idx="minor">
+            <a:schemeClr val="dk1"/>
+          </a:fontRef>
+        </p:style>
+        <p:txBody>
+          <a:bodyPr/>
+          <a:lstStyle/>
+          <a:p>
+            <a:r>
+              <a:rPr lang="en-US" dirty="0">
+                <a:hlinkClick r:id="rId4"/>
+              </a:rPr>
+              <a:t>Enumerations</a:t>
+            </a:r>
+            <a:endParaRPr lang="en-US" dirty="0">
+              <a:hlinkClick r:id="rId5"/>
+            </a:endParaRPr>
+          </a:p>
+          <a:p>
+            <a:r>
+              <a:rPr lang="en-US" dirty="0">
+                <a:hlinkClick r:id="rId6"/>
+              </a:rPr>
+              <a:t>Error Handling</a:t>
+            </a:r>
+            <a:endParaRPr lang="en-US" dirty="0">
+              <a:hlinkClick r:id="rId7" action="ppaction://hlinkfile"/>
+            </a:endParaRPr>
+          </a:p>
+          <a:p>
+            <a:r>
+              <a:rPr lang="en-US" dirty="0">
+                <a:hlinkClick r:id="rId8"/>
+              </a:rPr>
+              <a:t>Conversions</a:t>
+            </a:r>
+            <a:endParaRPr lang="en-US" dirty="0"/>
+          </a:p>
+          <a:p>
+            <a:r>
+              <a:rPr lang="en-US" dirty="0">
+                <a:hlinkClick r:id="rId9"/>
+              </a:rPr>
+              <a:t>Generics &amp;Traits</a:t>
+            </a:r>
+            <a:endParaRPr lang="en-US" dirty="0"/>
+          </a:p>
+          <a:p>
+            <a:r>
+              <a:rPr lang="en-US" dirty="0"/>
+              <a:t>Answer Questions</a:t>
+            </a:r>
+          </a:p>
+          <a:p>
+            <a:pPr marL="0" indent="0">
+              <a:buNone/>
+            </a:pPr>
+            <a:endParaRPr lang="en-US" dirty="0"/>
+          </a:p>
+        </p:txBody>
+      </p:sp>
+      <p:sp>
+        <p:nvSpPr>
+          <p:cNvPr id="7" name="Slide Number Placeholder 6">
+            <a:extLst>
+              <a:ext uri="{FF2B5EF4-FFF2-40B4-BE49-F238E27FC236}">
+                <a16:creationId xmlns:a16="http://schemas.microsoft.com/office/drawing/2014/main" id="{7BE766EE-57BC-4C75-975A-F51860811B5A}"/>
+              </a:ext>
+            </a:extLst>
+          </p:cNvPr>
+          <p:cNvSpPr>
+            <a:spLocks noGrp="1"/>
+          </p:cNvSpPr>
+          <p:nvPr>
+            <p:ph type="sldNum" sz="quarter" idx="12"/>
+          </p:nvPr>
+        </p:nvSpPr>
+        <p:spPr/>
+        <p:txBody>
+          <a:bodyPr/>
+          <a:lstStyle/>
+          <a:p>
+            <a:fld id="{9BDD3687-D8FB-4AFD-9AD8-D913B777D7F7}" type="slidenum">
+              <a:rPr lang="en-US" sz="1600" smtClean="0"/>
+              <a:t>10</a:t>
+            </a:fld>
+            <a:endParaRPr lang="en-US" sz="1600" dirty="0"/>
+          </a:p>
+        </p:txBody>
+      </p:sp>
+    </p:spTree>
+    <p:extLst>
+      <p:ext uri="{BB962C8B-B14F-4D97-AF65-F5344CB8AC3E}">
+        <p14:creationId xmlns:p14="http://schemas.microsoft.com/office/powerpoint/2010/main" val="3150932224"/>
+      </p:ext>
+    </p:extLst>
+  </p:cSld>
+  <p:clrMapOvr>
+    <a:masterClrMapping/>
+  </p:clrMapOvr>
+</p:sld>
+</file>
+
+<file path=ppt/slides/slide11.xml><?xml version="1.0" encoding="utf-8"?>
 <p:sld xmlns:a="http://schemas.openxmlformats.org/drawingml/2006/main" xmlns:r="http://schemas.openxmlformats.org/officeDocument/2006/relationships" xmlns:p="http://schemas.openxmlformats.org/presentationml/2006/main" show="0">
   <p:cSld>
     <p:spTree>
@@ -4138,7 +4531,7 @@
           <a:p>
             <a:fld id="{9BDD3687-D8FB-4AFD-9AD8-D913B777D7F7}" type="slidenum">
               <a:rPr lang="en-US" sz="1600" smtClean="0"/>
-              <a:t>10</a:t>
+              <a:t>11</a:t>
             </a:fld>
             <a:endParaRPr lang="en-US" sz="1600" dirty="0"/>
           </a:p>
@@ -4157,7 +4550,7 @@
 </p:sld>
 </file>
 
-<file path=ppt/slides/slide11.xml><?xml version="1.0" encoding="utf-8"?>
+<file path=ppt/slides/slide12.xml><?xml version="1.0" encoding="utf-8"?>
 <p:sld xmlns:a="http://schemas.openxmlformats.org/drawingml/2006/main" xmlns:r="http://schemas.openxmlformats.org/officeDocument/2006/relationships" xmlns:p="http://schemas.openxmlformats.org/presentationml/2006/main">
   <p:cSld>
     <p:spTree>
@@ -4346,7 +4739,7 @@
           <a:p>
             <a:fld id="{9BDD3687-D8FB-4AFD-9AD8-D913B777D7F7}" type="slidenum">
               <a:rPr lang="en-US" smtClean="0"/>
-              <a:t>11</a:t>
+              <a:t>12</a:t>
             </a:fld>
             <a:endParaRPr lang="en-US" dirty="0"/>
           </a:p>
@@ -4365,7 +4758,7 @@
 </p:sld>
 </file>
 
-<file path=ppt/slides/slide12.xml><?xml version="1.0" encoding="utf-8"?>
+<file path=ppt/slides/slide13.xml><?xml version="1.0" encoding="utf-8"?>
 <p:sld xmlns:a="http://schemas.openxmlformats.org/drawingml/2006/main" xmlns:r="http://schemas.openxmlformats.org/officeDocument/2006/relationships" xmlns:p="http://schemas.openxmlformats.org/presentationml/2006/main">
   <p:cSld>
     <p:spTree>
@@ -4433,7 +4826,7 @@
           <a:p>
             <a:fld id="{9BDD3687-D8FB-4AFD-9AD8-D913B777D7F7}" type="slidenum">
               <a:rPr lang="en-US" sz="1600" smtClean="0"/>
-              <a:t>12</a:t>
+              <a:t>13</a:t>
             </a:fld>
             <a:endParaRPr lang="en-US" sz="1600" dirty="0"/>
           </a:p>
@@ -4443,191 +4836,6 @@
     <p:extLst>
       <p:ext uri="{BB962C8B-B14F-4D97-AF65-F5344CB8AC3E}">
         <p14:creationId xmlns:p14="http://schemas.microsoft.com/office/powerpoint/2010/main" val="702867322"/>
-      </p:ext>
-    </p:extLst>
-  </p:cSld>
-  <p:clrMapOvr>
-    <a:masterClrMapping/>
-  </p:clrMapOvr>
-</p:sld>
-</file>
-
-<file path=ppt/slides/slide13.xml><?xml version="1.0" encoding="utf-8"?>
-<p:sld xmlns:a="http://schemas.openxmlformats.org/drawingml/2006/main" xmlns:r="http://schemas.openxmlformats.org/officeDocument/2006/relationships" xmlns:p="http://schemas.openxmlformats.org/presentationml/2006/main" show="0">
-  <p:cSld>
-    <p:spTree>
-      <p:nvGrpSpPr>
-        <p:cNvPr id="1" name=""/>
-        <p:cNvGrpSpPr/>
-        <p:nvPr/>
-      </p:nvGrpSpPr>
-      <p:grpSpPr>
-        <a:xfrm>
-          <a:off x="0" y="0"/>
-          <a:ext cx="0" cy="0"/>
-          <a:chOff x="0" y="0"/>
-          <a:chExt cx="0" cy="0"/>
-        </a:xfrm>
-      </p:grpSpPr>
-      <p:sp>
-        <p:nvSpPr>
-          <p:cNvPr id="2" name="Title 1">
-            <a:extLst>
-              <a:ext uri="{FF2B5EF4-FFF2-40B4-BE49-F238E27FC236}">
-                <a16:creationId xmlns:a16="http://schemas.microsoft.com/office/drawing/2014/main" id="{3A1D5CF7-0D4F-4BAE-BA2C-566B721B4B29}"/>
-              </a:ext>
-            </a:extLst>
-          </p:cNvPr>
-          <p:cNvSpPr>
-            <a:spLocks noGrp="1"/>
-          </p:cNvSpPr>
-          <p:nvPr>
-            <p:ph type="title"/>
-          </p:nvPr>
-        </p:nvSpPr>
-        <p:spPr/>
-        <p:style>
-          <a:lnRef idx="2">
-            <a:schemeClr val="accent3"/>
-          </a:lnRef>
-          <a:fillRef idx="1">
-            <a:schemeClr val="lt1"/>
-          </a:fillRef>
-          <a:effectRef idx="0">
-            <a:schemeClr val="accent3"/>
-          </a:effectRef>
-          <a:fontRef idx="minor">
-            <a:schemeClr val="dk1"/>
-          </a:fontRef>
-        </p:style>
-        <p:txBody>
-          <a:bodyPr/>
-          <a:lstStyle/>
-          <a:p>
-            <a:r>
-              <a:rPr lang="en-US" dirty="0"/>
-              <a:t>Build-On Motivation</a:t>
-            </a:r>
-          </a:p>
-        </p:txBody>
-      </p:sp>
-      <p:sp>
-        <p:nvSpPr>
-          <p:cNvPr id="3" name="Content Placeholder 2">
-            <a:extLst>
-              <a:ext uri="{FF2B5EF4-FFF2-40B4-BE49-F238E27FC236}">
-                <a16:creationId xmlns:a16="http://schemas.microsoft.com/office/drawing/2014/main" id="{0E456118-B98A-4F38-8E30-CD16C343A8CA}"/>
-              </a:ext>
-            </a:extLst>
-          </p:cNvPr>
-          <p:cNvSpPr>
-            <a:spLocks noGrp="1"/>
-          </p:cNvSpPr>
-          <p:nvPr>
-            <p:ph idx="1"/>
-          </p:nvPr>
-        </p:nvSpPr>
-        <p:spPr/>
-        <p:txBody>
-          <a:bodyPr/>
-          <a:lstStyle/>
-          <a:p>
-            <a:r>
-              <a:rPr lang="en-US" dirty="0"/>
-              <a:t>Participate in a developer community interested in learning Rust</a:t>
-            </a:r>
-          </a:p>
-          <a:p>
-            <a:r>
-              <a:rPr lang="en-US" dirty="0"/>
-              <a:t>Stay in contact with SU Computer Engineering and Computer Science alumni</a:t>
-            </a:r>
-          </a:p>
-          <a:p>
-            <a:r>
-              <a:rPr lang="en-US" dirty="0"/>
-              <a:t>Support conversations about Rust and other interesting tech topics</a:t>
-            </a:r>
-          </a:p>
-          <a:p>
-            <a:pPr lvl="1"/>
-            <a:r>
-              <a:rPr lang="en-US" dirty="0"/>
-              <a:t>Encourage both active learners and curious browsers</a:t>
-            </a:r>
-          </a:p>
-          <a:p>
-            <a:r>
-              <a:rPr lang="en-US" dirty="0"/>
-              <a:t>Rust is a very clever language supporting development of secure, high performance code (same ballpark as C++ without </a:t>
-            </a:r>
-            <a:r>
-              <a:rPr lang="en-US"/>
-              <a:t>undefined behavior)</a:t>
-            </a:r>
-            <a:endParaRPr lang="en-US" dirty="0"/>
-          </a:p>
-          <a:p>
-            <a:pPr lvl="1"/>
-            <a:r>
-              <a:rPr lang="en-US" dirty="0"/>
-              <a:t>Rust website lists 138 companies using Rust in production</a:t>
-            </a:r>
-          </a:p>
-          <a:p>
-            <a:pPr lvl="1"/>
-            <a:r>
-              <a:rPr lang="en-US" dirty="0" err="1"/>
-              <a:t>Tiobe</a:t>
-            </a:r>
-            <a:r>
-              <a:rPr lang="en-US" dirty="0"/>
-              <a:t> lists rust as 25</a:t>
-            </a:r>
-            <a:r>
-              <a:rPr lang="en-US" baseline="30000" dirty="0"/>
-              <a:t>th</a:t>
-            </a:r>
-            <a:r>
-              <a:rPr lang="en-US" dirty="0"/>
-              <a:t> in their language popularity index (Oct 2020).  </a:t>
-            </a:r>
-          </a:p>
-        </p:txBody>
-      </p:sp>
-      <p:sp>
-        <p:nvSpPr>
-          <p:cNvPr id="4" name="Slide Number Placeholder 3">
-            <a:extLst>
-              <a:ext uri="{FF2B5EF4-FFF2-40B4-BE49-F238E27FC236}">
-                <a16:creationId xmlns:a16="http://schemas.microsoft.com/office/drawing/2014/main" id="{BF83AA05-66BB-431F-BE9C-9A286F190FEF}"/>
-              </a:ext>
-            </a:extLst>
-          </p:cNvPr>
-          <p:cNvSpPr>
-            <a:spLocks noGrp="1"/>
-          </p:cNvSpPr>
-          <p:nvPr>
-            <p:ph type="sldNum" sz="quarter" idx="12"/>
-          </p:nvPr>
-        </p:nvSpPr>
-        <p:spPr/>
-        <p:txBody>
-          <a:bodyPr/>
-          <a:lstStyle/>
-          <a:p>
-            <a:fld id="{9BDD3687-D8FB-4AFD-9AD8-D913B777D7F7}" type="slidenum">
-              <a:rPr lang="en-US" smtClean="0"/>
-              <a:t>13</a:t>
-            </a:fld>
-            <a:endParaRPr lang="en-US" dirty="0"/>
-          </a:p>
-        </p:txBody>
-      </p:sp>
-    </p:spTree>
-    <p:extLst>
-      <p:ext uri="{BB962C8B-B14F-4D97-AF65-F5344CB8AC3E}">
-        <p14:creationId xmlns:p14="http://schemas.microsoft.com/office/powerpoint/2010/main" val="664003782"/>
       </p:ext>
     </p:extLst>
   </p:cSld>
@@ -4659,7 +4867,7 @@
           <p:cNvPr id="2" name="Title 1">
             <a:extLst>
               <a:ext uri="{FF2B5EF4-FFF2-40B4-BE49-F238E27FC236}">
-                <a16:creationId xmlns:a16="http://schemas.microsoft.com/office/drawing/2014/main" id="{3B51CB06-20F9-4D5D-9E36-87C19142DB53}"/>
+                <a16:creationId xmlns:a16="http://schemas.microsoft.com/office/drawing/2014/main" id="{3A1D5CF7-0D4F-4BAE-BA2C-566B721B4B29}"/>
               </a:ext>
             </a:extLst>
           </p:cNvPr>
@@ -4691,7 +4899,7 @@
           <a:p>
             <a:r>
               <a:rPr lang="en-US" dirty="0"/>
-              <a:t>Build-On Process</a:t>
+              <a:t>Build-On Motivation</a:t>
             </a:r>
           </a:p>
         </p:txBody>
@@ -4701,7 +4909,7 @@
           <p:cNvPr id="3" name="Content Placeholder 2">
             <a:extLst>
               <a:ext uri="{FF2B5EF4-FFF2-40B4-BE49-F238E27FC236}">
-                <a16:creationId xmlns:a16="http://schemas.microsoft.com/office/drawing/2014/main" id="{62CE037D-55B8-4B3B-A046-34952BCB0114}"/>
+                <a16:creationId xmlns:a16="http://schemas.microsoft.com/office/drawing/2014/main" id="{0E456118-B98A-4F38-8E30-CD16C343A8CA}"/>
               </a:ext>
             </a:extLst>
           </p:cNvPr>
@@ -4719,73 +4927,63 @@
           <a:p>
             <a:r>
               <a:rPr lang="en-US" dirty="0"/>
-              <a:t>Zoom meeting that:</a:t>
+              <a:t>Participate in a developer community interested in learning Rust</a:t>
+            </a:r>
+          </a:p>
+          <a:p>
+            <a:r>
+              <a:rPr lang="en-US" dirty="0"/>
+              <a:t>Stay in contact with SU Computer Engineering and Computer Science alumni</a:t>
+            </a:r>
+          </a:p>
+          <a:p>
+            <a:r>
+              <a:rPr lang="en-US" dirty="0"/>
+              <a:t>Support conversations about Rust and other interesting tech topics</a:t>
             </a:r>
           </a:p>
           <a:p>
             <a:pPr lvl="1"/>
             <a:r>
               <a:rPr lang="en-US" dirty="0"/>
-              <a:t>Briefly describes motives for using Rust and Rust basic ideas</a:t>
-            </a:r>
+              <a:t>Encourage both active learners and curious browsers</a:t>
+            </a:r>
+          </a:p>
+          <a:p>
+            <a:r>
+              <a:rPr lang="en-US" dirty="0"/>
+              <a:t>Rust is a very clever language supporting development of secure, high performance code (same ballpark as C++ without </a:t>
+            </a:r>
+            <a:r>
+              <a:rPr lang="en-US"/>
+              <a:t>undefined behavior)</a:t>
+            </a:r>
+            <a:endParaRPr lang="en-US" dirty="0"/>
           </a:p>
           <a:p>
             <a:pPr lvl="1"/>
             <a:r>
               <a:rPr lang="en-US" dirty="0"/>
-              <a:t>Provides two or three references</a:t>
+              <a:t>Rust website lists 138 companies using Rust in production</a:t>
             </a:r>
           </a:p>
           <a:p>
             <a:pPr lvl="1"/>
             <a:r>
-              <a:rPr lang="en-US" dirty="0"/>
-              <a:t>identifies a problem and refers to starter code</a:t>
-            </a:r>
-          </a:p>
-          <a:p>
-            <a:pPr lvl="1"/>
-            <a:r>
-              <a:rPr lang="en-US" dirty="0"/>
-              <a:t>Q&amp;A</a:t>
-            </a:r>
-          </a:p>
-          <a:p>
-            <a:r>
-              <a:rPr lang="en-US" dirty="0"/>
-              <a:t>Subsequent meetings </a:t>
-            </a:r>
-          </a:p>
-          <a:p>
-            <a:pPr lvl="1"/>
-            <a:r>
-              <a:rPr lang="en-US" dirty="0"/>
-              <a:t>Briefly describes my solution</a:t>
-            </a:r>
-          </a:p>
-          <a:p>
-            <a:pPr lvl="1"/>
-            <a:r>
-              <a:rPr lang="en-US" dirty="0"/>
-              <a:t>Others may discuss their solutions and/or problems</a:t>
-            </a:r>
-          </a:p>
-          <a:p>
-            <a:pPr lvl="1"/>
-            <a:r>
-              <a:rPr lang="en-US" dirty="0"/>
-              <a:t>Pose next extension </a:t>
-            </a:r>
-            <a:r>
-              <a:rPr lang="en-US"/>
-              <a:t>to problem</a:t>
-            </a:r>
-          </a:p>
-          <a:p>
-            <a:pPr lvl="1"/>
-            <a:r>
-              <a:rPr lang="en-US" dirty="0"/>
-              <a:t>Q&amp;A</a:t>
+              <a:rPr lang="en-US" dirty="0" err="1"/>
+              <a:t>Tiobe</a:t>
+            </a:r>
+            <a:r>
+              <a:rPr lang="en-US" dirty="0"/>
+              <a:t> lists rust as 25</a:t>
+            </a:r>
+            <a:r>
+              <a:rPr lang="en-US" baseline="30000" dirty="0"/>
+              <a:t>th</a:t>
+            </a:r>
+            <a:r>
+              <a:rPr lang="en-US" dirty="0"/>
+              <a:t> in their language popularity index (Oct 2020).  </a:t>
             </a:r>
           </a:p>
         </p:txBody>
@@ -4795,7 +4993,7 @@
           <p:cNvPr id="4" name="Slide Number Placeholder 3">
             <a:extLst>
               <a:ext uri="{FF2B5EF4-FFF2-40B4-BE49-F238E27FC236}">
-                <a16:creationId xmlns:a16="http://schemas.microsoft.com/office/drawing/2014/main" id="{93B6B58E-E41D-4C01-893D-302C6BD53B2F}"/>
+                <a16:creationId xmlns:a16="http://schemas.microsoft.com/office/drawing/2014/main" id="{BF83AA05-66BB-431F-BE9C-9A286F190FEF}"/>
               </a:ext>
             </a:extLst>
           </p:cNvPr>
@@ -4814,6 +5012,201 @@
             <a:fld id="{9BDD3687-D8FB-4AFD-9AD8-D913B777D7F7}" type="slidenum">
               <a:rPr lang="en-US" smtClean="0"/>
               <a:t>14</a:t>
+            </a:fld>
+            <a:endParaRPr lang="en-US" dirty="0"/>
+          </a:p>
+        </p:txBody>
+      </p:sp>
+    </p:spTree>
+    <p:extLst>
+      <p:ext uri="{BB962C8B-B14F-4D97-AF65-F5344CB8AC3E}">
+        <p14:creationId xmlns:p14="http://schemas.microsoft.com/office/powerpoint/2010/main" val="664003782"/>
+      </p:ext>
+    </p:extLst>
+  </p:cSld>
+  <p:clrMapOvr>
+    <a:masterClrMapping/>
+  </p:clrMapOvr>
+</p:sld>
+</file>
+
+<file path=ppt/slides/slide15.xml><?xml version="1.0" encoding="utf-8"?>
+<p:sld xmlns:a="http://schemas.openxmlformats.org/drawingml/2006/main" xmlns:r="http://schemas.openxmlformats.org/officeDocument/2006/relationships" xmlns:p="http://schemas.openxmlformats.org/presentationml/2006/main" show="0">
+  <p:cSld>
+    <p:spTree>
+      <p:nvGrpSpPr>
+        <p:cNvPr id="1" name=""/>
+        <p:cNvGrpSpPr/>
+        <p:nvPr/>
+      </p:nvGrpSpPr>
+      <p:grpSpPr>
+        <a:xfrm>
+          <a:off x="0" y="0"/>
+          <a:ext cx="0" cy="0"/>
+          <a:chOff x="0" y="0"/>
+          <a:chExt cx="0" cy="0"/>
+        </a:xfrm>
+      </p:grpSpPr>
+      <p:sp>
+        <p:nvSpPr>
+          <p:cNvPr id="2" name="Title 1">
+            <a:extLst>
+              <a:ext uri="{FF2B5EF4-FFF2-40B4-BE49-F238E27FC236}">
+                <a16:creationId xmlns:a16="http://schemas.microsoft.com/office/drawing/2014/main" id="{3B51CB06-20F9-4D5D-9E36-87C19142DB53}"/>
+              </a:ext>
+            </a:extLst>
+          </p:cNvPr>
+          <p:cNvSpPr>
+            <a:spLocks noGrp="1"/>
+          </p:cNvSpPr>
+          <p:nvPr>
+            <p:ph type="title"/>
+          </p:nvPr>
+        </p:nvSpPr>
+        <p:spPr/>
+        <p:style>
+          <a:lnRef idx="2">
+            <a:schemeClr val="accent3"/>
+          </a:lnRef>
+          <a:fillRef idx="1">
+            <a:schemeClr val="lt1"/>
+          </a:fillRef>
+          <a:effectRef idx="0">
+            <a:schemeClr val="accent3"/>
+          </a:effectRef>
+          <a:fontRef idx="minor">
+            <a:schemeClr val="dk1"/>
+          </a:fontRef>
+        </p:style>
+        <p:txBody>
+          <a:bodyPr/>
+          <a:lstStyle/>
+          <a:p>
+            <a:r>
+              <a:rPr lang="en-US" dirty="0"/>
+              <a:t>Build-On Process</a:t>
+            </a:r>
+          </a:p>
+        </p:txBody>
+      </p:sp>
+      <p:sp>
+        <p:nvSpPr>
+          <p:cNvPr id="3" name="Content Placeholder 2">
+            <a:extLst>
+              <a:ext uri="{FF2B5EF4-FFF2-40B4-BE49-F238E27FC236}">
+                <a16:creationId xmlns:a16="http://schemas.microsoft.com/office/drawing/2014/main" id="{62CE037D-55B8-4B3B-A046-34952BCB0114}"/>
+              </a:ext>
+            </a:extLst>
+          </p:cNvPr>
+          <p:cNvSpPr>
+            <a:spLocks noGrp="1"/>
+          </p:cNvSpPr>
+          <p:nvPr>
+            <p:ph idx="1"/>
+          </p:nvPr>
+        </p:nvSpPr>
+        <p:spPr/>
+        <p:txBody>
+          <a:bodyPr/>
+          <a:lstStyle/>
+          <a:p>
+            <a:r>
+              <a:rPr lang="en-US" dirty="0"/>
+              <a:t>Zoom meeting that:</a:t>
+            </a:r>
+          </a:p>
+          <a:p>
+            <a:pPr lvl="1"/>
+            <a:r>
+              <a:rPr lang="en-US" dirty="0"/>
+              <a:t>Briefly describes motives for using Rust and Rust basic ideas</a:t>
+            </a:r>
+          </a:p>
+          <a:p>
+            <a:pPr lvl="1"/>
+            <a:r>
+              <a:rPr lang="en-US" dirty="0"/>
+              <a:t>Provides two or three references</a:t>
+            </a:r>
+          </a:p>
+          <a:p>
+            <a:pPr lvl="1"/>
+            <a:r>
+              <a:rPr lang="en-US" dirty="0"/>
+              <a:t>identifies a problem and refers to starter code</a:t>
+            </a:r>
+          </a:p>
+          <a:p>
+            <a:pPr lvl="1"/>
+            <a:r>
+              <a:rPr lang="en-US" dirty="0"/>
+              <a:t>Q&amp;A</a:t>
+            </a:r>
+          </a:p>
+          <a:p>
+            <a:r>
+              <a:rPr lang="en-US" dirty="0"/>
+              <a:t>Subsequent meetings </a:t>
+            </a:r>
+          </a:p>
+          <a:p>
+            <a:pPr lvl="1"/>
+            <a:r>
+              <a:rPr lang="en-US" dirty="0"/>
+              <a:t>Briefly describes my solution</a:t>
+            </a:r>
+          </a:p>
+          <a:p>
+            <a:pPr lvl="1"/>
+            <a:r>
+              <a:rPr lang="en-US" dirty="0"/>
+              <a:t>Others may discuss their solutions and/or problems</a:t>
+            </a:r>
+          </a:p>
+          <a:p>
+            <a:pPr lvl="1"/>
+            <a:r>
+              <a:rPr lang="en-US" dirty="0"/>
+              <a:t>Pose next extension </a:t>
+            </a:r>
+            <a:r>
+              <a:rPr lang="en-US"/>
+              <a:t>to problem</a:t>
+            </a:r>
+          </a:p>
+          <a:p>
+            <a:pPr lvl="1"/>
+            <a:r>
+              <a:rPr lang="en-US" dirty="0"/>
+              <a:t>Q&amp;A</a:t>
+            </a:r>
+          </a:p>
+        </p:txBody>
+      </p:sp>
+      <p:sp>
+        <p:nvSpPr>
+          <p:cNvPr id="4" name="Slide Number Placeholder 3">
+            <a:extLst>
+              <a:ext uri="{FF2B5EF4-FFF2-40B4-BE49-F238E27FC236}">
+                <a16:creationId xmlns:a16="http://schemas.microsoft.com/office/drawing/2014/main" id="{93B6B58E-E41D-4C01-893D-302C6BD53B2F}"/>
+              </a:ext>
+            </a:extLst>
+          </p:cNvPr>
+          <p:cNvSpPr>
+            <a:spLocks noGrp="1"/>
+          </p:cNvSpPr>
+          <p:nvPr>
+            <p:ph type="sldNum" sz="quarter" idx="12"/>
+          </p:nvPr>
+        </p:nvSpPr>
+        <p:spPr/>
+        <p:txBody>
+          <a:bodyPr/>
+          <a:lstStyle/>
+          <a:p>
+            <a:fld id="{9BDD3687-D8FB-4AFD-9AD8-D913B777D7F7}" type="slidenum">
+              <a:rPr lang="en-US" smtClean="0"/>
+              <a:t>15</a:t>
             </a:fld>
             <a:endParaRPr lang="en-US" dirty="0"/>
           </a:p>
@@ -5675,6 +6068,503 @@
       </p:grpSpPr>
       <p:sp>
         <p:nvSpPr>
+          <p:cNvPr id="2" name="Title 1">
+            <a:extLst>
+              <a:ext uri="{FF2B5EF4-FFF2-40B4-BE49-F238E27FC236}">
+                <a16:creationId xmlns:a16="http://schemas.microsoft.com/office/drawing/2014/main" id="{D3AE73BD-78AF-48CB-A9EC-9A86B7485967}"/>
+              </a:ext>
+            </a:extLst>
+          </p:cNvPr>
+          <p:cNvSpPr>
+            <a:spLocks noGrp="1"/>
+          </p:cNvSpPr>
+          <p:nvPr>
+            <p:ph type="title"/>
+          </p:nvPr>
+        </p:nvSpPr>
+        <p:spPr>
+          <a:xfrm>
+            <a:off x="839788" y="336551"/>
+            <a:ext cx="10515600" cy="677862"/>
+          </a:xfrm>
+          <a:solidFill>
+            <a:schemeClr val="accent3">
+              <a:lumMod val="20000"/>
+              <a:lumOff val="80000"/>
+            </a:schemeClr>
+          </a:solidFill>
+        </p:spPr>
+        <p:style>
+          <a:lnRef idx="2">
+            <a:schemeClr val="accent3"/>
+          </a:lnRef>
+          <a:fillRef idx="1">
+            <a:schemeClr val="lt1"/>
+          </a:fillRef>
+          <a:effectRef idx="0">
+            <a:schemeClr val="accent3"/>
+          </a:effectRef>
+          <a:fontRef idx="minor">
+            <a:schemeClr val="dk1"/>
+          </a:fontRef>
+        </p:style>
+        <p:txBody>
+          <a:bodyPr/>
+          <a:lstStyle/>
+          <a:p>
+            <a:r>
+              <a:rPr lang="en-US" dirty="0"/>
+              <a:t> </a:t>
+            </a:r>
+            <a:r>
+              <a:rPr lang="en-US" dirty="0" err="1"/>
+              <a:t>BuildOn</a:t>
+            </a:r>
+            <a:r>
+              <a:rPr lang="en-US" dirty="0"/>
+              <a:t> Session #2 Topics</a:t>
+            </a:r>
+          </a:p>
+        </p:txBody>
+      </p:sp>
+      <p:sp>
+        <p:nvSpPr>
+          <p:cNvPr id="5" name="Text Placeholder 4">
+            <a:extLst>
+              <a:ext uri="{FF2B5EF4-FFF2-40B4-BE49-F238E27FC236}">
+                <a16:creationId xmlns:a16="http://schemas.microsoft.com/office/drawing/2014/main" id="{7CD5485A-FC54-43B5-927E-EE96AF0C3AD5}"/>
+              </a:ext>
+            </a:extLst>
+          </p:cNvPr>
+          <p:cNvSpPr>
+            <a:spLocks noGrp="1"/>
+          </p:cNvSpPr>
+          <p:nvPr>
+            <p:ph type="body" idx="1"/>
+          </p:nvPr>
+        </p:nvSpPr>
+        <p:spPr>
+          <a:xfrm>
+            <a:off x="839788" y="1155917"/>
+            <a:ext cx="5157787" cy="484994"/>
+          </a:xfrm>
+        </p:spPr>
+        <p:txBody>
+          <a:bodyPr/>
+          <a:lstStyle/>
+          <a:p>
+            <a:r>
+              <a:rPr lang="en-US" dirty="0"/>
+              <a:t>Focus: </a:t>
+            </a:r>
+            <a:r>
+              <a:rPr lang="en-US" dirty="0" err="1"/>
+              <a:t>TextSearch</a:t>
+            </a:r>
+            <a:r>
+              <a:rPr lang="en-US" dirty="0"/>
+              <a:t> Package</a:t>
+            </a:r>
+          </a:p>
+        </p:txBody>
+      </p:sp>
+      <p:sp>
+        <p:nvSpPr>
+          <p:cNvPr id="3" name="Content Placeholder 2">
+            <a:extLst>
+              <a:ext uri="{FF2B5EF4-FFF2-40B4-BE49-F238E27FC236}">
+                <a16:creationId xmlns:a16="http://schemas.microsoft.com/office/drawing/2014/main" id="{E570FE00-B106-44C2-BB68-B9DEC331C2A3}"/>
+              </a:ext>
+            </a:extLst>
+          </p:cNvPr>
+          <p:cNvSpPr>
+            <a:spLocks noGrp="1"/>
+          </p:cNvSpPr>
+          <p:nvPr>
+            <p:ph sz="half" idx="2"/>
+          </p:nvPr>
+        </p:nvSpPr>
+        <p:spPr>
+          <a:xfrm>
+            <a:off x="839788" y="1700214"/>
+            <a:ext cx="5157787" cy="4564855"/>
+          </a:xfrm>
+          <a:ln/>
+        </p:spPr>
+        <p:style>
+          <a:lnRef idx="2">
+            <a:schemeClr val="accent3"/>
+          </a:lnRef>
+          <a:fillRef idx="1">
+            <a:schemeClr val="lt1"/>
+          </a:fillRef>
+          <a:effectRef idx="0">
+            <a:schemeClr val="accent3"/>
+          </a:effectRef>
+          <a:fontRef idx="minor">
+            <a:schemeClr val="dk1"/>
+          </a:fontRef>
+        </p:style>
+        <p:txBody>
+          <a:bodyPr>
+            <a:noAutofit/>
+          </a:bodyPr>
+          <a:lstStyle/>
+          <a:p>
+            <a:r>
+              <a:rPr lang="en-US" sz="2400" dirty="0">
+                <a:hlinkClick r:id="rId2"/>
+              </a:rPr>
+              <a:t>Step #0</a:t>
+            </a:r>
+            <a:endParaRPr lang="en-US" sz="2400" dirty="0"/>
+          </a:p>
+          <a:p>
+            <a:pPr lvl="1"/>
+            <a:r>
+              <a:rPr lang="en-US" sz="2000" dirty="0"/>
+              <a:t>Run </a:t>
+            </a:r>
+            <a:r>
+              <a:rPr lang="en-US" sz="2000" dirty="0" err="1"/>
+              <a:t>TextFinder</a:t>
+            </a:r>
+            <a:endParaRPr lang="en-US" sz="2000" dirty="0"/>
+          </a:p>
+          <a:p>
+            <a:pPr lvl="1"/>
+            <a:r>
+              <a:rPr lang="en-US" sz="2000" dirty="0" err="1">
+                <a:hlinkClick r:id="rId3"/>
+              </a:rPr>
+              <a:t>DesignBites_Intro</a:t>
+            </a:r>
+            <a:endParaRPr lang="en-US" sz="2000" dirty="0"/>
+          </a:p>
+          <a:p>
+            <a:pPr lvl="1"/>
+            <a:r>
+              <a:rPr lang="en-US" sz="2000" dirty="0" err="1"/>
+              <a:t>TestCargo</a:t>
+            </a:r>
+            <a:endParaRPr lang="en-US" sz="2000" dirty="0"/>
+          </a:p>
+          <a:p>
+            <a:r>
+              <a:rPr lang="en-US" sz="2400" dirty="0">
+                <a:hlinkClick r:id="rId4"/>
+              </a:rPr>
+              <a:t>Step #1</a:t>
+            </a:r>
+            <a:r>
+              <a:rPr lang="en-US" sz="2400" dirty="0"/>
+              <a:t> - </a:t>
+            </a:r>
+            <a:r>
+              <a:rPr lang="en-US" sz="2400" dirty="0" err="1"/>
+              <a:t>TextSearch</a:t>
+            </a:r>
+            <a:endParaRPr lang="en-US" sz="2400" dirty="0"/>
+          </a:p>
+          <a:p>
+            <a:pPr lvl="1"/>
+            <a:r>
+              <a:rPr lang="en-US" sz="2000" dirty="0">
+                <a:hlinkClick r:id="rId5"/>
+              </a:rPr>
+              <a:t>Starter Code</a:t>
+            </a:r>
+            <a:endParaRPr lang="en-US" sz="2000" dirty="0"/>
+          </a:p>
+          <a:p>
+            <a:pPr lvl="1"/>
+            <a:r>
+              <a:rPr lang="en-US" sz="2000" dirty="0">
+                <a:hlinkClick r:id="rId6"/>
+              </a:rPr>
+              <a:t>Tooling</a:t>
+            </a:r>
+            <a:endParaRPr lang="en-US" sz="2000" dirty="0"/>
+          </a:p>
+          <a:p>
+            <a:pPr lvl="1"/>
+            <a:r>
+              <a:rPr lang="en-US" sz="2000" dirty="0">
+                <a:hlinkClick r:id="rId7"/>
+              </a:rPr>
+              <a:t>Functions</a:t>
+            </a:r>
+            <a:r>
+              <a:rPr lang="en-US" sz="2000" dirty="0"/>
+              <a:t>, </a:t>
+            </a:r>
+            <a:r>
+              <a:rPr lang="en-US" sz="2000" dirty="0">
+                <a:hlinkClick r:id="rId8"/>
+              </a:rPr>
+              <a:t>Structs</a:t>
+            </a:r>
+            <a:endParaRPr lang="en-US" sz="2000" dirty="0"/>
+          </a:p>
+          <a:p>
+            <a:pPr lvl="1"/>
+            <a:r>
+              <a:rPr lang="en-US" sz="2000" dirty="0" err="1">
+                <a:hlinkClick r:id="rId9"/>
+              </a:rPr>
+              <a:t>RustStory_Libraries.html#fs</a:t>
+            </a:r>
+            <a:endParaRPr lang="en-US" sz="2000" dirty="0"/>
+          </a:p>
+          <a:p>
+            <a:pPr lvl="1"/>
+            <a:r>
+              <a:rPr lang="en-US" sz="2000" dirty="0" err="1">
+                <a:hlinkClick r:id="rId10"/>
+              </a:rPr>
+              <a:t>std:fs</a:t>
+            </a:r>
+            <a:endParaRPr lang="en-US" sz="2000" dirty="0"/>
+          </a:p>
+          <a:p>
+            <a:r>
+              <a:rPr lang="en-US" sz="2400" dirty="0" err="1">
+                <a:hlinkClick r:id="rId11"/>
+              </a:rPr>
+              <a:t>BuildOn</a:t>
+            </a:r>
+            <a:endParaRPr lang="en-US" sz="2400" dirty="0"/>
+          </a:p>
+          <a:p>
+            <a:pPr marL="0" indent="0">
+              <a:buNone/>
+            </a:pPr>
+            <a:endParaRPr lang="en-US" sz="2400" dirty="0">
+              <a:hlinkClick r:id="rId12"/>
+            </a:endParaRPr>
+          </a:p>
+        </p:txBody>
+      </p:sp>
+      <p:sp>
+        <p:nvSpPr>
+          <p:cNvPr id="6" name="Text Placeholder 5">
+            <a:extLst>
+              <a:ext uri="{FF2B5EF4-FFF2-40B4-BE49-F238E27FC236}">
+                <a16:creationId xmlns:a16="http://schemas.microsoft.com/office/drawing/2014/main" id="{87CA1F5E-B664-4BD5-9BEA-A9442889F3EE}"/>
+              </a:ext>
+            </a:extLst>
+          </p:cNvPr>
+          <p:cNvSpPr>
+            <a:spLocks noGrp="1"/>
+          </p:cNvSpPr>
+          <p:nvPr>
+            <p:ph type="body" sz="quarter" idx="3"/>
+          </p:nvPr>
+        </p:nvSpPr>
+        <p:spPr>
+          <a:xfrm>
+            <a:off x="6169024" y="1155917"/>
+            <a:ext cx="5183188" cy="484994"/>
+          </a:xfrm>
+        </p:spPr>
+        <p:txBody>
+          <a:bodyPr/>
+          <a:lstStyle/>
+          <a:p>
+            <a:r>
+              <a:rPr lang="en-US" dirty="0"/>
+              <a:t>Focus: Rust</a:t>
+            </a:r>
+          </a:p>
+        </p:txBody>
+      </p:sp>
+      <p:sp>
+        <p:nvSpPr>
+          <p:cNvPr id="4" name="Content Placeholder 3">
+            <a:extLst>
+              <a:ext uri="{FF2B5EF4-FFF2-40B4-BE49-F238E27FC236}">
+                <a16:creationId xmlns:a16="http://schemas.microsoft.com/office/drawing/2014/main" id="{218F4C6B-4B07-46DE-A44D-20A98F13D6B1}"/>
+              </a:ext>
+            </a:extLst>
+          </p:cNvPr>
+          <p:cNvSpPr>
+            <a:spLocks noGrp="1"/>
+          </p:cNvSpPr>
+          <p:nvPr>
+            <p:ph sz="quarter" idx="4"/>
+          </p:nvPr>
+        </p:nvSpPr>
+        <p:spPr>
+          <a:xfrm>
+            <a:off x="6169024" y="1700213"/>
+            <a:ext cx="5183188" cy="4564855"/>
+          </a:xfrm>
+          <a:ln/>
+        </p:spPr>
+        <p:style>
+          <a:lnRef idx="2">
+            <a:schemeClr val="accent3"/>
+          </a:lnRef>
+          <a:fillRef idx="1">
+            <a:schemeClr val="lt1"/>
+          </a:fillRef>
+          <a:effectRef idx="0">
+            <a:schemeClr val="accent3"/>
+          </a:effectRef>
+          <a:fontRef idx="minor">
+            <a:schemeClr val="dk1"/>
+          </a:fontRef>
+        </p:style>
+        <p:txBody>
+          <a:bodyPr>
+            <a:normAutofit/>
+          </a:bodyPr>
+          <a:lstStyle/>
+          <a:p>
+            <a:r>
+              <a:rPr lang="en-US" sz="2400" dirty="0" err="1">
+                <a:hlinkClick r:id="rId13"/>
+              </a:rPr>
+              <a:t>RustBite_Data</a:t>
+            </a:r>
+            <a:endParaRPr lang="en-US" sz="2400" dirty="0">
+              <a:hlinkClick r:id="rId14"/>
+            </a:endParaRPr>
+          </a:p>
+          <a:p>
+            <a:r>
+              <a:rPr lang="en-US" sz="2400" dirty="0">
+                <a:hlinkClick r:id="rId14"/>
+              </a:rPr>
+              <a:t>Safety</a:t>
+            </a:r>
+            <a:endParaRPr lang="en-US" sz="2400" dirty="0"/>
+          </a:p>
+          <a:p>
+            <a:r>
+              <a:rPr lang="en-US" sz="2400" dirty="0" err="1">
+                <a:hlinkClick r:id="rId15"/>
+              </a:rPr>
+              <a:t>Anim_Features</a:t>
+            </a:r>
+            <a:endParaRPr lang="en-US" sz="2400" dirty="0">
+              <a:hlinkClick r:id="rId16" action="ppaction://hlinkfile"/>
+            </a:endParaRPr>
+          </a:p>
+          <a:p>
+            <a:r>
+              <a:rPr lang="en-US" sz="2400" dirty="0">
+                <a:hlinkClick r:id="rId17"/>
+              </a:rPr>
+              <a:t>Rust Bites</a:t>
+            </a:r>
+            <a:endParaRPr lang="en-US" sz="2400" dirty="0"/>
+          </a:p>
+          <a:p>
+            <a:r>
+              <a:rPr lang="en-US" sz="2400" dirty="0">
+                <a:hlinkClick r:id="rId18"/>
+              </a:rPr>
+              <a:t>Rust Story</a:t>
+            </a:r>
+            <a:endParaRPr lang="en-US" sz="2400" dirty="0"/>
+          </a:p>
+          <a:p>
+            <a:r>
+              <a:rPr lang="en-US" sz="2400" dirty="0">
+                <a:hlinkClick r:id="rId19"/>
+              </a:rPr>
+              <a:t>Code Experiments</a:t>
+            </a:r>
+            <a:endParaRPr lang="en-US" sz="2400" dirty="0"/>
+          </a:p>
+          <a:p>
+            <a:r>
+              <a:rPr lang="en-US" sz="2400" b="1" dirty="0"/>
+              <a:t>Questions?</a:t>
+            </a:r>
+          </a:p>
+          <a:p>
+            <a:pPr marL="0" indent="0">
+              <a:buNone/>
+            </a:pPr>
+            <a:endParaRPr lang="en-US" sz="2400" dirty="0"/>
+          </a:p>
+          <a:p>
+            <a:pPr marL="0" indent="0">
+              <a:buNone/>
+            </a:pPr>
+            <a:endParaRPr lang="en-US" sz="2400" dirty="0"/>
+          </a:p>
+          <a:p>
+            <a:pPr marL="0" indent="0">
+              <a:buNone/>
+            </a:pPr>
+            <a:endParaRPr lang="en-US" sz="2400" dirty="0"/>
+          </a:p>
+        </p:txBody>
+      </p:sp>
+      <p:sp>
+        <p:nvSpPr>
+          <p:cNvPr id="7" name="Slide Number Placeholder 6">
+            <a:extLst>
+              <a:ext uri="{FF2B5EF4-FFF2-40B4-BE49-F238E27FC236}">
+                <a16:creationId xmlns:a16="http://schemas.microsoft.com/office/drawing/2014/main" id="{597E6CA4-DD47-4D7E-B3E5-570014B5DF81}"/>
+              </a:ext>
+            </a:extLst>
+          </p:cNvPr>
+          <p:cNvSpPr>
+            <a:spLocks noGrp="1"/>
+          </p:cNvSpPr>
+          <p:nvPr>
+            <p:ph type="sldNum" sz="quarter" idx="12"/>
+          </p:nvPr>
+        </p:nvSpPr>
+        <p:spPr/>
+        <p:txBody>
+          <a:bodyPr/>
+          <a:lstStyle/>
+          <a:p>
+            <a:fld id="{9BDD3687-D8FB-4AFD-9AD8-D913B777D7F7}" type="slidenum">
+              <a:rPr lang="en-US" sz="1600" smtClean="0"/>
+              <a:t>5</a:t>
+            </a:fld>
+            <a:endParaRPr lang="en-US" sz="1600" dirty="0"/>
+          </a:p>
+        </p:txBody>
+      </p:sp>
+    </p:spTree>
+    <p:extLst>
+      <p:ext uri="{BB962C8B-B14F-4D97-AF65-F5344CB8AC3E}">
+        <p14:creationId xmlns:p14="http://schemas.microsoft.com/office/powerpoint/2010/main" val="1028937689"/>
+      </p:ext>
+    </p:extLst>
+  </p:cSld>
+  <p:clrMapOvr>
+    <a:masterClrMapping/>
+  </p:clrMapOvr>
+</p:sld>
+</file>
+
+<file path=ppt/slides/slide6.xml><?xml version="1.0" encoding="utf-8"?>
+<p:sld xmlns:a="http://schemas.openxmlformats.org/drawingml/2006/main" xmlns:r="http://schemas.openxmlformats.org/officeDocument/2006/relationships" xmlns:p="http://schemas.openxmlformats.org/presentationml/2006/main">
+  <p:cSld>
+    <p:spTree>
+      <p:nvGrpSpPr>
+        <p:cNvPr id="1" name=""/>
+        <p:cNvGrpSpPr/>
+        <p:nvPr/>
+      </p:nvGrpSpPr>
+      <p:grpSpPr>
+        <a:xfrm>
+          <a:off x="0" y="0"/>
+          <a:ext cx="0" cy="0"/>
+          <a:chOff x="0" y="0"/>
+          <a:chExt cx="0" cy="0"/>
+        </a:xfrm>
+      </p:grpSpPr>
+      <p:sp>
+        <p:nvSpPr>
           <p:cNvPr id="5" name="Title 4">
             <a:extLst>
               <a:ext uri="{FF2B5EF4-FFF2-40B4-BE49-F238E27FC236}">
@@ -5800,7 +6690,7 @@
             <a:fld id="{9BDD3687-D8FB-4AFD-9AD8-D913B777D7F7}" type="slidenum">
               <a:rPr lang="en-US" sz="1600" smtClean="0"/>
               <a:pPr/>
-              <a:t>5</a:t>
+              <a:t>6</a:t>
             </a:fld>
             <a:endParaRPr lang="en-US" sz="1600" dirty="0"/>
           </a:p>
@@ -5982,7 +6872,7 @@
 </p:sld>
 </file>
 
-<file path=ppt/slides/slide6.xml><?xml version="1.0" encoding="utf-8"?>
+<file path=ppt/slides/slide7.xml><?xml version="1.0" encoding="utf-8"?>
 <p:sld xmlns:a="http://schemas.openxmlformats.org/drawingml/2006/main" xmlns:r="http://schemas.openxmlformats.org/officeDocument/2006/relationships" xmlns:p="http://schemas.openxmlformats.org/presentationml/2006/main">
   <p:cSld>
     <p:spTree>
@@ -6047,7 +6937,7 @@
           <a:p>
             <a:fld id="{9BDD3687-D8FB-4AFD-9AD8-D913B777D7F7}" type="slidenum">
               <a:rPr lang="en-US" smtClean="0"/>
-              <a:t>6</a:t>
+              <a:t>7</a:t>
             </a:fld>
             <a:endParaRPr lang="en-US"/>
           </a:p>
@@ -6102,7 +6992,7 @@
 </p:sld>
 </file>
 
-<file path=ppt/slides/slide7.xml><?xml version="1.0" encoding="utf-8"?>
+<file path=ppt/slides/slide8.xml><?xml version="1.0" encoding="utf-8"?>
 <p:sld xmlns:a="http://schemas.openxmlformats.org/drawingml/2006/main" xmlns:r="http://schemas.openxmlformats.org/officeDocument/2006/relationships" xmlns:p="http://schemas.openxmlformats.org/presentationml/2006/main">
   <p:cSld>
     <p:spTree>
@@ -6175,7 +7065,7 @@
           <a:p>
             <a:fld id="{9BDD3687-D8FB-4AFD-9AD8-D913B777D7F7}" type="slidenum">
               <a:rPr lang="en-US" sz="1600" smtClean="0"/>
-              <a:t>7</a:t>
+              <a:t>8</a:t>
             </a:fld>
             <a:endParaRPr lang="en-US" sz="1600" dirty="0"/>
           </a:p>
@@ -6230,7 +7120,7 @@
 </p:sld>
 </file>
 
-<file path=ppt/slides/slide8.xml><?xml version="1.0" encoding="utf-8"?>
+<file path=ppt/slides/slide9.xml><?xml version="1.0" encoding="utf-8"?>
 <p:sld xmlns:a="http://schemas.openxmlformats.org/drawingml/2006/main" xmlns:r="http://schemas.openxmlformats.org/officeDocument/2006/relationships" xmlns:p="http://schemas.openxmlformats.org/presentationml/2006/main">
   <p:cSld>
     <p:spTree>
@@ -6387,130 +7277,140 @@
           </a:fontRef>
         </p:style>
         <p:txBody>
-          <a:bodyPr/>
-          <a:lstStyle/>
-          <a:p>
-            <a:r>
-              <a:rPr lang="en-US" dirty="0">
+          <a:bodyPr>
+            <a:noAutofit/>
+          </a:bodyPr>
+          <a:lstStyle/>
+          <a:p>
+            <a:r>
+              <a:rPr lang="en-US" sz="2400" dirty="0">
                 <a:hlinkClick r:id="rId2"/>
               </a:rPr>
               <a:t>Step #0</a:t>
             </a:r>
-            <a:endParaRPr lang="en-US" dirty="0"/>
+            <a:endParaRPr lang="en-US" sz="2400" dirty="0"/>
           </a:p>
           <a:p>
             <a:pPr lvl="1"/>
             <a:r>
-              <a:rPr lang="en-US" dirty="0"/>
+              <a:rPr lang="en-US" sz="2000" dirty="0"/>
               <a:t>Run </a:t>
             </a:r>
             <a:r>
-              <a:rPr lang="en-US" dirty="0" err="1"/>
+              <a:rPr lang="en-US" sz="2000" dirty="0" err="1"/>
               <a:t>TextFinder</a:t>
             </a:r>
-            <a:endParaRPr lang="en-US" dirty="0"/>
+            <a:endParaRPr lang="en-US" sz="2000" dirty="0"/>
           </a:p>
           <a:p>
             <a:pPr lvl="1"/>
             <a:r>
-              <a:rPr lang="en-US" dirty="0" err="1">
+              <a:rPr lang="en-US" sz="2000" dirty="0" err="1">
                 <a:hlinkClick r:id="rId3"/>
               </a:rPr>
               <a:t>DesignBites_Intro</a:t>
             </a:r>
-            <a:endParaRPr lang="en-US" dirty="0"/>
-          </a:p>
-          <a:p>
-            <a:r>
-              <a:rPr lang="en-US" dirty="0">
+            <a:endParaRPr lang="en-US" sz="2000" dirty="0"/>
+          </a:p>
+          <a:p>
+            <a:pPr lvl="1"/>
+            <a:r>
+              <a:rPr lang="en-US" sz="2000" dirty="0" err="1"/>
+              <a:t>TestCargo</a:t>
+            </a:r>
+            <a:endParaRPr lang="en-US" sz="2000" dirty="0"/>
+          </a:p>
+          <a:p>
+            <a:r>
+              <a:rPr lang="en-US" sz="2400" dirty="0">
                 <a:hlinkClick r:id="rId4"/>
               </a:rPr>
               <a:t>Step #1</a:t>
             </a:r>
             <a:r>
-              <a:rPr lang="en-US" dirty="0"/>
+              <a:rPr lang="en-US" sz="2400" dirty="0"/>
               <a:t> - </a:t>
             </a:r>
             <a:r>
-              <a:rPr lang="en-US" dirty="0" err="1"/>
+              <a:rPr lang="en-US" sz="2400" dirty="0" err="1"/>
               <a:t>TextSearch</a:t>
             </a:r>
-            <a:endParaRPr lang="en-US" dirty="0"/>
+            <a:endParaRPr lang="en-US" sz="2400" dirty="0"/>
           </a:p>
           <a:p>
             <a:pPr lvl="1"/>
             <a:r>
-              <a:rPr lang="en-US" dirty="0">
+              <a:rPr lang="en-US" sz="2000" dirty="0">
                 <a:hlinkClick r:id="rId5"/>
               </a:rPr>
               <a:t>Starter Code</a:t>
             </a:r>
-            <a:endParaRPr lang="en-US" dirty="0"/>
+            <a:endParaRPr lang="en-US" sz="2000" dirty="0"/>
           </a:p>
           <a:p>
             <a:pPr lvl="1"/>
             <a:r>
-              <a:rPr lang="en-US" dirty="0">
+              <a:rPr lang="en-US" sz="2000" dirty="0">
                 <a:hlinkClick r:id="rId6"/>
               </a:rPr>
               <a:t>Tooling</a:t>
             </a:r>
-            <a:endParaRPr lang="en-US" dirty="0"/>
+            <a:endParaRPr lang="en-US" sz="2000" dirty="0"/>
           </a:p>
           <a:p>
             <a:pPr lvl="1"/>
             <a:r>
-              <a:rPr lang="en-US" dirty="0">
+              <a:rPr lang="en-US" sz="2000" dirty="0">
                 <a:hlinkClick r:id="rId7"/>
               </a:rPr>
               <a:t>Functions</a:t>
             </a:r>
             <a:r>
-              <a:rPr lang="en-US" dirty="0"/>
+              <a:rPr lang="en-US" sz="2000" dirty="0"/>
               <a:t>, </a:t>
             </a:r>
             <a:r>
-              <a:rPr lang="en-US" dirty="0">
+              <a:rPr lang="en-US" sz="2000" dirty="0">
                 <a:hlinkClick r:id="rId8"/>
               </a:rPr>
               <a:t>Structs</a:t>
             </a:r>
-            <a:endParaRPr lang="en-US" dirty="0"/>
+            <a:endParaRPr lang="en-US" sz="2000" dirty="0"/>
           </a:p>
           <a:p>
             <a:pPr lvl="1"/>
             <a:r>
-              <a:rPr lang="en-US" dirty="0" err="1">
+              <a:rPr lang="en-US" sz="2000" dirty="0" err="1">
                 <a:hlinkClick r:id="rId9"/>
               </a:rPr>
               <a:t>RustStory_Libraries.html#fs</a:t>
             </a:r>
-            <a:endParaRPr lang="en-US" dirty="0"/>
+            <a:endParaRPr lang="en-US" sz="2000" dirty="0"/>
           </a:p>
           <a:p>
             <a:pPr lvl="1"/>
             <a:r>
-              <a:rPr lang="en-US" dirty="0" err="1">
+              <a:rPr lang="en-US" sz="2000" dirty="0" err="1">
                 <a:hlinkClick r:id="rId10"/>
               </a:rPr>
               <a:t>std:fs</a:t>
             </a:r>
-            <a:endParaRPr lang="en-US" dirty="0"/>
-          </a:p>
-          <a:p>
-            <a:r>
-              <a:rPr lang="en-US" dirty="0" err="1">
+            <a:endParaRPr lang="en-US" sz="2000" dirty="0"/>
+          </a:p>
+          <a:p>
+            <a:r>
+              <a:rPr lang="en-US" sz="2400" dirty="0" err="1">
                 <a:hlinkClick r:id="rId11"/>
               </a:rPr>
               <a:t>BuildOn</a:t>
             </a:r>
-            <a:endParaRPr lang="en-US" dirty="0"/>
+            <a:endParaRPr lang="en-US" sz="2400" dirty="0"/>
           </a:p>
           <a:p>
             <a:pPr marL="0" indent="0">
               <a:buNone/>
             </a:pPr>
-            <a:endParaRPr lang="en-US" dirty="0">
+            <a:endParaRPr lang="en-US" sz="2400" dirty="0">
               <a:hlinkClick r:id="rId12"/>
             </a:endParaRPr>
           </a:p>
@@ -6587,69 +7487,71 @@
           </a:fontRef>
         </p:style>
         <p:txBody>
-          <a:bodyPr/>
-          <a:lstStyle/>
-          <a:p>
-            <a:r>
-              <a:rPr lang="en-US" dirty="0" err="1">
+          <a:bodyPr>
+            <a:normAutofit/>
+          </a:bodyPr>
+          <a:lstStyle/>
+          <a:p>
+            <a:r>
+              <a:rPr lang="en-US" sz="2400" dirty="0" err="1">
                 <a:hlinkClick r:id="rId13"/>
               </a:rPr>
               <a:t>RustBite_Data</a:t>
             </a:r>
-            <a:endParaRPr lang="en-US" dirty="0">
+            <a:endParaRPr lang="en-US" sz="2400" dirty="0">
               <a:hlinkClick r:id="rId14"/>
             </a:endParaRPr>
           </a:p>
           <a:p>
             <a:r>
-              <a:rPr lang="en-US" dirty="0">
+              <a:rPr lang="en-US" sz="2400" dirty="0">
                 <a:hlinkClick r:id="rId14"/>
               </a:rPr>
               <a:t>Safety</a:t>
             </a:r>
-            <a:endParaRPr lang="en-US" dirty="0"/>
-          </a:p>
-          <a:p>
-            <a:r>
-              <a:rPr lang="en-US" dirty="0" err="1">
+            <a:endParaRPr lang="en-US" sz="2400" dirty="0"/>
+          </a:p>
+          <a:p>
+            <a:r>
+              <a:rPr lang="en-US" sz="2400" dirty="0" err="1">
                 <a:hlinkClick r:id="rId15"/>
               </a:rPr>
               <a:t>Anim_Features</a:t>
             </a:r>
-            <a:endParaRPr lang="en-US" dirty="0">
+            <a:endParaRPr lang="en-US" sz="2400" dirty="0">
               <a:hlinkClick r:id="rId16" action="ppaction://hlinkfile"/>
             </a:endParaRPr>
           </a:p>
           <a:p>
             <a:r>
-              <a:rPr lang="en-US" dirty="0">
+              <a:rPr lang="en-US" sz="2400" dirty="0">
                 <a:hlinkClick r:id="rId17"/>
               </a:rPr>
               <a:t>Rust Bites</a:t>
             </a:r>
-            <a:endParaRPr lang="en-US" dirty="0"/>
-          </a:p>
-          <a:p>
-            <a:r>
-              <a:rPr lang="en-US" dirty="0">
+            <a:endParaRPr lang="en-US" sz="2400" dirty="0"/>
+          </a:p>
+          <a:p>
+            <a:r>
+              <a:rPr lang="en-US" sz="2400" dirty="0">
                 <a:hlinkClick r:id="rId18"/>
               </a:rPr>
               <a:t>Rust Story</a:t>
             </a:r>
-            <a:endParaRPr lang="en-US" dirty="0"/>
-          </a:p>
-          <a:p>
-            <a:r>
-              <a:rPr lang="en-US" dirty="0">
+            <a:endParaRPr lang="en-US" sz="2400" dirty="0"/>
+          </a:p>
+          <a:p>
+            <a:r>
+              <a:rPr lang="en-US" sz="2400" dirty="0">
                 <a:hlinkClick r:id="rId19"/>
               </a:rPr>
               <a:t>Code Experiments</a:t>
             </a:r>
-            <a:endParaRPr lang="en-US" dirty="0"/>
-          </a:p>
-          <a:p>
-            <a:r>
-              <a:rPr lang="en-US" b="1" dirty="0"/>
+            <a:endParaRPr lang="en-US" sz="2400" dirty="0"/>
+          </a:p>
+          <a:p>
+            <a:r>
+              <a:rPr lang="en-US" sz="2400" b="1" dirty="0"/>
               <a:t>Questions?</a:t>
             </a:r>
           </a:p>
@@ -6657,19 +7559,19 @@
             <a:pPr marL="0" indent="0">
               <a:buNone/>
             </a:pPr>
-            <a:endParaRPr lang="en-US" dirty="0"/>
+            <a:endParaRPr lang="en-US" sz="2400" dirty="0"/>
           </a:p>
           <a:p>
             <a:pPr marL="0" indent="0">
               <a:buNone/>
             </a:pPr>
-            <a:endParaRPr lang="en-US" dirty="0"/>
+            <a:endParaRPr lang="en-US" sz="2400" dirty="0"/>
           </a:p>
           <a:p>
             <a:pPr marL="0" indent="0">
               <a:buNone/>
             </a:pPr>
-            <a:endParaRPr lang="en-US" dirty="0"/>
+            <a:endParaRPr lang="en-US" sz="2400" dirty="0"/>
           </a:p>
         </p:txBody>
       </p:sp>
@@ -6679,398 +7581,6 @@
             <a:extLst>
               <a:ext uri="{FF2B5EF4-FFF2-40B4-BE49-F238E27FC236}">
                 <a16:creationId xmlns:a16="http://schemas.microsoft.com/office/drawing/2014/main" id="{597E6CA4-DD47-4D7E-B3E5-570014B5DF81}"/>
-              </a:ext>
-            </a:extLst>
-          </p:cNvPr>
-          <p:cNvSpPr>
-            <a:spLocks noGrp="1"/>
-          </p:cNvSpPr>
-          <p:nvPr>
-            <p:ph type="sldNum" sz="quarter" idx="12"/>
-          </p:nvPr>
-        </p:nvSpPr>
-        <p:spPr/>
-        <p:txBody>
-          <a:bodyPr/>
-          <a:lstStyle/>
-          <a:p>
-            <a:fld id="{9BDD3687-D8FB-4AFD-9AD8-D913B777D7F7}" type="slidenum">
-              <a:rPr lang="en-US" sz="1600" smtClean="0"/>
-              <a:t>8</a:t>
-            </a:fld>
-            <a:endParaRPr lang="en-US" sz="1600" dirty="0"/>
-          </a:p>
-        </p:txBody>
-      </p:sp>
-    </p:spTree>
-    <p:extLst>
-      <p:ext uri="{BB962C8B-B14F-4D97-AF65-F5344CB8AC3E}">
-        <p14:creationId xmlns:p14="http://schemas.microsoft.com/office/powerpoint/2010/main" val="1363403664"/>
-      </p:ext>
-    </p:extLst>
-  </p:cSld>
-  <p:clrMapOvr>
-    <a:masterClrMapping/>
-  </p:clrMapOvr>
-</p:sld>
-</file>
-
-<file path=ppt/slides/slide9.xml><?xml version="1.0" encoding="utf-8"?>
-<p:sld xmlns:a="http://schemas.openxmlformats.org/drawingml/2006/main" xmlns:r="http://schemas.openxmlformats.org/officeDocument/2006/relationships" xmlns:p="http://schemas.openxmlformats.org/presentationml/2006/main">
-  <p:cSld>
-    <p:spTree>
-      <p:nvGrpSpPr>
-        <p:cNvPr id="1" name=""/>
-        <p:cNvGrpSpPr/>
-        <p:nvPr/>
-      </p:nvGrpSpPr>
-      <p:grpSpPr>
-        <a:xfrm>
-          <a:off x="0" y="0"/>
-          <a:ext cx="0" cy="0"/>
-          <a:chOff x="0" y="0"/>
-          <a:chExt cx="0" cy="0"/>
-        </a:xfrm>
-      </p:grpSpPr>
-      <p:sp>
-        <p:nvSpPr>
-          <p:cNvPr id="2" name="Title 1">
-            <a:extLst>
-              <a:ext uri="{FF2B5EF4-FFF2-40B4-BE49-F238E27FC236}">
-                <a16:creationId xmlns:a16="http://schemas.microsoft.com/office/drawing/2014/main" id="{A4A1A110-42E1-4A35-92C4-A678FFE8A307}"/>
-              </a:ext>
-            </a:extLst>
-          </p:cNvPr>
-          <p:cNvSpPr>
-            <a:spLocks noGrp="1"/>
-          </p:cNvSpPr>
-          <p:nvPr>
-            <p:ph type="title"/>
-          </p:nvPr>
-        </p:nvSpPr>
-        <p:spPr>
-          <a:xfrm>
-            <a:off x="839788" y="336551"/>
-            <a:ext cx="10515600" cy="913606"/>
-          </a:xfrm>
-          <a:solidFill>
-            <a:schemeClr val="accent3">
-              <a:lumMod val="20000"/>
-              <a:lumOff val="80000"/>
-            </a:schemeClr>
-          </a:solidFill>
-        </p:spPr>
-        <p:style>
-          <a:lnRef idx="2">
-            <a:schemeClr val="accent3"/>
-          </a:lnRef>
-          <a:fillRef idx="1">
-            <a:schemeClr val="lt1"/>
-          </a:fillRef>
-          <a:effectRef idx="0">
-            <a:schemeClr val="accent3"/>
-          </a:effectRef>
-          <a:fontRef idx="minor">
-            <a:schemeClr val="dk1"/>
-          </a:fontRef>
-        </p:style>
-        <p:txBody>
-          <a:bodyPr/>
-          <a:lstStyle/>
-          <a:p>
-            <a:r>
-              <a:rPr lang="en-US" dirty="0"/>
-              <a:t>Next </a:t>
-            </a:r>
-            <a:r>
-              <a:rPr lang="en-US" dirty="0" err="1"/>
-              <a:t>BuildOn</a:t>
-            </a:r>
-            <a:r>
-              <a:rPr lang="en-US" dirty="0"/>
-              <a:t> – Session #3 – </a:t>
-            </a:r>
-            <a:r>
-              <a:rPr lang="en-US" dirty="0" err="1"/>
-              <a:t>DirNav</a:t>
-            </a:r>
-            <a:endParaRPr lang="en-US" dirty="0"/>
-          </a:p>
-        </p:txBody>
-      </p:sp>
-      <p:sp>
-        <p:nvSpPr>
-          <p:cNvPr id="4" name="Text Placeholder 3">
-            <a:extLst>
-              <a:ext uri="{FF2B5EF4-FFF2-40B4-BE49-F238E27FC236}">
-                <a16:creationId xmlns:a16="http://schemas.microsoft.com/office/drawing/2014/main" id="{72EBEF3F-5A6C-4669-B46A-2439E922063E}"/>
-              </a:ext>
-            </a:extLst>
-          </p:cNvPr>
-          <p:cNvSpPr>
-            <a:spLocks noGrp="1"/>
-          </p:cNvSpPr>
-          <p:nvPr>
-            <p:ph type="body" idx="1"/>
-          </p:nvPr>
-        </p:nvSpPr>
-        <p:spPr>
-          <a:xfrm>
-            <a:off x="839788" y="1474034"/>
-            <a:ext cx="5157787" cy="773858"/>
-          </a:xfrm>
-        </p:spPr>
-        <p:txBody>
-          <a:bodyPr>
-            <a:normAutofit/>
-          </a:bodyPr>
-          <a:lstStyle/>
-          <a:p>
-            <a:r>
-              <a:rPr lang="en-US" sz="2800" dirty="0"/>
-              <a:t>Project Packages</a:t>
-            </a:r>
-          </a:p>
-        </p:txBody>
-      </p:sp>
-      <p:sp>
-        <p:nvSpPr>
-          <p:cNvPr id="3" name="Content Placeholder 2">
-            <a:extLst>
-              <a:ext uri="{FF2B5EF4-FFF2-40B4-BE49-F238E27FC236}">
-                <a16:creationId xmlns:a16="http://schemas.microsoft.com/office/drawing/2014/main" id="{0CAF5A3B-6F24-4AF6-9031-2F2B88373BE3}"/>
-              </a:ext>
-            </a:extLst>
-          </p:cNvPr>
-          <p:cNvSpPr>
-            <a:spLocks noGrp="1"/>
-          </p:cNvSpPr>
-          <p:nvPr>
-            <p:ph sz="half" idx="2"/>
-          </p:nvPr>
-        </p:nvSpPr>
-        <p:spPr>
-          <a:xfrm>
-            <a:off x="839788" y="2500314"/>
-            <a:ext cx="5157787" cy="3460742"/>
-          </a:xfrm>
-          <a:ln/>
-        </p:spPr>
-        <p:style>
-          <a:lnRef idx="2">
-            <a:schemeClr val="accent3"/>
-          </a:lnRef>
-          <a:fillRef idx="1">
-            <a:schemeClr val="lt1"/>
-          </a:fillRef>
-          <a:effectRef idx="0">
-            <a:schemeClr val="accent3"/>
-          </a:effectRef>
-          <a:fontRef idx="minor">
-            <a:schemeClr val="dk1"/>
-          </a:fontRef>
-        </p:style>
-        <p:txBody>
-          <a:bodyPr/>
-          <a:lstStyle/>
-          <a:p>
-            <a:r>
-              <a:rPr lang="en-US" dirty="0">
-                <a:hlinkClick r:id="rId2"/>
-              </a:rPr>
-              <a:t>Step #1</a:t>
-            </a:r>
-            <a:r>
-              <a:rPr lang="en-US" dirty="0"/>
-              <a:t> – Quick Review</a:t>
-            </a:r>
-          </a:p>
-          <a:p>
-            <a:pPr lvl="1"/>
-            <a:r>
-              <a:rPr lang="en-US" dirty="0"/>
-              <a:t>Text Search package</a:t>
-            </a:r>
-          </a:p>
-          <a:p>
-            <a:pPr lvl="1"/>
-            <a:r>
-              <a:rPr lang="en-US" dirty="0"/>
-              <a:t>Posted solution</a:t>
-            </a:r>
-          </a:p>
-          <a:p>
-            <a:r>
-              <a:rPr lang="en-US" dirty="0">
-                <a:hlinkClick r:id="rId3" action="ppaction://hlinkfile"/>
-              </a:rPr>
-              <a:t>Step #2</a:t>
-            </a:r>
-            <a:r>
-              <a:rPr lang="en-US" dirty="0"/>
-              <a:t> - </a:t>
-            </a:r>
-            <a:r>
-              <a:rPr lang="en-US" dirty="0" err="1"/>
-              <a:t>DirNav</a:t>
-            </a:r>
-            <a:endParaRPr lang="en-US" dirty="0"/>
-          </a:p>
-          <a:p>
-            <a:pPr lvl="1"/>
-            <a:r>
-              <a:rPr lang="en-US" dirty="0" err="1"/>
-              <a:t>DirNav</a:t>
-            </a:r>
-            <a:r>
-              <a:rPr lang="en-US" dirty="0"/>
-              <a:t> package spec</a:t>
-            </a:r>
-          </a:p>
-          <a:p>
-            <a:pPr lvl="1"/>
-            <a:r>
-              <a:rPr lang="en-US" dirty="0"/>
-              <a:t>Look at Starter Code</a:t>
-            </a:r>
-          </a:p>
-        </p:txBody>
-      </p:sp>
-      <p:sp>
-        <p:nvSpPr>
-          <p:cNvPr id="5" name="Text Placeholder 4">
-            <a:extLst>
-              <a:ext uri="{FF2B5EF4-FFF2-40B4-BE49-F238E27FC236}">
-                <a16:creationId xmlns:a16="http://schemas.microsoft.com/office/drawing/2014/main" id="{A061DA82-BF3E-4C99-B8B8-8633F2569885}"/>
-              </a:ext>
-            </a:extLst>
-          </p:cNvPr>
-          <p:cNvSpPr>
-            <a:spLocks noGrp="1"/>
-          </p:cNvSpPr>
-          <p:nvPr>
-            <p:ph type="body" sz="quarter" idx="3"/>
-          </p:nvPr>
-        </p:nvSpPr>
-        <p:spPr>
-          <a:xfrm>
-            <a:off x="6172200" y="1474034"/>
-            <a:ext cx="5183188" cy="773858"/>
-          </a:xfrm>
-        </p:spPr>
-        <p:txBody>
-          <a:bodyPr>
-            <a:normAutofit/>
-          </a:bodyPr>
-          <a:lstStyle/>
-          <a:p>
-            <a:r>
-              <a:rPr lang="en-US" sz="2800" dirty="0"/>
-              <a:t>Rust</a:t>
-            </a:r>
-          </a:p>
-        </p:txBody>
-      </p:sp>
-      <p:sp>
-        <p:nvSpPr>
-          <p:cNvPr id="6" name="Content Placeholder 5">
-            <a:extLst>
-              <a:ext uri="{FF2B5EF4-FFF2-40B4-BE49-F238E27FC236}">
-                <a16:creationId xmlns:a16="http://schemas.microsoft.com/office/drawing/2014/main" id="{730A4F1F-A3A0-46E6-901D-EB9D60C3E169}"/>
-              </a:ext>
-            </a:extLst>
-          </p:cNvPr>
-          <p:cNvSpPr>
-            <a:spLocks noGrp="1"/>
-          </p:cNvSpPr>
-          <p:nvPr>
-            <p:ph sz="quarter" idx="4"/>
-          </p:nvPr>
-        </p:nvSpPr>
-        <p:spPr>
-          <a:xfrm>
-            <a:off x="6172200" y="2471739"/>
-            <a:ext cx="5183188" cy="3460742"/>
-          </a:xfrm>
-          <a:ln/>
-        </p:spPr>
-        <p:style>
-          <a:lnRef idx="2">
-            <a:schemeClr val="accent3"/>
-          </a:lnRef>
-          <a:fillRef idx="1">
-            <a:schemeClr val="lt1"/>
-          </a:fillRef>
-          <a:effectRef idx="0">
-            <a:schemeClr val="accent3"/>
-          </a:effectRef>
-          <a:fontRef idx="minor">
-            <a:schemeClr val="dk1"/>
-          </a:fontRef>
-        </p:style>
-        <p:txBody>
-          <a:bodyPr/>
-          <a:lstStyle/>
-          <a:p>
-            <a:r>
-              <a:rPr lang="en-US" dirty="0">
-                <a:hlinkClick r:id="rId4"/>
-              </a:rPr>
-              <a:t>Enumerations</a:t>
-            </a:r>
-            <a:endParaRPr lang="en-US" dirty="0">
-              <a:hlinkClick r:id="rId5"/>
-            </a:endParaRPr>
-          </a:p>
-          <a:p>
-            <a:r>
-              <a:rPr lang="en-US" dirty="0">
-                <a:hlinkClick r:id="rId6"/>
-              </a:rPr>
-              <a:t>Error Handling</a:t>
-            </a:r>
-            <a:endParaRPr lang="en-US" dirty="0">
-              <a:hlinkClick r:id="rId7" action="ppaction://hlinkfile"/>
-            </a:endParaRPr>
-          </a:p>
-          <a:p>
-            <a:r>
-              <a:rPr lang="en-US" dirty="0">
-                <a:hlinkClick r:id="rId8"/>
-              </a:rPr>
-              <a:t>Conversions</a:t>
-            </a:r>
-            <a:endParaRPr lang="en-US" dirty="0"/>
-          </a:p>
-          <a:p>
-            <a:r>
-              <a:rPr lang="en-US" dirty="0">
-                <a:hlinkClick r:id="rId9"/>
-              </a:rPr>
-              <a:t>Generics &amp;Traits</a:t>
-            </a:r>
-            <a:endParaRPr lang="en-US" dirty="0"/>
-          </a:p>
-          <a:p>
-            <a:r>
-              <a:rPr lang="en-US" dirty="0"/>
-              <a:t>Answer Questions</a:t>
-            </a:r>
-          </a:p>
-          <a:p>
-            <a:pPr marL="0" indent="0">
-              <a:buNone/>
-            </a:pPr>
-            <a:endParaRPr lang="en-US" dirty="0"/>
-          </a:p>
-        </p:txBody>
-      </p:sp>
-      <p:sp>
-        <p:nvSpPr>
-          <p:cNvPr id="7" name="Slide Number Placeholder 6">
-            <a:extLst>
-              <a:ext uri="{FF2B5EF4-FFF2-40B4-BE49-F238E27FC236}">
-                <a16:creationId xmlns:a16="http://schemas.microsoft.com/office/drawing/2014/main" id="{7BE766EE-57BC-4C75-975A-F51860811B5A}"/>
               </a:ext>
             </a:extLst>
           </p:cNvPr>
@@ -7097,7 +7607,7 @@
     </p:spTree>
     <p:extLst>
       <p:ext uri="{BB962C8B-B14F-4D97-AF65-F5344CB8AC3E}">
-        <p14:creationId xmlns:p14="http://schemas.microsoft.com/office/powerpoint/2010/main" val="3150932224"/>
+        <p14:creationId xmlns:p14="http://schemas.microsoft.com/office/powerpoint/2010/main" val="1153504732"/>
       </p:ext>
     </p:extLst>
   </p:cSld>
